--- a/powerpoint/tres-lemas.pptx
+++ b/powerpoint/tres-lemas.pptx
@@ -4,8 +4,30 @@
   <p:sldMasterIdLst>
     <p:sldMasterId id="2147483660" r:id="rId1"/>
   </p:sldMasterIdLst>
+  <p:notesMasterIdLst>
+    <p:notesMasterId r:id="rId22"/>
+  </p:notesMasterIdLst>
   <p:sldIdLst>
     <p:sldId id="256" r:id="rId2"/>
+    <p:sldId id="257" r:id="rId3"/>
+    <p:sldId id="260" r:id="rId4"/>
+    <p:sldId id="261" r:id="rId5"/>
+    <p:sldId id="263" r:id="rId6"/>
+    <p:sldId id="278" r:id="rId7"/>
+    <p:sldId id="264" r:id="rId8"/>
+    <p:sldId id="265" r:id="rId9"/>
+    <p:sldId id="266" r:id="rId10"/>
+    <p:sldId id="259" r:id="rId11"/>
+    <p:sldId id="267" r:id="rId12"/>
+    <p:sldId id="268" r:id="rId13"/>
+    <p:sldId id="269" r:id="rId14"/>
+    <p:sldId id="270" r:id="rId15"/>
+    <p:sldId id="271" r:id="rId16"/>
+    <p:sldId id="273" r:id="rId17"/>
+    <p:sldId id="274" r:id="rId18"/>
+    <p:sldId id="275" r:id="rId19"/>
+    <p:sldId id="276" r:id="rId20"/>
+    <p:sldId id="277" r:id="rId21"/>
   </p:sldIdLst>
   <p:sldSz cx="9144000" cy="6858000" type="screen4x3"/>
   <p:notesSz cx="6858000" cy="9144000"/>
@@ -107,6 +129,2238 @@
 </p:presentation>
 </file>
 
+<file path=ppt/notesMasters/notesMaster1.xml><?xml version="1.0" encoding="utf-8"?>
+<p:notesMaster xmlns:a="http://schemas.openxmlformats.org/drawingml/2006/main" xmlns:r="http://schemas.openxmlformats.org/officeDocument/2006/relationships" xmlns:p="http://schemas.openxmlformats.org/presentationml/2006/main">
+  <p:cSld>
+    <p:bg>
+      <p:bgRef idx="1001">
+        <a:schemeClr val="bg1"/>
+      </p:bgRef>
+    </p:bg>
+    <p:spTree>
+      <p:nvGrpSpPr>
+        <p:cNvPr id="1" name=""/>
+        <p:cNvGrpSpPr/>
+        <p:nvPr/>
+      </p:nvGrpSpPr>
+      <p:grpSpPr>
+        <a:xfrm>
+          <a:off x="0" y="0"/>
+          <a:ext cx="0" cy="0"/>
+          <a:chOff x="0" y="0"/>
+          <a:chExt cx="0" cy="0"/>
+        </a:xfrm>
+      </p:grpSpPr>
+      <p:sp>
+        <p:nvSpPr>
+          <p:cNvPr id="2" name="Header Placeholder 1"/>
+          <p:cNvSpPr>
+            <a:spLocks noGrp="1"/>
+          </p:cNvSpPr>
+          <p:nvPr>
+            <p:ph type="hdr" sz="quarter"/>
+          </p:nvPr>
+        </p:nvSpPr>
+        <p:spPr>
+          <a:xfrm>
+            <a:off x="0" y="0"/>
+            <a:ext cx="2971800" cy="458788"/>
+          </a:xfrm>
+          <a:prstGeom prst="rect">
+            <a:avLst/>
+          </a:prstGeom>
+        </p:spPr>
+        <p:txBody>
+          <a:bodyPr vert="horz" lIns="91440" tIns="45720" rIns="91440" bIns="45720" rtlCol="0"/>
+          <a:lstStyle>
+            <a:lvl1pPr algn="l">
+              <a:defRPr sz="1200"/>
+            </a:lvl1pPr>
+          </a:lstStyle>
+          <a:p>
+            <a:endParaRPr lang="es-ES_tradnl"/>
+          </a:p>
+        </p:txBody>
+      </p:sp>
+      <p:sp>
+        <p:nvSpPr>
+          <p:cNvPr id="3" name="Date Placeholder 2"/>
+          <p:cNvSpPr>
+            <a:spLocks noGrp="1"/>
+          </p:cNvSpPr>
+          <p:nvPr>
+            <p:ph type="dt" idx="1"/>
+          </p:nvPr>
+        </p:nvSpPr>
+        <p:spPr>
+          <a:xfrm>
+            <a:off x="3884613" y="0"/>
+            <a:ext cx="2971800" cy="458788"/>
+          </a:xfrm>
+          <a:prstGeom prst="rect">
+            <a:avLst/>
+          </a:prstGeom>
+        </p:spPr>
+        <p:txBody>
+          <a:bodyPr vert="horz" lIns="91440" tIns="45720" rIns="91440" bIns="45720" rtlCol="0"/>
+          <a:lstStyle>
+            <a:lvl1pPr algn="r">
+              <a:defRPr sz="1200"/>
+            </a:lvl1pPr>
+          </a:lstStyle>
+          <a:p>
+            <a:fld id="{79FE4F79-0595-D549-9511-573FBDEA21E7}" type="datetimeFigureOut">
+              <a:rPr lang="es-ES_tradnl" smtClean="0"/>
+              <a:t>3/6/18</a:t>
+            </a:fld>
+            <a:endParaRPr lang="es-ES_tradnl"/>
+          </a:p>
+        </p:txBody>
+      </p:sp>
+      <p:sp>
+        <p:nvSpPr>
+          <p:cNvPr id="4" name="Slide Image Placeholder 3"/>
+          <p:cNvSpPr>
+            <a:spLocks noGrp="1" noRot="1" noChangeAspect="1"/>
+          </p:cNvSpPr>
+          <p:nvPr>
+            <p:ph type="sldImg" idx="2"/>
+          </p:nvPr>
+        </p:nvSpPr>
+        <p:spPr>
+          <a:xfrm>
+            <a:off x="1371600" y="1143000"/>
+            <a:ext cx="4114800" cy="3086100"/>
+          </a:xfrm>
+          <a:prstGeom prst="rect">
+            <a:avLst/>
+          </a:prstGeom>
+          <a:noFill/>
+          <a:ln w="12700">
+            <a:solidFill>
+              <a:prstClr val="black"/>
+            </a:solidFill>
+          </a:ln>
+        </p:spPr>
+        <p:txBody>
+          <a:bodyPr vert="horz" lIns="91440" tIns="45720" rIns="91440" bIns="45720" rtlCol="0" anchor="ctr"/>
+          <a:lstStyle/>
+          <a:p>
+            <a:endParaRPr lang="es-ES_tradnl"/>
+          </a:p>
+        </p:txBody>
+      </p:sp>
+      <p:sp>
+        <p:nvSpPr>
+          <p:cNvPr id="5" name="Notes Placeholder 4"/>
+          <p:cNvSpPr>
+            <a:spLocks noGrp="1"/>
+          </p:cNvSpPr>
+          <p:nvPr>
+            <p:ph type="body" sz="quarter" idx="3"/>
+          </p:nvPr>
+        </p:nvSpPr>
+        <p:spPr>
+          <a:xfrm>
+            <a:off x="685800" y="4400550"/>
+            <a:ext cx="5486400" cy="3600450"/>
+          </a:xfrm>
+          <a:prstGeom prst="rect">
+            <a:avLst/>
+          </a:prstGeom>
+        </p:spPr>
+        <p:txBody>
+          <a:bodyPr vert="horz" lIns="91440" tIns="45720" rIns="91440" bIns="45720" rtlCol="0"/>
+          <a:lstStyle/>
+          <a:p>
+            <a:pPr lvl="0"/>
+            <a:r>
+              <a:rPr lang="en-US"/>
+              <a:t>Edit Master text styles</a:t>
+            </a:r>
+          </a:p>
+          <a:p>
+            <a:pPr lvl="1"/>
+            <a:r>
+              <a:rPr lang="en-US"/>
+              <a:t>Second level</a:t>
+            </a:r>
+          </a:p>
+          <a:p>
+            <a:pPr lvl="2"/>
+            <a:r>
+              <a:rPr lang="en-US"/>
+              <a:t>Third level</a:t>
+            </a:r>
+          </a:p>
+          <a:p>
+            <a:pPr lvl="3"/>
+            <a:r>
+              <a:rPr lang="en-US"/>
+              <a:t>Fourth level</a:t>
+            </a:r>
+          </a:p>
+          <a:p>
+            <a:pPr lvl="4"/>
+            <a:r>
+              <a:rPr lang="en-US"/>
+              <a:t>Fifth level</a:t>
+            </a:r>
+            <a:endParaRPr lang="es-ES_tradnl"/>
+          </a:p>
+        </p:txBody>
+      </p:sp>
+      <p:sp>
+        <p:nvSpPr>
+          <p:cNvPr id="6" name="Footer Placeholder 5"/>
+          <p:cNvSpPr>
+            <a:spLocks noGrp="1"/>
+          </p:cNvSpPr>
+          <p:nvPr>
+            <p:ph type="ftr" sz="quarter" idx="4"/>
+          </p:nvPr>
+        </p:nvSpPr>
+        <p:spPr>
+          <a:xfrm>
+            <a:off x="0" y="8685213"/>
+            <a:ext cx="2971800" cy="458787"/>
+          </a:xfrm>
+          <a:prstGeom prst="rect">
+            <a:avLst/>
+          </a:prstGeom>
+        </p:spPr>
+        <p:txBody>
+          <a:bodyPr vert="horz" lIns="91440" tIns="45720" rIns="91440" bIns="45720" rtlCol="0" anchor="b"/>
+          <a:lstStyle>
+            <a:lvl1pPr algn="l">
+              <a:defRPr sz="1200"/>
+            </a:lvl1pPr>
+          </a:lstStyle>
+          <a:p>
+            <a:endParaRPr lang="es-ES_tradnl"/>
+          </a:p>
+        </p:txBody>
+      </p:sp>
+      <p:sp>
+        <p:nvSpPr>
+          <p:cNvPr id="7" name="Slide Number Placeholder 6"/>
+          <p:cNvSpPr>
+            <a:spLocks noGrp="1"/>
+          </p:cNvSpPr>
+          <p:nvPr>
+            <p:ph type="sldNum" sz="quarter" idx="5"/>
+          </p:nvPr>
+        </p:nvSpPr>
+        <p:spPr>
+          <a:xfrm>
+            <a:off x="3884613" y="8685213"/>
+            <a:ext cx="2971800" cy="458787"/>
+          </a:xfrm>
+          <a:prstGeom prst="rect">
+            <a:avLst/>
+          </a:prstGeom>
+        </p:spPr>
+        <p:txBody>
+          <a:bodyPr vert="horz" lIns="91440" tIns="45720" rIns="91440" bIns="45720" rtlCol="0" anchor="b"/>
+          <a:lstStyle>
+            <a:lvl1pPr algn="r">
+              <a:defRPr sz="1200"/>
+            </a:lvl1pPr>
+          </a:lstStyle>
+          <a:p>
+            <a:fld id="{B257BC5A-9EFD-5A42-A078-0043DD193A81}" type="slidenum">
+              <a:rPr lang="es-ES_tradnl" smtClean="0"/>
+              <a:t>‹#›</a:t>
+            </a:fld>
+            <a:endParaRPr lang="es-ES_tradnl"/>
+          </a:p>
+        </p:txBody>
+      </p:sp>
+    </p:spTree>
+    <p:extLst>
+      <p:ext uri="{BB962C8B-B14F-4D97-AF65-F5344CB8AC3E}">
+        <p14:creationId xmlns:p14="http://schemas.microsoft.com/office/powerpoint/2010/main" val="1084495400"/>
+      </p:ext>
+    </p:extLst>
+  </p:cSld>
+  <p:clrMap bg1="lt1" tx1="dk1" bg2="lt2" tx2="dk2" accent1="accent1" accent2="accent2" accent3="accent3" accent4="accent4" accent5="accent5" accent6="accent6" hlink="hlink" folHlink="folHlink"/>
+  <p:notesStyle>
+    <a:lvl1pPr marL="0" algn="l" defTabSz="914400" rtl="0" eaLnBrk="1" latinLnBrk="0" hangingPunct="1">
+      <a:defRPr sz="1200" kern="1200">
+        <a:solidFill>
+          <a:schemeClr val="tx1"/>
+        </a:solidFill>
+        <a:latin typeface="+mn-lt"/>
+        <a:ea typeface="+mn-ea"/>
+        <a:cs typeface="+mn-cs"/>
+      </a:defRPr>
+    </a:lvl1pPr>
+    <a:lvl2pPr marL="457200" algn="l" defTabSz="914400" rtl="0" eaLnBrk="1" latinLnBrk="0" hangingPunct="1">
+      <a:defRPr sz="1200" kern="1200">
+        <a:solidFill>
+          <a:schemeClr val="tx1"/>
+        </a:solidFill>
+        <a:latin typeface="+mn-lt"/>
+        <a:ea typeface="+mn-ea"/>
+        <a:cs typeface="+mn-cs"/>
+      </a:defRPr>
+    </a:lvl2pPr>
+    <a:lvl3pPr marL="914400" algn="l" defTabSz="914400" rtl="0" eaLnBrk="1" latinLnBrk="0" hangingPunct="1">
+      <a:defRPr sz="1200" kern="1200">
+        <a:solidFill>
+          <a:schemeClr val="tx1"/>
+        </a:solidFill>
+        <a:latin typeface="+mn-lt"/>
+        <a:ea typeface="+mn-ea"/>
+        <a:cs typeface="+mn-cs"/>
+      </a:defRPr>
+    </a:lvl3pPr>
+    <a:lvl4pPr marL="1371600" algn="l" defTabSz="914400" rtl="0" eaLnBrk="1" latinLnBrk="0" hangingPunct="1">
+      <a:defRPr sz="1200" kern="1200">
+        <a:solidFill>
+          <a:schemeClr val="tx1"/>
+        </a:solidFill>
+        <a:latin typeface="+mn-lt"/>
+        <a:ea typeface="+mn-ea"/>
+        <a:cs typeface="+mn-cs"/>
+      </a:defRPr>
+    </a:lvl4pPr>
+    <a:lvl5pPr marL="1828800" algn="l" defTabSz="914400" rtl="0" eaLnBrk="1" latinLnBrk="0" hangingPunct="1">
+      <a:defRPr sz="1200" kern="1200">
+        <a:solidFill>
+          <a:schemeClr val="tx1"/>
+        </a:solidFill>
+        <a:latin typeface="+mn-lt"/>
+        <a:ea typeface="+mn-ea"/>
+        <a:cs typeface="+mn-cs"/>
+      </a:defRPr>
+    </a:lvl5pPr>
+    <a:lvl6pPr marL="2286000" algn="l" defTabSz="914400" rtl="0" eaLnBrk="1" latinLnBrk="0" hangingPunct="1">
+      <a:defRPr sz="1200" kern="1200">
+        <a:solidFill>
+          <a:schemeClr val="tx1"/>
+        </a:solidFill>
+        <a:latin typeface="+mn-lt"/>
+        <a:ea typeface="+mn-ea"/>
+        <a:cs typeface="+mn-cs"/>
+      </a:defRPr>
+    </a:lvl6pPr>
+    <a:lvl7pPr marL="2743200" algn="l" defTabSz="914400" rtl="0" eaLnBrk="1" latinLnBrk="0" hangingPunct="1">
+      <a:defRPr sz="1200" kern="1200">
+        <a:solidFill>
+          <a:schemeClr val="tx1"/>
+        </a:solidFill>
+        <a:latin typeface="+mn-lt"/>
+        <a:ea typeface="+mn-ea"/>
+        <a:cs typeface="+mn-cs"/>
+      </a:defRPr>
+    </a:lvl7pPr>
+    <a:lvl8pPr marL="3200400" algn="l" defTabSz="914400" rtl="0" eaLnBrk="1" latinLnBrk="0" hangingPunct="1">
+      <a:defRPr sz="1200" kern="1200">
+        <a:solidFill>
+          <a:schemeClr val="tx1"/>
+        </a:solidFill>
+        <a:latin typeface="+mn-lt"/>
+        <a:ea typeface="+mn-ea"/>
+        <a:cs typeface="+mn-cs"/>
+      </a:defRPr>
+    </a:lvl8pPr>
+    <a:lvl9pPr marL="3657600" algn="l" defTabSz="914400" rtl="0" eaLnBrk="1" latinLnBrk="0" hangingPunct="1">
+      <a:defRPr sz="1200" kern="1200">
+        <a:solidFill>
+          <a:schemeClr val="tx1"/>
+        </a:solidFill>
+        <a:latin typeface="+mn-lt"/>
+        <a:ea typeface="+mn-ea"/>
+        <a:cs typeface="+mn-cs"/>
+      </a:defRPr>
+    </a:lvl9pPr>
+  </p:notesStyle>
+</p:notesMaster>
+</file>
+
+<file path=ppt/notesSlides/notesSlide1.xml><?xml version="1.0" encoding="utf-8"?>
+<p:notes xmlns:a="http://schemas.openxmlformats.org/drawingml/2006/main" xmlns:r="http://schemas.openxmlformats.org/officeDocument/2006/relationships" xmlns:p="http://schemas.openxmlformats.org/presentationml/2006/main">
+  <p:cSld>
+    <p:spTree>
+      <p:nvGrpSpPr>
+        <p:cNvPr id="1" name=""/>
+        <p:cNvGrpSpPr/>
+        <p:nvPr/>
+      </p:nvGrpSpPr>
+      <p:grpSpPr>
+        <a:xfrm>
+          <a:off x="0" y="0"/>
+          <a:ext cx="0" cy="0"/>
+          <a:chOff x="0" y="0"/>
+          <a:chExt cx="0" cy="0"/>
+        </a:xfrm>
+      </p:grpSpPr>
+      <p:sp>
+        <p:nvSpPr>
+          <p:cNvPr id="2" name="Slide Image Placeholder 1"/>
+          <p:cNvSpPr>
+            <a:spLocks noGrp="1" noRot="1" noChangeAspect="1"/>
+          </p:cNvSpPr>
+          <p:nvPr>
+            <p:ph type="sldImg"/>
+          </p:nvPr>
+        </p:nvSpPr>
+        <p:spPr/>
+      </p:sp>
+      <p:sp>
+        <p:nvSpPr>
+          <p:cNvPr id="3" name="Notes Placeholder 2"/>
+          <p:cNvSpPr>
+            <a:spLocks noGrp="1"/>
+          </p:cNvSpPr>
+          <p:nvPr>
+            <p:ph type="body" idx="1"/>
+          </p:nvPr>
+        </p:nvSpPr>
+        <p:spPr/>
+        <p:txBody>
+          <a:bodyPr/>
+          <a:lstStyle/>
+          <a:p>
+            <a:r>
+              <a:rPr lang="es-ES_tradnl" dirty="0"/>
+              <a:t>20”</a:t>
+            </a:r>
+          </a:p>
+        </p:txBody>
+      </p:sp>
+      <p:sp>
+        <p:nvSpPr>
+          <p:cNvPr id="4" name="Slide Number Placeholder 3"/>
+          <p:cNvSpPr>
+            <a:spLocks noGrp="1"/>
+          </p:cNvSpPr>
+          <p:nvPr>
+            <p:ph type="sldNum" sz="quarter" idx="10"/>
+          </p:nvPr>
+        </p:nvSpPr>
+        <p:spPr/>
+        <p:txBody>
+          <a:bodyPr/>
+          <a:lstStyle/>
+          <a:p>
+            <a:fld id="{B257BC5A-9EFD-5A42-A078-0043DD193A81}" type="slidenum">
+              <a:rPr lang="es-ES_tradnl" smtClean="0"/>
+              <a:t>1</a:t>
+            </a:fld>
+            <a:endParaRPr lang="es-ES_tradnl"/>
+          </a:p>
+        </p:txBody>
+      </p:sp>
+    </p:spTree>
+    <p:extLst>
+      <p:ext uri="{BB962C8B-B14F-4D97-AF65-F5344CB8AC3E}">
+        <p14:creationId xmlns:p14="http://schemas.microsoft.com/office/powerpoint/2010/main" val="2000034545"/>
+      </p:ext>
+    </p:extLst>
+  </p:cSld>
+  <p:clrMapOvr>
+    <a:masterClrMapping/>
+  </p:clrMapOvr>
+</p:notes>
+</file>
+
+<file path=ppt/notesSlides/notesSlide10.xml><?xml version="1.0" encoding="utf-8"?>
+<p:notes xmlns:a="http://schemas.openxmlformats.org/drawingml/2006/main" xmlns:r="http://schemas.openxmlformats.org/officeDocument/2006/relationships" xmlns:p="http://schemas.openxmlformats.org/presentationml/2006/main">
+  <p:cSld>
+    <p:spTree>
+      <p:nvGrpSpPr>
+        <p:cNvPr id="1" name=""/>
+        <p:cNvGrpSpPr/>
+        <p:nvPr/>
+      </p:nvGrpSpPr>
+      <p:grpSpPr>
+        <a:xfrm>
+          <a:off x="0" y="0"/>
+          <a:ext cx="0" cy="0"/>
+          <a:chOff x="0" y="0"/>
+          <a:chExt cx="0" cy="0"/>
+        </a:xfrm>
+      </p:grpSpPr>
+      <p:sp>
+        <p:nvSpPr>
+          <p:cNvPr id="2" name="Slide Image Placeholder 1"/>
+          <p:cNvSpPr>
+            <a:spLocks noGrp="1" noRot="1" noChangeAspect="1"/>
+          </p:cNvSpPr>
+          <p:nvPr>
+            <p:ph type="sldImg"/>
+          </p:nvPr>
+        </p:nvSpPr>
+        <p:spPr/>
+      </p:sp>
+      <p:sp>
+        <p:nvSpPr>
+          <p:cNvPr id="3" name="Notes Placeholder 2"/>
+          <p:cNvSpPr>
+            <a:spLocks noGrp="1"/>
+          </p:cNvSpPr>
+          <p:nvPr>
+            <p:ph type="body" idx="1"/>
+          </p:nvPr>
+        </p:nvSpPr>
+        <p:spPr/>
+        <p:txBody>
+          <a:bodyPr/>
+          <a:lstStyle/>
+          <a:p>
+            <a:r>
+              <a:rPr lang="es-ES_tradnl" dirty="0"/>
+              <a:t>1’</a:t>
+            </a:r>
+          </a:p>
+          <a:p>
+            <a:r>
+              <a:rPr lang="es-ES_tradnl" dirty="0"/>
+              <a:t>Pánico escénico, pérdida de control, inmovilidad</a:t>
+            </a:r>
+          </a:p>
+        </p:txBody>
+      </p:sp>
+      <p:sp>
+        <p:nvSpPr>
+          <p:cNvPr id="4" name="Slide Number Placeholder 3"/>
+          <p:cNvSpPr>
+            <a:spLocks noGrp="1"/>
+          </p:cNvSpPr>
+          <p:nvPr>
+            <p:ph type="sldNum" sz="quarter" idx="10"/>
+          </p:nvPr>
+        </p:nvSpPr>
+        <p:spPr/>
+        <p:txBody>
+          <a:bodyPr/>
+          <a:lstStyle/>
+          <a:p>
+            <a:fld id="{B257BC5A-9EFD-5A42-A078-0043DD193A81}" type="slidenum">
+              <a:rPr lang="es-ES_tradnl" smtClean="0"/>
+              <a:t>11</a:t>
+            </a:fld>
+            <a:endParaRPr lang="es-ES_tradnl"/>
+          </a:p>
+        </p:txBody>
+      </p:sp>
+    </p:spTree>
+    <p:extLst>
+      <p:ext uri="{BB962C8B-B14F-4D97-AF65-F5344CB8AC3E}">
+        <p14:creationId xmlns:p14="http://schemas.microsoft.com/office/powerpoint/2010/main" val="3670933701"/>
+      </p:ext>
+    </p:extLst>
+  </p:cSld>
+  <p:clrMapOvr>
+    <a:masterClrMapping/>
+  </p:clrMapOvr>
+</p:notes>
+</file>
+
+<file path=ppt/notesSlides/notesSlide11.xml><?xml version="1.0" encoding="utf-8"?>
+<p:notes xmlns:a="http://schemas.openxmlformats.org/drawingml/2006/main" xmlns:r="http://schemas.openxmlformats.org/officeDocument/2006/relationships" xmlns:p="http://schemas.openxmlformats.org/presentationml/2006/main">
+  <p:cSld>
+    <p:spTree>
+      <p:nvGrpSpPr>
+        <p:cNvPr id="1" name=""/>
+        <p:cNvGrpSpPr/>
+        <p:nvPr/>
+      </p:nvGrpSpPr>
+      <p:grpSpPr>
+        <a:xfrm>
+          <a:off x="0" y="0"/>
+          <a:ext cx="0" cy="0"/>
+          <a:chOff x="0" y="0"/>
+          <a:chExt cx="0" cy="0"/>
+        </a:xfrm>
+      </p:grpSpPr>
+      <p:sp>
+        <p:nvSpPr>
+          <p:cNvPr id="2" name="Slide Image Placeholder 1"/>
+          <p:cNvSpPr>
+            <a:spLocks noGrp="1" noRot="1" noChangeAspect="1"/>
+          </p:cNvSpPr>
+          <p:nvPr>
+            <p:ph type="sldImg"/>
+          </p:nvPr>
+        </p:nvSpPr>
+        <p:spPr/>
+      </p:sp>
+      <p:sp>
+        <p:nvSpPr>
+          <p:cNvPr id="3" name="Notes Placeholder 2"/>
+          <p:cNvSpPr>
+            <a:spLocks noGrp="1"/>
+          </p:cNvSpPr>
+          <p:nvPr>
+            <p:ph type="body" idx="1"/>
+          </p:nvPr>
+        </p:nvSpPr>
+        <p:spPr/>
+        <p:txBody>
+          <a:bodyPr/>
+          <a:lstStyle/>
+          <a:p>
+            <a:r>
+              <a:rPr lang="es-ES_tradnl" dirty="0"/>
+              <a:t>1’</a:t>
+            </a:r>
+          </a:p>
+          <a:p>
+            <a:r>
+              <a:rPr lang="es-ES_tradnl" dirty="0"/>
+              <a:t>El movimiento interior es inversamente proporcional al pánico</a:t>
+            </a:r>
+          </a:p>
+        </p:txBody>
+      </p:sp>
+      <p:sp>
+        <p:nvSpPr>
+          <p:cNvPr id="4" name="Slide Number Placeholder 3"/>
+          <p:cNvSpPr>
+            <a:spLocks noGrp="1"/>
+          </p:cNvSpPr>
+          <p:nvPr>
+            <p:ph type="sldNum" sz="quarter" idx="10"/>
+          </p:nvPr>
+        </p:nvSpPr>
+        <p:spPr/>
+        <p:txBody>
+          <a:bodyPr/>
+          <a:lstStyle/>
+          <a:p>
+            <a:fld id="{B257BC5A-9EFD-5A42-A078-0043DD193A81}" type="slidenum">
+              <a:rPr lang="es-ES_tradnl" smtClean="0"/>
+              <a:t>12</a:t>
+            </a:fld>
+            <a:endParaRPr lang="es-ES_tradnl"/>
+          </a:p>
+        </p:txBody>
+      </p:sp>
+    </p:spTree>
+    <p:extLst>
+      <p:ext uri="{BB962C8B-B14F-4D97-AF65-F5344CB8AC3E}">
+        <p14:creationId xmlns:p14="http://schemas.microsoft.com/office/powerpoint/2010/main" val="4074660542"/>
+      </p:ext>
+    </p:extLst>
+  </p:cSld>
+  <p:clrMapOvr>
+    <a:masterClrMapping/>
+  </p:clrMapOvr>
+</p:notes>
+</file>
+
+<file path=ppt/notesSlides/notesSlide12.xml><?xml version="1.0" encoding="utf-8"?>
+<p:notes xmlns:a="http://schemas.openxmlformats.org/drawingml/2006/main" xmlns:r="http://schemas.openxmlformats.org/officeDocument/2006/relationships" xmlns:p="http://schemas.openxmlformats.org/presentationml/2006/main">
+  <p:cSld>
+    <p:spTree>
+      <p:nvGrpSpPr>
+        <p:cNvPr id="1" name=""/>
+        <p:cNvGrpSpPr/>
+        <p:nvPr/>
+      </p:nvGrpSpPr>
+      <p:grpSpPr>
+        <a:xfrm>
+          <a:off x="0" y="0"/>
+          <a:ext cx="0" cy="0"/>
+          <a:chOff x="0" y="0"/>
+          <a:chExt cx="0" cy="0"/>
+        </a:xfrm>
+      </p:grpSpPr>
+      <p:sp>
+        <p:nvSpPr>
+          <p:cNvPr id="2" name="Slide Image Placeholder 1"/>
+          <p:cNvSpPr>
+            <a:spLocks noGrp="1" noRot="1" noChangeAspect="1"/>
+          </p:cNvSpPr>
+          <p:nvPr>
+            <p:ph type="sldImg"/>
+          </p:nvPr>
+        </p:nvSpPr>
+        <p:spPr/>
+      </p:sp>
+      <p:sp>
+        <p:nvSpPr>
+          <p:cNvPr id="3" name="Notes Placeholder 2"/>
+          <p:cNvSpPr>
+            <a:spLocks noGrp="1"/>
+          </p:cNvSpPr>
+          <p:nvPr>
+            <p:ph type="body" idx="1"/>
+          </p:nvPr>
+        </p:nvSpPr>
+        <p:spPr/>
+        <p:txBody>
+          <a:bodyPr/>
+          <a:lstStyle/>
+          <a:p>
+            <a:pPr marL="0" marR="0" lvl="0" indent="0" algn="l" defTabSz="914400" rtl="0" eaLnBrk="1" fontAlgn="auto" latinLnBrk="0" hangingPunct="1">
+              <a:lnSpc>
+                <a:spcPct val="100000"/>
+              </a:lnSpc>
+              <a:spcBef>
+                <a:spcPts val="0"/>
+              </a:spcBef>
+              <a:spcAft>
+                <a:spcPts val="0"/>
+              </a:spcAft>
+              <a:buClrTx/>
+              <a:buSzTx/>
+              <a:buFontTx/>
+              <a:buNone/>
+              <a:tabLst/>
+              <a:defRPr/>
+            </a:pPr>
+            <a:r>
+              <a:rPr lang="es-ES_tradnl" dirty="0"/>
+              <a:t>1’</a:t>
+            </a:r>
+          </a:p>
+          <a:p>
+            <a:r>
+              <a:rPr lang="es-ES_tradnl" dirty="0"/>
+              <a:t>Mark Johnson y las metáforas del movimiento en la música</a:t>
+            </a:r>
+          </a:p>
+        </p:txBody>
+      </p:sp>
+      <p:sp>
+        <p:nvSpPr>
+          <p:cNvPr id="4" name="Slide Number Placeholder 3"/>
+          <p:cNvSpPr>
+            <a:spLocks noGrp="1"/>
+          </p:cNvSpPr>
+          <p:nvPr>
+            <p:ph type="sldNum" sz="quarter" idx="10"/>
+          </p:nvPr>
+        </p:nvSpPr>
+        <p:spPr/>
+        <p:txBody>
+          <a:bodyPr/>
+          <a:lstStyle/>
+          <a:p>
+            <a:fld id="{B257BC5A-9EFD-5A42-A078-0043DD193A81}" type="slidenum">
+              <a:rPr lang="es-ES_tradnl" smtClean="0"/>
+              <a:t>13</a:t>
+            </a:fld>
+            <a:endParaRPr lang="es-ES_tradnl"/>
+          </a:p>
+        </p:txBody>
+      </p:sp>
+    </p:spTree>
+    <p:extLst>
+      <p:ext uri="{BB962C8B-B14F-4D97-AF65-F5344CB8AC3E}">
+        <p14:creationId xmlns:p14="http://schemas.microsoft.com/office/powerpoint/2010/main" val="2101713933"/>
+      </p:ext>
+    </p:extLst>
+  </p:cSld>
+  <p:clrMapOvr>
+    <a:masterClrMapping/>
+  </p:clrMapOvr>
+</p:notes>
+</file>
+
+<file path=ppt/notesSlides/notesSlide13.xml><?xml version="1.0" encoding="utf-8"?>
+<p:notes xmlns:a="http://schemas.openxmlformats.org/drawingml/2006/main" xmlns:r="http://schemas.openxmlformats.org/officeDocument/2006/relationships" xmlns:p="http://schemas.openxmlformats.org/presentationml/2006/main">
+  <p:cSld>
+    <p:spTree>
+      <p:nvGrpSpPr>
+        <p:cNvPr id="1" name=""/>
+        <p:cNvGrpSpPr/>
+        <p:nvPr/>
+      </p:nvGrpSpPr>
+      <p:grpSpPr>
+        <a:xfrm>
+          <a:off x="0" y="0"/>
+          <a:ext cx="0" cy="0"/>
+          <a:chOff x="0" y="0"/>
+          <a:chExt cx="0" cy="0"/>
+        </a:xfrm>
+      </p:grpSpPr>
+      <p:sp>
+        <p:nvSpPr>
+          <p:cNvPr id="2" name="Slide Image Placeholder 1"/>
+          <p:cNvSpPr>
+            <a:spLocks noGrp="1" noRot="1" noChangeAspect="1"/>
+          </p:cNvSpPr>
+          <p:nvPr>
+            <p:ph type="sldImg"/>
+          </p:nvPr>
+        </p:nvSpPr>
+        <p:spPr/>
+      </p:sp>
+      <p:sp>
+        <p:nvSpPr>
+          <p:cNvPr id="3" name="Notes Placeholder 2"/>
+          <p:cNvSpPr>
+            <a:spLocks noGrp="1"/>
+          </p:cNvSpPr>
+          <p:nvPr>
+            <p:ph type="body" idx="1"/>
+          </p:nvPr>
+        </p:nvSpPr>
+        <p:spPr/>
+        <p:txBody>
+          <a:bodyPr/>
+          <a:lstStyle/>
+          <a:p>
+            <a:pPr marL="0" marR="0" lvl="0" indent="0" algn="l" defTabSz="914400" rtl="0" eaLnBrk="1" fontAlgn="auto" latinLnBrk="0" hangingPunct="1">
+              <a:lnSpc>
+                <a:spcPct val="100000"/>
+              </a:lnSpc>
+              <a:spcBef>
+                <a:spcPts val="0"/>
+              </a:spcBef>
+              <a:spcAft>
+                <a:spcPts val="0"/>
+              </a:spcAft>
+              <a:buClrTx/>
+              <a:buSzTx/>
+              <a:buFontTx/>
+              <a:buNone/>
+              <a:tabLst/>
+              <a:defRPr/>
+            </a:pPr>
+            <a:r>
+              <a:rPr lang="es-ES_tradnl" dirty="0"/>
+              <a:t>1’</a:t>
+            </a:r>
+          </a:p>
+          <a:p>
+            <a:r>
+              <a:rPr lang="es-ES_tradnl" dirty="0"/>
+              <a:t>El movimiento interior es directamente proporcional a la música</a:t>
+            </a:r>
+          </a:p>
+        </p:txBody>
+      </p:sp>
+      <p:sp>
+        <p:nvSpPr>
+          <p:cNvPr id="4" name="Slide Number Placeholder 3"/>
+          <p:cNvSpPr>
+            <a:spLocks noGrp="1"/>
+          </p:cNvSpPr>
+          <p:nvPr>
+            <p:ph type="sldNum" sz="quarter" idx="10"/>
+          </p:nvPr>
+        </p:nvSpPr>
+        <p:spPr/>
+        <p:txBody>
+          <a:bodyPr/>
+          <a:lstStyle/>
+          <a:p>
+            <a:fld id="{B257BC5A-9EFD-5A42-A078-0043DD193A81}" type="slidenum">
+              <a:rPr lang="es-ES_tradnl" smtClean="0"/>
+              <a:t>14</a:t>
+            </a:fld>
+            <a:endParaRPr lang="es-ES_tradnl"/>
+          </a:p>
+        </p:txBody>
+      </p:sp>
+    </p:spTree>
+    <p:extLst>
+      <p:ext uri="{BB962C8B-B14F-4D97-AF65-F5344CB8AC3E}">
+        <p14:creationId xmlns:p14="http://schemas.microsoft.com/office/powerpoint/2010/main" val="2119351126"/>
+      </p:ext>
+    </p:extLst>
+  </p:cSld>
+  <p:clrMapOvr>
+    <a:masterClrMapping/>
+  </p:clrMapOvr>
+</p:notes>
+</file>
+
+<file path=ppt/notesSlides/notesSlide14.xml><?xml version="1.0" encoding="utf-8"?>
+<p:notes xmlns:a="http://schemas.openxmlformats.org/drawingml/2006/main" xmlns:r="http://schemas.openxmlformats.org/officeDocument/2006/relationships" xmlns:p="http://schemas.openxmlformats.org/presentationml/2006/main">
+  <p:cSld>
+    <p:spTree>
+      <p:nvGrpSpPr>
+        <p:cNvPr id="1" name=""/>
+        <p:cNvGrpSpPr/>
+        <p:nvPr/>
+      </p:nvGrpSpPr>
+      <p:grpSpPr>
+        <a:xfrm>
+          <a:off x="0" y="0"/>
+          <a:ext cx="0" cy="0"/>
+          <a:chOff x="0" y="0"/>
+          <a:chExt cx="0" cy="0"/>
+        </a:xfrm>
+      </p:grpSpPr>
+      <p:sp>
+        <p:nvSpPr>
+          <p:cNvPr id="2" name="Slide Image Placeholder 1"/>
+          <p:cNvSpPr>
+            <a:spLocks noGrp="1" noRot="1" noChangeAspect="1"/>
+          </p:cNvSpPr>
+          <p:nvPr>
+            <p:ph type="sldImg"/>
+          </p:nvPr>
+        </p:nvSpPr>
+        <p:spPr/>
+      </p:sp>
+      <p:sp>
+        <p:nvSpPr>
+          <p:cNvPr id="3" name="Notes Placeholder 2"/>
+          <p:cNvSpPr>
+            <a:spLocks noGrp="1"/>
+          </p:cNvSpPr>
+          <p:nvPr>
+            <p:ph type="body" idx="1"/>
+          </p:nvPr>
+        </p:nvSpPr>
+        <p:spPr/>
+        <p:txBody>
+          <a:bodyPr/>
+          <a:lstStyle/>
+          <a:p>
+            <a:pPr marL="0" marR="0" lvl="0" indent="0" algn="l" defTabSz="914400" rtl="0" eaLnBrk="1" fontAlgn="auto" latinLnBrk="0" hangingPunct="1">
+              <a:lnSpc>
+                <a:spcPct val="100000"/>
+              </a:lnSpc>
+              <a:spcBef>
+                <a:spcPts val="0"/>
+              </a:spcBef>
+              <a:spcAft>
+                <a:spcPts val="0"/>
+              </a:spcAft>
+              <a:buClrTx/>
+              <a:buSzTx/>
+              <a:buFontTx/>
+              <a:buNone/>
+              <a:tabLst/>
+              <a:defRPr/>
+            </a:pPr>
+            <a:r>
+              <a:rPr lang="es-ES_tradnl" dirty="0"/>
+              <a:t>1’</a:t>
+            </a:r>
+          </a:p>
+          <a:p>
+            <a:r>
+              <a:rPr lang="es-ES_tradnl" dirty="0"/>
+              <a:t>La “danza microscópica” de Lepecki, función kinestésica, </a:t>
+            </a:r>
+            <a:r>
+              <a:rPr lang="es-ES_tradnl" dirty="0" err="1"/>
+              <a:t>correlata</a:t>
+            </a:r>
+            <a:r>
+              <a:rPr lang="es-ES_tradnl" dirty="0"/>
+              <a:t> corporal del movimiento interior</a:t>
+            </a:r>
+          </a:p>
+        </p:txBody>
+      </p:sp>
+      <p:sp>
+        <p:nvSpPr>
+          <p:cNvPr id="4" name="Slide Number Placeholder 3"/>
+          <p:cNvSpPr>
+            <a:spLocks noGrp="1"/>
+          </p:cNvSpPr>
+          <p:nvPr>
+            <p:ph type="sldNum" sz="quarter" idx="10"/>
+          </p:nvPr>
+        </p:nvSpPr>
+        <p:spPr/>
+        <p:txBody>
+          <a:bodyPr/>
+          <a:lstStyle/>
+          <a:p>
+            <a:fld id="{B257BC5A-9EFD-5A42-A078-0043DD193A81}" type="slidenum">
+              <a:rPr lang="es-ES_tradnl" smtClean="0"/>
+              <a:t>15</a:t>
+            </a:fld>
+            <a:endParaRPr lang="es-ES_tradnl"/>
+          </a:p>
+        </p:txBody>
+      </p:sp>
+    </p:spTree>
+    <p:extLst>
+      <p:ext uri="{BB962C8B-B14F-4D97-AF65-F5344CB8AC3E}">
+        <p14:creationId xmlns:p14="http://schemas.microsoft.com/office/powerpoint/2010/main" val="2146339274"/>
+      </p:ext>
+    </p:extLst>
+  </p:cSld>
+  <p:clrMapOvr>
+    <a:masterClrMapping/>
+  </p:clrMapOvr>
+</p:notes>
+</file>
+
+<file path=ppt/notesSlides/notesSlide15.xml><?xml version="1.0" encoding="utf-8"?>
+<p:notes xmlns:a="http://schemas.openxmlformats.org/drawingml/2006/main" xmlns:r="http://schemas.openxmlformats.org/officeDocument/2006/relationships" xmlns:p="http://schemas.openxmlformats.org/presentationml/2006/main">
+  <p:cSld>
+    <p:spTree>
+      <p:nvGrpSpPr>
+        <p:cNvPr id="1" name=""/>
+        <p:cNvGrpSpPr/>
+        <p:nvPr/>
+      </p:nvGrpSpPr>
+      <p:grpSpPr>
+        <a:xfrm>
+          <a:off x="0" y="0"/>
+          <a:ext cx="0" cy="0"/>
+          <a:chOff x="0" y="0"/>
+          <a:chExt cx="0" cy="0"/>
+        </a:xfrm>
+      </p:grpSpPr>
+      <p:sp>
+        <p:nvSpPr>
+          <p:cNvPr id="2" name="Slide Image Placeholder 1"/>
+          <p:cNvSpPr>
+            <a:spLocks noGrp="1" noRot="1" noChangeAspect="1"/>
+          </p:cNvSpPr>
+          <p:nvPr>
+            <p:ph type="sldImg"/>
+          </p:nvPr>
+        </p:nvSpPr>
+        <p:spPr/>
+      </p:sp>
+      <p:sp>
+        <p:nvSpPr>
+          <p:cNvPr id="3" name="Notes Placeholder 2"/>
+          <p:cNvSpPr>
+            <a:spLocks noGrp="1"/>
+          </p:cNvSpPr>
+          <p:nvPr>
+            <p:ph type="body" idx="1"/>
+          </p:nvPr>
+        </p:nvSpPr>
+        <p:spPr/>
+        <p:txBody>
+          <a:bodyPr/>
+          <a:lstStyle/>
+          <a:p>
+            <a:pPr marL="0" marR="0" lvl="0" indent="0" algn="l" defTabSz="914400" rtl="0" eaLnBrk="1" fontAlgn="auto" latinLnBrk="0" hangingPunct="1">
+              <a:lnSpc>
+                <a:spcPct val="100000"/>
+              </a:lnSpc>
+              <a:spcBef>
+                <a:spcPts val="0"/>
+              </a:spcBef>
+              <a:spcAft>
+                <a:spcPts val="0"/>
+              </a:spcAft>
+              <a:buClrTx/>
+              <a:buSzTx/>
+              <a:buFontTx/>
+              <a:buNone/>
+              <a:tabLst/>
+              <a:defRPr/>
+            </a:pPr>
+            <a:r>
+              <a:rPr lang="es-ES_tradnl" dirty="0"/>
+              <a:t>1’</a:t>
+            </a:r>
+          </a:p>
+          <a:p>
+            <a:r>
+              <a:rPr lang="es-ES_tradnl" dirty="0"/>
+              <a:t>La percepción del movimiento interior es inversamente proporcional al movimiento interior</a:t>
+            </a:r>
+          </a:p>
+        </p:txBody>
+      </p:sp>
+      <p:sp>
+        <p:nvSpPr>
+          <p:cNvPr id="4" name="Slide Number Placeholder 3"/>
+          <p:cNvSpPr>
+            <a:spLocks noGrp="1"/>
+          </p:cNvSpPr>
+          <p:nvPr>
+            <p:ph type="sldNum" sz="quarter" idx="10"/>
+          </p:nvPr>
+        </p:nvSpPr>
+        <p:spPr/>
+        <p:txBody>
+          <a:bodyPr/>
+          <a:lstStyle/>
+          <a:p>
+            <a:fld id="{B257BC5A-9EFD-5A42-A078-0043DD193A81}" type="slidenum">
+              <a:rPr lang="es-ES_tradnl" smtClean="0"/>
+              <a:t>16</a:t>
+            </a:fld>
+            <a:endParaRPr lang="es-ES_tradnl"/>
+          </a:p>
+        </p:txBody>
+      </p:sp>
+    </p:spTree>
+    <p:extLst>
+      <p:ext uri="{BB962C8B-B14F-4D97-AF65-F5344CB8AC3E}">
+        <p14:creationId xmlns:p14="http://schemas.microsoft.com/office/powerpoint/2010/main" val="4267765319"/>
+      </p:ext>
+    </p:extLst>
+  </p:cSld>
+  <p:clrMapOvr>
+    <a:masterClrMapping/>
+  </p:clrMapOvr>
+</p:notes>
+</file>
+
+<file path=ppt/notesSlides/notesSlide16.xml><?xml version="1.0" encoding="utf-8"?>
+<p:notes xmlns:a="http://schemas.openxmlformats.org/drawingml/2006/main" xmlns:r="http://schemas.openxmlformats.org/officeDocument/2006/relationships" xmlns:p="http://schemas.openxmlformats.org/presentationml/2006/main">
+  <p:cSld>
+    <p:spTree>
+      <p:nvGrpSpPr>
+        <p:cNvPr id="1" name=""/>
+        <p:cNvGrpSpPr/>
+        <p:nvPr/>
+      </p:nvGrpSpPr>
+      <p:grpSpPr>
+        <a:xfrm>
+          <a:off x="0" y="0"/>
+          <a:ext cx="0" cy="0"/>
+          <a:chOff x="0" y="0"/>
+          <a:chExt cx="0" cy="0"/>
+        </a:xfrm>
+      </p:grpSpPr>
+      <p:sp>
+        <p:nvSpPr>
+          <p:cNvPr id="2" name="Slide Image Placeholder 1"/>
+          <p:cNvSpPr>
+            <a:spLocks noGrp="1" noRot="1" noChangeAspect="1"/>
+          </p:cNvSpPr>
+          <p:nvPr>
+            <p:ph type="sldImg"/>
+          </p:nvPr>
+        </p:nvSpPr>
+        <p:spPr/>
+      </p:sp>
+      <p:sp>
+        <p:nvSpPr>
+          <p:cNvPr id="3" name="Notes Placeholder 2"/>
+          <p:cNvSpPr>
+            <a:spLocks noGrp="1"/>
+          </p:cNvSpPr>
+          <p:nvPr>
+            <p:ph type="body" idx="1"/>
+          </p:nvPr>
+        </p:nvSpPr>
+        <p:spPr/>
+        <p:txBody>
+          <a:bodyPr/>
+          <a:lstStyle/>
+          <a:p>
+            <a:pPr marL="0" marR="0" lvl="0" indent="0" algn="l" defTabSz="914400" rtl="0" eaLnBrk="1" fontAlgn="auto" latinLnBrk="0" hangingPunct="1">
+              <a:lnSpc>
+                <a:spcPct val="100000"/>
+              </a:lnSpc>
+              <a:spcBef>
+                <a:spcPts val="0"/>
+              </a:spcBef>
+              <a:spcAft>
+                <a:spcPts val="0"/>
+              </a:spcAft>
+              <a:buClrTx/>
+              <a:buSzTx/>
+              <a:buFontTx/>
+              <a:buNone/>
+              <a:tabLst/>
+              <a:defRPr/>
+            </a:pPr>
+            <a:r>
+              <a:rPr lang="es-ES_tradnl" dirty="0"/>
+              <a:t>1’</a:t>
+            </a:r>
+          </a:p>
+          <a:p>
+            <a:r>
+              <a:rPr lang="es-ES_tradnl" dirty="0"/>
+              <a:t>Movimientos de tipo x crean espacios de tipo x</a:t>
+            </a:r>
+          </a:p>
+          <a:p>
+            <a:r>
+              <a:rPr lang="es-ES_tradnl" dirty="0"/>
+              <a:t>x = Música</a:t>
+            </a:r>
+          </a:p>
+          <a:p>
+            <a:r>
+              <a:rPr lang="es-ES_tradnl" dirty="0"/>
+              <a:t>x = Práctica teatral</a:t>
+            </a:r>
+          </a:p>
+          <a:p>
+            <a:endParaRPr lang="es-ES_tradnl" dirty="0"/>
+          </a:p>
+        </p:txBody>
+      </p:sp>
+      <p:sp>
+        <p:nvSpPr>
+          <p:cNvPr id="4" name="Slide Number Placeholder 3"/>
+          <p:cNvSpPr>
+            <a:spLocks noGrp="1"/>
+          </p:cNvSpPr>
+          <p:nvPr>
+            <p:ph type="sldNum" sz="quarter" idx="10"/>
+          </p:nvPr>
+        </p:nvSpPr>
+        <p:spPr/>
+        <p:txBody>
+          <a:bodyPr/>
+          <a:lstStyle/>
+          <a:p>
+            <a:fld id="{B257BC5A-9EFD-5A42-A078-0043DD193A81}" type="slidenum">
+              <a:rPr lang="es-ES_tradnl" smtClean="0"/>
+              <a:t>17</a:t>
+            </a:fld>
+            <a:endParaRPr lang="es-ES_tradnl"/>
+          </a:p>
+        </p:txBody>
+      </p:sp>
+    </p:spTree>
+    <p:extLst>
+      <p:ext uri="{BB962C8B-B14F-4D97-AF65-F5344CB8AC3E}">
+        <p14:creationId xmlns:p14="http://schemas.microsoft.com/office/powerpoint/2010/main" val="39263861"/>
+      </p:ext>
+    </p:extLst>
+  </p:cSld>
+  <p:clrMapOvr>
+    <a:masterClrMapping/>
+  </p:clrMapOvr>
+</p:notes>
+</file>
+
+<file path=ppt/notesSlides/notesSlide17.xml><?xml version="1.0" encoding="utf-8"?>
+<p:notes xmlns:a="http://schemas.openxmlformats.org/drawingml/2006/main" xmlns:r="http://schemas.openxmlformats.org/officeDocument/2006/relationships" xmlns:p="http://schemas.openxmlformats.org/presentationml/2006/main">
+  <p:cSld>
+    <p:spTree>
+      <p:nvGrpSpPr>
+        <p:cNvPr id="1" name=""/>
+        <p:cNvGrpSpPr/>
+        <p:nvPr/>
+      </p:nvGrpSpPr>
+      <p:grpSpPr>
+        <a:xfrm>
+          <a:off x="0" y="0"/>
+          <a:ext cx="0" cy="0"/>
+          <a:chOff x="0" y="0"/>
+          <a:chExt cx="0" cy="0"/>
+        </a:xfrm>
+      </p:grpSpPr>
+      <p:sp>
+        <p:nvSpPr>
+          <p:cNvPr id="2" name="Slide Image Placeholder 1"/>
+          <p:cNvSpPr>
+            <a:spLocks noGrp="1" noRot="1" noChangeAspect="1"/>
+          </p:cNvSpPr>
+          <p:nvPr>
+            <p:ph type="sldImg"/>
+          </p:nvPr>
+        </p:nvSpPr>
+        <p:spPr/>
+      </p:sp>
+      <p:sp>
+        <p:nvSpPr>
+          <p:cNvPr id="3" name="Notes Placeholder 2"/>
+          <p:cNvSpPr>
+            <a:spLocks noGrp="1"/>
+          </p:cNvSpPr>
+          <p:nvPr>
+            <p:ph type="body" idx="1"/>
+          </p:nvPr>
+        </p:nvSpPr>
+        <p:spPr/>
+        <p:txBody>
+          <a:bodyPr/>
+          <a:lstStyle/>
+          <a:p>
+            <a:pPr marL="0" marR="0" lvl="0" indent="0" algn="l" defTabSz="914400" rtl="0" eaLnBrk="1" fontAlgn="auto" latinLnBrk="0" hangingPunct="1">
+              <a:lnSpc>
+                <a:spcPct val="100000"/>
+              </a:lnSpc>
+              <a:spcBef>
+                <a:spcPts val="0"/>
+              </a:spcBef>
+              <a:spcAft>
+                <a:spcPts val="0"/>
+              </a:spcAft>
+              <a:buClrTx/>
+              <a:buSzTx/>
+              <a:buFontTx/>
+              <a:buNone/>
+              <a:tabLst/>
+              <a:defRPr/>
+            </a:pPr>
+            <a:r>
+              <a:rPr lang="es-ES_tradnl" dirty="0"/>
+              <a:t>1’30"</a:t>
+            </a:r>
+          </a:p>
+          <a:p>
+            <a:endParaRPr lang="es-ES_tradnl" dirty="0"/>
+          </a:p>
+        </p:txBody>
+      </p:sp>
+      <p:sp>
+        <p:nvSpPr>
+          <p:cNvPr id="4" name="Slide Number Placeholder 3"/>
+          <p:cNvSpPr>
+            <a:spLocks noGrp="1"/>
+          </p:cNvSpPr>
+          <p:nvPr>
+            <p:ph type="sldNum" sz="quarter" idx="10"/>
+          </p:nvPr>
+        </p:nvSpPr>
+        <p:spPr/>
+        <p:txBody>
+          <a:bodyPr/>
+          <a:lstStyle/>
+          <a:p>
+            <a:fld id="{B257BC5A-9EFD-5A42-A078-0043DD193A81}" type="slidenum">
+              <a:rPr lang="es-ES_tradnl" smtClean="0"/>
+              <a:t>18</a:t>
+            </a:fld>
+            <a:endParaRPr lang="es-ES_tradnl"/>
+          </a:p>
+        </p:txBody>
+      </p:sp>
+    </p:spTree>
+    <p:extLst>
+      <p:ext uri="{BB962C8B-B14F-4D97-AF65-F5344CB8AC3E}">
+        <p14:creationId xmlns:p14="http://schemas.microsoft.com/office/powerpoint/2010/main" val="1467729994"/>
+      </p:ext>
+    </p:extLst>
+  </p:cSld>
+  <p:clrMapOvr>
+    <a:masterClrMapping/>
+  </p:clrMapOvr>
+</p:notes>
+</file>
+
+<file path=ppt/notesSlides/notesSlide18.xml><?xml version="1.0" encoding="utf-8"?>
+<p:notes xmlns:a="http://schemas.openxmlformats.org/drawingml/2006/main" xmlns:r="http://schemas.openxmlformats.org/officeDocument/2006/relationships" xmlns:p="http://schemas.openxmlformats.org/presentationml/2006/main">
+  <p:cSld>
+    <p:spTree>
+      <p:nvGrpSpPr>
+        <p:cNvPr id="1" name=""/>
+        <p:cNvGrpSpPr/>
+        <p:nvPr/>
+      </p:nvGrpSpPr>
+      <p:grpSpPr>
+        <a:xfrm>
+          <a:off x="0" y="0"/>
+          <a:ext cx="0" cy="0"/>
+          <a:chOff x="0" y="0"/>
+          <a:chExt cx="0" cy="0"/>
+        </a:xfrm>
+      </p:grpSpPr>
+      <p:sp>
+        <p:nvSpPr>
+          <p:cNvPr id="2" name="Slide Image Placeholder 1"/>
+          <p:cNvSpPr>
+            <a:spLocks noGrp="1" noRot="1" noChangeAspect="1"/>
+          </p:cNvSpPr>
+          <p:nvPr>
+            <p:ph type="sldImg"/>
+          </p:nvPr>
+        </p:nvSpPr>
+        <p:spPr/>
+      </p:sp>
+      <p:sp>
+        <p:nvSpPr>
+          <p:cNvPr id="3" name="Notes Placeholder 2"/>
+          <p:cNvSpPr>
+            <a:spLocks noGrp="1"/>
+          </p:cNvSpPr>
+          <p:nvPr>
+            <p:ph type="body" idx="1"/>
+          </p:nvPr>
+        </p:nvSpPr>
+        <p:spPr/>
+        <p:txBody>
+          <a:bodyPr/>
+          <a:lstStyle/>
+          <a:p>
+            <a:r>
+              <a:rPr lang="es-ES_tradnl" dirty="0"/>
+              <a:t>30”</a:t>
+            </a:r>
+          </a:p>
+        </p:txBody>
+      </p:sp>
+      <p:sp>
+        <p:nvSpPr>
+          <p:cNvPr id="4" name="Slide Number Placeholder 3"/>
+          <p:cNvSpPr>
+            <a:spLocks noGrp="1"/>
+          </p:cNvSpPr>
+          <p:nvPr>
+            <p:ph type="sldNum" sz="quarter" idx="10"/>
+          </p:nvPr>
+        </p:nvSpPr>
+        <p:spPr/>
+        <p:txBody>
+          <a:bodyPr/>
+          <a:lstStyle/>
+          <a:p>
+            <a:fld id="{B257BC5A-9EFD-5A42-A078-0043DD193A81}" type="slidenum">
+              <a:rPr lang="es-ES_tradnl" smtClean="0"/>
+              <a:t>19</a:t>
+            </a:fld>
+            <a:endParaRPr lang="es-ES_tradnl"/>
+          </a:p>
+        </p:txBody>
+      </p:sp>
+    </p:spTree>
+    <p:extLst>
+      <p:ext uri="{BB962C8B-B14F-4D97-AF65-F5344CB8AC3E}">
+        <p14:creationId xmlns:p14="http://schemas.microsoft.com/office/powerpoint/2010/main" val="2594264018"/>
+      </p:ext>
+    </p:extLst>
+  </p:cSld>
+  <p:clrMapOvr>
+    <a:masterClrMapping/>
+  </p:clrMapOvr>
+</p:notes>
+</file>
+
+<file path=ppt/notesSlides/notesSlide19.xml><?xml version="1.0" encoding="utf-8"?>
+<p:notes xmlns:a="http://schemas.openxmlformats.org/drawingml/2006/main" xmlns:r="http://schemas.openxmlformats.org/officeDocument/2006/relationships" xmlns:p="http://schemas.openxmlformats.org/presentationml/2006/main">
+  <p:cSld>
+    <p:spTree>
+      <p:nvGrpSpPr>
+        <p:cNvPr id="1" name=""/>
+        <p:cNvGrpSpPr/>
+        <p:nvPr/>
+      </p:nvGrpSpPr>
+      <p:grpSpPr>
+        <a:xfrm>
+          <a:off x="0" y="0"/>
+          <a:ext cx="0" cy="0"/>
+          <a:chOff x="0" y="0"/>
+          <a:chExt cx="0" cy="0"/>
+        </a:xfrm>
+      </p:grpSpPr>
+      <p:sp>
+        <p:nvSpPr>
+          <p:cNvPr id="2" name="Slide Image Placeholder 1"/>
+          <p:cNvSpPr>
+            <a:spLocks noGrp="1" noRot="1" noChangeAspect="1"/>
+          </p:cNvSpPr>
+          <p:nvPr>
+            <p:ph type="sldImg"/>
+          </p:nvPr>
+        </p:nvSpPr>
+        <p:spPr/>
+      </p:sp>
+      <p:sp>
+        <p:nvSpPr>
+          <p:cNvPr id="3" name="Notes Placeholder 2"/>
+          <p:cNvSpPr>
+            <a:spLocks noGrp="1"/>
+          </p:cNvSpPr>
+          <p:nvPr>
+            <p:ph type="body" idx="1"/>
+          </p:nvPr>
+        </p:nvSpPr>
+        <p:spPr/>
+        <p:txBody>
+          <a:bodyPr/>
+          <a:lstStyle/>
+          <a:p>
+            <a:endParaRPr lang="es-ES_tradnl" dirty="0"/>
+          </a:p>
+        </p:txBody>
+      </p:sp>
+      <p:sp>
+        <p:nvSpPr>
+          <p:cNvPr id="4" name="Slide Number Placeholder 3"/>
+          <p:cNvSpPr>
+            <a:spLocks noGrp="1"/>
+          </p:cNvSpPr>
+          <p:nvPr>
+            <p:ph type="sldNum" sz="quarter" idx="10"/>
+          </p:nvPr>
+        </p:nvSpPr>
+        <p:spPr/>
+        <p:txBody>
+          <a:bodyPr/>
+          <a:lstStyle/>
+          <a:p>
+            <a:fld id="{B257BC5A-9EFD-5A42-A078-0043DD193A81}" type="slidenum">
+              <a:rPr lang="es-ES_tradnl" smtClean="0"/>
+              <a:t>20</a:t>
+            </a:fld>
+            <a:endParaRPr lang="es-ES_tradnl"/>
+          </a:p>
+        </p:txBody>
+      </p:sp>
+    </p:spTree>
+    <p:extLst>
+      <p:ext uri="{BB962C8B-B14F-4D97-AF65-F5344CB8AC3E}">
+        <p14:creationId xmlns:p14="http://schemas.microsoft.com/office/powerpoint/2010/main" val="3630125090"/>
+      </p:ext>
+    </p:extLst>
+  </p:cSld>
+  <p:clrMapOvr>
+    <a:masterClrMapping/>
+  </p:clrMapOvr>
+</p:notes>
+</file>
+
+<file path=ppt/notesSlides/notesSlide2.xml><?xml version="1.0" encoding="utf-8"?>
+<p:notes xmlns:a="http://schemas.openxmlformats.org/drawingml/2006/main" xmlns:r="http://schemas.openxmlformats.org/officeDocument/2006/relationships" xmlns:p="http://schemas.openxmlformats.org/presentationml/2006/main">
+  <p:cSld>
+    <p:spTree>
+      <p:nvGrpSpPr>
+        <p:cNvPr id="1" name=""/>
+        <p:cNvGrpSpPr/>
+        <p:nvPr/>
+      </p:nvGrpSpPr>
+      <p:grpSpPr>
+        <a:xfrm>
+          <a:off x="0" y="0"/>
+          <a:ext cx="0" cy="0"/>
+          <a:chOff x="0" y="0"/>
+          <a:chExt cx="0" cy="0"/>
+        </a:xfrm>
+      </p:grpSpPr>
+      <p:sp>
+        <p:nvSpPr>
+          <p:cNvPr id="2" name="Slide Image Placeholder 1"/>
+          <p:cNvSpPr>
+            <a:spLocks noGrp="1" noRot="1" noChangeAspect="1"/>
+          </p:cNvSpPr>
+          <p:nvPr>
+            <p:ph type="sldImg"/>
+          </p:nvPr>
+        </p:nvSpPr>
+        <p:spPr/>
+      </p:sp>
+      <p:sp>
+        <p:nvSpPr>
+          <p:cNvPr id="3" name="Notes Placeholder 2"/>
+          <p:cNvSpPr>
+            <a:spLocks noGrp="1"/>
+          </p:cNvSpPr>
+          <p:nvPr>
+            <p:ph type="body" idx="1"/>
+          </p:nvPr>
+        </p:nvSpPr>
+        <p:spPr/>
+        <p:txBody>
+          <a:bodyPr/>
+          <a:lstStyle/>
+          <a:p>
+            <a:r>
+              <a:rPr lang="es-ES_tradnl" dirty="0"/>
+              <a:t>30"</a:t>
+            </a:r>
+          </a:p>
+        </p:txBody>
+      </p:sp>
+      <p:sp>
+        <p:nvSpPr>
+          <p:cNvPr id="4" name="Slide Number Placeholder 3"/>
+          <p:cNvSpPr>
+            <a:spLocks noGrp="1"/>
+          </p:cNvSpPr>
+          <p:nvPr>
+            <p:ph type="sldNum" sz="quarter" idx="10"/>
+          </p:nvPr>
+        </p:nvSpPr>
+        <p:spPr/>
+        <p:txBody>
+          <a:bodyPr/>
+          <a:lstStyle/>
+          <a:p>
+            <a:fld id="{B257BC5A-9EFD-5A42-A078-0043DD193A81}" type="slidenum">
+              <a:rPr lang="es-ES_tradnl" smtClean="0"/>
+              <a:t>2</a:t>
+            </a:fld>
+            <a:endParaRPr lang="es-ES_tradnl"/>
+          </a:p>
+        </p:txBody>
+      </p:sp>
+    </p:spTree>
+    <p:extLst>
+      <p:ext uri="{BB962C8B-B14F-4D97-AF65-F5344CB8AC3E}">
+        <p14:creationId xmlns:p14="http://schemas.microsoft.com/office/powerpoint/2010/main" val="4273110804"/>
+      </p:ext>
+    </p:extLst>
+  </p:cSld>
+  <p:clrMapOvr>
+    <a:masterClrMapping/>
+  </p:clrMapOvr>
+</p:notes>
+</file>
+
+<file path=ppt/notesSlides/notesSlide3.xml><?xml version="1.0" encoding="utf-8"?>
+<p:notes xmlns:a="http://schemas.openxmlformats.org/drawingml/2006/main" xmlns:r="http://schemas.openxmlformats.org/officeDocument/2006/relationships" xmlns:p="http://schemas.openxmlformats.org/presentationml/2006/main">
+  <p:cSld>
+    <p:spTree>
+      <p:nvGrpSpPr>
+        <p:cNvPr id="1" name=""/>
+        <p:cNvGrpSpPr/>
+        <p:nvPr/>
+      </p:nvGrpSpPr>
+      <p:grpSpPr>
+        <a:xfrm>
+          <a:off x="0" y="0"/>
+          <a:ext cx="0" cy="0"/>
+          <a:chOff x="0" y="0"/>
+          <a:chExt cx="0" cy="0"/>
+        </a:xfrm>
+      </p:grpSpPr>
+      <p:sp>
+        <p:nvSpPr>
+          <p:cNvPr id="2" name="Slide Image Placeholder 1"/>
+          <p:cNvSpPr>
+            <a:spLocks noGrp="1" noRot="1" noChangeAspect="1"/>
+          </p:cNvSpPr>
+          <p:nvPr>
+            <p:ph type="sldImg"/>
+          </p:nvPr>
+        </p:nvSpPr>
+        <p:spPr/>
+      </p:sp>
+      <p:sp>
+        <p:nvSpPr>
+          <p:cNvPr id="3" name="Notes Placeholder 2"/>
+          <p:cNvSpPr>
+            <a:spLocks noGrp="1"/>
+          </p:cNvSpPr>
+          <p:nvPr>
+            <p:ph type="body" idx="1"/>
+          </p:nvPr>
+        </p:nvSpPr>
+        <p:spPr/>
+        <p:txBody>
+          <a:bodyPr/>
+          <a:lstStyle/>
+          <a:p>
+            <a:r>
+              <a:rPr lang="es-ES_tradnl" dirty="0"/>
+              <a:t>40”</a:t>
+            </a:r>
+          </a:p>
+        </p:txBody>
+      </p:sp>
+      <p:sp>
+        <p:nvSpPr>
+          <p:cNvPr id="4" name="Slide Number Placeholder 3"/>
+          <p:cNvSpPr>
+            <a:spLocks noGrp="1"/>
+          </p:cNvSpPr>
+          <p:nvPr>
+            <p:ph type="sldNum" sz="quarter" idx="10"/>
+          </p:nvPr>
+        </p:nvSpPr>
+        <p:spPr/>
+        <p:txBody>
+          <a:bodyPr/>
+          <a:lstStyle/>
+          <a:p>
+            <a:fld id="{B257BC5A-9EFD-5A42-A078-0043DD193A81}" type="slidenum">
+              <a:rPr lang="es-ES_tradnl" smtClean="0"/>
+              <a:t>3</a:t>
+            </a:fld>
+            <a:endParaRPr lang="es-ES_tradnl"/>
+          </a:p>
+        </p:txBody>
+      </p:sp>
+    </p:spTree>
+    <p:extLst>
+      <p:ext uri="{BB962C8B-B14F-4D97-AF65-F5344CB8AC3E}">
+        <p14:creationId xmlns:p14="http://schemas.microsoft.com/office/powerpoint/2010/main" val="707323352"/>
+      </p:ext>
+    </p:extLst>
+  </p:cSld>
+  <p:clrMapOvr>
+    <a:masterClrMapping/>
+  </p:clrMapOvr>
+</p:notes>
+</file>
+
+<file path=ppt/notesSlides/notesSlide4.xml><?xml version="1.0" encoding="utf-8"?>
+<p:notes xmlns:a="http://schemas.openxmlformats.org/drawingml/2006/main" xmlns:r="http://schemas.openxmlformats.org/officeDocument/2006/relationships" xmlns:p="http://schemas.openxmlformats.org/presentationml/2006/main">
+  <p:cSld>
+    <p:spTree>
+      <p:nvGrpSpPr>
+        <p:cNvPr id="1" name=""/>
+        <p:cNvGrpSpPr/>
+        <p:nvPr/>
+      </p:nvGrpSpPr>
+      <p:grpSpPr>
+        <a:xfrm>
+          <a:off x="0" y="0"/>
+          <a:ext cx="0" cy="0"/>
+          <a:chOff x="0" y="0"/>
+          <a:chExt cx="0" cy="0"/>
+        </a:xfrm>
+      </p:grpSpPr>
+      <p:sp>
+        <p:nvSpPr>
+          <p:cNvPr id="2" name="Slide Image Placeholder 1"/>
+          <p:cNvSpPr>
+            <a:spLocks noGrp="1" noRot="1" noChangeAspect="1"/>
+          </p:cNvSpPr>
+          <p:nvPr>
+            <p:ph type="sldImg"/>
+          </p:nvPr>
+        </p:nvSpPr>
+        <p:spPr/>
+      </p:sp>
+      <p:sp>
+        <p:nvSpPr>
+          <p:cNvPr id="3" name="Notes Placeholder 2"/>
+          <p:cNvSpPr>
+            <a:spLocks noGrp="1"/>
+          </p:cNvSpPr>
+          <p:nvPr>
+            <p:ph type="body" idx="1"/>
+          </p:nvPr>
+        </p:nvSpPr>
+        <p:spPr/>
+        <p:txBody>
+          <a:bodyPr/>
+          <a:lstStyle/>
+          <a:p>
+            <a:r>
+              <a:rPr lang="es-ES_tradnl" dirty="0"/>
+              <a:t>20”</a:t>
+            </a:r>
+          </a:p>
+        </p:txBody>
+      </p:sp>
+      <p:sp>
+        <p:nvSpPr>
+          <p:cNvPr id="4" name="Slide Number Placeholder 3"/>
+          <p:cNvSpPr>
+            <a:spLocks noGrp="1"/>
+          </p:cNvSpPr>
+          <p:nvPr>
+            <p:ph type="sldNum" sz="quarter" idx="10"/>
+          </p:nvPr>
+        </p:nvSpPr>
+        <p:spPr/>
+        <p:txBody>
+          <a:bodyPr/>
+          <a:lstStyle/>
+          <a:p>
+            <a:fld id="{B257BC5A-9EFD-5A42-A078-0043DD193A81}" type="slidenum">
+              <a:rPr lang="es-ES_tradnl" smtClean="0"/>
+              <a:t>4</a:t>
+            </a:fld>
+            <a:endParaRPr lang="es-ES_tradnl"/>
+          </a:p>
+        </p:txBody>
+      </p:sp>
+    </p:spTree>
+    <p:extLst>
+      <p:ext uri="{BB962C8B-B14F-4D97-AF65-F5344CB8AC3E}">
+        <p14:creationId xmlns:p14="http://schemas.microsoft.com/office/powerpoint/2010/main" val="2160673307"/>
+      </p:ext>
+    </p:extLst>
+  </p:cSld>
+  <p:clrMapOvr>
+    <a:masterClrMapping/>
+  </p:clrMapOvr>
+</p:notes>
+</file>
+
+<file path=ppt/notesSlides/notesSlide5.xml><?xml version="1.0" encoding="utf-8"?>
+<p:notes xmlns:a="http://schemas.openxmlformats.org/drawingml/2006/main" xmlns:r="http://schemas.openxmlformats.org/officeDocument/2006/relationships" xmlns:p="http://schemas.openxmlformats.org/presentationml/2006/main">
+  <p:cSld>
+    <p:spTree>
+      <p:nvGrpSpPr>
+        <p:cNvPr id="1" name=""/>
+        <p:cNvGrpSpPr/>
+        <p:nvPr/>
+      </p:nvGrpSpPr>
+      <p:grpSpPr>
+        <a:xfrm>
+          <a:off x="0" y="0"/>
+          <a:ext cx="0" cy="0"/>
+          <a:chOff x="0" y="0"/>
+          <a:chExt cx="0" cy="0"/>
+        </a:xfrm>
+      </p:grpSpPr>
+      <p:sp>
+        <p:nvSpPr>
+          <p:cNvPr id="2" name="Slide Image Placeholder 1"/>
+          <p:cNvSpPr>
+            <a:spLocks noGrp="1" noRot="1" noChangeAspect="1"/>
+          </p:cNvSpPr>
+          <p:nvPr>
+            <p:ph type="sldImg"/>
+          </p:nvPr>
+        </p:nvSpPr>
+        <p:spPr/>
+      </p:sp>
+      <p:sp>
+        <p:nvSpPr>
+          <p:cNvPr id="3" name="Notes Placeholder 2"/>
+          <p:cNvSpPr>
+            <a:spLocks noGrp="1"/>
+          </p:cNvSpPr>
+          <p:nvPr>
+            <p:ph type="body" idx="1"/>
+          </p:nvPr>
+        </p:nvSpPr>
+        <p:spPr/>
+        <p:txBody>
+          <a:bodyPr/>
+          <a:lstStyle/>
+          <a:p>
+            <a:r>
+              <a:rPr lang="es-ES_tradnl" dirty="0"/>
+              <a:t>1’</a:t>
+            </a:r>
+          </a:p>
+          <a:p>
+            <a:r>
+              <a:rPr lang="es-ES_tradnl" dirty="0"/>
+              <a:t>Siebers</a:t>
+            </a:r>
+          </a:p>
+        </p:txBody>
+      </p:sp>
+      <p:sp>
+        <p:nvSpPr>
+          <p:cNvPr id="4" name="Slide Number Placeholder 3"/>
+          <p:cNvSpPr>
+            <a:spLocks noGrp="1"/>
+          </p:cNvSpPr>
+          <p:nvPr>
+            <p:ph type="sldNum" sz="quarter" idx="10"/>
+          </p:nvPr>
+        </p:nvSpPr>
+        <p:spPr/>
+        <p:txBody>
+          <a:bodyPr/>
+          <a:lstStyle/>
+          <a:p>
+            <a:fld id="{B257BC5A-9EFD-5A42-A078-0043DD193A81}" type="slidenum">
+              <a:rPr lang="es-ES_tradnl" smtClean="0"/>
+              <a:t>5</a:t>
+            </a:fld>
+            <a:endParaRPr lang="es-ES_tradnl"/>
+          </a:p>
+        </p:txBody>
+      </p:sp>
+    </p:spTree>
+    <p:extLst>
+      <p:ext uri="{BB962C8B-B14F-4D97-AF65-F5344CB8AC3E}">
+        <p14:creationId xmlns:p14="http://schemas.microsoft.com/office/powerpoint/2010/main" val="3608372797"/>
+      </p:ext>
+    </p:extLst>
+  </p:cSld>
+  <p:clrMapOvr>
+    <a:masterClrMapping/>
+  </p:clrMapOvr>
+</p:notes>
+</file>
+
+<file path=ppt/notesSlides/notesSlide6.xml><?xml version="1.0" encoding="utf-8"?>
+<p:notes xmlns:a="http://schemas.openxmlformats.org/drawingml/2006/main" xmlns:r="http://schemas.openxmlformats.org/officeDocument/2006/relationships" xmlns:p="http://schemas.openxmlformats.org/presentationml/2006/main">
+  <p:cSld>
+    <p:spTree>
+      <p:nvGrpSpPr>
+        <p:cNvPr id="1" name=""/>
+        <p:cNvGrpSpPr/>
+        <p:nvPr/>
+      </p:nvGrpSpPr>
+      <p:grpSpPr>
+        <a:xfrm>
+          <a:off x="0" y="0"/>
+          <a:ext cx="0" cy="0"/>
+          <a:chOff x="0" y="0"/>
+          <a:chExt cx="0" cy="0"/>
+        </a:xfrm>
+      </p:grpSpPr>
+      <p:sp>
+        <p:nvSpPr>
+          <p:cNvPr id="2" name="Slide Image Placeholder 1"/>
+          <p:cNvSpPr>
+            <a:spLocks noGrp="1" noRot="1" noChangeAspect="1"/>
+          </p:cNvSpPr>
+          <p:nvPr>
+            <p:ph type="sldImg"/>
+          </p:nvPr>
+        </p:nvSpPr>
+        <p:spPr/>
+      </p:sp>
+      <p:sp>
+        <p:nvSpPr>
+          <p:cNvPr id="3" name="Notes Placeholder 2"/>
+          <p:cNvSpPr>
+            <a:spLocks noGrp="1"/>
+          </p:cNvSpPr>
+          <p:nvPr>
+            <p:ph type="body" idx="1"/>
+          </p:nvPr>
+        </p:nvSpPr>
+        <p:spPr/>
+        <p:txBody>
+          <a:bodyPr/>
+          <a:lstStyle/>
+          <a:p>
+            <a:r>
+              <a:rPr lang="es-ES_tradnl" dirty="0"/>
+              <a:t>1’40”</a:t>
+            </a:r>
+          </a:p>
+          <a:p>
+            <a:r>
+              <a:rPr lang="es-ES_tradnl" dirty="0" err="1"/>
+              <a:t>McConachie</a:t>
+            </a:r>
+            <a:r>
+              <a:rPr lang="es-ES_tradnl" dirty="0"/>
+              <a:t> + Stewart</a:t>
+            </a:r>
+          </a:p>
+          <a:p>
+            <a:r>
+              <a:rPr lang="es-ES_tradnl" dirty="0"/>
+              <a:t>Teatro desde la Enacción, qué es Enacción</a:t>
+            </a:r>
+          </a:p>
+        </p:txBody>
+      </p:sp>
+      <p:sp>
+        <p:nvSpPr>
+          <p:cNvPr id="4" name="Slide Number Placeholder 3"/>
+          <p:cNvSpPr>
+            <a:spLocks noGrp="1"/>
+          </p:cNvSpPr>
+          <p:nvPr>
+            <p:ph type="sldNum" sz="quarter" idx="10"/>
+          </p:nvPr>
+        </p:nvSpPr>
+        <p:spPr/>
+        <p:txBody>
+          <a:bodyPr/>
+          <a:lstStyle/>
+          <a:p>
+            <a:fld id="{B257BC5A-9EFD-5A42-A078-0043DD193A81}" type="slidenum">
+              <a:rPr lang="es-ES_tradnl" smtClean="0"/>
+              <a:t>7</a:t>
+            </a:fld>
+            <a:endParaRPr lang="es-ES_tradnl"/>
+          </a:p>
+        </p:txBody>
+      </p:sp>
+    </p:spTree>
+    <p:extLst>
+      <p:ext uri="{BB962C8B-B14F-4D97-AF65-F5344CB8AC3E}">
+        <p14:creationId xmlns:p14="http://schemas.microsoft.com/office/powerpoint/2010/main" val="1063328391"/>
+      </p:ext>
+    </p:extLst>
+  </p:cSld>
+  <p:clrMapOvr>
+    <a:masterClrMapping/>
+  </p:clrMapOvr>
+</p:notes>
+</file>
+
+<file path=ppt/notesSlides/notesSlide7.xml><?xml version="1.0" encoding="utf-8"?>
+<p:notes xmlns:a="http://schemas.openxmlformats.org/drawingml/2006/main" xmlns:r="http://schemas.openxmlformats.org/officeDocument/2006/relationships" xmlns:p="http://schemas.openxmlformats.org/presentationml/2006/main">
+  <p:cSld>
+    <p:spTree>
+      <p:nvGrpSpPr>
+        <p:cNvPr id="1" name=""/>
+        <p:cNvGrpSpPr/>
+        <p:nvPr/>
+      </p:nvGrpSpPr>
+      <p:grpSpPr>
+        <a:xfrm>
+          <a:off x="0" y="0"/>
+          <a:ext cx="0" cy="0"/>
+          <a:chOff x="0" y="0"/>
+          <a:chExt cx="0" cy="0"/>
+        </a:xfrm>
+      </p:grpSpPr>
+      <p:sp>
+        <p:nvSpPr>
+          <p:cNvPr id="2" name="Slide Image Placeholder 1"/>
+          <p:cNvSpPr>
+            <a:spLocks noGrp="1" noRot="1" noChangeAspect="1"/>
+          </p:cNvSpPr>
+          <p:nvPr>
+            <p:ph type="sldImg"/>
+          </p:nvPr>
+        </p:nvSpPr>
+        <p:spPr/>
+      </p:sp>
+      <p:sp>
+        <p:nvSpPr>
+          <p:cNvPr id="3" name="Notes Placeholder 2"/>
+          <p:cNvSpPr>
+            <a:spLocks noGrp="1"/>
+          </p:cNvSpPr>
+          <p:nvPr>
+            <p:ph type="body" idx="1"/>
+          </p:nvPr>
+        </p:nvSpPr>
+        <p:spPr/>
+        <p:txBody>
+          <a:bodyPr/>
+          <a:lstStyle/>
+          <a:p>
+            <a:r>
+              <a:rPr lang="es-ES_tradnl" dirty="0"/>
+              <a:t>2’</a:t>
+            </a:r>
+          </a:p>
+          <a:p>
+            <a:r>
+              <a:rPr lang="es-ES_tradnl" dirty="0"/>
+              <a:t>De lo aplicado/político a lo estético</a:t>
+            </a:r>
+          </a:p>
+          <a:p>
+            <a:r>
+              <a:rPr lang="es-ES_tradnl" dirty="0"/>
+              <a:t>Tareas futuras(Chile) y trabajo actual(movimiento) -&gt; los lemas</a:t>
+            </a:r>
+          </a:p>
+        </p:txBody>
+      </p:sp>
+      <p:sp>
+        <p:nvSpPr>
+          <p:cNvPr id="4" name="Slide Number Placeholder 3"/>
+          <p:cNvSpPr>
+            <a:spLocks noGrp="1"/>
+          </p:cNvSpPr>
+          <p:nvPr>
+            <p:ph type="sldNum" sz="quarter" idx="10"/>
+          </p:nvPr>
+        </p:nvSpPr>
+        <p:spPr/>
+        <p:txBody>
+          <a:bodyPr/>
+          <a:lstStyle/>
+          <a:p>
+            <a:fld id="{B257BC5A-9EFD-5A42-A078-0043DD193A81}" type="slidenum">
+              <a:rPr lang="es-ES_tradnl" smtClean="0"/>
+              <a:t>8</a:t>
+            </a:fld>
+            <a:endParaRPr lang="es-ES_tradnl"/>
+          </a:p>
+        </p:txBody>
+      </p:sp>
+    </p:spTree>
+    <p:extLst>
+      <p:ext uri="{BB962C8B-B14F-4D97-AF65-F5344CB8AC3E}">
+        <p14:creationId xmlns:p14="http://schemas.microsoft.com/office/powerpoint/2010/main" val="3507666739"/>
+      </p:ext>
+    </p:extLst>
+  </p:cSld>
+  <p:clrMapOvr>
+    <a:masterClrMapping/>
+  </p:clrMapOvr>
+</p:notes>
+</file>
+
+<file path=ppt/notesSlides/notesSlide8.xml><?xml version="1.0" encoding="utf-8"?>
+<p:notes xmlns:a="http://schemas.openxmlformats.org/drawingml/2006/main" xmlns:r="http://schemas.openxmlformats.org/officeDocument/2006/relationships" xmlns:p="http://schemas.openxmlformats.org/presentationml/2006/main">
+  <p:cSld>
+    <p:spTree>
+      <p:nvGrpSpPr>
+        <p:cNvPr id="1" name=""/>
+        <p:cNvGrpSpPr/>
+        <p:nvPr/>
+      </p:nvGrpSpPr>
+      <p:grpSpPr>
+        <a:xfrm>
+          <a:off x="0" y="0"/>
+          <a:ext cx="0" cy="0"/>
+          <a:chOff x="0" y="0"/>
+          <a:chExt cx="0" cy="0"/>
+        </a:xfrm>
+      </p:grpSpPr>
+      <p:sp>
+        <p:nvSpPr>
+          <p:cNvPr id="2" name="Slide Image Placeholder 1"/>
+          <p:cNvSpPr>
+            <a:spLocks noGrp="1" noRot="1" noChangeAspect="1"/>
+          </p:cNvSpPr>
+          <p:nvPr>
+            <p:ph type="sldImg"/>
+          </p:nvPr>
+        </p:nvSpPr>
+        <p:spPr/>
+      </p:sp>
+      <p:sp>
+        <p:nvSpPr>
+          <p:cNvPr id="3" name="Notes Placeholder 2"/>
+          <p:cNvSpPr>
+            <a:spLocks noGrp="1"/>
+          </p:cNvSpPr>
+          <p:nvPr>
+            <p:ph type="body" idx="1"/>
+          </p:nvPr>
+        </p:nvSpPr>
+        <p:spPr/>
+        <p:txBody>
+          <a:bodyPr/>
+          <a:lstStyle/>
+          <a:p>
+            <a:r>
+              <a:rPr lang="es-ES_tradnl" dirty="0"/>
+              <a:t>2’</a:t>
+            </a:r>
+          </a:p>
+          <a:p>
+            <a:r>
+              <a:rPr lang="es-ES_tradnl" dirty="0"/>
+              <a:t>Axioma 1: el movimiento crea el espacio</a:t>
+            </a:r>
+          </a:p>
+          <a:p>
+            <a:r>
+              <a:rPr lang="es-ES_tradnl" dirty="0" err="1"/>
+              <a:t>Sheets-Jonhstone</a:t>
+            </a:r>
+            <a:r>
+              <a:rPr lang="es-ES_tradnl" dirty="0"/>
+              <a:t> y la creación del espacio a través del movimiento</a:t>
+            </a:r>
+          </a:p>
+          <a:p>
+            <a:r>
+              <a:rPr lang="es-ES_tradnl" dirty="0"/>
+              <a:t>Movimiento interior implica espacio interior</a:t>
+            </a:r>
+          </a:p>
+        </p:txBody>
+      </p:sp>
+      <p:sp>
+        <p:nvSpPr>
+          <p:cNvPr id="4" name="Slide Number Placeholder 3"/>
+          <p:cNvSpPr>
+            <a:spLocks noGrp="1"/>
+          </p:cNvSpPr>
+          <p:nvPr>
+            <p:ph type="sldNum" sz="quarter" idx="10"/>
+          </p:nvPr>
+        </p:nvSpPr>
+        <p:spPr/>
+        <p:txBody>
+          <a:bodyPr/>
+          <a:lstStyle/>
+          <a:p>
+            <a:fld id="{B257BC5A-9EFD-5A42-A078-0043DD193A81}" type="slidenum">
+              <a:rPr lang="es-ES_tradnl" smtClean="0"/>
+              <a:t>9</a:t>
+            </a:fld>
+            <a:endParaRPr lang="es-ES_tradnl"/>
+          </a:p>
+        </p:txBody>
+      </p:sp>
+    </p:spTree>
+    <p:extLst>
+      <p:ext uri="{BB962C8B-B14F-4D97-AF65-F5344CB8AC3E}">
+        <p14:creationId xmlns:p14="http://schemas.microsoft.com/office/powerpoint/2010/main" val="2297347698"/>
+      </p:ext>
+    </p:extLst>
+  </p:cSld>
+  <p:clrMapOvr>
+    <a:masterClrMapping/>
+  </p:clrMapOvr>
+</p:notes>
+</file>
+
+<file path=ppt/notesSlides/notesSlide9.xml><?xml version="1.0" encoding="utf-8"?>
+<p:notes xmlns:a="http://schemas.openxmlformats.org/drawingml/2006/main" xmlns:r="http://schemas.openxmlformats.org/officeDocument/2006/relationships" xmlns:p="http://schemas.openxmlformats.org/presentationml/2006/main">
+  <p:cSld>
+    <p:spTree>
+      <p:nvGrpSpPr>
+        <p:cNvPr id="1" name=""/>
+        <p:cNvGrpSpPr/>
+        <p:nvPr/>
+      </p:nvGrpSpPr>
+      <p:grpSpPr>
+        <a:xfrm>
+          <a:off x="0" y="0"/>
+          <a:ext cx="0" cy="0"/>
+          <a:chOff x="0" y="0"/>
+          <a:chExt cx="0" cy="0"/>
+        </a:xfrm>
+      </p:grpSpPr>
+      <p:sp>
+        <p:nvSpPr>
+          <p:cNvPr id="2" name="Slide Image Placeholder 1"/>
+          <p:cNvSpPr>
+            <a:spLocks noGrp="1" noRot="1" noChangeAspect="1"/>
+          </p:cNvSpPr>
+          <p:nvPr>
+            <p:ph type="sldImg"/>
+          </p:nvPr>
+        </p:nvSpPr>
+        <p:spPr/>
+      </p:sp>
+      <p:sp>
+        <p:nvSpPr>
+          <p:cNvPr id="3" name="Notes Placeholder 2"/>
+          <p:cNvSpPr>
+            <a:spLocks noGrp="1"/>
+          </p:cNvSpPr>
+          <p:nvPr>
+            <p:ph type="body" idx="1"/>
+          </p:nvPr>
+        </p:nvSpPr>
+        <p:spPr/>
+        <p:txBody>
+          <a:bodyPr/>
+          <a:lstStyle/>
+          <a:p>
+            <a:r>
+              <a:rPr lang="es-ES_tradnl" dirty="0"/>
+              <a:t>1’</a:t>
+            </a:r>
+          </a:p>
+          <a:p>
+            <a:r>
+              <a:rPr lang="es-ES_tradnl" dirty="0"/>
+              <a:t>Kandinsky – primer capítulo de “De lo espiritual en el arte” (triangulo)</a:t>
+            </a:r>
+          </a:p>
+        </p:txBody>
+      </p:sp>
+      <p:sp>
+        <p:nvSpPr>
+          <p:cNvPr id="4" name="Slide Number Placeholder 3"/>
+          <p:cNvSpPr>
+            <a:spLocks noGrp="1"/>
+          </p:cNvSpPr>
+          <p:nvPr>
+            <p:ph type="sldNum" sz="quarter" idx="10"/>
+          </p:nvPr>
+        </p:nvSpPr>
+        <p:spPr/>
+        <p:txBody>
+          <a:bodyPr/>
+          <a:lstStyle/>
+          <a:p>
+            <a:fld id="{B257BC5A-9EFD-5A42-A078-0043DD193A81}" type="slidenum">
+              <a:rPr lang="es-ES_tradnl" smtClean="0"/>
+              <a:t>10</a:t>
+            </a:fld>
+            <a:endParaRPr lang="es-ES_tradnl"/>
+          </a:p>
+        </p:txBody>
+      </p:sp>
+    </p:spTree>
+    <p:extLst>
+      <p:ext uri="{BB962C8B-B14F-4D97-AF65-F5344CB8AC3E}">
+        <p14:creationId xmlns:p14="http://schemas.microsoft.com/office/powerpoint/2010/main" val="1463247063"/>
+      </p:ext>
+    </p:extLst>
+  </p:cSld>
+  <p:clrMapOvr>
+    <a:masterClrMapping/>
+  </p:clrMapOvr>
+</p:notes>
+</file>
+
 <file path=ppt/slideLayouts/slideLayout1.xml><?xml version="1.0" encoding="utf-8"?>
 <p:sldLayout xmlns:a="http://schemas.openxmlformats.org/drawingml/2006/main" xmlns:r="http://schemas.openxmlformats.org/officeDocument/2006/relationships" xmlns:p="http://schemas.openxmlformats.org/presentationml/2006/main" type="title" preserve="1">
   <p:cSld name="Title Slide">
@@ -139,20 +2393,24 @@
             <a:off x="685800" y="1122363"/>
             <a:ext cx="7772400" cy="2387600"/>
           </a:xfrm>
+          <a:prstGeom prst="rect">
+            <a:avLst/>
+          </a:prstGeom>
         </p:spPr>
         <p:txBody>
-          <a:bodyPr anchor="b"/>
+          <a:bodyPr anchor="b">
+            <a:normAutofit/>
+          </a:bodyPr>
           <a:lstStyle>
             <a:lvl1pPr algn="ctr">
-              <a:defRPr sz="6000"/>
+              <a:defRPr sz="4800"/>
             </a:lvl1pPr>
           </a:lstStyle>
           <a:p>
             <a:r>
-              <a:rPr lang="en-US"/>
+              <a:rPr lang="en-US" dirty="0"/>
               <a:t>Click to edit Master title style</a:t>
             </a:r>
-            <a:endParaRPr lang="en-US" dirty="0"/>
           </a:p>
         </p:txBody>
       </p:sp>
@@ -254,7 +2512,15 @@
             <p:ph type="ftr" sz="quarter" idx="11"/>
           </p:nvPr>
         </p:nvSpPr>
-        <p:spPr/>
+        <p:spPr>
+          <a:xfrm>
+            <a:off x="3028950" y="6356351"/>
+            <a:ext cx="3086100" cy="365125"/>
+          </a:xfrm>
+          <a:prstGeom prst="rect">
+            <a:avLst/>
+          </a:prstGeom>
+        </p:spPr>
         <p:txBody>
           <a:bodyPr/>
           <a:lstStyle/>
@@ -326,7 +2592,15 @@
             <p:ph type="title"/>
           </p:nvPr>
         </p:nvSpPr>
-        <p:spPr/>
+        <p:spPr>
+          <a:xfrm>
+            <a:off x="628650" y="365126"/>
+            <a:ext cx="7886700" cy="1325563"/>
+          </a:xfrm>
+          <a:prstGeom prst="rect">
+            <a:avLst/>
+          </a:prstGeom>
+        </p:spPr>
         <p:txBody>
           <a:bodyPr/>
           <a:lstStyle/>
@@ -424,7 +2698,15 @@
             <p:ph type="ftr" sz="quarter" idx="11"/>
           </p:nvPr>
         </p:nvSpPr>
-        <p:spPr/>
+        <p:spPr>
+          <a:xfrm>
+            <a:off x="3028950" y="6356351"/>
+            <a:ext cx="3086100" cy="365125"/>
+          </a:xfrm>
+          <a:prstGeom prst="rect">
+            <a:avLst/>
+          </a:prstGeom>
+        </p:spPr>
         <p:txBody>
           <a:bodyPr/>
           <a:lstStyle/>
@@ -501,6 +2783,9 @@
             <a:off x="6543675" y="365125"/>
             <a:ext cx="1971675" cy="5811838"/>
           </a:xfrm>
+          <a:prstGeom prst="rect">
+            <a:avLst/>
+          </a:prstGeom>
         </p:spPr>
         <p:txBody>
           <a:bodyPr vert="eaVert"/>
@@ -604,7 +2889,15 @@
             <p:ph type="ftr" sz="quarter" idx="11"/>
           </p:nvPr>
         </p:nvSpPr>
-        <p:spPr/>
+        <p:spPr>
+          <a:xfrm>
+            <a:off x="3028950" y="6356351"/>
+            <a:ext cx="3086100" cy="365125"/>
+          </a:xfrm>
+          <a:prstGeom prst="rect">
+            <a:avLst/>
+          </a:prstGeom>
+        </p:spPr>
         <p:txBody>
           <a:bodyPr/>
           <a:lstStyle/>
@@ -676,7 +2969,15 @@
             <p:ph type="title"/>
           </p:nvPr>
         </p:nvSpPr>
-        <p:spPr/>
+        <p:spPr>
+          <a:xfrm>
+            <a:off x="628650" y="365126"/>
+            <a:ext cx="7886700" cy="1325563"/>
+          </a:xfrm>
+          <a:prstGeom prst="rect">
+            <a:avLst/>
+          </a:prstGeom>
+        </p:spPr>
         <p:txBody>
           <a:bodyPr/>
           <a:lstStyle/>
@@ -774,7 +3075,15 @@
             <p:ph type="ftr" sz="quarter" idx="11"/>
           </p:nvPr>
         </p:nvSpPr>
-        <p:spPr/>
+        <p:spPr>
+          <a:xfrm>
+            <a:off x="3028950" y="6356351"/>
+            <a:ext cx="3086100" cy="365125"/>
+          </a:xfrm>
+          <a:prstGeom prst="rect">
+            <a:avLst/>
+          </a:prstGeom>
+        </p:spPr>
         <p:txBody>
           <a:bodyPr/>
           <a:lstStyle/>
@@ -820,7 +3129,7 @@
 </file>
 
 <file path=ppt/slideLayouts/slideLayout3.xml><?xml version="1.0" encoding="utf-8"?>
-<p:sldLayout xmlns:a="http://schemas.openxmlformats.org/drawingml/2006/main" xmlns:r="http://schemas.openxmlformats.org/officeDocument/2006/relationships" xmlns:p="http://schemas.openxmlformats.org/presentationml/2006/main" type="secHead" preserve="1">
+<p:sldLayout xmlns:a="http://schemas.openxmlformats.org/drawingml/2006/main" xmlns:r="http://schemas.openxmlformats.org/officeDocument/2006/relationships" xmlns:p="http://schemas.openxmlformats.org/presentationml/2006/main" preserve="1" userDrawn="1">
   <p:cSld name="Section Header">
     <p:spTree>
       <p:nvGrpSpPr>
@@ -848,139 +3157,26 @@
         </p:nvSpPr>
         <p:spPr>
           <a:xfrm>
-            <a:off x="623888" y="1709739"/>
-            <a:ext cx="7886700" cy="2852737"/>
+            <a:off x="623888" y="1709740"/>
+            <a:ext cx="7886700" cy="2503032"/>
           </a:xfrm>
+          <a:prstGeom prst="rect">
+            <a:avLst/>
+          </a:prstGeom>
         </p:spPr>
         <p:txBody>
-          <a:bodyPr anchor="b"/>
+          <a:bodyPr anchor="b">
+            <a:normAutofit/>
+          </a:bodyPr>
           <a:lstStyle>
-            <a:lvl1pPr>
-              <a:defRPr sz="6000"/>
+            <a:lvl1pPr algn="ctr">
+              <a:defRPr sz="4000" baseline="0"/>
             </a:lvl1pPr>
           </a:lstStyle>
           <a:p>
             <a:r>
-              <a:rPr lang="en-US"/>
+              <a:rPr lang="en-US" dirty="0"/>
               <a:t>Click to edit Master title style</a:t>
-            </a:r>
-            <a:endParaRPr lang="en-US" dirty="0"/>
-          </a:p>
-        </p:txBody>
-      </p:sp>
-      <p:sp>
-        <p:nvSpPr>
-          <p:cNvPr id="3" name="Text Placeholder 2"/>
-          <p:cNvSpPr>
-            <a:spLocks noGrp="1"/>
-          </p:cNvSpPr>
-          <p:nvPr>
-            <p:ph type="body" idx="1"/>
-          </p:nvPr>
-        </p:nvSpPr>
-        <p:spPr>
-          <a:xfrm>
-            <a:off x="623888" y="4589464"/>
-            <a:ext cx="7886700" cy="1500187"/>
-          </a:xfrm>
-        </p:spPr>
-        <p:txBody>
-          <a:bodyPr/>
-          <a:lstStyle>
-            <a:lvl1pPr marL="0" indent="0">
-              <a:buNone/>
-              <a:defRPr sz="2400">
-                <a:solidFill>
-                  <a:schemeClr val="tx1"/>
-                </a:solidFill>
-              </a:defRPr>
-            </a:lvl1pPr>
-            <a:lvl2pPr marL="457200" indent="0">
-              <a:buNone/>
-              <a:defRPr sz="2000">
-                <a:solidFill>
-                  <a:schemeClr val="tx1">
-                    <a:tint val="75000"/>
-                  </a:schemeClr>
-                </a:solidFill>
-              </a:defRPr>
-            </a:lvl2pPr>
-            <a:lvl3pPr marL="914400" indent="0">
-              <a:buNone/>
-              <a:defRPr sz="1800">
-                <a:solidFill>
-                  <a:schemeClr val="tx1">
-                    <a:tint val="75000"/>
-                  </a:schemeClr>
-                </a:solidFill>
-              </a:defRPr>
-            </a:lvl3pPr>
-            <a:lvl4pPr marL="1371600" indent="0">
-              <a:buNone/>
-              <a:defRPr sz="1600">
-                <a:solidFill>
-                  <a:schemeClr val="tx1">
-                    <a:tint val="75000"/>
-                  </a:schemeClr>
-                </a:solidFill>
-              </a:defRPr>
-            </a:lvl4pPr>
-            <a:lvl5pPr marL="1828800" indent="0">
-              <a:buNone/>
-              <a:defRPr sz="1600">
-                <a:solidFill>
-                  <a:schemeClr val="tx1">
-                    <a:tint val="75000"/>
-                  </a:schemeClr>
-                </a:solidFill>
-              </a:defRPr>
-            </a:lvl5pPr>
-            <a:lvl6pPr marL="2286000" indent="0">
-              <a:buNone/>
-              <a:defRPr sz="1600">
-                <a:solidFill>
-                  <a:schemeClr val="tx1">
-                    <a:tint val="75000"/>
-                  </a:schemeClr>
-                </a:solidFill>
-              </a:defRPr>
-            </a:lvl6pPr>
-            <a:lvl7pPr marL="2743200" indent="0">
-              <a:buNone/>
-              <a:defRPr sz="1600">
-                <a:solidFill>
-                  <a:schemeClr val="tx1">
-                    <a:tint val="75000"/>
-                  </a:schemeClr>
-                </a:solidFill>
-              </a:defRPr>
-            </a:lvl7pPr>
-            <a:lvl8pPr marL="3200400" indent="0">
-              <a:buNone/>
-              <a:defRPr sz="1600">
-                <a:solidFill>
-                  <a:schemeClr val="tx1">
-                    <a:tint val="75000"/>
-                  </a:schemeClr>
-                </a:solidFill>
-              </a:defRPr>
-            </a:lvl8pPr>
-            <a:lvl9pPr marL="3657600" indent="0">
-              <a:buNone/>
-              <a:defRPr sz="1600">
-                <a:solidFill>
-                  <a:schemeClr val="tx1">
-                    <a:tint val="75000"/>
-                  </a:schemeClr>
-                </a:solidFill>
-              </a:defRPr>
-            </a:lvl9pPr>
-          </a:lstStyle>
-          <a:p>
-            <a:pPr lvl="0"/>
-            <a:r>
-              <a:rPr lang="en-US"/>
-              <a:t>Edit Master text styles</a:t>
             </a:r>
           </a:p>
         </p:txBody>
@@ -1018,7 +3214,15 @@
             <p:ph type="ftr" sz="quarter" idx="11"/>
           </p:nvPr>
         </p:nvSpPr>
-        <p:spPr/>
+        <p:spPr>
+          <a:xfrm>
+            <a:off x="3028950" y="6356351"/>
+            <a:ext cx="3086100" cy="365125"/>
+          </a:xfrm>
+          <a:prstGeom prst="rect">
+            <a:avLst/>
+          </a:prstGeom>
+        </p:spPr>
         <p:txBody>
           <a:bodyPr/>
           <a:lstStyle/>
@@ -1090,7 +3294,15 @@
             <p:ph type="title"/>
           </p:nvPr>
         </p:nvSpPr>
-        <p:spPr/>
+        <p:spPr>
+          <a:xfrm>
+            <a:off x="628650" y="365126"/>
+            <a:ext cx="7886700" cy="1325563"/>
+          </a:xfrm>
+          <a:prstGeom prst="rect">
+            <a:avLst/>
+          </a:prstGeom>
+        </p:spPr>
         <p:txBody>
           <a:bodyPr/>
           <a:lstStyle/>
@@ -1250,7 +3462,15 @@
             <p:ph type="ftr" sz="quarter" idx="11"/>
           </p:nvPr>
         </p:nvSpPr>
-        <p:spPr/>
+        <p:spPr>
+          <a:xfrm>
+            <a:off x="3028950" y="6356351"/>
+            <a:ext cx="3086100" cy="365125"/>
+          </a:xfrm>
+          <a:prstGeom prst="rect">
+            <a:avLst/>
+          </a:prstGeom>
+        </p:spPr>
         <p:txBody>
           <a:bodyPr/>
           <a:lstStyle/>
@@ -1327,6 +3547,9 @@
             <a:off x="629841" y="365126"/>
             <a:ext cx="7886700" cy="1325563"/>
           </a:xfrm>
+          <a:prstGeom prst="rect">
+            <a:avLst/>
+          </a:prstGeom>
         </p:spPr>
         <p:txBody>
           <a:bodyPr/>
@@ -1617,7 +3840,15 @@
             <p:ph type="ftr" sz="quarter" idx="11"/>
           </p:nvPr>
         </p:nvSpPr>
-        <p:spPr/>
+        <p:spPr>
+          <a:xfrm>
+            <a:off x="3028950" y="6356351"/>
+            <a:ext cx="3086100" cy="365125"/>
+          </a:xfrm>
+          <a:prstGeom prst="rect">
+            <a:avLst/>
+          </a:prstGeom>
+        </p:spPr>
         <p:txBody>
           <a:bodyPr/>
           <a:lstStyle/>
@@ -1689,16 +3920,27 @@
             <p:ph type="title"/>
           </p:nvPr>
         </p:nvSpPr>
-        <p:spPr/>
-        <p:txBody>
-          <a:bodyPr/>
-          <a:lstStyle/>
-          <a:p>
-            <a:r>
-              <a:rPr lang="en-US"/>
+        <p:spPr>
+          <a:xfrm>
+            <a:off x="628650" y="4702630"/>
+            <a:ext cx="7886700" cy="1469570"/>
+          </a:xfrm>
+          <a:prstGeom prst="rect">
+            <a:avLst/>
+          </a:prstGeom>
+        </p:spPr>
+        <p:txBody>
+          <a:bodyPr anchor="b" anchorCtr="1"/>
+          <a:lstStyle>
+            <a:lvl1pPr algn="ctr">
+              <a:defRPr/>
+            </a:lvl1pPr>
+          </a:lstStyle>
+          <a:p>
+            <a:r>
+              <a:rPr lang="en-US" dirty="0"/>
               <a:t>Click to edit Master title style</a:t>
             </a:r>
-            <a:endParaRPr lang="en-US" dirty="0"/>
           </a:p>
         </p:txBody>
       </p:sp>
@@ -1735,7 +3977,15 @@
             <p:ph type="ftr" sz="quarter" idx="11"/>
           </p:nvPr>
         </p:nvSpPr>
-        <p:spPr/>
+        <p:spPr>
+          <a:xfrm>
+            <a:off x="3028950" y="6356351"/>
+            <a:ext cx="3086100" cy="365125"/>
+          </a:xfrm>
+          <a:prstGeom prst="rect">
+            <a:avLst/>
+          </a:prstGeom>
+        </p:spPr>
         <p:txBody>
           <a:bodyPr/>
           <a:lstStyle/>
@@ -1830,7 +4080,15 @@
             <p:ph type="ftr" sz="quarter" idx="11"/>
           </p:nvPr>
         </p:nvSpPr>
-        <p:spPr/>
+        <p:spPr>
+          <a:xfrm>
+            <a:off x="3028950" y="6356351"/>
+            <a:ext cx="3086100" cy="365125"/>
+          </a:xfrm>
+          <a:prstGeom prst="rect">
+            <a:avLst/>
+          </a:prstGeom>
+        </p:spPr>
         <p:txBody>
           <a:bodyPr/>
           <a:lstStyle/>
@@ -1907,6 +4165,9 @@
             <a:off x="629841" y="457200"/>
             <a:ext cx="2949178" cy="1600200"/>
           </a:xfrm>
+          <a:prstGeom prst="rect">
+            <a:avLst/>
+          </a:prstGeom>
         </p:spPr>
         <p:txBody>
           <a:bodyPr anchor="b"/>
@@ -2107,7 +4368,15 @@
             <p:ph type="ftr" sz="quarter" idx="11"/>
           </p:nvPr>
         </p:nvSpPr>
-        <p:spPr/>
+        <p:spPr>
+          <a:xfrm>
+            <a:off x="3028950" y="6356351"/>
+            <a:ext cx="3086100" cy="365125"/>
+          </a:xfrm>
+          <a:prstGeom prst="rect">
+            <a:avLst/>
+          </a:prstGeom>
+        </p:spPr>
         <p:txBody>
           <a:bodyPr/>
           <a:lstStyle/>
@@ -2184,6 +4453,9 @@
             <a:off x="629841" y="457200"/>
             <a:ext cx="2949178" cy="1600200"/>
           </a:xfrm>
+          <a:prstGeom prst="rect">
+            <a:avLst/>
+          </a:prstGeom>
         </p:spPr>
         <p:txBody>
           <a:bodyPr anchor="b"/>
@@ -2364,7 +4636,15 @@
             <p:ph type="ftr" sz="quarter" idx="11"/>
           </p:nvPr>
         </p:nvSpPr>
-        <p:spPr/>
+        <p:spPr>
+          <a:xfrm>
+            <a:off x="3028950" y="6356351"/>
+            <a:ext cx="3086100" cy="365125"/>
+          </a:xfrm>
+          <a:prstGeom prst="rect">
+            <a:avLst/>
+          </a:prstGeom>
+        </p:spPr>
         <p:txBody>
           <a:bodyPr/>
           <a:lstStyle/>
@@ -2433,39 +4713,6 @@
       </p:grpSpPr>
       <p:sp>
         <p:nvSpPr>
-          <p:cNvPr id="2" name="Title Placeholder 1"/>
-          <p:cNvSpPr>
-            <a:spLocks noGrp="1"/>
-          </p:cNvSpPr>
-          <p:nvPr>
-            <p:ph type="title"/>
-          </p:nvPr>
-        </p:nvSpPr>
-        <p:spPr>
-          <a:xfrm>
-            <a:off x="628650" y="365126"/>
-            <a:ext cx="7886700" cy="1325563"/>
-          </a:xfrm>
-          <a:prstGeom prst="rect">
-            <a:avLst/>
-          </a:prstGeom>
-        </p:spPr>
-        <p:txBody>
-          <a:bodyPr vert="horz" lIns="91440" tIns="45720" rIns="91440" bIns="45720" rtlCol="0" anchor="ctr">
-            <a:normAutofit/>
-          </a:bodyPr>
-          <a:lstStyle/>
-          <a:p>
-            <a:r>
-              <a:rPr lang="en-US"/>
-              <a:t>Click to edit Master title style</a:t>
-            </a:r>
-            <a:endParaRPr lang="en-US" dirty="0"/>
-          </a:p>
-        </p:txBody>
-      </p:sp>
-      <p:sp>
-        <p:nvSpPr>
           <p:cNvPr id="3" name="Text Placeholder 2"/>
           <p:cNvSpPr>
             <a:spLocks noGrp="1"/>
@@ -2491,38 +4738,37 @@
           <a:p>
             <a:pPr lvl="0"/>
             <a:r>
-              <a:rPr lang="en-US"/>
+              <a:rPr lang="es-ES_tradnl" noProof="0"/>
               <a:t>Edit Master text styles</a:t>
             </a:r>
           </a:p>
           <a:p>
             <a:pPr lvl="1"/>
             <a:r>
-              <a:rPr lang="en-US"/>
+              <a:rPr lang="es-ES_tradnl" noProof="0"/>
               <a:t>Second level</a:t>
             </a:r>
           </a:p>
           <a:p>
             <a:pPr lvl="2"/>
             <a:r>
-              <a:rPr lang="en-US"/>
+              <a:rPr lang="es-ES_tradnl" noProof="0"/>
               <a:t>Third level</a:t>
             </a:r>
           </a:p>
           <a:p>
             <a:pPr lvl="3"/>
             <a:r>
-              <a:rPr lang="en-US"/>
+              <a:rPr lang="es-ES_tradnl" noProof="0"/>
               <a:t>Fourth level</a:t>
             </a:r>
           </a:p>
           <a:p>
             <a:pPr lvl="4"/>
             <a:r>
-              <a:rPr lang="en-US"/>
+              <a:rPr lang="es-ES_tradnl" noProof="0"/>
               <a:t>Fifth level</a:t>
             </a:r>
-            <a:endParaRPr lang="en-US" dirty="0"/>
           </a:p>
         </p:txBody>
       </p:sp>
@@ -2560,26 +4806,73 @@
           </a:lstStyle>
           <a:p>
             <a:fld id="{DCF8C03A-3EDD-0E40-BB37-0BAA3FE57DAB}" type="datetimeFigureOut">
-              <a:rPr lang="en-US" smtClean="0"/>
+              <a:rPr lang="es-ES_tradnl" noProof="0" smtClean="0"/>
               <a:t>6/3/18</a:t>
             </a:fld>
-            <a:endParaRPr lang="en-US"/>
-          </a:p>
-        </p:txBody>
-      </p:sp>
-      <p:sp>
-        <p:nvSpPr>
-          <p:cNvPr id="5" name="Footer Placeholder 4"/>
-          <p:cNvSpPr>
-            <a:spLocks noGrp="1"/>
-          </p:cNvSpPr>
-          <p:nvPr>
-            <p:ph type="ftr" sz="quarter" idx="3"/>
+            <a:endParaRPr lang="es-ES_tradnl" noProof="0"/>
+          </a:p>
+        </p:txBody>
+      </p:sp>
+      <p:sp>
+        <p:nvSpPr>
+          <p:cNvPr id="6" name="Slide Number Placeholder 5"/>
+          <p:cNvSpPr>
+            <a:spLocks noGrp="1"/>
+          </p:cNvSpPr>
+          <p:nvPr>
+            <p:ph type="sldNum" sz="quarter" idx="4"/>
           </p:nvPr>
         </p:nvSpPr>
         <p:spPr>
           <a:xfrm>
-            <a:off x="3028950" y="6356351"/>
+            <a:off x="6457950" y="6356351"/>
+            <a:ext cx="2057400" cy="365125"/>
+          </a:xfrm>
+          <a:prstGeom prst="rect">
+            <a:avLst/>
+          </a:prstGeom>
+        </p:spPr>
+        <p:txBody>
+          <a:bodyPr vert="horz" lIns="91440" tIns="45720" rIns="91440" bIns="45720" rtlCol="0" anchor="ctr"/>
+          <a:lstStyle>
+            <a:lvl1pPr algn="r">
+              <a:defRPr sz="1200">
+                <a:solidFill>
+                  <a:schemeClr val="tx1">
+                    <a:tint val="75000"/>
+                  </a:schemeClr>
+                </a:solidFill>
+              </a:defRPr>
+            </a:lvl1pPr>
+          </a:lstStyle>
+          <a:p>
+            <a:fld id="{CB4A5C6C-BC9A-8549-A13B-DC81555786C4}" type="slidenum">
+              <a:rPr lang="es-ES_tradnl" noProof="0" smtClean="0"/>
+              <a:t>‹#›</a:t>
+            </a:fld>
+            <a:endParaRPr lang="es-ES_tradnl" noProof="0"/>
+          </a:p>
+        </p:txBody>
+      </p:sp>
+      <p:sp>
+        <p:nvSpPr>
+          <p:cNvPr id="10" name="Footer Placeholder 9">
+            <a:extLst>
+              <a:ext uri="{FF2B5EF4-FFF2-40B4-BE49-F238E27FC236}">
+                <a16:creationId xmlns:a16="http://schemas.microsoft.com/office/drawing/2014/main" id="{814B9B41-BE9D-1441-B06C-1E14562BF7F7}"/>
+              </a:ext>
+            </a:extLst>
+          </p:cNvPr>
+          <p:cNvSpPr>
+            <a:spLocks noGrp="1"/>
+          </p:cNvSpPr>
+          <p:nvPr>
+            <p:ph type="ftr" sz="quarter" idx="3"/>
+          </p:nvPr>
+        </p:nvSpPr>
+        <p:spPr>
+          <a:xfrm>
+            <a:off x="3028950" y="6356350"/>
             <a:ext cx="3086100" cy="365125"/>
           </a:xfrm>
           <a:prstGeom prst="rect">
@@ -2600,48 +4893,45 @@
             </a:lvl1pPr>
           </a:lstStyle>
           <a:p>
-            <a:endParaRPr lang="en-US"/>
-          </a:p>
-        </p:txBody>
-      </p:sp>
-      <p:sp>
-        <p:nvSpPr>
-          <p:cNvPr id="6" name="Slide Number Placeholder 5"/>
-          <p:cNvSpPr>
-            <a:spLocks noGrp="1"/>
-          </p:cNvSpPr>
-          <p:nvPr>
-            <p:ph type="sldNum" sz="quarter" idx="4"/>
+            <a:endParaRPr lang="es-ES_tradnl" noProof="0"/>
+          </a:p>
+        </p:txBody>
+      </p:sp>
+      <p:sp>
+        <p:nvSpPr>
+          <p:cNvPr id="12" name="Title Placeholder 11">
+            <a:extLst>
+              <a:ext uri="{FF2B5EF4-FFF2-40B4-BE49-F238E27FC236}">
+                <a16:creationId xmlns:a16="http://schemas.microsoft.com/office/drawing/2014/main" id="{86BD5680-2CCA-B046-B939-3A34EDB90A0D}"/>
+              </a:ext>
+            </a:extLst>
+          </p:cNvPr>
+          <p:cNvSpPr>
+            <a:spLocks noGrp="1"/>
+          </p:cNvSpPr>
+          <p:nvPr>
+            <p:ph type="title"/>
           </p:nvPr>
         </p:nvSpPr>
         <p:spPr>
           <a:xfrm>
-            <a:off x="6457950" y="6356351"/>
-            <a:ext cx="2057400" cy="365125"/>
+            <a:off x="628650" y="365125"/>
+            <a:ext cx="7886700" cy="1325563"/>
           </a:xfrm>
           <a:prstGeom prst="rect">
             <a:avLst/>
           </a:prstGeom>
         </p:spPr>
         <p:txBody>
-          <a:bodyPr vert="horz" lIns="91440" tIns="45720" rIns="91440" bIns="45720" rtlCol="0" anchor="ctr"/>
-          <a:lstStyle>
-            <a:lvl1pPr algn="r">
-              <a:defRPr sz="1200">
-                <a:solidFill>
-                  <a:schemeClr val="tx1">
-                    <a:tint val="75000"/>
-                  </a:schemeClr>
-                </a:solidFill>
-              </a:defRPr>
-            </a:lvl1pPr>
-          </a:lstStyle>
-          <a:p>
-            <a:fld id="{CB4A5C6C-BC9A-8549-A13B-DC81555786C4}" type="slidenum">
-              <a:rPr lang="en-US" smtClean="0"/>
-              <a:t>‹#›</a:t>
-            </a:fld>
-            <a:endParaRPr lang="en-US"/>
+          <a:bodyPr vert="horz" lIns="91440" tIns="45720" rIns="91440" bIns="45720" rtlCol="0" anchor="ctr">
+            <a:normAutofit/>
+          </a:bodyPr>
+          <a:lstStyle/>
+          <a:p>
+            <a:r>
+              <a:rPr lang="es-ES_tradnl" noProof="0"/>
+              <a:t>Click to edit Master title style</a:t>
+            </a:r>
           </a:p>
         </p:txBody>
       </p:sp>
@@ -2984,10 +5274,16 @@
         </p:nvSpPr>
         <p:spPr/>
         <p:txBody>
-          <a:bodyPr/>
-          <a:lstStyle/>
-          <a:p>
-            <a:endParaRPr lang="en-US"/>
+          <a:bodyPr>
+            <a:normAutofit/>
+          </a:bodyPr>
+          <a:lstStyle/>
+          <a:p>
+            <a:r>
+              <a:rPr lang="es-ES_tradnl" b="1" dirty="0"/>
+              <a:t>Tres lemas para la quietud</a:t>
+            </a:r>
+            <a:endParaRPr lang="es-ES_tradnl" dirty="0"/>
           </a:p>
         </p:txBody>
       </p:sp>
@@ -3012,14 +5308,2593 @@
           <a:bodyPr/>
           <a:lstStyle/>
           <a:p>
-            <a:endParaRPr lang="en-US"/>
-          </a:p>
-        </p:txBody>
-      </p:sp>
+            <a:r>
+              <a:rPr lang="en-US" dirty="0"/>
+              <a:t>Andrés Aparicio</a:t>
+            </a:r>
+          </a:p>
+        </p:txBody>
+      </p:sp>
+      <p:grpSp>
+        <p:nvGrpSpPr>
+          <p:cNvPr id="8" name="Group 7">
+            <a:extLst>
+              <a:ext uri="{FF2B5EF4-FFF2-40B4-BE49-F238E27FC236}">
+                <a16:creationId xmlns:a16="http://schemas.microsoft.com/office/drawing/2014/main" id="{9686D739-DD75-DB4C-B6BB-D72D573F141F}"/>
+              </a:ext>
+            </a:extLst>
+          </p:cNvPr>
+          <p:cNvGrpSpPr/>
+          <p:nvPr/>
+        </p:nvGrpSpPr>
+        <p:grpSpPr>
+          <a:xfrm>
+            <a:off x="1143000" y="1122363"/>
+            <a:ext cx="6852557" cy="4357024"/>
+            <a:chOff x="1143000" y="1122363"/>
+            <a:chExt cx="6852557" cy="4357024"/>
+          </a:xfrm>
+        </p:grpSpPr>
+        <p:sp>
+          <p:nvSpPr>
+            <p:cNvPr id="4" name="Oval 3">
+              <a:extLst>
+                <a:ext uri="{FF2B5EF4-FFF2-40B4-BE49-F238E27FC236}">
+                  <a16:creationId xmlns:a16="http://schemas.microsoft.com/office/drawing/2014/main" id="{7B0064E8-D915-5B42-90EA-C1E61B128B6C}"/>
+                </a:ext>
+              </a:extLst>
+            </p:cNvPr>
+            <p:cNvSpPr/>
+            <p:nvPr/>
+          </p:nvSpPr>
+          <p:spPr>
+            <a:xfrm>
+              <a:off x="4507436" y="1122363"/>
+              <a:ext cx="129128" cy="129128"/>
+            </a:xfrm>
+            <a:prstGeom prst="ellipse">
+              <a:avLst/>
+            </a:prstGeom>
+            <a:solidFill>
+              <a:schemeClr val="tx1"/>
+            </a:solidFill>
+            <a:ln>
+              <a:noFill/>
+            </a:ln>
+          </p:spPr>
+          <p:style>
+            <a:lnRef idx="2">
+              <a:schemeClr val="accent1">
+                <a:shade val="50000"/>
+              </a:schemeClr>
+            </a:lnRef>
+            <a:fillRef idx="1">
+              <a:schemeClr val="accent1"/>
+            </a:fillRef>
+            <a:effectRef idx="0">
+              <a:schemeClr val="accent1"/>
+            </a:effectRef>
+            <a:fontRef idx="minor">
+              <a:schemeClr val="lt1"/>
+            </a:fontRef>
+          </p:style>
+          <p:txBody>
+            <a:bodyPr rtlCol="0" anchor="ctr"/>
+            <a:lstStyle/>
+            <a:p>
+              <a:pPr algn="ctr"/>
+              <a:endParaRPr lang="en-US" dirty="0"/>
+            </a:p>
+          </p:txBody>
+        </p:sp>
+        <p:sp>
+          <p:nvSpPr>
+            <p:cNvPr id="5" name="Oval 4">
+              <a:extLst>
+                <a:ext uri="{FF2B5EF4-FFF2-40B4-BE49-F238E27FC236}">
+                  <a16:creationId xmlns:a16="http://schemas.microsoft.com/office/drawing/2014/main" id="{A257816F-733E-3D47-A9A8-AB9D9AE97B9C}"/>
+                </a:ext>
+              </a:extLst>
+            </p:cNvPr>
+            <p:cNvSpPr/>
+            <p:nvPr/>
+          </p:nvSpPr>
+          <p:spPr>
+            <a:xfrm>
+              <a:off x="7866429" y="5350259"/>
+              <a:ext cx="129128" cy="129128"/>
+            </a:xfrm>
+            <a:prstGeom prst="ellipse">
+              <a:avLst/>
+            </a:prstGeom>
+            <a:solidFill>
+              <a:schemeClr val="tx1"/>
+            </a:solidFill>
+            <a:ln>
+              <a:noFill/>
+            </a:ln>
+          </p:spPr>
+          <p:style>
+            <a:lnRef idx="2">
+              <a:schemeClr val="accent1">
+                <a:shade val="50000"/>
+              </a:schemeClr>
+            </a:lnRef>
+            <a:fillRef idx="1">
+              <a:schemeClr val="accent1"/>
+            </a:fillRef>
+            <a:effectRef idx="0">
+              <a:schemeClr val="accent1"/>
+            </a:effectRef>
+            <a:fontRef idx="minor">
+              <a:schemeClr val="lt1"/>
+            </a:fontRef>
+          </p:style>
+          <p:txBody>
+            <a:bodyPr rtlCol="0" anchor="ctr"/>
+            <a:lstStyle/>
+            <a:p>
+              <a:pPr algn="ctr"/>
+              <a:endParaRPr lang="en-US" dirty="0"/>
+            </a:p>
+          </p:txBody>
+        </p:sp>
+        <p:sp>
+          <p:nvSpPr>
+            <p:cNvPr id="6" name="Oval 5">
+              <a:extLst>
+                <a:ext uri="{FF2B5EF4-FFF2-40B4-BE49-F238E27FC236}">
+                  <a16:creationId xmlns:a16="http://schemas.microsoft.com/office/drawing/2014/main" id="{FF345EDC-F280-DB40-8914-27A8CFFFB79C}"/>
+                </a:ext>
+              </a:extLst>
+            </p:cNvPr>
+            <p:cNvSpPr/>
+            <p:nvPr/>
+          </p:nvSpPr>
+          <p:spPr>
+            <a:xfrm>
+              <a:off x="1143000" y="5349875"/>
+              <a:ext cx="129128" cy="129128"/>
+            </a:xfrm>
+            <a:prstGeom prst="ellipse">
+              <a:avLst/>
+            </a:prstGeom>
+            <a:solidFill>
+              <a:schemeClr val="tx1"/>
+            </a:solidFill>
+            <a:ln>
+              <a:noFill/>
+            </a:ln>
+          </p:spPr>
+          <p:style>
+            <a:lnRef idx="2">
+              <a:schemeClr val="accent1">
+                <a:shade val="50000"/>
+              </a:schemeClr>
+            </a:lnRef>
+            <a:fillRef idx="1">
+              <a:schemeClr val="accent1"/>
+            </a:fillRef>
+            <a:effectRef idx="0">
+              <a:schemeClr val="accent1"/>
+            </a:effectRef>
+            <a:fontRef idx="minor">
+              <a:schemeClr val="lt1"/>
+            </a:fontRef>
+          </p:style>
+          <p:txBody>
+            <a:bodyPr rtlCol="0" anchor="ctr"/>
+            <a:lstStyle/>
+            <a:p>
+              <a:pPr algn="ctr"/>
+              <a:endParaRPr lang="en-US" dirty="0"/>
+            </a:p>
+          </p:txBody>
+        </p:sp>
+      </p:grpSp>
     </p:spTree>
     <p:extLst>
       <p:ext uri="{BB962C8B-B14F-4D97-AF65-F5344CB8AC3E}">
         <p14:creationId xmlns:p14="http://schemas.microsoft.com/office/powerpoint/2010/main" val="1977186475"/>
+      </p:ext>
+    </p:extLst>
+  </p:cSld>
+  <p:clrMapOvr>
+    <a:masterClrMapping/>
+  </p:clrMapOvr>
+</p:sld>
+</file>
+
+<file path=ppt/slides/slide10.xml><?xml version="1.0" encoding="utf-8"?>
+<p:sld xmlns:a="http://schemas.openxmlformats.org/drawingml/2006/main" xmlns:r="http://schemas.openxmlformats.org/officeDocument/2006/relationships" xmlns:p="http://schemas.openxmlformats.org/presentationml/2006/main">
+  <p:cSld>
+    <p:spTree>
+      <p:nvGrpSpPr>
+        <p:cNvPr id="1" name=""/>
+        <p:cNvGrpSpPr/>
+        <p:nvPr/>
+      </p:nvGrpSpPr>
+      <p:grpSpPr>
+        <a:xfrm>
+          <a:off x="0" y="0"/>
+          <a:ext cx="0" cy="0"/>
+          <a:chOff x="0" y="0"/>
+          <a:chExt cx="0" cy="0"/>
+        </a:xfrm>
+      </p:grpSpPr>
+      <p:sp>
+        <p:nvSpPr>
+          <p:cNvPr id="19" name="Triangle 18">
+            <a:extLst>
+              <a:ext uri="{FF2B5EF4-FFF2-40B4-BE49-F238E27FC236}">
+                <a16:creationId xmlns:a16="http://schemas.microsoft.com/office/drawing/2014/main" id="{B1C3CD1A-C404-DA46-ACC2-C100D2E88C35}"/>
+              </a:ext>
+            </a:extLst>
+          </p:cNvPr>
+          <p:cNvSpPr/>
+          <p:nvPr/>
+        </p:nvSpPr>
+        <p:spPr>
+          <a:xfrm>
+            <a:off x="1207564" y="1251491"/>
+            <a:ext cx="6723429" cy="4227512"/>
+          </a:xfrm>
+          <a:prstGeom prst="triangle">
+            <a:avLst>
+              <a:gd name="adj" fmla="val 50000"/>
+            </a:avLst>
+          </a:prstGeom>
+          <a:solidFill>
+            <a:schemeClr val="tx1"/>
+          </a:solidFill>
+          <a:ln>
+            <a:noFill/>
+          </a:ln>
+        </p:spPr>
+        <p:style>
+          <a:lnRef idx="2">
+            <a:schemeClr val="accent1">
+              <a:shade val="50000"/>
+            </a:schemeClr>
+          </a:lnRef>
+          <a:fillRef idx="1">
+            <a:schemeClr val="accent1"/>
+          </a:fillRef>
+          <a:effectRef idx="0">
+            <a:schemeClr val="accent1"/>
+          </a:effectRef>
+          <a:fontRef idx="minor">
+            <a:schemeClr val="lt1"/>
+          </a:fontRef>
+        </p:style>
+        <p:txBody>
+          <a:bodyPr rtlCol="0" anchor="ctr"/>
+          <a:lstStyle/>
+          <a:p>
+            <a:pPr algn="ctr"/>
+            <a:endParaRPr lang="es-ES_tradnl" dirty="0"/>
+          </a:p>
+        </p:txBody>
+      </p:sp>
+      <p:sp>
+        <p:nvSpPr>
+          <p:cNvPr id="2" name="Title 1">
+            <a:extLst>
+              <a:ext uri="{FF2B5EF4-FFF2-40B4-BE49-F238E27FC236}">
+                <a16:creationId xmlns:a16="http://schemas.microsoft.com/office/drawing/2014/main" id="{91BF2121-2EBA-7A46-AE60-EBB13DB8F480}"/>
+              </a:ext>
+            </a:extLst>
+          </p:cNvPr>
+          <p:cNvSpPr>
+            <a:spLocks noGrp="1"/>
+          </p:cNvSpPr>
+          <p:nvPr>
+            <p:ph type="title"/>
+          </p:nvPr>
+        </p:nvSpPr>
+        <p:spPr>
+          <a:xfrm>
+            <a:off x="591230" y="1709740"/>
+            <a:ext cx="7886700" cy="2503032"/>
+          </a:xfrm>
+        </p:spPr>
+        <p:txBody>
+          <a:bodyPr/>
+          <a:lstStyle/>
+          <a:p>
+            <a:br>
+              <a:rPr lang="es-ES_tradnl" dirty="0">
+                <a:solidFill>
+                  <a:schemeClr val="bg1"/>
+                </a:solidFill>
+              </a:rPr>
+            </a:br>
+            <a:br>
+              <a:rPr lang="es-ES_tradnl" dirty="0">
+                <a:solidFill>
+                  <a:schemeClr val="bg1"/>
+                </a:solidFill>
+              </a:rPr>
+            </a:br>
+            <a:r>
+              <a:rPr lang="es-ES_tradnl" dirty="0">
+                <a:solidFill>
+                  <a:schemeClr val="bg1"/>
+                </a:solidFill>
+              </a:rPr>
+              <a:t>Movimiento interior</a:t>
+            </a:r>
+          </a:p>
+        </p:txBody>
+      </p:sp>
+      <mc:AlternateContent xmlns:mc="http://schemas.openxmlformats.org/markup-compatibility/2006">
+        <mc:Choice xmlns:a14="http://schemas.microsoft.com/office/drawing/2010/main" Requires="a14">
+          <p:sp>
+            <p:nvSpPr>
+              <p:cNvPr id="21" name="TextBox 20">
+                <a:extLst>
+                  <a:ext uri="{FF2B5EF4-FFF2-40B4-BE49-F238E27FC236}">
+                    <a16:creationId xmlns:a16="http://schemas.microsoft.com/office/drawing/2014/main" id="{2BBA1C0D-7DC1-6144-86AD-C166291C0D05}"/>
+                  </a:ext>
+                </a:extLst>
+              </p:cNvPr>
+              <p:cNvSpPr txBox="1"/>
+              <p:nvPr/>
+            </p:nvSpPr>
+            <p:spPr>
+              <a:xfrm>
+                <a:off x="4135280" y="4107223"/>
+                <a:ext cx="867995" cy="738664"/>
+              </a:xfrm>
+              <a:prstGeom prst="rect">
+                <a:avLst/>
+              </a:prstGeom>
+              <a:noFill/>
+            </p:spPr>
+            <p:txBody>
+              <a:bodyPr wrap="none" lIns="0" tIns="0" rIns="0" bIns="0" rtlCol="0">
+                <a:spAutoFit/>
+              </a:bodyPr>
+              <a:lstStyle/>
+              <a:p>
+                <a14:m>
+                  <m:oMathPara xmlns:m="http://schemas.openxmlformats.org/officeDocument/2006/math">
+                    <m:oMathParaPr>
+                      <m:jc m:val="centerGroup"/>
+                    </m:oMathParaPr>
+                    <m:oMath xmlns:m="http://schemas.openxmlformats.org/officeDocument/2006/math">
+                      <m:sSub>
+                        <m:sSubPr>
+                          <m:ctrlPr>
+                            <a:rPr lang="es-ES_tradnl" sz="4800" i="1" smtClean="0">
+                              <a:solidFill>
+                                <a:schemeClr val="bg1"/>
+                              </a:solidFill>
+                              <a:latin typeface="Cambria Math" panose="02040503050406030204" pitchFamily="18" charset="0"/>
+                            </a:rPr>
+                          </m:ctrlPr>
+                        </m:sSubPr>
+                        <m:e>
+                          <m:r>
+                            <a:rPr lang="es-ES" sz="4800" b="0" i="1" smtClean="0">
+                              <a:solidFill>
+                                <a:schemeClr val="bg1"/>
+                              </a:solidFill>
+                              <a:latin typeface="Cambria Math" panose="02040503050406030204" pitchFamily="18" charset="0"/>
+                            </a:rPr>
+                            <m:t>𝑚</m:t>
+                          </m:r>
+                        </m:e>
+                        <m:sub>
+                          <m:r>
+                            <a:rPr lang="es-ES" sz="4800" b="0" i="1" smtClean="0">
+                              <a:solidFill>
+                                <a:schemeClr val="bg1"/>
+                              </a:solidFill>
+                              <a:latin typeface="Cambria Math" panose="02040503050406030204" pitchFamily="18" charset="0"/>
+                            </a:rPr>
+                            <m:t>𝑖</m:t>
+                          </m:r>
+                        </m:sub>
+                      </m:sSub>
+                    </m:oMath>
+                  </m:oMathPara>
+                </a14:m>
+                <a:endParaRPr lang="es-ES_tradnl" sz="4800" dirty="0">
+                  <a:solidFill>
+                    <a:schemeClr val="bg1"/>
+                  </a:solidFill>
+                </a:endParaRPr>
+              </a:p>
+            </p:txBody>
+          </p:sp>
+        </mc:Choice>
+        <mc:Fallback>
+          <p:sp>
+            <p:nvSpPr>
+              <p:cNvPr id="21" name="TextBox 20">
+                <a:extLst>
+                  <a:ext uri="{FF2B5EF4-FFF2-40B4-BE49-F238E27FC236}">
+                    <a16:creationId xmlns:a16="http://schemas.microsoft.com/office/drawing/2014/main" id="{2BBA1C0D-7DC1-6144-86AD-C166291C0D05}"/>
+                  </a:ext>
+                </a:extLst>
+              </p:cNvPr>
+              <p:cNvSpPr txBox="1">
+                <a:spLocks noRot="1" noChangeAspect="1" noMove="1" noResize="1" noEditPoints="1" noAdjustHandles="1" noChangeArrowheads="1" noChangeShapeType="1" noTextEdit="1"/>
+              </p:cNvSpPr>
+              <p:nvPr/>
+            </p:nvSpPr>
+            <p:spPr>
+              <a:xfrm>
+                <a:off x="4135280" y="4107223"/>
+                <a:ext cx="867995" cy="738664"/>
+              </a:xfrm>
+              <a:prstGeom prst="rect">
+                <a:avLst/>
+              </a:prstGeom>
+              <a:blipFill>
+                <a:blip r:embed="rId3"/>
+                <a:stretch>
+                  <a:fillRect l="-7246" r="-2899" b="-20000"/>
+                </a:stretch>
+              </a:blipFill>
+            </p:spPr>
+            <p:txBody>
+              <a:bodyPr/>
+              <a:lstStyle/>
+              <a:p>
+                <a:r>
+                  <a:rPr lang="es-ES_tradnl">
+                    <a:noFill/>
+                  </a:rPr>
+                  <a:t> </a:t>
+                </a:r>
+              </a:p>
+            </p:txBody>
+          </p:sp>
+        </mc:Fallback>
+      </mc:AlternateContent>
+    </p:spTree>
+    <p:extLst>
+      <p:ext uri="{BB962C8B-B14F-4D97-AF65-F5344CB8AC3E}">
+        <p14:creationId xmlns:p14="http://schemas.microsoft.com/office/powerpoint/2010/main" val="1608232520"/>
+      </p:ext>
+    </p:extLst>
+  </p:cSld>
+  <p:clrMapOvr>
+    <a:masterClrMapping/>
+  </p:clrMapOvr>
+</p:sld>
+</file>
+
+<file path=ppt/slides/slide11.xml><?xml version="1.0" encoding="utf-8"?>
+<p:sld xmlns:a="http://schemas.openxmlformats.org/drawingml/2006/main" xmlns:r="http://schemas.openxmlformats.org/officeDocument/2006/relationships" xmlns:p="http://schemas.openxmlformats.org/presentationml/2006/main">
+  <p:cSld>
+    <p:spTree>
+      <p:nvGrpSpPr>
+        <p:cNvPr id="1" name=""/>
+        <p:cNvGrpSpPr/>
+        <p:nvPr/>
+      </p:nvGrpSpPr>
+      <p:grpSpPr>
+        <a:xfrm>
+          <a:off x="0" y="0"/>
+          <a:ext cx="0" cy="0"/>
+          <a:chOff x="0" y="0"/>
+          <a:chExt cx="0" cy="0"/>
+        </a:xfrm>
+      </p:grpSpPr>
+      <p:sp>
+        <p:nvSpPr>
+          <p:cNvPr id="2" name="Title 1">
+            <a:extLst>
+              <a:ext uri="{FF2B5EF4-FFF2-40B4-BE49-F238E27FC236}">
+                <a16:creationId xmlns:a16="http://schemas.microsoft.com/office/drawing/2014/main" id="{D69F83FD-F161-9D45-8EF9-E6034C8C8EAA}"/>
+              </a:ext>
+            </a:extLst>
+          </p:cNvPr>
+          <p:cNvSpPr>
+            <a:spLocks noGrp="1"/>
+          </p:cNvSpPr>
+          <p:nvPr>
+            <p:ph type="title"/>
+          </p:nvPr>
+        </p:nvSpPr>
+        <p:spPr/>
+        <p:txBody>
+          <a:bodyPr/>
+          <a:lstStyle/>
+          <a:p>
+            <a:r>
+              <a:rPr lang="es-ES_tradnl" dirty="0"/>
+              <a:t>Pánico</a:t>
+            </a:r>
+          </a:p>
+        </p:txBody>
+      </p:sp>
+    </p:spTree>
+    <p:extLst>
+      <p:ext uri="{BB962C8B-B14F-4D97-AF65-F5344CB8AC3E}">
+        <p14:creationId xmlns:p14="http://schemas.microsoft.com/office/powerpoint/2010/main" val="464783406"/>
+      </p:ext>
+    </p:extLst>
+  </p:cSld>
+  <p:clrMapOvr>
+    <a:masterClrMapping/>
+  </p:clrMapOvr>
+</p:sld>
+</file>
+
+<file path=ppt/slides/slide12.xml><?xml version="1.0" encoding="utf-8"?>
+<p:sld xmlns:a="http://schemas.openxmlformats.org/drawingml/2006/main" xmlns:r="http://schemas.openxmlformats.org/officeDocument/2006/relationships" xmlns:p="http://schemas.openxmlformats.org/presentationml/2006/main">
+  <p:cSld>
+    <p:spTree>
+      <p:nvGrpSpPr>
+        <p:cNvPr id="1" name=""/>
+        <p:cNvGrpSpPr/>
+        <p:nvPr/>
+      </p:nvGrpSpPr>
+      <p:grpSpPr>
+        <a:xfrm>
+          <a:off x="0" y="0"/>
+          <a:ext cx="0" cy="0"/>
+          <a:chOff x="0" y="0"/>
+          <a:chExt cx="0" cy="0"/>
+        </a:xfrm>
+      </p:grpSpPr>
+      <mc:AlternateContent xmlns:mc="http://schemas.openxmlformats.org/markup-compatibility/2006">
+        <mc:Choice xmlns:a14="http://schemas.microsoft.com/office/drawing/2010/main" Requires="a14">
+          <p:sp>
+            <p:nvSpPr>
+              <p:cNvPr id="2" name="Title 1">
+                <a:extLst>
+                  <a:ext uri="{FF2B5EF4-FFF2-40B4-BE49-F238E27FC236}">
+                    <a16:creationId xmlns:a16="http://schemas.microsoft.com/office/drawing/2014/main" id="{788AD4C8-0227-1F4C-9F8B-5C9628D3AC6E}"/>
+                  </a:ext>
+                </a:extLst>
+              </p:cNvPr>
+              <p:cNvSpPr>
+                <a:spLocks noGrp="1"/>
+              </p:cNvSpPr>
+              <p:nvPr>
+                <p:ph type="title"/>
+              </p:nvPr>
+            </p:nvSpPr>
+            <p:spPr/>
+            <p:txBody>
+              <a:bodyPr/>
+              <a:lstStyle/>
+              <a:p>
+                <a:pPr/>
+                <a14:m>
+                  <m:oMathPara xmlns:m="http://schemas.openxmlformats.org/officeDocument/2006/math">
+                    <m:oMathParaPr>
+                      <m:jc m:val="centerGroup"/>
+                    </m:oMathParaPr>
+                    <m:oMath xmlns:m="http://schemas.openxmlformats.org/officeDocument/2006/math">
+                      <m:sSub>
+                        <m:sSubPr>
+                          <m:ctrlPr>
+                            <a:rPr lang="es-ES_tradnl" i="1" smtClean="0">
+                              <a:latin typeface="Cambria Math" panose="02040503050406030204" pitchFamily="18" charset="0"/>
+                            </a:rPr>
+                          </m:ctrlPr>
+                        </m:sSubPr>
+                        <m:e>
+                          <m:r>
+                            <a:rPr lang="es-ES" i="1" smtClean="0">
+                              <a:latin typeface="Cambria Math" panose="02040503050406030204" pitchFamily="18" charset="0"/>
+                            </a:rPr>
+                            <m:t>𝑚</m:t>
+                          </m:r>
+                        </m:e>
+                        <m:sub>
+                          <m:r>
+                            <a:rPr lang="es-ES" i="1">
+                              <a:latin typeface="Cambria Math" panose="02040503050406030204" pitchFamily="18" charset="0"/>
+                            </a:rPr>
+                            <m:t>𝑖</m:t>
+                          </m:r>
+                        </m:sub>
+                      </m:sSub>
+                      <m:f>
+                        <m:fPr>
+                          <m:ctrlPr>
+                            <a:rPr lang="es-ES_tradnl" i="1">
+                              <a:latin typeface="Cambria Math" panose="02040503050406030204" pitchFamily="18" charset="0"/>
+                            </a:rPr>
+                          </m:ctrlPr>
+                        </m:fPr>
+                        <m:num>
+                          <m:r>
+                            <a:rPr lang="es-ES" i="1">
+                              <a:latin typeface="Cambria Math" panose="02040503050406030204" pitchFamily="18" charset="0"/>
+                            </a:rPr>
+                            <m:t>1</m:t>
+                          </m:r>
+                        </m:num>
+                        <m:den>
+                          <m:r>
+                            <a:rPr lang="es-ES_tradnl" i="1">
+                              <a:latin typeface="Cambria Math" panose="02040503050406030204" pitchFamily="18" charset="0"/>
+                              <a:ea typeface="Cambria Math" panose="02040503050406030204" pitchFamily="18" charset="0"/>
+                            </a:rPr>
+                            <m:t>∝</m:t>
+                          </m:r>
+                        </m:den>
+                      </m:f>
+                      <m:r>
+                        <a:rPr lang="es-ES" i="1">
+                          <a:latin typeface="Cambria Math" panose="02040503050406030204" pitchFamily="18" charset="0"/>
+                        </a:rPr>
+                        <m:t>𝑝</m:t>
+                      </m:r>
+                    </m:oMath>
+                  </m:oMathPara>
+                </a14:m>
+                <a:endParaRPr lang="es-ES_tradnl" i="1" dirty="0"/>
+              </a:p>
+            </p:txBody>
+          </p:sp>
+        </mc:Choice>
+        <mc:Fallback>
+          <p:sp>
+            <p:nvSpPr>
+              <p:cNvPr id="2" name="Title 1">
+                <a:extLst>
+                  <a:ext uri="{FF2B5EF4-FFF2-40B4-BE49-F238E27FC236}">
+                    <a16:creationId xmlns:a16="http://schemas.microsoft.com/office/drawing/2014/main" id="{788AD4C8-0227-1F4C-9F8B-5C9628D3AC6E}"/>
+                  </a:ext>
+                </a:extLst>
+              </p:cNvPr>
+              <p:cNvSpPr>
+                <a:spLocks noGrp="1" noRot="1" noChangeAspect="1" noMove="1" noResize="1" noEditPoints="1" noAdjustHandles="1" noChangeArrowheads="1" noChangeShapeType="1" noTextEdit="1"/>
+              </p:cNvSpPr>
+              <p:nvPr>
+                <p:ph type="title"/>
+              </p:nvPr>
+            </p:nvSpPr>
+            <p:spPr>
+              <a:blipFill>
+                <a:blip r:embed="rId3"/>
+                <a:stretch>
+                  <a:fillRect b="-855"/>
+                </a:stretch>
+              </a:blipFill>
+            </p:spPr>
+            <p:txBody>
+              <a:bodyPr/>
+              <a:lstStyle/>
+              <a:p>
+                <a:r>
+                  <a:rPr lang="es-ES_tradnl">
+                    <a:noFill/>
+                  </a:rPr>
+                  <a:t> </a:t>
+                </a:r>
+              </a:p>
+            </p:txBody>
+          </p:sp>
+        </mc:Fallback>
+      </mc:AlternateContent>
+    </p:spTree>
+    <p:extLst>
+      <p:ext uri="{BB962C8B-B14F-4D97-AF65-F5344CB8AC3E}">
+        <p14:creationId xmlns:p14="http://schemas.microsoft.com/office/powerpoint/2010/main" val="1601177709"/>
+      </p:ext>
+    </p:extLst>
+  </p:cSld>
+  <p:clrMapOvr>
+    <a:masterClrMapping/>
+  </p:clrMapOvr>
+</p:sld>
+</file>
+
+<file path=ppt/slides/slide13.xml><?xml version="1.0" encoding="utf-8"?>
+<p:sld xmlns:a="http://schemas.openxmlformats.org/drawingml/2006/main" xmlns:r="http://schemas.openxmlformats.org/officeDocument/2006/relationships" xmlns:p="http://schemas.openxmlformats.org/presentationml/2006/main">
+  <p:cSld>
+    <p:spTree>
+      <p:nvGrpSpPr>
+        <p:cNvPr id="1" name=""/>
+        <p:cNvGrpSpPr/>
+        <p:nvPr/>
+      </p:nvGrpSpPr>
+      <p:grpSpPr>
+        <a:xfrm>
+          <a:off x="0" y="0"/>
+          <a:ext cx="0" cy="0"/>
+          <a:chOff x="0" y="0"/>
+          <a:chExt cx="0" cy="0"/>
+        </a:xfrm>
+      </p:grpSpPr>
+      <p:sp>
+        <p:nvSpPr>
+          <p:cNvPr id="2" name="Title 1">
+            <a:extLst>
+              <a:ext uri="{FF2B5EF4-FFF2-40B4-BE49-F238E27FC236}">
+                <a16:creationId xmlns:a16="http://schemas.microsoft.com/office/drawing/2014/main" id="{4CF7EBF0-A079-B844-9451-1533AABFF4D5}"/>
+              </a:ext>
+            </a:extLst>
+          </p:cNvPr>
+          <p:cNvSpPr>
+            <a:spLocks noGrp="1"/>
+          </p:cNvSpPr>
+          <p:nvPr>
+            <p:ph type="title"/>
+          </p:nvPr>
+        </p:nvSpPr>
+        <p:spPr/>
+        <p:txBody>
+          <a:bodyPr/>
+          <a:lstStyle/>
+          <a:p>
+            <a:r>
+              <a:rPr lang="es-ES_tradnl" dirty="0"/>
+              <a:t>Música y movimiento</a:t>
+            </a:r>
+          </a:p>
+        </p:txBody>
+      </p:sp>
+    </p:spTree>
+    <p:extLst>
+      <p:ext uri="{BB962C8B-B14F-4D97-AF65-F5344CB8AC3E}">
+        <p14:creationId xmlns:p14="http://schemas.microsoft.com/office/powerpoint/2010/main" val="1140032894"/>
+      </p:ext>
+    </p:extLst>
+  </p:cSld>
+  <p:clrMapOvr>
+    <a:masterClrMapping/>
+  </p:clrMapOvr>
+</p:sld>
+</file>
+
+<file path=ppt/slides/slide14.xml><?xml version="1.0" encoding="utf-8"?>
+<p:sld xmlns:a="http://schemas.openxmlformats.org/drawingml/2006/main" xmlns:r="http://schemas.openxmlformats.org/officeDocument/2006/relationships" xmlns:p="http://schemas.openxmlformats.org/presentationml/2006/main">
+  <p:cSld>
+    <p:spTree>
+      <p:nvGrpSpPr>
+        <p:cNvPr id="1" name=""/>
+        <p:cNvGrpSpPr/>
+        <p:nvPr/>
+      </p:nvGrpSpPr>
+      <p:grpSpPr>
+        <a:xfrm>
+          <a:off x="0" y="0"/>
+          <a:ext cx="0" cy="0"/>
+          <a:chOff x="0" y="0"/>
+          <a:chExt cx="0" cy="0"/>
+        </a:xfrm>
+      </p:grpSpPr>
+      <mc:AlternateContent xmlns:mc="http://schemas.openxmlformats.org/markup-compatibility/2006">
+        <mc:Choice xmlns:a14="http://schemas.microsoft.com/office/drawing/2010/main" Requires="a14">
+          <p:sp>
+            <p:nvSpPr>
+              <p:cNvPr id="2" name="Title 1">
+                <a:extLst>
+                  <a:ext uri="{FF2B5EF4-FFF2-40B4-BE49-F238E27FC236}">
+                    <a16:creationId xmlns:a16="http://schemas.microsoft.com/office/drawing/2014/main" id="{EDE9A18E-5064-EA42-9D6A-32D7B478811F}"/>
+                  </a:ext>
+                </a:extLst>
+              </p:cNvPr>
+              <p:cNvSpPr>
+                <a:spLocks noGrp="1"/>
+              </p:cNvSpPr>
+              <p:nvPr>
+                <p:ph type="title"/>
+              </p:nvPr>
+            </p:nvSpPr>
+            <p:spPr/>
+            <p:txBody>
+              <a:bodyPr/>
+              <a:lstStyle/>
+              <a:p>
+                <a:pPr/>
+                <a14:m>
+                  <m:oMathPara xmlns:m="http://schemas.openxmlformats.org/officeDocument/2006/math">
+                    <m:oMathParaPr>
+                      <m:jc m:val="centerGroup"/>
+                    </m:oMathParaPr>
+                    <m:oMath xmlns:m="http://schemas.openxmlformats.org/officeDocument/2006/math">
+                      <m:sSub>
+                        <m:sSubPr>
+                          <m:ctrlPr>
+                            <a:rPr lang="es-ES_tradnl" i="1">
+                              <a:latin typeface="Cambria Math" panose="02040503050406030204" pitchFamily="18" charset="0"/>
+                            </a:rPr>
+                          </m:ctrlPr>
+                        </m:sSubPr>
+                        <m:e>
+                          <m:r>
+                            <a:rPr lang="es-ES" i="1">
+                              <a:latin typeface="Cambria Math" panose="02040503050406030204" pitchFamily="18" charset="0"/>
+                            </a:rPr>
+                            <m:t>𝑚</m:t>
+                          </m:r>
+                        </m:e>
+                        <m:sub>
+                          <m:r>
+                            <a:rPr lang="es-ES" i="1">
+                              <a:latin typeface="Cambria Math" panose="02040503050406030204" pitchFamily="18" charset="0"/>
+                            </a:rPr>
+                            <m:t>𝑖</m:t>
+                          </m:r>
+                        </m:sub>
+                      </m:sSub>
+                      <m:r>
+                        <a:rPr lang="es-ES_tradnl" i="1">
+                          <a:latin typeface="Cambria Math" panose="02040503050406030204" pitchFamily="18" charset="0"/>
+                          <a:ea typeface="Cambria Math" panose="02040503050406030204" pitchFamily="18" charset="0"/>
+                        </a:rPr>
+                        <m:t>∝</m:t>
+                      </m:r>
+                      <m:r>
+                        <a:rPr lang="es-ES" i="1">
+                          <a:latin typeface="Cambria Math" panose="02040503050406030204" pitchFamily="18" charset="0"/>
+                          <a:ea typeface="Cambria Math" panose="02040503050406030204" pitchFamily="18" charset="0"/>
+                        </a:rPr>
+                        <m:t>𝑀</m:t>
+                      </m:r>
+                    </m:oMath>
+                  </m:oMathPara>
+                </a14:m>
+                <a:endParaRPr lang="es-ES_tradnl" dirty="0"/>
+              </a:p>
+            </p:txBody>
+          </p:sp>
+        </mc:Choice>
+        <mc:Fallback>
+          <p:sp>
+            <p:nvSpPr>
+              <p:cNvPr id="2" name="Title 1">
+                <a:extLst>
+                  <a:ext uri="{FF2B5EF4-FFF2-40B4-BE49-F238E27FC236}">
+                    <a16:creationId xmlns:a16="http://schemas.microsoft.com/office/drawing/2014/main" id="{EDE9A18E-5064-EA42-9D6A-32D7B478811F}"/>
+                  </a:ext>
+                </a:extLst>
+              </p:cNvPr>
+              <p:cNvSpPr>
+                <a:spLocks noGrp="1" noRot="1" noChangeAspect="1" noMove="1" noResize="1" noEditPoints="1" noAdjustHandles="1" noChangeArrowheads="1" noChangeShapeType="1" noTextEdit="1"/>
+              </p:cNvSpPr>
+              <p:nvPr>
+                <p:ph type="title"/>
+              </p:nvPr>
+            </p:nvSpPr>
+            <p:spPr>
+              <a:blipFill>
+                <a:blip r:embed="rId3"/>
+                <a:stretch>
+                  <a:fillRect/>
+                </a:stretch>
+              </a:blipFill>
+            </p:spPr>
+            <p:txBody>
+              <a:bodyPr/>
+              <a:lstStyle/>
+              <a:p>
+                <a:r>
+                  <a:rPr lang="es-ES_tradnl">
+                    <a:noFill/>
+                  </a:rPr>
+                  <a:t> </a:t>
+                </a:r>
+              </a:p>
+            </p:txBody>
+          </p:sp>
+        </mc:Fallback>
+      </mc:AlternateContent>
+    </p:spTree>
+    <p:extLst>
+      <p:ext uri="{BB962C8B-B14F-4D97-AF65-F5344CB8AC3E}">
+        <p14:creationId xmlns:p14="http://schemas.microsoft.com/office/powerpoint/2010/main" val="854633232"/>
+      </p:ext>
+    </p:extLst>
+  </p:cSld>
+  <p:clrMapOvr>
+    <a:masterClrMapping/>
+  </p:clrMapOvr>
+</p:sld>
+</file>
+
+<file path=ppt/slides/slide15.xml><?xml version="1.0" encoding="utf-8"?>
+<p:sld xmlns:a="http://schemas.openxmlformats.org/drawingml/2006/main" xmlns:r="http://schemas.openxmlformats.org/officeDocument/2006/relationships" xmlns:p="http://schemas.openxmlformats.org/presentationml/2006/main">
+  <p:cSld>
+    <p:spTree>
+      <p:nvGrpSpPr>
+        <p:cNvPr id="1" name=""/>
+        <p:cNvGrpSpPr/>
+        <p:nvPr/>
+      </p:nvGrpSpPr>
+      <p:grpSpPr>
+        <a:xfrm>
+          <a:off x="0" y="0"/>
+          <a:ext cx="0" cy="0"/>
+          <a:chOff x="0" y="0"/>
+          <a:chExt cx="0" cy="0"/>
+        </a:xfrm>
+      </p:grpSpPr>
+      <p:sp>
+        <p:nvSpPr>
+          <p:cNvPr id="2" name="Title 1">
+            <a:extLst>
+              <a:ext uri="{FF2B5EF4-FFF2-40B4-BE49-F238E27FC236}">
+                <a16:creationId xmlns:a16="http://schemas.microsoft.com/office/drawing/2014/main" id="{2F729A33-10BE-3244-896A-ECD71A9D32AD}"/>
+              </a:ext>
+            </a:extLst>
+          </p:cNvPr>
+          <p:cNvSpPr>
+            <a:spLocks noGrp="1"/>
+          </p:cNvSpPr>
+          <p:nvPr>
+            <p:ph type="title"/>
+          </p:nvPr>
+        </p:nvSpPr>
+        <p:spPr/>
+        <p:txBody>
+          <a:bodyPr/>
+          <a:lstStyle/>
+          <a:p>
+            <a:r>
+              <a:rPr lang="es-ES_tradnl" dirty="0"/>
+              <a:t>Propiocepción</a:t>
+            </a:r>
+          </a:p>
+        </p:txBody>
+      </p:sp>
+    </p:spTree>
+    <p:extLst>
+      <p:ext uri="{BB962C8B-B14F-4D97-AF65-F5344CB8AC3E}">
+        <p14:creationId xmlns:p14="http://schemas.microsoft.com/office/powerpoint/2010/main" val="2640597105"/>
+      </p:ext>
+    </p:extLst>
+  </p:cSld>
+  <p:clrMapOvr>
+    <a:masterClrMapping/>
+  </p:clrMapOvr>
+</p:sld>
+</file>
+
+<file path=ppt/slides/slide16.xml><?xml version="1.0" encoding="utf-8"?>
+<p:sld xmlns:a="http://schemas.openxmlformats.org/drawingml/2006/main" xmlns:r="http://schemas.openxmlformats.org/officeDocument/2006/relationships" xmlns:p="http://schemas.openxmlformats.org/presentationml/2006/main">
+  <p:cSld>
+    <p:spTree>
+      <p:nvGrpSpPr>
+        <p:cNvPr id="1" name=""/>
+        <p:cNvGrpSpPr/>
+        <p:nvPr/>
+      </p:nvGrpSpPr>
+      <p:grpSpPr>
+        <a:xfrm>
+          <a:off x="0" y="0"/>
+          <a:ext cx="0" cy="0"/>
+          <a:chOff x="0" y="0"/>
+          <a:chExt cx="0" cy="0"/>
+        </a:xfrm>
+      </p:grpSpPr>
+      <mc:AlternateContent xmlns:mc="http://schemas.openxmlformats.org/markup-compatibility/2006">
+        <mc:Choice xmlns:a14="http://schemas.microsoft.com/office/drawing/2010/main" Requires="a14">
+          <p:sp>
+            <p:nvSpPr>
+              <p:cNvPr id="2" name="Title 1">
+                <a:extLst>
+                  <a:ext uri="{FF2B5EF4-FFF2-40B4-BE49-F238E27FC236}">
+                    <a16:creationId xmlns:a16="http://schemas.microsoft.com/office/drawing/2014/main" id="{B5122D9A-BDB5-9D44-8889-7FAE96F0B7C5}"/>
+                  </a:ext>
+                </a:extLst>
+              </p:cNvPr>
+              <p:cNvSpPr>
+                <a:spLocks noGrp="1"/>
+              </p:cNvSpPr>
+              <p:nvPr>
+                <p:ph type="title"/>
+              </p:nvPr>
+            </p:nvSpPr>
+            <p:spPr/>
+            <p:txBody>
+              <a:bodyPr/>
+              <a:lstStyle/>
+              <a:p>
+                <a:pPr/>
+                <a14:m>
+                  <m:oMathPara xmlns:m="http://schemas.openxmlformats.org/officeDocument/2006/math">
+                    <m:oMathParaPr>
+                      <m:jc m:val="centerGroup"/>
+                    </m:oMathParaPr>
+                    <m:oMath xmlns:m="http://schemas.openxmlformats.org/officeDocument/2006/math">
+                      <m:r>
+                        <a:rPr lang="es-ES" i="1">
+                          <a:latin typeface="Cambria Math" panose="02040503050406030204" pitchFamily="18" charset="0"/>
+                        </a:rPr>
+                        <m:t>𝑃</m:t>
+                      </m:r>
+                      <m:d>
+                        <m:dPr>
+                          <m:ctrlPr>
+                            <a:rPr lang="es-ES" i="1">
+                              <a:latin typeface="Cambria Math" panose="02040503050406030204" pitchFamily="18" charset="0"/>
+                            </a:rPr>
+                          </m:ctrlPr>
+                        </m:dPr>
+                        <m:e>
+                          <m:sSub>
+                            <m:sSubPr>
+                              <m:ctrlPr>
+                                <a:rPr lang="es-ES" i="1">
+                                  <a:latin typeface="Cambria Math" panose="02040503050406030204" pitchFamily="18" charset="0"/>
+                                </a:rPr>
+                              </m:ctrlPr>
+                            </m:sSubPr>
+                            <m:e>
+                              <m:r>
+                                <a:rPr lang="es-ES" i="1">
+                                  <a:latin typeface="Cambria Math" panose="02040503050406030204" pitchFamily="18" charset="0"/>
+                                </a:rPr>
+                                <m:t>𝑚</m:t>
+                              </m:r>
+                            </m:e>
+                            <m:sub>
+                              <m:r>
+                                <a:rPr lang="es-ES" i="1">
+                                  <a:latin typeface="Cambria Math" panose="02040503050406030204" pitchFamily="18" charset="0"/>
+                                </a:rPr>
+                                <m:t>𝑖</m:t>
+                              </m:r>
+                            </m:sub>
+                          </m:sSub>
+                        </m:e>
+                      </m:d>
+                      <m:f>
+                        <m:fPr>
+                          <m:ctrlPr>
+                            <a:rPr lang="es-ES" i="1">
+                              <a:latin typeface="Cambria Math" panose="02040503050406030204" pitchFamily="18" charset="0"/>
+                            </a:rPr>
+                          </m:ctrlPr>
+                        </m:fPr>
+                        <m:num>
+                          <m:r>
+                            <a:rPr lang="es-ES" i="1">
+                              <a:latin typeface="Cambria Math" panose="02040503050406030204" pitchFamily="18" charset="0"/>
+                            </a:rPr>
+                            <m:t>1</m:t>
+                          </m:r>
+                        </m:num>
+                        <m:den>
+                          <m:r>
+                            <a:rPr lang="es-ES" i="1">
+                              <a:latin typeface="Cambria Math" panose="02040503050406030204" pitchFamily="18" charset="0"/>
+                              <a:ea typeface="Cambria Math" panose="02040503050406030204" pitchFamily="18" charset="0"/>
+                            </a:rPr>
+                            <m:t>∝</m:t>
+                          </m:r>
+                        </m:den>
+                      </m:f>
+                      <m:sSub>
+                        <m:sSubPr>
+                          <m:ctrlPr>
+                            <a:rPr lang="es-ES" i="1">
+                              <a:latin typeface="Cambria Math" panose="02040503050406030204" pitchFamily="18" charset="0"/>
+                            </a:rPr>
+                          </m:ctrlPr>
+                        </m:sSubPr>
+                        <m:e>
+                          <m:r>
+                            <a:rPr lang="es-ES" i="1">
+                              <a:latin typeface="Cambria Math" panose="02040503050406030204" pitchFamily="18" charset="0"/>
+                            </a:rPr>
+                            <m:t>𝑚</m:t>
+                          </m:r>
+                        </m:e>
+                        <m:sub>
+                          <m:r>
+                            <a:rPr lang="es-ES" i="1">
+                              <a:latin typeface="Cambria Math" panose="02040503050406030204" pitchFamily="18" charset="0"/>
+                            </a:rPr>
+                            <m:t>𝑒</m:t>
+                          </m:r>
+                        </m:sub>
+                      </m:sSub>
+                    </m:oMath>
+                  </m:oMathPara>
+                </a14:m>
+                <a:endParaRPr lang="es-ES_tradnl" dirty="0"/>
+              </a:p>
+            </p:txBody>
+          </p:sp>
+        </mc:Choice>
+        <mc:Fallback>
+          <p:sp>
+            <p:nvSpPr>
+              <p:cNvPr id="2" name="Title 1">
+                <a:extLst>
+                  <a:ext uri="{FF2B5EF4-FFF2-40B4-BE49-F238E27FC236}">
+                    <a16:creationId xmlns:a16="http://schemas.microsoft.com/office/drawing/2014/main" id="{B5122D9A-BDB5-9D44-8889-7FAE96F0B7C5}"/>
+                  </a:ext>
+                </a:extLst>
+              </p:cNvPr>
+              <p:cNvSpPr>
+                <a:spLocks noGrp="1" noRot="1" noChangeAspect="1" noMove="1" noResize="1" noEditPoints="1" noAdjustHandles="1" noChangeArrowheads="1" noChangeShapeType="1" noTextEdit="1"/>
+              </p:cNvSpPr>
+              <p:nvPr>
+                <p:ph type="title"/>
+              </p:nvPr>
+            </p:nvSpPr>
+            <p:spPr>
+              <a:blipFill>
+                <a:blip r:embed="rId3"/>
+                <a:stretch>
+                  <a:fillRect b="-855"/>
+                </a:stretch>
+              </a:blipFill>
+            </p:spPr>
+            <p:txBody>
+              <a:bodyPr/>
+              <a:lstStyle/>
+              <a:p>
+                <a:r>
+                  <a:rPr lang="es-ES_tradnl">
+                    <a:noFill/>
+                  </a:rPr>
+                  <a:t> </a:t>
+                </a:r>
+              </a:p>
+            </p:txBody>
+          </p:sp>
+        </mc:Fallback>
+      </mc:AlternateContent>
+    </p:spTree>
+    <p:extLst>
+      <p:ext uri="{BB962C8B-B14F-4D97-AF65-F5344CB8AC3E}">
+        <p14:creationId xmlns:p14="http://schemas.microsoft.com/office/powerpoint/2010/main" val="2482950181"/>
+      </p:ext>
+    </p:extLst>
+  </p:cSld>
+  <p:clrMapOvr>
+    <a:masterClrMapping/>
+  </p:clrMapOvr>
+</p:sld>
+</file>
+
+<file path=ppt/slides/slide17.xml><?xml version="1.0" encoding="utf-8"?>
+<p:sld xmlns:a="http://schemas.openxmlformats.org/drawingml/2006/main" xmlns:r="http://schemas.openxmlformats.org/officeDocument/2006/relationships" xmlns:p="http://schemas.openxmlformats.org/presentationml/2006/main">
+  <p:cSld>
+    <p:spTree>
+      <p:nvGrpSpPr>
+        <p:cNvPr id="1" name=""/>
+        <p:cNvGrpSpPr/>
+        <p:nvPr/>
+      </p:nvGrpSpPr>
+      <p:grpSpPr>
+        <a:xfrm>
+          <a:off x="0" y="0"/>
+          <a:ext cx="0" cy="0"/>
+          <a:chOff x="0" y="0"/>
+          <a:chExt cx="0" cy="0"/>
+        </a:xfrm>
+      </p:grpSpPr>
+      <mc:AlternateContent xmlns:mc="http://schemas.openxmlformats.org/markup-compatibility/2006">
+        <mc:Choice xmlns:a14="http://schemas.microsoft.com/office/drawing/2010/main" Requires="a14">
+          <p:sp>
+            <p:nvSpPr>
+              <p:cNvPr id="2" name="Title 1">
+                <a:extLst>
+                  <a:ext uri="{FF2B5EF4-FFF2-40B4-BE49-F238E27FC236}">
+                    <a16:creationId xmlns:a16="http://schemas.microsoft.com/office/drawing/2014/main" id="{33A4461A-FEC8-3743-B2C6-E5286712D48F}"/>
+                  </a:ext>
+                </a:extLst>
+              </p:cNvPr>
+              <p:cNvSpPr>
+                <a:spLocks noGrp="1"/>
+              </p:cNvSpPr>
+              <p:nvPr>
+                <p:ph type="title"/>
+              </p:nvPr>
+            </p:nvSpPr>
+            <p:spPr/>
+            <p:txBody>
+              <a:bodyPr/>
+              <a:lstStyle/>
+              <a:p>
+                <a14:m>
+                  <m:oMathPara xmlns:m="http://schemas.openxmlformats.org/officeDocument/2006/math">
+                    <m:oMathParaPr>
+                      <m:jc m:val="centerGroup"/>
+                    </m:oMathParaPr>
+                    <m:oMath xmlns:m="http://schemas.openxmlformats.org/officeDocument/2006/math">
+                      <m:sSup>
+                        <m:sSupPr>
+                          <m:ctrlPr>
+                            <a:rPr lang="es-ES" b="0" i="1" smtClean="0">
+                              <a:latin typeface="Cambria Math" panose="02040503050406030204" pitchFamily="18" charset="0"/>
+                            </a:rPr>
+                          </m:ctrlPr>
+                        </m:sSupPr>
+                        <m:e>
+                          <m:r>
+                            <a:rPr lang="es-ES" b="0" i="1" smtClean="0">
+                              <a:latin typeface="Cambria Math" panose="02040503050406030204" pitchFamily="18" charset="0"/>
+                            </a:rPr>
+                            <m:t>𝑚</m:t>
+                          </m:r>
+                        </m:e>
+                        <m:sup>
+                          <m:r>
+                            <a:rPr lang="es-ES" b="0" i="1" smtClean="0">
+                              <a:latin typeface="Cambria Math" panose="02040503050406030204" pitchFamily="18" charset="0"/>
+                            </a:rPr>
+                            <m:t>𝑥</m:t>
+                          </m:r>
+                        </m:sup>
+                      </m:sSup>
+                      <m:r>
+                        <a:rPr lang="es-ES" b="0" i="1" smtClean="0">
+                          <a:latin typeface="Cambria Math" panose="02040503050406030204" pitchFamily="18" charset="0"/>
+                          <a:ea typeface="Cambria Math" panose="02040503050406030204" pitchFamily="18" charset="0"/>
+                        </a:rPr>
+                        <m:t>⟺</m:t>
+                      </m:r>
+                      <m:sSup>
+                        <m:sSupPr>
+                          <m:ctrlPr>
+                            <a:rPr lang="es-ES" i="1" smtClean="0">
+                              <a:latin typeface="Cambria Math" panose="02040503050406030204" pitchFamily="18" charset="0"/>
+                              <a:ea typeface="Cambria Math" panose="02040503050406030204" pitchFamily="18" charset="0"/>
+                            </a:rPr>
+                          </m:ctrlPr>
+                        </m:sSupPr>
+                        <m:e>
+                          <m:r>
+                            <a:rPr lang="es-ES" b="0" i="1" smtClean="0">
+                              <a:latin typeface="Cambria Math" panose="02040503050406030204" pitchFamily="18" charset="0"/>
+                              <a:ea typeface="Cambria Math" panose="02040503050406030204" pitchFamily="18" charset="0"/>
+                            </a:rPr>
+                            <m:t>𝐸</m:t>
+                          </m:r>
+                        </m:e>
+                        <m:sup>
+                          <m:r>
+                            <a:rPr lang="es-ES" b="0" i="1" smtClean="0">
+                              <a:latin typeface="Cambria Math" panose="02040503050406030204" pitchFamily="18" charset="0"/>
+                              <a:ea typeface="Cambria Math" panose="02040503050406030204" pitchFamily="18" charset="0"/>
+                            </a:rPr>
+                            <m:t>𝑥</m:t>
+                          </m:r>
+                        </m:sup>
+                      </m:sSup>
+                    </m:oMath>
+                  </m:oMathPara>
+                </a14:m>
+                <a:endParaRPr lang="es-ES_tradnl" baseline="30000" dirty="0"/>
+              </a:p>
+            </p:txBody>
+          </p:sp>
+        </mc:Choice>
+        <mc:Fallback>
+          <p:sp>
+            <p:nvSpPr>
+              <p:cNvPr id="2" name="Title 1">
+                <a:extLst>
+                  <a:ext uri="{FF2B5EF4-FFF2-40B4-BE49-F238E27FC236}">
+                    <a16:creationId xmlns:a16="http://schemas.microsoft.com/office/drawing/2014/main" id="{33A4461A-FEC8-3743-B2C6-E5286712D48F}"/>
+                  </a:ext>
+                </a:extLst>
+              </p:cNvPr>
+              <p:cNvSpPr>
+                <a:spLocks noGrp="1" noRot="1" noChangeAspect="1" noMove="1" noResize="1" noEditPoints="1" noAdjustHandles="1" noChangeArrowheads="1" noChangeShapeType="1" noTextEdit="1"/>
+              </p:cNvSpPr>
+              <p:nvPr>
+                <p:ph type="title"/>
+              </p:nvPr>
+            </p:nvSpPr>
+            <p:spPr>
+              <a:blipFill>
+                <a:blip r:embed="rId3"/>
+                <a:stretch>
+                  <a:fillRect/>
+                </a:stretch>
+              </a:blipFill>
+            </p:spPr>
+            <p:txBody>
+              <a:bodyPr/>
+              <a:lstStyle/>
+              <a:p>
+                <a:r>
+                  <a:rPr lang="es-ES_tradnl">
+                    <a:noFill/>
+                  </a:rPr>
+                  <a:t> </a:t>
+                </a:r>
+              </a:p>
+            </p:txBody>
+          </p:sp>
+        </mc:Fallback>
+      </mc:AlternateContent>
+    </p:spTree>
+    <p:extLst>
+      <p:ext uri="{BB962C8B-B14F-4D97-AF65-F5344CB8AC3E}">
+        <p14:creationId xmlns:p14="http://schemas.microsoft.com/office/powerpoint/2010/main" val="2921752569"/>
+      </p:ext>
+    </p:extLst>
+  </p:cSld>
+  <p:clrMapOvr>
+    <a:masterClrMapping/>
+  </p:clrMapOvr>
+</p:sld>
+</file>
+
+<file path=ppt/slides/slide18.xml><?xml version="1.0" encoding="utf-8"?>
+<p:sld xmlns:a="http://schemas.openxmlformats.org/drawingml/2006/main" xmlns:r="http://schemas.openxmlformats.org/officeDocument/2006/relationships" xmlns:p="http://schemas.openxmlformats.org/presentationml/2006/main">
+  <p:cSld>
+    <p:spTree>
+      <p:nvGrpSpPr>
+        <p:cNvPr id="1" name=""/>
+        <p:cNvGrpSpPr/>
+        <p:nvPr/>
+      </p:nvGrpSpPr>
+      <p:grpSpPr>
+        <a:xfrm>
+          <a:off x="0" y="0"/>
+          <a:ext cx="0" cy="0"/>
+          <a:chOff x="0" y="0"/>
+          <a:chExt cx="0" cy="0"/>
+        </a:xfrm>
+      </p:grpSpPr>
+      <p:sp>
+        <p:nvSpPr>
+          <p:cNvPr id="2" name="Title 1">
+            <a:extLst>
+              <a:ext uri="{FF2B5EF4-FFF2-40B4-BE49-F238E27FC236}">
+                <a16:creationId xmlns:a16="http://schemas.microsoft.com/office/drawing/2014/main" id="{1DD6C2E6-307D-BD43-AB82-4256FB624D52}"/>
+              </a:ext>
+            </a:extLst>
+          </p:cNvPr>
+          <p:cNvSpPr>
+            <a:spLocks noGrp="1"/>
+          </p:cNvSpPr>
+          <p:nvPr>
+            <p:ph type="title"/>
+          </p:nvPr>
+        </p:nvSpPr>
+        <p:spPr/>
+        <p:txBody>
+          <a:bodyPr/>
+          <a:lstStyle/>
+          <a:p>
+            <a:r>
+              <a:rPr lang="es-ES_tradnl" dirty="0"/>
+              <a:t>Exploración del espacio de creación escénica</a:t>
+            </a:r>
+          </a:p>
+        </p:txBody>
+      </p:sp>
+    </p:spTree>
+    <p:extLst>
+      <p:ext uri="{BB962C8B-B14F-4D97-AF65-F5344CB8AC3E}">
+        <p14:creationId xmlns:p14="http://schemas.microsoft.com/office/powerpoint/2010/main" val="3816994205"/>
+      </p:ext>
+    </p:extLst>
+  </p:cSld>
+  <p:clrMapOvr>
+    <a:masterClrMapping/>
+  </p:clrMapOvr>
+</p:sld>
+</file>
+
+<file path=ppt/slides/slide19.xml><?xml version="1.0" encoding="utf-8"?>
+<p:sld xmlns:a="http://schemas.openxmlformats.org/drawingml/2006/main" xmlns:r="http://schemas.openxmlformats.org/officeDocument/2006/relationships" xmlns:p="http://schemas.openxmlformats.org/presentationml/2006/main">
+  <p:cSld>
+    <p:spTree>
+      <p:nvGrpSpPr>
+        <p:cNvPr id="1" name=""/>
+        <p:cNvGrpSpPr/>
+        <p:nvPr/>
+      </p:nvGrpSpPr>
+      <p:grpSpPr>
+        <a:xfrm>
+          <a:off x="0" y="0"/>
+          <a:ext cx="0" cy="0"/>
+          <a:chOff x="0" y="0"/>
+          <a:chExt cx="0" cy="0"/>
+        </a:xfrm>
+      </p:grpSpPr>
+      <p:sp>
+        <p:nvSpPr>
+          <p:cNvPr id="2" name="Title 1">
+            <a:extLst>
+              <a:ext uri="{FF2B5EF4-FFF2-40B4-BE49-F238E27FC236}">
+                <a16:creationId xmlns:a16="http://schemas.microsoft.com/office/drawing/2014/main" id="{C82C0716-F788-3040-9E31-2E42BEEEA525}"/>
+              </a:ext>
+            </a:extLst>
+          </p:cNvPr>
+          <p:cNvSpPr>
+            <a:spLocks noGrp="1"/>
+          </p:cNvSpPr>
+          <p:nvPr>
+            <p:ph type="title"/>
+          </p:nvPr>
+        </p:nvSpPr>
+        <p:spPr/>
+        <p:txBody>
+          <a:bodyPr/>
+          <a:lstStyle/>
+          <a:p>
+            <a:r>
+              <a:rPr lang="es-ES_tradnl" dirty="0"/>
+              <a:t>Trabajo futuro</a:t>
+            </a:r>
+          </a:p>
+        </p:txBody>
+      </p:sp>
+    </p:spTree>
+    <p:extLst>
+      <p:ext uri="{BB962C8B-B14F-4D97-AF65-F5344CB8AC3E}">
+        <p14:creationId xmlns:p14="http://schemas.microsoft.com/office/powerpoint/2010/main" val="626771681"/>
+      </p:ext>
+    </p:extLst>
+  </p:cSld>
+  <p:clrMapOvr>
+    <a:masterClrMapping/>
+  </p:clrMapOvr>
+</p:sld>
+</file>
+
+<file path=ppt/slides/slide2.xml><?xml version="1.0" encoding="utf-8"?>
+<p:sld xmlns:a="http://schemas.openxmlformats.org/drawingml/2006/main" xmlns:r="http://schemas.openxmlformats.org/officeDocument/2006/relationships" xmlns:p="http://schemas.openxmlformats.org/presentationml/2006/main">
+  <p:cSld>
+    <p:spTree>
+      <p:nvGrpSpPr>
+        <p:cNvPr id="1" name=""/>
+        <p:cNvGrpSpPr/>
+        <p:nvPr/>
+      </p:nvGrpSpPr>
+      <p:grpSpPr>
+        <a:xfrm>
+          <a:off x="0" y="0"/>
+          <a:ext cx="0" cy="0"/>
+          <a:chOff x="0" y="0"/>
+          <a:chExt cx="0" cy="0"/>
+        </a:xfrm>
+      </p:grpSpPr>
+      <p:grpSp>
+        <p:nvGrpSpPr>
+          <p:cNvPr id="4" name="Group 3">
+            <a:extLst>
+              <a:ext uri="{FF2B5EF4-FFF2-40B4-BE49-F238E27FC236}">
+                <a16:creationId xmlns:a16="http://schemas.microsoft.com/office/drawing/2014/main" id="{B5363C84-428D-CF45-B35A-375E39A9E1DA}"/>
+              </a:ext>
+            </a:extLst>
+          </p:cNvPr>
+          <p:cNvGrpSpPr/>
+          <p:nvPr/>
+        </p:nvGrpSpPr>
+        <p:grpSpPr>
+          <a:xfrm>
+            <a:off x="1143000" y="1122363"/>
+            <a:ext cx="6852557" cy="4357024"/>
+            <a:chOff x="1143000" y="1122363"/>
+            <a:chExt cx="6852557" cy="4357024"/>
+          </a:xfrm>
+        </p:grpSpPr>
+        <p:sp>
+          <p:nvSpPr>
+            <p:cNvPr id="5" name="Oval 4">
+              <a:extLst>
+                <a:ext uri="{FF2B5EF4-FFF2-40B4-BE49-F238E27FC236}">
+                  <a16:creationId xmlns:a16="http://schemas.microsoft.com/office/drawing/2014/main" id="{3A88D263-9FDA-9F49-BDD0-2E63CCA956EF}"/>
+                </a:ext>
+              </a:extLst>
+            </p:cNvPr>
+            <p:cNvSpPr/>
+            <p:nvPr/>
+          </p:nvSpPr>
+          <p:spPr>
+            <a:xfrm>
+              <a:off x="4507436" y="1122363"/>
+              <a:ext cx="129128" cy="129128"/>
+            </a:xfrm>
+            <a:prstGeom prst="ellipse">
+              <a:avLst/>
+            </a:prstGeom>
+            <a:solidFill>
+              <a:schemeClr val="tx1"/>
+            </a:solidFill>
+            <a:ln>
+              <a:noFill/>
+            </a:ln>
+          </p:spPr>
+          <p:style>
+            <a:lnRef idx="2">
+              <a:schemeClr val="accent1">
+                <a:shade val="50000"/>
+              </a:schemeClr>
+            </a:lnRef>
+            <a:fillRef idx="1">
+              <a:schemeClr val="accent1"/>
+            </a:fillRef>
+            <a:effectRef idx="0">
+              <a:schemeClr val="accent1"/>
+            </a:effectRef>
+            <a:fontRef idx="minor">
+              <a:schemeClr val="lt1"/>
+            </a:fontRef>
+          </p:style>
+          <p:txBody>
+            <a:bodyPr rtlCol="0" anchor="ctr"/>
+            <a:lstStyle/>
+            <a:p>
+              <a:pPr algn="ctr"/>
+              <a:endParaRPr lang="en-US" dirty="0"/>
+            </a:p>
+          </p:txBody>
+        </p:sp>
+        <p:sp>
+          <p:nvSpPr>
+            <p:cNvPr id="6" name="Oval 5">
+              <a:extLst>
+                <a:ext uri="{FF2B5EF4-FFF2-40B4-BE49-F238E27FC236}">
+                  <a16:creationId xmlns:a16="http://schemas.microsoft.com/office/drawing/2014/main" id="{DADC8576-68A1-2A47-B9A6-ADC98606A77E}"/>
+                </a:ext>
+              </a:extLst>
+            </p:cNvPr>
+            <p:cNvSpPr/>
+            <p:nvPr/>
+          </p:nvSpPr>
+          <p:spPr>
+            <a:xfrm>
+              <a:off x="7866429" y="5350259"/>
+              <a:ext cx="129128" cy="129128"/>
+            </a:xfrm>
+            <a:prstGeom prst="ellipse">
+              <a:avLst/>
+            </a:prstGeom>
+            <a:solidFill>
+              <a:schemeClr val="tx1"/>
+            </a:solidFill>
+            <a:ln>
+              <a:noFill/>
+            </a:ln>
+          </p:spPr>
+          <p:style>
+            <a:lnRef idx="2">
+              <a:schemeClr val="accent1">
+                <a:shade val="50000"/>
+              </a:schemeClr>
+            </a:lnRef>
+            <a:fillRef idx="1">
+              <a:schemeClr val="accent1"/>
+            </a:fillRef>
+            <a:effectRef idx="0">
+              <a:schemeClr val="accent1"/>
+            </a:effectRef>
+            <a:fontRef idx="minor">
+              <a:schemeClr val="lt1"/>
+            </a:fontRef>
+          </p:style>
+          <p:txBody>
+            <a:bodyPr rtlCol="0" anchor="ctr"/>
+            <a:lstStyle/>
+            <a:p>
+              <a:pPr algn="ctr"/>
+              <a:endParaRPr lang="en-US" dirty="0"/>
+            </a:p>
+          </p:txBody>
+        </p:sp>
+        <p:sp>
+          <p:nvSpPr>
+            <p:cNvPr id="7" name="Oval 6">
+              <a:extLst>
+                <a:ext uri="{FF2B5EF4-FFF2-40B4-BE49-F238E27FC236}">
+                  <a16:creationId xmlns:a16="http://schemas.microsoft.com/office/drawing/2014/main" id="{33E1FC0D-0152-C945-B194-C5EEFAF05A04}"/>
+                </a:ext>
+              </a:extLst>
+            </p:cNvPr>
+            <p:cNvSpPr/>
+            <p:nvPr/>
+          </p:nvSpPr>
+          <p:spPr>
+            <a:xfrm>
+              <a:off x="1143000" y="5349875"/>
+              <a:ext cx="129128" cy="129128"/>
+            </a:xfrm>
+            <a:prstGeom prst="ellipse">
+              <a:avLst/>
+            </a:prstGeom>
+            <a:solidFill>
+              <a:schemeClr val="tx1"/>
+            </a:solidFill>
+            <a:ln>
+              <a:noFill/>
+            </a:ln>
+          </p:spPr>
+          <p:style>
+            <a:lnRef idx="2">
+              <a:schemeClr val="accent1">
+                <a:shade val="50000"/>
+              </a:schemeClr>
+            </a:lnRef>
+            <a:fillRef idx="1">
+              <a:schemeClr val="accent1"/>
+            </a:fillRef>
+            <a:effectRef idx="0">
+              <a:schemeClr val="accent1"/>
+            </a:effectRef>
+            <a:fontRef idx="minor">
+              <a:schemeClr val="lt1"/>
+            </a:fontRef>
+          </p:style>
+          <p:txBody>
+            <a:bodyPr rtlCol="0" anchor="ctr"/>
+            <a:lstStyle/>
+            <a:p>
+              <a:pPr algn="ctr"/>
+              <a:endParaRPr lang="en-US" dirty="0"/>
+            </a:p>
+          </p:txBody>
+        </p:sp>
+      </p:grpSp>
+    </p:spTree>
+    <p:extLst>
+      <p:ext uri="{BB962C8B-B14F-4D97-AF65-F5344CB8AC3E}">
+        <p14:creationId xmlns:p14="http://schemas.microsoft.com/office/powerpoint/2010/main" val="4012367482"/>
+      </p:ext>
+    </p:extLst>
+  </p:cSld>
+  <p:clrMapOvr>
+    <a:masterClrMapping/>
+  </p:clrMapOvr>
+</p:sld>
+</file>
+
+<file path=ppt/slides/slide20.xml><?xml version="1.0" encoding="utf-8"?>
+<p:sld xmlns:a="http://schemas.openxmlformats.org/drawingml/2006/main" xmlns:r="http://schemas.openxmlformats.org/officeDocument/2006/relationships" xmlns:p="http://schemas.openxmlformats.org/presentationml/2006/main">
+  <p:cSld>
+    <p:spTree>
+      <p:nvGrpSpPr>
+        <p:cNvPr id="1" name=""/>
+        <p:cNvGrpSpPr/>
+        <p:nvPr/>
+      </p:nvGrpSpPr>
+      <p:grpSpPr>
+        <a:xfrm>
+          <a:off x="0" y="0"/>
+          <a:ext cx="0" cy="0"/>
+          <a:chOff x="0" y="0"/>
+          <a:chExt cx="0" cy="0"/>
+        </a:xfrm>
+      </p:grpSpPr>
+      <p:sp>
+        <p:nvSpPr>
+          <p:cNvPr id="2" name="Title 1">
+            <a:extLst>
+              <a:ext uri="{FF2B5EF4-FFF2-40B4-BE49-F238E27FC236}">
+                <a16:creationId xmlns:a16="http://schemas.microsoft.com/office/drawing/2014/main" id="{5DA93D84-BC74-9840-B7FD-F8E9679350CC}"/>
+              </a:ext>
+            </a:extLst>
+          </p:cNvPr>
+          <p:cNvSpPr>
+            <a:spLocks noGrp="1"/>
+          </p:cNvSpPr>
+          <p:nvPr>
+            <p:ph type="title"/>
+          </p:nvPr>
+        </p:nvSpPr>
+        <p:spPr>
+          <a:xfrm>
+            <a:off x="623888" y="1709740"/>
+            <a:ext cx="7886700" cy="2992889"/>
+          </a:xfrm>
+        </p:spPr>
+        <p:txBody>
+          <a:bodyPr/>
+          <a:lstStyle/>
+          <a:p>
+            <a:r>
+              <a:rPr lang="es-ES_tradnl" dirty="0"/>
+              <a:t>gracias</a:t>
+            </a:r>
+          </a:p>
+        </p:txBody>
+      </p:sp>
+      <p:grpSp>
+        <p:nvGrpSpPr>
+          <p:cNvPr id="4" name="Group 3">
+            <a:extLst>
+              <a:ext uri="{FF2B5EF4-FFF2-40B4-BE49-F238E27FC236}">
+                <a16:creationId xmlns:a16="http://schemas.microsoft.com/office/drawing/2014/main" id="{5D4DF2D4-6ACC-E94E-A12F-5A5BE86063DB}"/>
+              </a:ext>
+            </a:extLst>
+          </p:cNvPr>
+          <p:cNvGrpSpPr/>
+          <p:nvPr/>
+        </p:nvGrpSpPr>
+        <p:grpSpPr>
+          <a:xfrm>
+            <a:off x="1143000" y="1122363"/>
+            <a:ext cx="6852557" cy="4357024"/>
+            <a:chOff x="1143000" y="1122363"/>
+            <a:chExt cx="6852557" cy="4357024"/>
+          </a:xfrm>
+        </p:grpSpPr>
+        <p:sp>
+          <p:nvSpPr>
+            <p:cNvPr id="5" name="Oval 4">
+              <a:extLst>
+                <a:ext uri="{FF2B5EF4-FFF2-40B4-BE49-F238E27FC236}">
+                  <a16:creationId xmlns:a16="http://schemas.microsoft.com/office/drawing/2014/main" id="{F5449A17-C6BF-7742-AB79-A347D1D43EAE}"/>
+                </a:ext>
+              </a:extLst>
+            </p:cNvPr>
+            <p:cNvSpPr/>
+            <p:nvPr/>
+          </p:nvSpPr>
+          <p:spPr>
+            <a:xfrm>
+              <a:off x="4507436" y="1122363"/>
+              <a:ext cx="129128" cy="129128"/>
+            </a:xfrm>
+            <a:prstGeom prst="ellipse">
+              <a:avLst/>
+            </a:prstGeom>
+            <a:solidFill>
+              <a:schemeClr val="tx1"/>
+            </a:solidFill>
+            <a:ln>
+              <a:noFill/>
+            </a:ln>
+          </p:spPr>
+          <p:style>
+            <a:lnRef idx="2">
+              <a:schemeClr val="accent1">
+                <a:shade val="50000"/>
+              </a:schemeClr>
+            </a:lnRef>
+            <a:fillRef idx="1">
+              <a:schemeClr val="accent1"/>
+            </a:fillRef>
+            <a:effectRef idx="0">
+              <a:schemeClr val="accent1"/>
+            </a:effectRef>
+            <a:fontRef idx="minor">
+              <a:schemeClr val="lt1"/>
+            </a:fontRef>
+          </p:style>
+          <p:txBody>
+            <a:bodyPr rtlCol="0" anchor="ctr"/>
+            <a:lstStyle/>
+            <a:p>
+              <a:pPr algn="ctr"/>
+              <a:endParaRPr lang="en-US" dirty="0"/>
+            </a:p>
+          </p:txBody>
+        </p:sp>
+        <p:sp>
+          <p:nvSpPr>
+            <p:cNvPr id="6" name="Oval 5">
+              <a:extLst>
+                <a:ext uri="{FF2B5EF4-FFF2-40B4-BE49-F238E27FC236}">
+                  <a16:creationId xmlns:a16="http://schemas.microsoft.com/office/drawing/2014/main" id="{C41F97DF-9E96-F649-B716-BF8A7D78246F}"/>
+                </a:ext>
+              </a:extLst>
+            </p:cNvPr>
+            <p:cNvSpPr/>
+            <p:nvPr/>
+          </p:nvSpPr>
+          <p:spPr>
+            <a:xfrm>
+              <a:off x="7866429" y="5350259"/>
+              <a:ext cx="129128" cy="129128"/>
+            </a:xfrm>
+            <a:prstGeom prst="ellipse">
+              <a:avLst/>
+            </a:prstGeom>
+            <a:solidFill>
+              <a:schemeClr val="tx1"/>
+            </a:solidFill>
+            <a:ln>
+              <a:noFill/>
+            </a:ln>
+          </p:spPr>
+          <p:style>
+            <a:lnRef idx="2">
+              <a:schemeClr val="accent1">
+                <a:shade val="50000"/>
+              </a:schemeClr>
+            </a:lnRef>
+            <a:fillRef idx="1">
+              <a:schemeClr val="accent1"/>
+            </a:fillRef>
+            <a:effectRef idx="0">
+              <a:schemeClr val="accent1"/>
+            </a:effectRef>
+            <a:fontRef idx="minor">
+              <a:schemeClr val="lt1"/>
+            </a:fontRef>
+          </p:style>
+          <p:txBody>
+            <a:bodyPr rtlCol="0" anchor="ctr"/>
+            <a:lstStyle/>
+            <a:p>
+              <a:pPr algn="ctr"/>
+              <a:endParaRPr lang="en-US" dirty="0"/>
+            </a:p>
+          </p:txBody>
+        </p:sp>
+        <p:sp>
+          <p:nvSpPr>
+            <p:cNvPr id="7" name="Oval 6">
+              <a:extLst>
+                <a:ext uri="{FF2B5EF4-FFF2-40B4-BE49-F238E27FC236}">
+                  <a16:creationId xmlns:a16="http://schemas.microsoft.com/office/drawing/2014/main" id="{7904EBA9-0114-434C-A5C0-D654D9BD79E9}"/>
+                </a:ext>
+              </a:extLst>
+            </p:cNvPr>
+            <p:cNvSpPr/>
+            <p:nvPr/>
+          </p:nvSpPr>
+          <p:spPr>
+            <a:xfrm>
+              <a:off x="1143000" y="5349875"/>
+              <a:ext cx="129128" cy="129128"/>
+            </a:xfrm>
+            <a:prstGeom prst="ellipse">
+              <a:avLst/>
+            </a:prstGeom>
+            <a:solidFill>
+              <a:schemeClr val="tx1"/>
+            </a:solidFill>
+            <a:ln>
+              <a:noFill/>
+            </a:ln>
+          </p:spPr>
+          <p:style>
+            <a:lnRef idx="2">
+              <a:schemeClr val="accent1">
+                <a:shade val="50000"/>
+              </a:schemeClr>
+            </a:lnRef>
+            <a:fillRef idx="1">
+              <a:schemeClr val="accent1"/>
+            </a:fillRef>
+            <a:effectRef idx="0">
+              <a:schemeClr val="accent1"/>
+            </a:effectRef>
+            <a:fontRef idx="minor">
+              <a:schemeClr val="lt1"/>
+            </a:fontRef>
+          </p:style>
+          <p:txBody>
+            <a:bodyPr rtlCol="0" anchor="ctr"/>
+            <a:lstStyle/>
+            <a:p>
+              <a:pPr algn="ctr"/>
+              <a:endParaRPr lang="en-US" dirty="0"/>
+            </a:p>
+          </p:txBody>
+        </p:sp>
+      </p:grpSp>
+      <p:grpSp>
+        <p:nvGrpSpPr>
+          <p:cNvPr id="8" name="Group 7">
+            <a:extLst>
+              <a:ext uri="{FF2B5EF4-FFF2-40B4-BE49-F238E27FC236}">
+                <a16:creationId xmlns:a16="http://schemas.microsoft.com/office/drawing/2014/main" id="{96668E3C-9B02-6248-826F-8FD94B95894B}"/>
+              </a:ext>
+            </a:extLst>
+          </p:cNvPr>
+          <p:cNvGrpSpPr/>
+          <p:nvPr/>
+        </p:nvGrpSpPr>
+        <p:grpSpPr>
+          <a:xfrm rot="10800000">
+            <a:off x="2692577" y="3297260"/>
+            <a:ext cx="3688701" cy="2181742"/>
+            <a:chOff x="1173566" y="1122363"/>
+            <a:chExt cx="6904896" cy="4459419"/>
+          </a:xfrm>
+        </p:grpSpPr>
+        <p:sp>
+          <p:nvSpPr>
+            <p:cNvPr id="9" name="Oval 8">
+              <a:extLst>
+                <a:ext uri="{FF2B5EF4-FFF2-40B4-BE49-F238E27FC236}">
+                  <a16:creationId xmlns:a16="http://schemas.microsoft.com/office/drawing/2014/main" id="{8838A35D-1E5B-7A47-9058-A9F35D3A631C}"/>
+                </a:ext>
+              </a:extLst>
+            </p:cNvPr>
+            <p:cNvSpPr/>
+            <p:nvPr/>
+          </p:nvSpPr>
+          <p:spPr>
+            <a:xfrm>
+              <a:off x="4507435" y="1122363"/>
+              <a:ext cx="242599" cy="264899"/>
+            </a:xfrm>
+            <a:prstGeom prst="ellipse">
+              <a:avLst/>
+            </a:prstGeom>
+            <a:solidFill>
+              <a:schemeClr val="tx1"/>
+            </a:solidFill>
+            <a:ln>
+              <a:noFill/>
+            </a:ln>
+          </p:spPr>
+          <p:style>
+            <a:lnRef idx="2">
+              <a:schemeClr val="accent1">
+                <a:shade val="50000"/>
+              </a:schemeClr>
+            </a:lnRef>
+            <a:fillRef idx="1">
+              <a:schemeClr val="accent1"/>
+            </a:fillRef>
+            <a:effectRef idx="0">
+              <a:schemeClr val="accent1"/>
+            </a:effectRef>
+            <a:fontRef idx="minor">
+              <a:schemeClr val="lt1"/>
+            </a:fontRef>
+          </p:style>
+          <p:txBody>
+            <a:bodyPr rtlCol="0" anchor="ctr"/>
+            <a:lstStyle/>
+            <a:p>
+              <a:pPr algn="ctr"/>
+              <a:endParaRPr lang="en-US" dirty="0"/>
+            </a:p>
+          </p:txBody>
+        </p:sp>
+        <p:sp>
+          <p:nvSpPr>
+            <p:cNvPr id="10" name="Oval 9">
+              <a:extLst>
+                <a:ext uri="{FF2B5EF4-FFF2-40B4-BE49-F238E27FC236}">
+                  <a16:creationId xmlns:a16="http://schemas.microsoft.com/office/drawing/2014/main" id="{B91CE4E3-A739-F243-98BE-8731A83C76F8}"/>
+                </a:ext>
+              </a:extLst>
+            </p:cNvPr>
+            <p:cNvSpPr/>
+            <p:nvPr/>
+          </p:nvSpPr>
+          <p:spPr>
+            <a:xfrm>
+              <a:off x="7835863" y="5316883"/>
+              <a:ext cx="242599" cy="264899"/>
+            </a:xfrm>
+            <a:prstGeom prst="ellipse">
+              <a:avLst/>
+            </a:prstGeom>
+            <a:solidFill>
+              <a:schemeClr val="tx1"/>
+            </a:solidFill>
+            <a:ln>
+              <a:noFill/>
+            </a:ln>
+          </p:spPr>
+          <p:style>
+            <a:lnRef idx="2">
+              <a:schemeClr val="accent1">
+                <a:shade val="50000"/>
+              </a:schemeClr>
+            </a:lnRef>
+            <a:fillRef idx="1">
+              <a:schemeClr val="accent1"/>
+            </a:fillRef>
+            <a:effectRef idx="0">
+              <a:schemeClr val="accent1"/>
+            </a:effectRef>
+            <a:fontRef idx="minor">
+              <a:schemeClr val="lt1"/>
+            </a:fontRef>
+          </p:style>
+          <p:txBody>
+            <a:bodyPr rtlCol="0" anchor="ctr"/>
+            <a:lstStyle/>
+            <a:p>
+              <a:pPr algn="ctr"/>
+              <a:endParaRPr lang="en-US" dirty="0"/>
+            </a:p>
+          </p:txBody>
+        </p:sp>
+        <p:sp>
+          <p:nvSpPr>
+            <p:cNvPr id="11" name="Oval 10">
+              <a:extLst>
+                <a:ext uri="{FF2B5EF4-FFF2-40B4-BE49-F238E27FC236}">
+                  <a16:creationId xmlns:a16="http://schemas.microsoft.com/office/drawing/2014/main" id="{E20E4AB4-89B6-C84A-950D-AD20D09AF3DD}"/>
+                </a:ext>
+              </a:extLst>
+            </p:cNvPr>
+            <p:cNvSpPr/>
+            <p:nvPr/>
+          </p:nvSpPr>
+          <p:spPr>
+            <a:xfrm>
+              <a:off x="1173566" y="5316499"/>
+              <a:ext cx="242599" cy="264899"/>
+            </a:xfrm>
+            <a:prstGeom prst="ellipse">
+              <a:avLst/>
+            </a:prstGeom>
+            <a:solidFill>
+              <a:schemeClr val="tx1"/>
+            </a:solidFill>
+            <a:ln>
+              <a:noFill/>
+            </a:ln>
+          </p:spPr>
+          <p:style>
+            <a:lnRef idx="2">
+              <a:schemeClr val="accent1">
+                <a:shade val="50000"/>
+              </a:schemeClr>
+            </a:lnRef>
+            <a:fillRef idx="1">
+              <a:schemeClr val="accent1"/>
+            </a:fillRef>
+            <a:effectRef idx="0">
+              <a:schemeClr val="accent1"/>
+            </a:effectRef>
+            <a:fontRef idx="minor">
+              <a:schemeClr val="lt1"/>
+            </a:fontRef>
+          </p:style>
+          <p:txBody>
+            <a:bodyPr rtlCol="0" anchor="ctr"/>
+            <a:lstStyle/>
+            <a:p>
+              <a:pPr algn="ctr"/>
+              <a:endParaRPr lang="en-US" dirty="0"/>
+            </a:p>
+          </p:txBody>
+        </p:sp>
+      </p:grpSp>
+    </p:spTree>
+    <p:extLst>
+      <p:ext uri="{BB962C8B-B14F-4D97-AF65-F5344CB8AC3E}">
+        <p14:creationId xmlns:p14="http://schemas.microsoft.com/office/powerpoint/2010/main" val="945176337"/>
+      </p:ext>
+    </p:extLst>
+  </p:cSld>
+  <p:clrMapOvr>
+    <a:masterClrMapping/>
+  </p:clrMapOvr>
+</p:sld>
+</file>
+
+<file path=ppt/slides/slide3.xml><?xml version="1.0" encoding="utf-8"?>
+<p:sld xmlns:a="http://schemas.openxmlformats.org/drawingml/2006/main" xmlns:r="http://schemas.openxmlformats.org/officeDocument/2006/relationships" xmlns:p="http://schemas.openxmlformats.org/presentationml/2006/main">
+  <p:cSld>
+    <p:spTree>
+      <p:nvGrpSpPr>
+        <p:cNvPr id="1" name=""/>
+        <p:cNvGrpSpPr/>
+        <p:nvPr/>
+      </p:nvGrpSpPr>
+      <p:grpSpPr>
+        <a:xfrm>
+          <a:off x="0" y="0"/>
+          <a:ext cx="0" cy="0"/>
+          <a:chOff x="0" y="0"/>
+          <a:chExt cx="0" cy="0"/>
+        </a:xfrm>
+      </p:grpSpPr>
+      <p:sp>
+        <p:nvSpPr>
+          <p:cNvPr id="4" name="Triangle 3">
+            <a:extLst>
+              <a:ext uri="{FF2B5EF4-FFF2-40B4-BE49-F238E27FC236}">
+                <a16:creationId xmlns:a16="http://schemas.microsoft.com/office/drawing/2014/main" id="{C81FBC53-9847-654D-9DC6-8BF6DC24E5C6}"/>
+              </a:ext>
+            </a:extLst>
+          </p:cNvPr>
+          <p:cNvSpPr/>
+          <p:nvPr/>
+        </p:nvSpPr>
+        <p:spPr>
+          <a:xfrm>
+            <a:off x="1207564" y="1251491"/>
+            <a:ext cx="6723429" cy="4227512"/>
+          </a:xfrm>
+          <a:prstGeom prst="triangle">
+            <a:avLst>
+              <a:gd name="adj" fmla="val 50000"/>
+            </a:avLst>
+          </a:prstGeom>
+          <a:solidFill>
+            <a:schemeClr val="bg1"/>
+          </a:solidFill>
+          <a:ln w="38100">
+            <a:solidFill>
+              <a:schemeClr val="tx1"/>
+            </a:solidFill>
+          </a:ln>
+        </p:spPr>
+        <p:style>
+          <a:lnRef idx="2">
+            <a:schemeClr val="accent1">
+              <a:shade val="50000"/>
+            </a:schemeClr>
+          </a:lnRef>
+          <a:fillRef idx="1">
+            <a:schemeClr val="accent1"/>
+          </a:fillRef>
+          <a:effectRef idx="0">
+            <a:schemeClr val="accent1"/>
+          </a:effectRef>
+          <a:fontRef idx="minor">
+            <a:schemeClr val="lt1"/>
+          </a:fontRef>
+        </p:style>
+        <p:txBody>
+          <a:bodyPr rtlCol="0" anchor="ctr"/>
+          <a:lstStyle/>
+          <a:p>
+            <a:pPr algn="ctr"/>
+            <a:endParaRPr lang="es-ES_tradnl" dirty="0"/>
+          </a:p>
+        </p:txBody>
+      </p:sp>
+      <p:sp>
+        <p:nvSpPr>
+          <p:cNvPr id="2" name="Title 1">
+            <a:extLst>
+              <a:ext uri="{FF2B5EF4-FFF2-40B4-BE49-F238E27FC236}">
+                <a16:creationId xmlns:a16="http://schemas.microsoft.com/office/drawing/2014/main" id="{EB2C0730-E66C-4A43-B7B7-B0D54FE82BF1}"/>
+              </a:ext>
+            </a:extLst>
+          </p:cNvPr>
+          <p:cNvSpPr>
+            <a:spLocks noGrp="1"/>
+          </p:cNvSpPr>
+          <p:nvPr>
+            <p:ph type="title"/>
+          </p:nvPr>
+        </p:nvSpPr>
+        <p:spPr>
+          <a:xfrm>
+            <a:off x="625928" y="2113731"/>
+            <a:ext cx="7886700" cy="2503032"/>
+          </a:xfrm>
+        </p:spPr>
+        <p:txBody>
+          <a:bodyPr/>
+          <a:lstStyle/>
+          <a:p>
+            <a:r>
+              <a:rPr lang="en-US" dirty="0"/>
+              <a:t>Alberto</a:t>
+            </a:r>
+            <a:br>
+              <a:rPr lang="en-US" dirty="0"/>
+            </a:br>
+            <a:r>
+              <a:rPr lang="en-US" dirty="0"/>
+              <a:t>Vega</a:t>
+            </a:r>
+          </a:p>
+        </p:txBody>
+      </p:sp>
+    </p:spTree>
+    <p:extLst>
+      <p:ext uri="{BB962C8B-B14F-4D97-AF65-F5344CB8AC3E}">
+        <p14:creationId xmlns:p14="http://schemas.microsoft.com/office/powerpoint/2010/main" val="794718136"/>
+      </p:ext>
+    </p:extLst>
+  </p:cSld>
+  <p:clrMapOvr>
+    <a:masterClrMapping/>
+  </p:clrMapOvr>
+</p:sld>
+</file>
+
+<file path=ppt/slides/slide4.xml><?xml version="1.0" encoding="utf-8"?>
+<p:sld xmlns:a="http://schemas.openxmlformats.org/drawingml/2006/main" xmlns:r="http://schemas.openxmlformats.org/officeDocument/2006/relationships" xmlns:p="http://schemas.openxmlformats.org/presentationml/2006/main">
+  <p:cSld>
+    <p:spTree>
+      <p:nvGrpSpPr>
+        <p:cNvPr id="1" name=""/>
+        <p:cNvGrpSpPr/>
+        <p:nvPr/>
+      </p:nvGrpSpPr>
+      <p:grpSpPr>
+        <a:xfrm>
+          <a:off x="0" y="0"/>
+          <a:ext cx="0" cy="0"/>
+          <a:chOff x="0" y="0"/>
+          <a:chExt cx="0" cy="0"/>
+        </a:xfrm>
+      </p:grpSpPr>
+      <p:sp>
+        <p:nvSpPr>
+          <p:cNvPr id="2" name="Title 1">
+            <a:extLst>
+              <a:ext uri="{FF2B5EF4-FFF2-40B4-BE49-F238E27FC236}">
+                <a16:creationId xmlns:a16="http://schemas.microsoft.com/office/drawing/2014/main" id="{B6A5F662-BBDD-7F44-8E06-0F4629A3CE87}"/>
+              </a:ext>
+            </a:extLst>
+          </p:cNvPr>
+          <p:cNvSpPr>
+            <a:spLocks noGrp="1"/>
+          </p:cNvSpPr>
+          <p:nvPr>
+            <p:ph type="title"/>
+          </p:nvPr>
+        </p:nvSpPr>
+        <p:spPr/>
+        <p:txBody>
+          <a:bodyPr/>
+          <a:lstStyle/>
+          <a:p>
+            <a:r>
+              <a:rPr lang="es-ES_tradnl" dirty="0"/>
+              <a:t>Objetivo del proyecto</a:t>
+            </a:r>
+          </a:p>
+        </p:txBody>
+      </p:sp>
+    </p:spTree>
+    <p:extLst>
+      <p:ext uri="{BB962C8B-B14F-4D97-AF65-F5344CB8AC3E}">
+        <p14:creationId xmlns:p14="http://schemas.microsoft.com/office/powerpoint/2010/main" val="2497423877"/>
+      </p:ext>
+    </p:extLst>
+  </p:cSld>
+  <p:clrMapOvr>
+    <a:masterClrMapping/>
+  </p:clrMapOvr>
+</p:sld>
+</file>
+
+<file path=ppt/slides/slide5.xml><?xml version="1.0" encoding="utf-8"?>
+<p:sld xmlns:a="http://schemas.openxmlformats.org/drawingml/2006/main" xmlns:r="http://schemas.openxmlformats.org/officeDocument/2006/relationships" xmlns:p="http://schemas.openxmlformats.org/presentationml/2006/main">
+  <p:cSld>
+    <p:spTree>
+      <p:nvGrpSpPr>
+        <p:cNvPr id="1" name=""/>
+        <p:cNvGrpSpPr/>
+        <p:nvPr/>
+      </p:nvGrpSpPr>
+      <p:grpSpPr>
+        <a:xfrm>
+          <a:off x="0" y="0"/>
+          <a:ext cx="0" cy="0"/>
+          <a:chOff x="0" y="0"/>
+          <a:chExt cx="0" cy="0"/>
+        </a:xfrm>
+      </p:grpSpPr>
+      <p:sp>
+        <p:nvSpPr>
+          <p:cNvPr id="2" name="Title 1">
+            <a:extLst>
+              <a:ext uri="{FF2B5EF4-FFF2-40B4-BE49-F238E27FC236}">
+                <a16:creationId xmlns:a16="http://schemas.microsoft.com/office/drawing/2014/main" id="{1AE2DE55-6FDE-F24F-A4C1-36840D727B0B}"/>
+              </a:ext>
+            </a:extLst>
+          </p:cNvPr>
+          <p:cNvSpPr>
+            <a:spLocks noGrp="1"/>
+          </p:cNvSpPr>
+          <p:nvPr>
+            <p:ph type="title"/>
+          </p:nvPr>
+        </p:nvSpPr>
+        <p:spPr/>
+        <p:txBody>
+          <a:bodyPr/>
+          <a:lstStyle/>
+          <a:p>
+            <a:r>
+              <a:rPr lang="es-ES_tradnl" dirty="0"/>
+              <a:t>Corporización compleja</a:t>
+            </a:r>
+          </a:p>
+        </p:txBody>
+      </p:sp>
+    </p:spTree>
+    <p:extLst>
+      <p:ext uri="{BB962C8B-B14F-4D97-AF65-F5344CB8AC3E}">
+        <p14:creationId xmlns:p14="http://schemas.microsoft.com/office/powerpoint/2010/main" val="3489648632"/>
+      </p:ext>
+    </p:extLst>
+  </p:cSld>
+  <p:clrMapOvr>
+    <a:masterClrMapping/>
+  </p:clrMapOvr>
+</p:sld>
+</file>
+
+<file path=ppt/slides/slide6.xml><?xml version="1.0" encoding="utf-8"?>
+<p:sld xmlns:a="http://schemas.openxmlformats.org/drawingml/2006/main" xmlns:r="http://schemas.openxmlformats.org/officeDocument/2006/relationships" xmlns:p="http://schemas.openxmlformats.org/presentationml/2006/main">
+  <p:cSld>
+    <p:spTree>
+      <p:nvGrpSpPr>
+        <p:cNvPr id="1" name=""/>
+        <p:cNvGrpSpPr/>
+        <p:nvPr/>
+      </p:nvGrpSpPr>
+      <p:grpSpPr>
+        <a:xfrm>
+          <a:off x="0" y="0"/>
+          <a:ext cx="0" cy="0"/>
+          <a:chOff x="0" y="0"/>
+          <a:chExt cx="0" cy="0"/>
+        </a:xfrm>
+      </p:grpSpPr>
+      <p:sp>
+        <p:nvSpPr>
+          <p:cNvPr id="2" name="Title 1">
+            <a:extLst>
+              <a:ext uri="{FF2B5EF4-FFF2-40B4-BE49-F238E27FC236}">
+                <a16:creationId xmlns:a16="http://schemas.microsoft.com/office/drawing/2014/main" id="{4B5176AE-052C-9D41-A203-F4000DC4F45A}"/>
+              </a:ext>
+            </a:extLst>
+          </p:cNvPr>
+          <p:cNvSpPr>
+            <a:spLocks noGrp="1"/>
+          </p:cNvSpPr>
+          <p:nvPr>
+            <p:ph type="title"/>
+          </p:nvPr>
+        </p:nvSpPr>
+        <p:spPr/>
+        <p:txBody>
+          <a:bodyPr/>
+          <a:lstStyle/>
+          <a:p>
+            <a:r>
+              <a:rPr lang="es-ES_tradnl" dirty="0"/>
+              <a:t>Teatro = cuerpo + escena</a:t>
+            </a:r>
+          </a:p>
+        </p:txBody>
+      </p:sp>
+    </p:spTree>
+    <p:extLst>
+      <p:ext uri="{BB962C8B-B14F-4D97-AF65-F5344CB8AC3E}">
+        <p14:creationId xmlns:p14="http://schemas.microsoft.com/office/powerpoint/2010/main" val="3161099668"/>
+      </p:ext>
+    </p:extLst>
+  </p:cSld>
+  <p:clrMapOvr>
+    <a:masterClrMapping/>
+  </p:clrMapOvr>
+</p:sld>
+</file>
+
+<file path=ppt/slides/slide7.xml><?xml version="1.0" encoding="utf-8"?>
+<p:sld xmlns:a="http://schemas.openxmlformats.org/drawingml/2006/main" xmlns:r="http://schemas.openxmlformats.org/officeDocument/2006/relationships" xmlns:p="http://schemas.openxmlformats.org/presentationml/2006/main">
+  <p:cSld>
+    <p:spTree>
+      <p:nvGrpSpPr>
+        <p:cNvPr id="1" name=""/>
+        <p:cNvGrpSpPr/>
+        <p:nvPr/>
+      </p:nvGrpSpPr>
+      <p:grpSpPr>
+        <a:xfrm>
+          <a:off x="0" y="0"/>
+          <a:ext cx="0" cy="0"/>
+          <a:chOff x="0" y="0"/>
+          <a:chExt cx="0" cy="0"/>
+        </a:xfrm>
+      </p:grpSpPr>
+      <p:sp>
+        <p:nvSpPr>
+          <p:cNvPr id="2" name="Title 1">
+            <a:extLst>
+              <a:ext uri="{FF2B5EF4-FFF2-40B4-BE49-F238E27FC236}">
+                <a16:creationId xmlns:a16="http://schemas.microsoft.com/office/drawing/2014/main" id="{85E6E958-B692-554C-BB9E-10D566ADC494}"/>
+              </a:ext>
+            </a:extLst>
+          </p:cNvPr>
+          <p:cNvSpPr>
+            <a:spLocks noGrp="1"/>
+          </p:cNvSpPr>
+          <p:nvPr>
+            <p:ph type="title"/>
+          </p:nvPr>
+        </p:nvSpPr>
+        <p:spPr/>
+        <p:txBody>
+          <a:bodyPr/>
+          <a:lstStyle/>
+          <a:p>
+            <a:r>
+              <a:rPr lang="es-ES_tradnl" dirty="0"/>
+              <a:t>Enacción</a:t>
+            </a:r>
+          </a:p>
+        </p:txBody>
+      </p:sp>
+    </p:spTree>
+    <p:extLst>
+      <p:ext uri="{BB962C8B-B14F-4D97-AF65-F5344CB8AC3E}">
+        <p14:creationId xmlns:p14="http://schemas.microsoft.com/office/powerpoint/2010/main" val="4276229214"/>
+      </p:ext>
+    </p:extLst>
+  </p:cSld>
+  <p:clrMapOvr>
+    <a:masterClrMapping/>
+  </p:clrMapOvr>
+</p:sld>
+</file>
+
+<file path=ppt/slides/slide8.xml><?xml version="1.0" encoding="utf-8"?>
+<p:sld xmlns:a="http://schemas.openxmlformats.org/drawingml/2006/main" xmlns:r="http://schemas.openxmlformats.org/officeDocument/2006/relationships" xmlns:p="http://schemas.openxmlformats.org/presentationml/2006/main">
+  <p:cSld>
+    <p:spTree>
+      <p:nvGrpSpPr>
+        <p:cNvPr id="1" name=""/>
+        <p:cNvGrpSpPr/>
+        <p:nvPr/>
+      </p:nvGrpSpPr>
+      <p:grpSpPr>
+        <a:xfrm>
+          <a:off x="0" y="0"/>
+          <a:ext cx="0" cy="0"/>
+          <a:chOff x="0" y="0"/>
+          <a:chExt cx="0" cy="0"/>
+        </a:xfrm>
+      </p:grpSpPr>
+      <p:sp>
+        <p:nvSpPr>
+          <p:cNvPr id="2" name="Title 1">
+            <a:extLst>
+              <a:ext uri="{FF2B5EF4-FFF2-40B4-BE49-F238E27FC236}">
+                <a16:creationId xmlns:a16="http://schemas.microsoft.com/office/drawing/2014/main" id="{101D080F-1705-C249-8E75-3FAFB766D267}"/>
+              </a:ext>
+            </a:extLst>
+          </p:cNvPr>
+          <p:cNvSpPr>
+            <a:spLocks noGrp="1"/>
+          </p:cNvSpPr>
+          <p:nvPr>
+            <p:ph type="title"/>
+          </p:nvPr>
+        </p:nvSpPr>
+        <p:spPr/>
+        <p:txBody>
+          <a:bodyPr/>
+          <a:lstStyle/>
+          <a:p>
+            <a:r>
+              <a:rPr lang="es-ES_tradnl" dirty="0"/>
+              <a:t>Teatro</a:t>
+            </a:r>
+          </a:p>
+        </p:txBody>
+      </p:sp>
+    </p:spTree>
+    <p:extLst>
+      <p:ext uri="{BB962C8B-B14F-4D97-AF65-F5344CB8AC3E}">
+        <p14:creationId xmlns:p14="http://schemas.microsoft.com/office/powerpoint/2010/main" val="308093663"/>
+      </p:ext>
+    </p:extLst>
+  </p:cSld>
+  <p:clrMapOvr>
+    <a:masterClrMapping/>
+  </p:clrMapOvr>
+</p:sld>
+</file>
+
+<file path=ppt/slides/slide9.xml><?xml version="1.0" encoding="utf-8"?>
+<p:sld xmlns:a="http://schemas.openxmlformats.org/drawingml/2006/main" xmlns:r="http://schemas.openxmlformats.org/officeDocument/2006/relationships" xmlns:p="http://schemas.openxmlformats.org/presentationml/2006/main">
+  <p:cSld>
+    <p:spTree>
+      <p:nvGrpSpPr>
+        <p:cNvPr id="1" name=""/>
+        <p:cNvGrpSpPr/>
+        <p:nvPr/>
+      </p:nvGrpSpPr>
+      <p:grpSpPr>
+        <a:xfrm>
+          <a:off x="0" y="0"/>
+          <a:ext cx="0" cy="0"/>
+          <a:chOff x="0" y="0"/>
+          <a:chExt cx="0" cy="0"/>
+        </a:xfrm>
+      </p:grpSpPr>
+      <mc:AlternateContent xmlns:mc="http://schemas.openxmlformats.org/markup-compatibility/2006">
+        <mc:Choice xmlns:a14="http://schemas.microsoft.com/office/drawing/2010/main" Requires="a14">
+          <p:sp>
+            <p:nvSpPr>
+              <p:cNvPr id="2" name="Title 1">
+                <a:extLst>
+                  <a:ext uri="{FF2B5EF4-FFF2-40B4-BE49-F238E27FC236}">
+                    <a16:creationId xmlns:a16="http://schemas.microsoft.com/office/drawing/2014/main" id="{134F74F0-DAB8-7B4E-B752-161ADA3DD04A}"/>
+                  </a:ext>
+                </a:extLst>
+              </p:cNvPr>
+              <p:cNvSpPr>
+                <a:spLocks noGrp="1"/>
+              </p:cNvSpPr>
+              <p:nvPr>
+                <p:ph type="title"/>
+              </p:nvPr>
+            </p:nvSpPr>
+            <p:spPr/>
+            <p:txBody>
+              <a:bodyPr/>
+              <a:lstStyle/>
+              <a:p>
+                <a14:m>
+                  <m:oMathPara xmlns:m="http://schemas.openxmlformats.org/officeDocument/2006/math">
+                    <m:oMathParaPr>
+                      <m:jc m:val="centerGroup"/>
+                    </m:oMathParaPr>
+                    <m:oMath xmlns:m="http://schemas.openxmlformats.org/officeDocument/2006/math">
+                      <m:r>
+                        <a:rPr lang="es-ES" b="0" i="1" smtClean="0">
+                          <a:latin typeface="Cambria Math" panose="02040503050406030204" pitchFamily="18" charset="0"/>
+                        </a:rPr>
+                        <m:t>𝑚</m:t>
+                      </m:r>
+                      <m:r>
+                        <a:rPr lang="es-ES" i="1">
+                          <a:latin typeface="Cambria Math" panose="02040503050406030204" pitchFamily="18" charset="0"/>
+                          <a:ea typeface="Cambria Math" panose="02040503050406030204" pitchFamily="18" charset="0"/>
+                        </a:rPr>
+                        <m:t>⟺</m:t>
+                      </m:r>
+                      <m:r>
+                        <a:rPr lang="es-ES" b="0" i="1" smtClean="0">
+                          <a:latin typeface="Cambria Math" panose="02040503050406030204" pitchFamily="18" charset="0"/>
+                          <a:ea typeface="Cambria Math" panose="02040503050406030204" pitchFamily="18" charset="0"/>
+                        </a:rPr>
+                        <m:t>𝐸</m:t>
+                      </m:r>
+                    </m:oMath>
+                  </m:oMathPara>
+                </a14:m>
+                <a:endParaRPr lang="es-ES_tradnl" dirty="0"/>
+              </a:p>
+            </p:txBody>
+          </p:sp>
+        </mc:Choice>
+        <mc:Fallback>
+          <p:sp>
+            <p:nvSpPr>
+              <p:cNvPr id="2" name="Title 1">
+                <a:extLst>
+                  <a:ext uri="{FF2B5EF4-FFF2-40B4-BE49-F238E27FC236}">
+                    <a16:creationId xmlns:a16="http://schemas.microsoft.com/office/drawing/2014/main" id="{134F74F0-DAB8-7B4E-B752-161ADA3DD04A}"/>
+                  </a:ext>
+                </a:extLst>
+              </p:cNvPr>
+              <p:cNvSpPr>
+                <a:spLocks noGrp="1" noRot="1" noChangeAspect="1" noMove="1" noResize="1" noEditPoints="1" noAdjustHandles="1" noChangeArrowheads="1" noChangeShapeType="1" noTextEdit="1"/>
+              </p:cNvSpPr>
+              <p:nvPr>
+                <p:ph type="title"/>
+              </p:nvPr>
+            </p:nvSpPr>
+            <p:spPr>
+              <a:blipFill>
+                <a:blip r:embed="rId3"/>
+                <a:stretch>
+                  <a:fillRect/>
+                </a:stretch>
+              </a:blipFill>
+            </p:spPr>
+            <p:txBody>
+              <a:bodyPr/>
+              <a:lstStyle/>
+              <a:p>
+                <a:r>
+                  <a:rPr lang="es-ES_tradnl">
+                    <a:noFill/>
+                  </a:rPr>
+                  <a:t> </a:t>
+                </a:r>
+              </a:p>
+            </p:txBody>
+          </p:sp>
+        </mc:Fallback>
+      </mc:AlternateContent>
+    </p:spTree>
+    <p:extLst>
+      <p:ext uri="{BB962C8B-B14F-4D97-AF65-F5344CB8AC3E}">
+        <p14:creationId xmlns:p14="http://schemas.microsoft.com/office/powerpoint/2010/main" val="1030507657"/>
       </p:ext>
     </p:extLst>
   </p:cSld>
@@ -3070,53 +7945,18 @@
         <a:srgbClr val="954F72"/>
       </a:folHlink>
     </a:clrScheme>
-    <a:fontScheme name="Office Theme">
+    <a:fontScheme name="Franklin Gothic">
       <a:majorFont>
-        <a:latin typeface="Calibri Light" panose="020F0302020204030204"/>
+        <a:latin typeface="Franklin Gothic Medium" panose="020B0603020102020204"/>
         <a:ea typeface=""/>
         <a:cs typeface=""/>
-        <a:font script="Jpan" typeface="游ゴシック Light"/>
-        <a:font script="Hang" typeface="맑은 고딕"/>
-        <a:font script="Hans" typeface="等线 Light"/>
-        <a:font script="Hant" typeface="新細明體"/>
-        <a:font script="Arab" typeface="Times New Roman"/>
-        <a:font script="Hebr" typeface="Times New Roman"/>
-        <a:font script="Thai" typeface="Angsana New"/>
-        <a:font script="Ethi" typeface="Nyala"/>
-        <a:font script="Beng" typeface="Vrinda"/>
-        <a:font script="Gujr" typeface="Shruti"/>
-        <a:font script="Khmr" typeface="MoolBoran"/>
-        <a:font script="Knda" typeface="Tunga"/>
-        <a:font script="Guru" typeface="Raavi"/>
-        <a:font script="Cans" typeface="Euphemia"/>
-        <a:font script="Cher" typeface="Plantagenet Cherokee"/>
-        <a:font script="Yiii" typeface="Microsoft Yi Baiti"/>
-        <a:font script="Tibt" typeface="Microsoft Himalaya"/>
-        <a:font script="Thaa" typeface="MV Boli"/>
-        <a:font script="Deva" typeface="Mangal"/>
-        <a:font script="Telu" typeface="Gautami"/>
-        <a:font script="Taml" typeface="Latha"/>
-        <a:font script="Syrc" typeface="Estrangelo Edessa"/>
-        <a:font script="Orya" typeface="Kalinga"/>
-        <a:font script="Mlym" typeface="Kartika"/>
-        <a:font script="Laoo" typeface="DokChampa"/>
-        <a:font script="Sinh" typeface="Iskoola Pota"/>
-        <a:font script="Mong" typeface="Mongolian Baiti"/>
-        <a:font script="Viet" typeface="Times New Roman"/>
-        <a:font script="Uigh" typeface="Microsoft Uighur"/>
-        <a:font script="Geor" typeface="Sylfaen"/>
-      </a:majorFont>
-      <a:minorFont>
-        <a:latin typeface="Calibri" panose="020F0502020204030204"/>
-        <a:ea typeface=""/>
-        <a:cs typeface=""/>
-        <a:font script="Jpan" typeface="游ゴシック"/>
-        <a:font script="Hang" typeface="맑은 고딕"/>
-        <a:font script="Hans" typeface="等线"/>
-        <a:font script="Hant" typeface="新細明體"/>
-        <a:font script="Arab" typeface="Arial"/>
-        <a:font script="Hebr" typeface="Arial"/>
-        <a:font script="Thai" typeface="Cordia New"/>
+        <a:font script="Jpan" typeface="HG創英角ｺﾞｼｯｸUB"/>
+        <a:font script="Hang" typeface="돋움"/>
+        <a:font script="Hans" typeface="隶书"/>
+        <a:font script="Hant" typeface="微軟正黑體"/>
+        <a:font script="Arab" typeface="Tahoma"/>
+        <a:font script="Hebr" typeface="Aharoni"/>
+        <a:font script="Thai" typeface="LilyUPC"/>
         <a:font script="Ethi" typeface="Nyala"/>
         <a:font script="Beng" typeface="Vrinda"/>
         <a:font script="Gujr" typeface="Shruti"/>
@@ -3138,6 +7978,41 @@
         <a:font script="Sinh" typeface="Iskoola Pota"/>
         <a:font script="Mong" typeface="Mongolian Baiti"/>
         <a:font script="Viet" typeface="Arial"/>
+        <a:font script="Uigh" typeface="Microsoft Uighur"/>
+        <a:font script="Geor" typeface="Sylfaen"/>
+      </a:majorFont>
+      <a:minorFont>
+        <a:latin typeface="Franklin Gothic Book" panose="020B0503020102020204"/>
+        <a:ea typeface=""/>
+        <a:cs typeface=""/>
+        <a:font script="Jpan" typeface="HGｺﾞｼｯｸE"/>
+        <a:font script="Hang" typeface="돋움"/>
+        <a:font script="Hans" typeface="华文楷体"/>
+        <a:font script="Hant" typeface="微軟正黑體"/>
+        <a:font script="Arab" typeface="Tahoma"/>
+        <a:font script="Hebr" typeface="Aharoni"/>
+        <a:font script="Thai" typeface="LilyUPC"/>
+        <a:font script="Ethi" typeface="Nyala"/>
+        <a:font script="Beng" typeface="Vrinda"/>
+        <a:font script="Gujr" typeface="Shruti"/>
+        <a:font script="Khmr" typeface="DaunPenh"/>
+        <a:font script="Knda" typeface="Tunga"/>
+        <a:font script="Guru" typeface="Raavi"/>
+        <a:font script="Cans" typeface="Euphemia"/>
+        <a:font script="Cher" typeface="Plantagenet Cherokee"/>
+        <a:font script="Yiii" typeface="Microsoft Yi Baiti"/>
+        <a:font script="Tibt" typeface="Microsoft Himalaya"/>
+        <a:font script="Thaa" typeface="MV Boli"/>
+        <a:font script="Deva" typeface="Mangal"/>
+        <a:font script="Telu" typeface="Gautami"/>
+        <a:font script="Taml" typeface="Latha"/>
+        <a:font script="Syrc" typeface="Estrangelo Edessa"/>
+        <a:font script="Orya" typeface="Kalinga"/>
+        <a:font script="Mlym" typeface="Kartika"/>
+        <a:font script="Laoo" typeface="DokChampa"/>
+        <a:font script="Sinh" typeface="Iskoola Pota"/>
+        <a:font script="Mong" typeface="Mongolian Baiti"/>
+        <a:font script="Viet" typeface="Tahoma"/>
         <a:font script="Uigh" typeface="Microsoft Uighur"/>
         <a:font script="Geor" typeface="Sylfaen"/>
       </a:minorFont>
@@ -3288,4 +8163,299 @@
     </a:ext>
   </a:extLst>
 </a:theme>
+</file>
+
+<file path=ppt/theme/theme2.xml><?xml version="1.0" encoding="utf-8"?>
+<a:theme xmlns:a="http://schemas.openxmlformats.org/drawingml/2006/main" name="Office Theme">
+  <a:themeElements>
+    <a:clrScheme name="Office">
+      <a:dk1>
+        <a:sysClr val="windowText" lastClr="000000"/>
+      </a:dk1>
+      <a:lt1>
+        <a:sysClr val="window" lastClr="FFFFFF"/>
+      </a:lt1>
+      <a:dk2>
+        <a:srgbClr val="44546A"/>
+      </a:dk2>
+      <a:lt2>
+        <a:srgbClr val="E7E6E6"/>
+      </a:lt2>
+      <a:accent1>
+        <a:srgbClr val="4472C4"/>
+      </a:accent1>
+      <a:accent2>
+        <a:srgbClr val="ED7D31"/>
+      </a:accent2>
+      <a:accent3>
+        <a:srgbClr val="A5A5A5"/>
+      </a:accent3>
+      <a:accent4>
+        <a:srgbClr val="FFC000"/>
+      </a:accent4>
+      <a:accent5>
+        <a:srgbClr val="5B9BD5"/>
+      </a:accent5>
+      <a:accent6>
+        <a:srgbClr val="70AD47"/>
+      </a:accent6>
+      <a:hlink>
+        <a:srgbClr val="0563C1"/>
+      </a:hlink>
+      <a:folHlink>
+        <a:srgbClr val="954F72"/>
+      </a:folHlink>
+    </a:clrScheme>
+    <a:fontScheme name="Office">
+      <a:majorFont>
+        <a:latin typeface="Calibri Light" panose="020F0302020204030204"/>
+        <a:ea typeface=""/>
+        <a:cs typeface=""/>
+        <a:font script="Jpan" typeface="游ゴシック Light"/>
+        <a:font script="Hang" typeface="맑은 고딕"/>
+        <a:font script="Hans" typeface="等线 Light"/>
+        <a:font script="Hant" typeface="新細明體"/>
+        <a:font script="Arab" typeface="Times New Roman"/>
+        <a:font script="Hebr" typeface="Times New Roman"/>
+        <a:font script="Thai" typeface="Angsana New"/>
+        <a:font script="Ethi" typeface="Nyala"/>
+        <a:font script="Beng" typeface="Vrinda"/>
+        <a:font script="Gujr" typeface="Shruti"/>
+        <a:font script="Khmr" typeface="MoolBoran"/>
+        <a:font script="Knda" typeface="Tunga"/>
+        <a:font script="Guru" typeface="Raavi"/>
+        <a:font script="Cans" typeface="Euphemia"/>
+        <a:font script="Cher" typeface="Plantagenet Cherokee"/>
+        <a:font script="Yiii" typeface="Microsoft Yi Baiti"/>
+        <a:font script="Tibt" typeface="Microsoft Himalaya"/>
+        <a:font script="Thaa" typeface="MV Boli"/>
+        <a:font script="Deva" typeface="Mangal"/>
+        <a:font script="Telu" typeface="Gautami"/>
+        <a:font script="Taml" typeface="Latha"/>
+        <a:font script="Syrc" typeface="Estrangelo Edessa"/>
+        <a:font script="Orya" typeface="Kalinga"/>
+        <a:font script="Mlym" typeface="Kartika"/>
+        <a:font script="Laoo" typeface="DokChampa"/>
+        <a:font script="Sinh" typeface="Iskoola Pota"/>
+        <a:font script="Mong" typeface="Mongolian Baiti"/>
+        <a:font script="Viet" typeface="Times New Roman"/>
+        <a:font script="Uigh" typeface="Microsoft Uighur"/>
+        <a:font script="Geor" typeface="Sylfaen"/>
+        <a:font script="Armn" typeface="Arial"/>
+        <a:font script="Bugi" typeface="Leelawadee UI"/>
+        <a:font script="Bopo" typeface="Microsoft JhengHei"/>
+        <a:font script="Java" typeface="Javanese Text"/>
+        <a:font script="Lisu" typeface="Segoe UI"/>
+        <a:font script="Mymr" typeface="Myanmar Text"/>
+        <a:font script="Nkoo" typeface="Ebrima"/>
+        <a:font script="Olck" typeface="Nirmala UI"/>
+        <a:font script="Osma" typeface="Ebrima"/>
+        <a:font script="Phag" typeface="Phagspa"/>
+        <a:font script="Syrn" typeface="Estrangelo Edessa"/>
+        <a:font script="Syrj" typeface="Estrangelo Edessa"/>
+        <a:font script="Syre" typeface="Estrangelo Edessa"/>
+        <a:font script="Sora" typeface="Nirmala UI"/>
+        <a:font script="Tale" typeface="Microsoft Tai Le"/>
+        <a:font script="Talu" typeface="Microsoft New Tai Lue"/>
+        <a:font script="Tfng" typeface="Ebrima"/>
+      </a:majorFont>
+      <a:minorFont>
+        <a:latin typeface="Calibri" panose="020F0502020204030204"/>
+        <a:ea typeface=""/>
+        <a:cs typeface=""/>
+        <a:font script="Jpan" typeface="游ゴシック"/>
+        <a:font script="Hang" typeface="맑은 고딕"/>
+        <a:font script="Hans" typeface="等线"/>
+        <a:font script="Hant" typeface="新細明體"/>
+        <a:font script="Arab" typeface="Arial"/>
+        <a:font script="Hebr" typeface="Arial"/>
+        <a:font script="Thai" typeface="Cordia New"/>
+        <a:font script="Ethi" typeface="Nyala"/>
+        <a:font script="Beng" typeface="Vrinda"/>
+        <a:font script="Gujr" typeface="Shruti"/>
+        <a:font script="Khmr" typeface="DaunPenh"/>
+        <a:font script="Knda" typeface="Tunga"/>
+        <a:font script="Guru" typeface="Raavi"/>
+        <a:font script="Cans" typeface="Euphemia"/>
+        <a:font script="Cher" typeface="Plantagenet Cherokee"/>
+        <a:font script="Yiii" typeface="Microsoft Yi Baiti"/>
+        <a:font script="Tibt" typeface="Microsoft Himalaya"/>
+        <a:font script="Thaa" typeface="MV Boli"/>
+        <a:font script="Deva" typeface="Mangal"/>
+        <a:font script="Telu" typeface="Gautami"/>
+        <a:font script="Taml" typeface="Latha"/>
+        <a:font script="Syrc" typeface="Estrangelo Edessa"/>
+        <a:font script="Orya" typeface="Kalinga"/>
+        <a:font script="Mlym" typeface="Kartika"/>
+        <a:font script="Laoo" typeface="DokChampa"/>
+        <a:font script="Sinh" typeface="Iskoola Pota"/>
+        <a:font script="Mong" typeface="Mongolian Baiti"/>
+        <a:font script="Viet" typeface="Arial"/>
+        <a:font script="Uigh" typeface="Microsoft Uighur"/>
+        <a:font script="Geor" typeface="Sylfaen"/>
+        <a:font script="Armn" typeface="Arial"/>
+        <a:font script="Bugi" typeface="Leelawadee UI"/>
+        <a:font script="Bopo" typeface="Microsoft JhengHei"/>
+        <a:font script="Java" typeface="Javanese Text"/>
+        <a:font script="Lisu" typeface="Segoe UI"/>
+        <a:font script="Mymr" typeface="Myanmar Text"/>
+        <a:font script="Nkoo" typeface="Ebrima"/>
+        <a:font script="Olck" typeface="Nirmala UI"/>
+        <a:font script="Osma" typeface="Ebrima"/>
+        <a:font script="Phag" typeface="Phagspa"/>
+        <a:font script="Syrn" typeface="Estrangelo Edessa"/>
+        <a:font script="Syrj" typeface="Estrangelo Edessa"/>
+        <a:font script="Syre" typeface="Estrangelo Edessa"/>
+        <a:font script="Sora" typeface="Nirmala UI"/>
+        <a:font script="Tale" typeface="Microsoft Tai Le"/>
+        <a:font script="Talu" typeface="Microsoft New Tai Lue"/>
+        <a:font script="Tfng" typeface="Ebrima"/>
+      </a:minorFont>
+    </a:fontScheme>
+    <a:fmtScheme name="Office">
+      <a:fillStyleLst>
+        <a:solidFill>
+          <a:schemeClr val="phClr"/>
+        </a:solidFill>
+        <a:gradFill rotWithShape="1">
+          <a:gsLst>
+            <a:gs pos="0">
+              <a:schemeClr val="phClr">
+                <a:lumMod val="110000"/>
+                <a:satMod val="105000"/>
+                <a:tint val="67000"/>
+              </a:schemeClr>
+            </a:gs>
+            <a:gs pos="50000">
+              <a:schemeClr val="phClr">
+                <a:lumMod val="105000"/>
+                <a:satMod val="103000"/>
+                <a:tint val="73000"/>
+              </a:schemeClr>
+            </a:gs>
+            <a:gs pos="100000">
+              <a:schemeClr val="phClr">
+                <a:lumMod val="105000"/>
+                <a:satMod val="109000"/>
+                <a:tint val="81000"/>
+              </a:schemeClr>
+            </a:gs>
+          </a:gsLst>
+          <a:lin ang="5400000" scaled="0"/>
+        </a:gradFill>
+        <a:gradFill rotWithShape="1">
+          <a:gsLst>
+            <a:gs pos="0">
+              <a:schemeClr val="phClr">
+                <a:satMod val="103000"/>
+                <a:lumMod val="102000"/>
+                <a:tint val="94000"/>
+              </a:schemeClr>
+            </a:gs>
+            <a:gs pos="50000">
+              <a:schemeClr val="phClr">
+                <a:satMod val="110000"/>
+                <a:lumMod val="100000"/>
+                <a:shade val="100000"/>
+              </a:schemeClr>
+            </a:gs>
+            <a:gs pos="100000">
+              <a:schemeClr val="phClr">
+                <a:lumMod val="99000"/>
+                <a:satMod val="120000"/>
+                <a:shade val="78000"/>
+              </a:schemeClr>
+            </a:gs>
+          </a:gsLst>
+          <a:lin ang="5400000" scaled="0"/>
+        </a:gradFill>
+      </a:fillStyleLst>
+      <a:lnStyleLst>
+        <a:ln w="6350" cap="flat" cmpd="sng" algn="ctr">
+          <a:solidFill>
+            <a:schemeClr val="phClr"/>
+          </a:solidFill>
+          <a:prstDash val="solid"/>
+          <a:miter lim="800000"/>
+        </a:ln>
+        <a:ln w="12700" cap="flat" cmpd="sng" algn="ctr">
+          <a:solidFill>
+            <a:schemeClr val="phClr"/>
+          </a:solidFill>
+          <a:prstDash val="solid"/>
+          <a:miter lim="800000"/>
+        </a:ln>
+        <a:ln w="19050" cap="flat" cmpd="sng" algn="ctr">
+          <a:solidFill>
+            <a:schemeClr val="phClr"/>
+          </a:solidFill>
+          <a:prstDash val="solid"/>
+          <a:miter lim="800000"/>
+        </a:ln>
+      </a:lnStyleLst>
+      <a:effectStyleLst>
+        <a:effectStyle>
+          <a:effectLst/>
+        </a:effectStyle>
+        <a:effectStyle>
+          <a:effectLst/>
+        </a:effectStyle>
+        <a:effectStyle>
+          <a:effectLst>
+            <a:outerShdw blurRad="57150" dist="19050" dir="5400000" algn="ctr" rotWithShape="0">
+              <a:srgbClr val="000000">
+                <a:alpha val="63000"/>
+              </a:srgbClr>
+            </a:outerShdw>
+          </a:effectLst>
+        </a:effectStyle>
+      </a:effectStyleLst>
+      <a:bgFillStyleLst>
+        <a:solidFill>
+          <a:schemeClr val="phClr"/>
+        </a:solidFill>
+        <a:solidFill>
+          <a:schemeClr val="phClr">
+            <a:tint val="95000"/>
+            <a:satMod val="170000"/>
+          </a:schemeClr>
+        </a:solidFill>
+        <a:gradFill rotWithShape="1">
+          <a:gsLst>
+            <a:gs pos="0">
+              <a:schemeClr val="phClr">
+                <a:tint val="93000"/>
+                <a:satMod val="150000"/>
+                <a:shade val="98000"/>
+                <a:lumMod val="102000"/>
+              </a:schemeClr>
+            </a:gs>
+            <a:gs pos="50000">
+              <a:schemeClr val="phClr">
+                <a:tint val="98000"/>
+                <a:satMod val="130000"/>
+                <a:shade val="90000"/>
+                <a:lumMod val="103000"/>
+              </a:schemeClr>
+            </a:gs>
+            <a:gs pos="100000">
+              <a:schemeClr val="phClr">
+                <a:shade val="63000"/>
+                <a:satMod val="120000"/>
+              </a:schemeClr>
+            </a:gs>
+          </a:gsLst>
+          <a:lin ang="5400000" scaled="0"/>
+        </a:gradFill>
+      </a:bgFillStyleLst>
+    </a:fmtScheme>
+  </a:themeElements>
+  <a:objectDefaults/>
+  <a:extraClrSchemeLst/>
+  <a:extLst>
+    <a:ext uri="{05A4C25C-085E-4340-85A3-A5531E510DB2}">
+      <thm15:themeFamily xmlns:thm15="http://schemas.microsoft.com/office/thememl/2012/main" name="Office Theme" id="{62F939B6-93AF-4DB8-9C6B-D6C7DFDC589F}" vid="{4A3C46E8-61CC-4603-A589-7422A47A8E4A}"/>
+    </a:ext>
+  </a:extLst>
+</a:theme>
 </file>
--- a/powerpoint/tres-lemas.pptx
+++ b/powerpoint/tres-lemas.pptx
@@ -5,29 +5,34 @@
     <p:sldMasterId id="2147483660" r:id="rId1"/>
   </p:sldMasterIdLst>
   <p:notesMasterIdLst>
-    <p:notesMasterId r:id="rId22"/>
+    <p:notesMasterId r:id="rId27"/>
   </p:notesMasterIdLst>
   <p:sldIdLst>
     <p:sldId id="256" r:id="rId2"/>
     <p:sldId id="257" r:id="rId3"/>
-    <p:sldId id="260" r:id="rId4"/>
-    <p:sldId id="261" r:id="rId5"/>
-    <p:sldId id="263" r:id="rId6"/>
-    <p:sldId id="278" r:id="rId7"/>
-    <p:sldId id="264" r:id="rId8"/>
-    <p:sldId id="265" r:id="rId9"/>
-    <p:sldId id="266" r:id="rId10"/>
-    <p:sldId id="259" r:id="rId11"/>
-    <p:sldId id="267" r:id="rId12"/>
-    <p:sldId id="268" r:id="rId13"/>
-    <p:sldId id="269" r:id="rId14"/>
-    <p:sldId id="270" r:id="rId15"/>
-    <p:sldId id="271" r:id="rId16"/>
-    <p:sldId id="273" r:id="rId17"/>
-    <p:sldId id="274" r:id="rId18"/>
-    <p:sldId id="275" r:id="rId19"/>
-    <p:sldId id="276" r:id="rId20"/>
-    <p:sldId id="277" r:id="rId21"/>
+    <p:sldId id="261" r:id="rId4"/>
+    <p:sldId id="263" r:id="rId5"/>
+    <p:sldId id="278" r:id="rId6"/>
+    <p:sldId id="264" r:id="rId7"/>
+    <p:sldId id="265" r:id="rId8"/>
+    <p:sldId id="260" r:id="rId9"/>
+    <p:sldId id="279" r:id="rId10"/>
+    <p:sldId id="280" r:id="rId11"/>
+    <p:sldId id="282" r:id="rId12"/>
+    <p:sldId id="281" r:id="rId13"/>
+    <p:sldId id="283" r:id="rId14"/>
+    <p:sldId id="284" r:id="rId15"/>
+    <p:sldId id="267" r:id="rId16"/>
+    <p:sldId id="285" r:id="rId17"/>
+    <p:sldId id="268" r:id="rId18"/>
+    <p:sldId id="269" r:id="rId19"/>
+    <p:sldId id="270" r:id="rId20"/>
+    <p:sldId id="271" r:id="rId21"/>
+    <p:sldId id="273" r:id="rId22"/>
+    <p:sldId id="274" r:id="rId23"/>
+    <p:sldId id="275" r:id="rId24"/>
+    <p:sldId id="276" r:id="rId25"/>
+    <p:sldId id="277" r:id="rId26"/>
   </p:sldIdLst>
   <p:sldSz cx="9144000" cy="6858000" type="screen4x3"/>
   <p:notesSz cx="6858000" cy="9144000"/>
@@ -612,13 +617,21 @@
           <a:p>
             <a:r>
               <a:rPr lang="es-ES_tradnl" dirty="0"/>
-              <a:t>1’</a:t>
+              <a:t>2’</a:t>
             </a:r>
           </a:p>
           <a:p>
             <a:r>
               <a:rPr lang="es-ES_tradnl" dirty="0"/>
-              <a:t>Pánico escénico, pérdida de control, inmovilidad</a:t>
+              <a:t>Esta metáfora de proceso artístico como movimiento en un espacio de creación artística está ligada con el rol del movimiento en el desarrollo de los organismos vivos en general y del ser humano en particular. De vuelta en el contexto de la </a:t>
+            </a:r>
+            <a:r>
+              <a:rPr lang="es-ES_tradnl" dirty="0" err="1"/>
+              <a:t>enacción</a:t>
+            </a:r>
+            <a:r>
+              <a:rPr lang="es-ES_tradnl" dirty="0"/>
+              <a:t>, el movimiento es central en la cognición, pensamos por que nos movemos, y al movernos creamos nuestro espacio. </a:t>
             </a:r>
           </a:p>
         </p:txBody>
@@ -649,7 +662,7 @@
     </p:spTree>
     <p:extLst>
       <p:ext uri="{BB962C8B-B14F-4D97-AF65-F5344CB8AC3E}">
-        <p14:creationId xmlns:p14="http://schemas.microsoft.com/office/powerpoint/2010/main" val="3670933701"/>
+        <p14:creationId xmlns:p14="http://schemas.microsoft.com/office/powerpoint/2010/main" val="1959223954"/>
       </p:ext>
     </p:extLst>
   </p:cSld>
@@ -705,13 +718,33 @@
           <a:p>
             <a:r>
               <a:rPr lang="es-ES_tradnl" dirty="0"/>
-              <a:t>1’</a:t>
-            </a:r>
-          </a:p>
-          <a:p>
+              <a:t>2’</a:t>
+            </a:r>
+          </a:p>
+          <a:p>
+            <a:r>
+              <a:rPr lang="es-ES_tradnl" dirty="0" err="1"/>
+              <a:t>Maxine</a:t>
+            </a:r>
             <a:r>
               <a:rPr lang="es-ES_tradnl" dirty="0"/>
-              <a:t>El movimiento interior es inversamente proporcional al pánico</a:t>
+              <a:t> </a:t>
+            </a:r>
+            <a:r>
+              <a:rPr lang="es-ES_tradnl" dirty="0" err="1"/>
+              <a:t>Sheets-Johnstone</a:t>
+            </a:r>
+            <a:r>
+              <a:rPr lang="es-ES_tradnl" dirty="0"/>
+              <a:t> dice que el “espacio experiencial no tiene nada que ver con distancias medidas o medibles sino que es una dimensión del movimiento mismo”. El espacio no es un contenedor en el que estamos metidos sino que es un espacio dinámico y creado </a:t>
+            </a:r>
+            <a:r>
+              <a:rPr lang="es-ES_tradnl" dirty="0" err="1"/>
+              <a:t>kinestésicamente</a:t>
+            </a:r>
+            <a:r>
+              <a:rPr lang="es-ES_tradnl" dirty="0"/>
+              <a:t>, y que además influye en la gama de movimientos posibles.</a:t>
             </a:r>
           </a:p>
         </p:txBody>
@@ -742,7 +775,7 @@
     </p:spTree>
     <p:extLst>
       <p:ext uri="{BB962C8B-B14F-4D97-AF65-F5344CB8AC3E}">
-        <p14:creationId xmlns:p14="http://schemas.microsoft.com/office/powerpoint/2010/main" val="4074660542"/>
+        <p14:creationId xmlns:p14="http://schemas.microsoft.com/office/powerpoint/2010/main" val="3870525279"/>
       </p:ext>
     </p:extLst>
   </p:cSld>
@@ -796,32 +829,15 @@
           <a:bodyPr/>
           <a:lstStyle/>
           <a:p>
-            <a:pPr marL="0" marR="0" lvl="0" indent="0" algn="l" defTabSz="914400" rtl="0" eaLnBrk="1" fontAlgn="auto" latinLnBrk="0" hangingPunct="1">
-              <a:lnSpc>
-                <a:spcPct val="100000"/>
-              </a:lnSpc>
-              <a:spcBef>
-                <a:spcPts val="0"/>
-              </a:spcBef>
-              <a:spcAft>
-                <a:spcPts val="0"/>
-              </a:spcAft>
-              <a:buClrTx/>
-              <a:buSzTx/>
-              <a:buFontTx/>
-              <a:buNone/>
-              <a:tabLst/>
-              <a:defRPr/>
-            </a:pPr>
             <a:r>
               <a:rPr lang="es-ES_tradnl" dirty="0"/>
-              <a:t>1’</a:t>
+              <a:t>2’</a:t>
             </a:r>
           </a:p>
           <a:p>
             <a:r>
               <a:rPr lang="es-ES_tradnl" dirty="0"/>
-              <a:t>Mark Johnson y las metáforas del movimiento en la música</a:t>
+              <a:t>Este es el Axioma 1: el movimiento crea el espacio y el espacio abre posibilidades de movimiento.</a:t>
             </a:r>
           </a:p>
         </p:txBody>
@@ -852,7 +868,7 @@
     </p:spTree>
     <p:extLst>
       <p:ext uri="{BB962C8B-B14F-4D97-AF65-F5344CB8AC3E}">
-        <p14:creationId xmlns:p14="http://schemas.microsoft.com/office/powerpoint/2010/main" val="2101713933"/>
+        <p14:creationId xmlns:p14="http://schemas.microsoft.com/office/powerpoint/2010/main" val="1746376446"/>
       </p:ext>
     </p:extLst>
   </p:cSld>
@@ -906,33 +922,19 @@
           <a:bodyPr/>
           <a:lstStyle/>
           <a:p>
-            <a:pPr marL="0" marR="0" lvl="0" indent="0" algn="l" defTabSz="914400" rtl="0" eaLnBrk="1" fontAlgn="auto" latinLnBrk="0" hangingPunct="1">
-              <a:lnSpc>
-                <a:spcPct val="100000"/>
-              </a:lnSpc>
-              <a:spcBef>
-                <a:spcPts val="0"/>
-              </a:spcBef>
-              <a:spcAft>
-                <a:spcPts val="0"/>
-              </a:spcAft>
-              <a:buClrTx/>
-              <a:buSzTx/>
-              <a:buFontTx/>
-              <a:buNone/>
-              <a:tabLst/>
-              <a:defRPr/>
-            </a:pPr>
             <a:r>
               <a:rPr lang="es-ES_tradnl" dirty="0"/>
-              <a:t>1’</a:t>
+              <a:t>2’</a:t>
             </a:r>
           </a:p>
           <a:p>
             <a:r>
               <a:rPr lang="es-ES_tradnl" dirty="0"/>
-              <a:t>El movimiento interior es directamente proporcional a la música</a:t>
-            </a:r>
+              <a:t>Entonces, podemos pensar en nuestra experiencia subjetiva individual consciente como una serie de movimientos en un espacio interior, contexto en el que seguir nuestros pensamientos implica un desplazamiento concreto en ese espacio, contexto en el que la reflexión asociada con la creación artística es un movimiento en ese espacio</a:t>
+            </a:r>
+          </a:p>
+          <a:p>
+            <a:endParaRPr lang="es-ES_tradnl" dirty="0"/>
           </a:p>
         </p:txBody>
       </p:sp>
@@ -962,7 +964,7 @@
     </p:spTree>
     <p:extLst>
       <p:ext uri="{BB962C8B-B14F-4D97-AF65-F5344CB8AC3E}">
-        <p14:creationId xmlns:p14="http://schemas.microsoft.com/office/powerpoint/2010/main" val="2119351126"/>
+        <p14:creationId xmlns:p14="http://schemas.microsoft.com/office/powerpoint/2010/main" val="1151099861"/>
       </p:ext>
     </p:extLst>
   </p:cSld>
@@ -1016,40 +1018,266 @@
           <a:bodyPr/>
           <a:lstStyle/>
           <a:p>
-            <a:pPr marL="0" marR="0" lvl="0" indent="0" algn="l" defTabSz="914400" rtl="0" eaLnBrk="1" fontAlgn="auto" latinLnBrk="0" hangingPunct="1">
-              <a:lnSpc>
-                <a:spcPct val="100000"/>
-              </a:lnSpc>
-              <a:spcBef>
-                <a:spcPts val="0"/>
-              </a:spcBef>
-              <a:spcAft>
-                <a:spcPts val="0"/>
-              </a:spcAft>
-              <a:buClrTx/>
-              <a:buSzTx/>
-              <a:buFontTx/>
-              <a:buNone/>
-              <a:tabLst/>
-              <a:defRPr/>
-            </a:pPr>
             <a:r>
               <a:rPr lang="es-ES_tradnl" dirty="0"/>
-              <a:t>1’</a:t>
-            </a:r>
+              <a:t>Dado que el axioma 1 implica que el espacio es dinámico, y que movimiento y espacio son interdependientes, cabe preguntarse qué pasa entonces con las restricciones al movimiento o las limitaciones al espacio. En una de nuestras conversaciones, Alberto mencionó el tema del pánico escénico y que le interesa trabajar desde ahí. Este pánico nos remite a una pérdida de control, a una pérdida de movimiento. </a:t>
+            </a:r>
+          </a:p>
+          <a:p>
+            <a:endParaRPr lang="es-ES_tradnl" dirty="0"/>
           </a:p>
           <a:p>
             <a:r>
               <a:rPr lang="es-ES_tradnl" dirty="0"/>
-              <a:t>La “danza microscópica” de Lepecki, función kinestésica, </a:t>
+              <a:t>Pánico escénico, pérdida de control, inmovilidad, ”</a:t>
             </a:r>
             <a:r>
               <a:rPr lang="es-ES_tradnl" dirty="0" err="1"/>
-              <a:t>correlata</a:t>
+              <a:t>torn</a:t>
             </a:r>
             <a:r>
               <a:rPr lang="es-ES_tradnl" dirty="0"/>
-              <a:t> corporal del movimiento interior</a:t>
+              <a:t> </a:t>
+            </a:r>
+            <a:r>
+              <a:rPr lang="es-ES_tradnl" dirty="0" err="1"/>
+              <a:t>from</a:t>
+            </a:r>
+            <a:r>
+              <a:rPr lang="es-ES_tradnl" dirty="0"/>
+              <a:t> </a:t>
+            </a:r>
+            <a:r>
+              <a:rPr lang="es-ES_tradnl" dirty="0" err="1"/>
+              <a:t>all</a:t>
+            </a:r>
+            <a:r>
+              <a:rPr lang="es-ES_tradnl" dirty="0"/>
+              <a:t> </a:t>
+            </a:r>
+            <a:r>
+              <a:rPr lang="es-ES_tradnl" dirty="0" err="1"/>
+              <a:t>the</a:t>
+            </a:r>
+            <a:r>
+              <a:rPr lang="es-ES_tradnl" dirty="0"/>
+              <a:t> </a:t>
+            </a:r>
+            <a:r>
+              <a:rPr lang="es-ES_tradnl" dirty="0" err="1"/>
+              <a:t>basic</a:t>
+            </a:r>
+            <a:r>
+              <a:rPr lang="es-ES_tradnl" dirty="0"/>
+              <a:t> </a:t>
+            </a:r>
+            <a:r>
+              <a:rPr lang="es-ES_tradnl" dirty="0" err="1"/>
+              <a:t>things</a:t>
+            </a:r>
+            <a:r>
+              <a:rPr lang="es-ES_tradnl" dirty="0"/>
+              <a:t> in </a:t>
+            </a:r>
+            <a:r>
+              <a:rPr lang="es-ES_tradnl" dirty="0" err="1"/>
+              <a:t>which</a:t>
+            </a:r>
+            <a:r>
+              <a:rPr lang="es-ES_tradnl" dirty="0"/>
+              <a:t> he </a:t>
+            </a:r>
+            <a:r>
+              <a:rPr lang="es-ES_tradnl" dirty="0" err="1"/>
+              <a:t>experiences</a:t>
+            </a:r>
+            <a:r>
+              <a:rPr lang="es-ES_tradnl" dirty="0"/>
+              <a:t> </a:t>
+            </a:r>
+            <a:r>
+              <a:rPr lang="es-ES_tradnl" dirty="0" err="1"/>
+              <a:t>himself</a:t>
+            </a:r>
+            <a:r>
+              <a:rPr lang="es-ES_tradnl" dirty="0"/>
+              <a:t> as </a:t>
+            </a:r>
+            <a:r>
+              <a:rPr lang="es-ES_tradnl" dirty="0" err="1"/>
+              <a:t>sentient</a:t>
+            </a:r>
+            <a:r>
+              <a:rPr lang="es-ES_tradnl" dirty="0"/>
+              <a:t> and </a:t>
+            </a:r>
+            <a:r>
+              <a:rPr lang="es-ES_tradnl" dirty="0" err="1"/>
+              <a:t>conscious</a:t>
+            </a:r>
+            <a:r>
+              <a:rPr lang="es-ES_tradnl" dirty="0"/>
+              <a:t>- </a:t>
+            </a:r>
+            <a:r>
+              <a:rPr lang="es-ES_tradnl" dirty="0" err="1"/>
+              <a:t>breath</a:t>
+            </a:r>
+            <a:r>
+              <a:rPr lang="es-ES_tradnl" dirty="0"/>
+              <a:t>, </a:t>
+            </a:r>
+            <a:r>
+              <a:rPr lang="es-ES_tradnl" dirty="0" err="1"/>
+              <a:t>speech</a:t>
+            </a:r>
+            <a:r>
+              <a:rPr lang="es-ES_tradnl" dirty="0"/>
+              <a:t>, </a:t>
+            </a:r>
+            <a:r>
+              <a:rPr lang="es-ES_tradnl" dirty="0" err="1"/>
+              <a:t>movement</a:t>
+            </a:r>
+            <a:r>
+              <a:rPr lang="es-ES_tradnl" dirty="0"/>
+              <a:t>- </a:t>
+            </a:r>
+            <a:r>
+              <a:rPr lang="es-ES_tradnl" dirty="0" err="1"/>
+              <a:t>his</a:t>
+            </a:r>
+            <a:r>
+              <a:rPr lang="es-ES_tradnl" dirty="0"/>
+              <a:t> </a:t>
+            </a:r>
+            <a:r>
+              <a:rPr lang="es-ES_tradnl" dirty="0" err="1"/>
+              <a:t>hepless</a:t>
+            </a:r>
+            <a:r>
+              <a:rPr lang="es-ES_tradnl" dirty="0"/>
+              <a:t> </a:t>
+            </a:r>
+            <a:r>
+              <a:rPr lang="es-ES_tradnl" dirty="0" err="1"/>
+              <a:t>rage</a:t>
+            </a:r>
+            <a:r>
+              <a:rPr lang="es-ES_tradnl" dirty="0"/>
+              <a:t> </a:t>
+            </a:r>
+            <a:r>
+              <a:rPr lang="es-ES_tradnl" dirty="0" err="1"/>
+              <a:t>allows</a:t>
+            </a:r>
+            <a:r>
+              <a:rPr lang="es-ES_tradnl" dirty="0"/>
+              <a:t> </a:t>
+            </a:r>
+            <a:r>
+              <a:rPr lang="es-ES_tradnl" dirty="0" err="1"/>
+              <a:t>him</a:t>
+            </a:r>
+            <a:r>
+              <a:rPr lang="es-ES_tradnl" dirty="0"/>
+              <a:t> tu </a:t>
+            </a:r>
+            <a:r>
+              <a:rPr lang="es-ES_tradnl" dirty="0" err="1"/>
+              <a:t>cut</a:t>
+            </a:r>
+            <a:r>
+              <a:rPr lang="es-ES_tradnl" dirty="0"/>
+              <a:t> lose”… ”</a:t>
+            </a:r>
+            <a:r>
+              <a:rPr lang="es-ES_tradnl" dirty="0" err="1"/>
+              <a:t>catastrophe</a:t>
+            </a:r>
+            <a:r>
+              <a:rPr lang="es-ES_tradnl" dirty="0"/>
+              <a:t>, </a:t>
+            </a:r>
+            <a:r>
+              <a:rPr lang="es-ES_tradnl" dirty="0" err="1"/>
+              <a:t>paralysis</a:t>
+            </a:r>
+            <a:r>
+              <a:rPr lang="es-ES_tradnl" dirty="0"/>
+              <a:t>, </a:t>
+            </a:r>
+            <a:r>
+              <a:rPr lang="es-ES_tradnl" dirty="0" err="1"/>
+              <a:t>fear</a:t>
+            </a:r>
+            <a:r>
+              <a:rPr lang="es-ES_tradnl" dirty="0"/>
+              <a:t> are </a:t>
+            </a:r>
+            <a:r>
+              <a:rPr lang="es-ES_tradnl" dirty="0" err="1"/>
+              <a:t>prerequisities</a:t>
+            </a:r>
+            <a:r>
+              <a:rPr lang="es-ES_tradnl" dirty="0"/>
+              <a:t> </a:t>
+            </a:r>
+            <a:r>
+              <a:rPr lang="es-ES_tradnl" dirty="0" err="1"/>
+              <a:t>for</a:t>
+            </a:r>
+            <a:r>
+              <a:rPr lang="es-ES_tradnl" dirty="0"/>
+              <a:t> </a:t>
+            </a:r>
+            <a:r>
+              <a:rPr lang="es-ES_tradnl" dirty="0" err="1"/>
+              <a:t>the</a:t>
+            </a:r>
+            <a:r>
+              <a:rPr lang="es-ES_tradnl" dirty="0"/>
+              <a:t> </a:t>
+            </a:r>
+            <a:r>
+              <a:rPr lang="es-ES_tradnl" dirty="0" err="1"/>
+              <a:t>truthful</a:t>
+            </a:r>
+            <a:r>
+              <a:rPr lang="es-ES_tradnl" dirty="0"/>
+              <a:t> </a:t>
+            </a:r>
+            <a:r>
+              <a:rPr lang="es-ES_tradnl" dirty="0" err="1"/>
+              <a:t>presentation</a:t>
+            </a:r>
+            <a:r>
+              <a:rPr lang="es-ES_tradnl" dirty="0"/>
+              <a:t> of human </a:t>
+            </a:r>
+            <a:r>
+              <a:rPr lang="es-ES_tradnl" dirty="0" err="1"/>
+              <a:t>emotion</a:t>
+            </a:r>
+            <a:r>
+              <a:rPr lang="es-ES_tradnl" dirty="0"/>
+              <a:t> in </a:t>
+            </a:r>
+            <a:r>
+              <a:rPr lang="es-ES_tradnl" dirty="0" err="1"/>
+              <a:t>the</a:t>
+            </a:r>
+            <a:r>
+              <a:rPr lang="es-ES_tradnl" dirty="0"/>
+              <a:t> </a:t>
+            </a:r>
+            <a:r>
+              <a:rPr lang="es-ES_tradnl" dirty="0" err="1"/>
+              <a:t>theatre</a:t>
+            </a:r>
+            <a:r>
+              <a:rPr lang="es-ES_tradnl" dirty="0"/>
+              <a:t>”</a:t>
             </a:r>
           </a:p>
         </p:txBody>
@@ -1080,7 +1308,7 @@
     </p:spTree>
     <p:extLst>
       <p:ext uri="{BB962C8B-B14F-4D97-AF65-F5344CB8AC3E}">
-        <p14:creationId xmlns:p14="http://schemas.microsoft.com/office/powerpoint/2010/main" val="2146339274"/>
+        <p14:creationId xmlns:p14="http://schemas.microsoft.com/office/powerpoint/2010/main" val="3670933701"/>
       </p:ext>
     </p:extLst>
   </p:cSld>
@@ -1153,13 +1381,7 @@
             </a:pPr>
             <a:r>
               <a:rPr lang="es-ES_tradnl" dirty="0"/>
-              <a:t>1’</a:t>
-            </a:r>
-          </a:p>
-          <a:p>
-            <a:r>
-              <a:rPr lang="es-ES_tradnl" dirty="0"/>
-              <a:t>La percepción del movimiento interior es inversamente proporcional al movimiento interior</a:t>
+              <a:t>El pánico, entonces y más allá del pánico escénico, será un círculo vicioso en el que el espacio se reduce en la medida en que el movimiento se restringe; y en el que el movimiento se restringe en la medida que el espacio se reduce. Entonces, para cada posible combinación movimiento/espacio existe la posibilidad del pánico.</a:t>
             </a:r>
           </a:p>
         </p:txBody>
@@ -1190,7 +1412,7 @@
     </p:spTree>
     <p:extLst>
       <p:ext uri="{BB962C8B-B14F-4D97-AF65-F5344CB8AC3E}">
-        <p14:creationId xmlns:p14="http://schemas.microsoft.com/office/powerpoint/2010/main" val="4267765319"/>
+        <p14:creationId xmlns:p14="http://schemas.microsoft.com/office/powerpoint/2010/main" val="3911602018"/>
       </p:ext>
     </p:extLst>
   </p:cSld>
@@ -1244,23 +1466,12 @@
           <a:bodyPr/>
           <a:lstStyle/>
           <a:p>
-            <a:pPr marL="0" marR="0" lvl="0" indent="0" algn="l" defTabSz="914400" rtl="0" eaLnBrk="1" fontAlgn="auto" latinLnBrk="0" hangingPunct="1">
-              <a:lnSpc>
-                <a:spcPct val="100000"/>
-              </a:lnSpc>
-              <a:spcBef>
-                <a:spcPts val="0"/>
-              </a:spcBef>
-              <a:spcAft>
-                <a:spcPts val="0"/>
-              </a:spcAft>
-              <a:buClrTx/>
-              <a:buSzTx/>
-              <a:buFontTx/>
-              <a:buNone/>
-              <a:tabLst/>
-              <a:defRPr/>
-            </a:pPr>
+            <a:r>
+              <a:rPr lang="es-ES_tradnl" dirty="0"/>
+              <a:t>Este es el lema 1: el movimiento es inversamente proporcional al pánico</a:t>
+            </a:r>
+          </a:p>
+          <a:p>
             <a:r>
               <a:rPr lang="es-ES_tradnl" dirty="0"/>
               <a:t>1’</a:t>
@@ -1269,23 +1480,8 @@
           <a:p>
             <a:r>
               <a:rPr lang="es-ES_tradnl" dirty="0"/>
-              <a:t>Movimientos de tipo x crean espacios de tipo x</a:t>
-            </a:r>
-          </a:p>
-          <a:p>
-            <a:r>
-              <a:rPr lang="es-ES_tradnl" dirty="0"/>
-              <a:t>x = Música</a:t>
-            </a:r>
-          </a:p>
-          <a:p>
-            <a:r>
-              <a:rPr lang="es-ES_tradnl" dirty="0"/>
-              <a:t>x = Práctica teatral</a:t>
-            </a:r>
-          </a:p>
-          <a:p>
-            <a:endParaRPr lang="es-ES_tradnl" dirty="0"/>
+              <a:t>El movimiento interior es inversamente proporcional al pánico</a:t>
+            </a:r>
           </a:p>
         </p:txBody>
       </p:sp>
@@ -1315,7 +1511,7 @@
     </p:spTree>
     <p:extLst>
       <p:ext uri="{BB962C8B-B14F-4D97-AF65-F5344CB8AC3E}">
-        <p14:creationId xmlns:p14="http://schemas.microsoft.com/office/powerpoint/2010/main" val="39263861"/>
+        <p14:creationId xmlns:p14="http://schemas.microsoft.com/office/powerpoint/2010/main" val="4074660542"/>
       </p:ext>
     </p:extLst>
   </p:cSld>
@@ -1388,11 +1584,14 @@
             </a:pPr>
             <a:r>
               <a:rPr lang="es-ES_tradnl" dirty="0"/>
-              <a:t>1’30"</a:t>
-            </a:r>
-          </a:p>
-          <a:p>
-            <a:endParaRPr lang="es-ES_tradnl" dirty="0"/>
+              <a:t>1’</a:t>
+            </a:r>
+          </a:p>
+          <a:p>
+            <a:r>
+              <a:rPr lang="es-ES_tradnl" dirty="0"/>
+              <a:t>Mark Johnson y las metáforas del movimiento en la música</a:t>
+            </a:r>
           </a:p>
         </p:txBody>
       </p:sp>
@@ -1422,7 +1621,7 @@
     </p:spTree>
     <p:extLst>
       <p:ext uri="{BB962C8B-B14F-4D97-AF65-F5344CB8AC3E}">
-        <p14:creationId xmlns:p14="http://schemas.microsoft.com/office/powerpoint/2010/main" val="1467729994"/>
+        <p14:creationId xmlns:p14="http://schemas.microsoft.com/office/powerpoint/2010/main" val="2101713933"/>
       </p:ext>
     </p:extLst>
   </p:cSld>
@@ -1476,9 +1675,32 @@
           <a:bodyPr/>
           <a:lstStyle/>
           <a:p>
+            <a:pPr marL="0" marR="0" lvl="0" indent="0" algn="l" defTabSz="914400" rtl="0" eaLnBrk="1" fontAlgn="auto" latinLnBrk="0" hangingPunct="1">
+              <a:lnSpc>
+                <a:spcPct val="100000"/>
+              </a:lnSpc>
+              <a:spcBef>
+                <a:spcPts val="0"/>
+              </a:spcBef>
+              <a:spcAft>
+                <a:spcPts val="0"/>
+              </a:spcAft>
+              <a:buClrTx/>
+              <a:buSzTx/>
+              <a:buFontTx/>
+              <a:buNone/>
+              <a:tabLst/>
+              <a:defRPr/>
+            </a:pPr>
             <a:r>
               <a:rPr lang="es-ES_tradnl" dirty="0"/>
-              <a:t>30”</a:t>
+              <a:t>1’</a:t>
+            </a:r>
+          </a:p>
+          <a:p>
+            <a:r>
+              <a:rPr lang="es-ES_tradnl" dirty="0"/>
+              <a:t>El movimiento interior es directamente proporcional a la música</a:t>
             </a:r>
           </a:p>
         </p:txBody>
@@ -1509,7 +1731,7 @@
     </p:spTree>
     <p:extLst>
       <p:ext uri="{BB962C8B-B14F-4D97-AF65-F5344CB8AC3E}">
-        <p14:creationId xmlns:p14="http://schemas.microsoft.com/office/powerpoint/2010/main" val="2594264018"/>
+        <p14:creationId xmlns:p14="http://schemas.microsoft.com/office/powerpoint/2010/main" val="2119351126"/>
       </p:ext>
     </p:extLst>
   </p:cSld>
@@ -1563,7 +1785,41 @@
           <a:bodyPr/>
           <a:lstStyle/>
           <a:p>
-            <a:endParaRPr lang="es-ES_tradnl" dirty="0"/>
+            <a:pPr marL="0" marR="0" lvl="0" indent="0" algn="l" defTabSz="914400" rtl="0" eaLnBrk="1" fontAlgn="auto" latinLnBrk="0" hangingPunct="1">
+              <a:lnSpc>
+                <a:spcPct val="100000"/>
+              </a:lnSpc>
+              <a:spcBef>
+                <a:spcPts val="0"/>
+              </a:spcBef>
+              <a:spcAft>
+                <a:spcPts val="0"/>
+              </a:spcAft>
+              <a:buClrTx/>
+              <a:buSzTx/>
+              <a:buFontTx/>
+              <a:buNone/>
+              <a:tabLst/>
+              <a:defRPr/>
+            </a:pPr>
+            <a:r>
+              <a:rPr lang="es-ES_tradnl" dirty="0"/>
+              <a:t>1’</a:t>
+            </a:r>
+          </a:p>
+          <a:p>
+            <a:r>
+              <a:rPr lang="es-ES_tradnl" dirty="0"/>
+              <a:t>La “danza microscópica” de Lepecki, función kinestésica, </a:t>
+            </a:r>
+            <a:r>
+              <a:rPr lang="es-ES_tradnl" dirty="0" err="1"/>
+              <a:t>correlata</a:t>
+            </a:r>
+            <a:r>
+              <a:rPr lang="es-ES_tradnl" dirty="0"/>
+              <a:t> corporal del movimiento interior</a:t>
+            </a:r>
           </a:p>
         </p:txBody>
       </p:sp>
@@ -1593,7 +1849,7 @@
     </p:spTree>
     <p:extLst>
       <p:ext uri="{BB962C8B-B14F-4D97-AF65-F5344CB8AC3E}">
-        <p14:creationId xmlns:p14="http://schemas.microsoft.com/office/powerpoint/2010/main" val="3630125090"/>
+        <p14:creationId xmlns:p14="http://schemas.microsoft.com/office/powerpoint/2010/main" val="2146339274"/>
       </p:ext>
     </p:extLst>
   </p:cSld>
@@ -1690,6 +1946,519 @@
 </p:notes>
 </file>
 
+<file path=ppt/notesSlides/notesSlide20.xml><?xml version="1.0" encoding="utf-8"?>
+<p:notes xmlns:a="http://schemas.openxmlformats.org/drawingml/2006/main" xmlns:r="http://schemas.openxmlformats.org/officeDocument/2006/relationships" xmlns:p="http://schemas.openxmlformats.org/presentationml/2006/main">
+  <p:cSld>
+    <p:spTree>
+      <p:nvGrpSpPr>
+        <p:cNvPr id="1" name=""/>
+        <p:cNvGrpSpPr/>
+        <p:nvPr/>
+      </p:nvGrpSpPr>
+      <p:grpSpPr>
+        <a:xfrm>
+          <a:off x="0" y="0"/>
+          <a:ext cx="0" cy="0"/>
+          <a:chOff x="0" y="0"/>
+          <a:chExt cx="0" cy="0"/>
+        </a:xfrm>
+      </p:grpSpPr>
+      <p:sp>
+        <p:nvSpPr>
+          <p:cNvPr id="2" name="Slide Image Placeholder 1"/>
+          <p:cNvSpPr>
+            <a:spLocks noGrp="1" noRot="1" noChangeAspect="1"/>
+          </p:cNvSpPr>
+          <p:nvPr>
+            <p:ph type="sldImg"/>
+          </p:nvPr>
+        </p:nvSpPr>
+        <p:spPr/>
+      </p:sp>
+      <p:sp>
+        <p:nvSpPr>
+          <p:cNvPr id="3" name="Notes Placeholder 2"/>
+          <p:cNvSpPr>
+            <a:spLocks noGrp="1"/>
+          </p:cNvSpPr>
+          <p:nvPr>
+            <p:ph type="body" idx="1"/>
+          </p:nvPr>
+        </p:nvSpPr>
+        <p:spPr/>
+        <p:txBody>
+          <a:bodyPr/>
+          <a:lstStyle/>
+          <a:p>
+            <a:pPr marL="0" marR="0" lvl="0" indent="0" algn="l" defTabSz="914400" rtl="0" eaLnBrk="1" fontAlgn="auto" latinLnBrk="0" hangingPunct="1">
+              <a:lnSpc>
+                <a:spcPct val="100000"/>
+              </a:lnSpc>
+              <a:spcBef>
+                <a:spcPts val="0"/>
+              </a:spcBef>
+              <a:spcAft>
+                <a:spcPts val="0"/>
+              </a:spcAft>
+              <a:buClrTx/>
+              <a:buSzTx/>
+              <a:buFontTx/>
+              <a:buNone/>
+              <a:tabLst/>
+              <a:defRPr/>
+            </a:pPr>
+            <a:r>
+              <a:rPr lang="es-ES_tradnl" dirty="0"/>
+              <a:t>1’</a:t>
+            </a:r>
+          </a:p>
+          <a:p>
+            <a:r>
+              <a:rPr lang="es-ES_tradnl" dirty="0"/>
+              <a:t>La percepción del movimiento interior es inversamente proporcional al movimiento interior</a:t>
+            </a:r>
+          </a:p>
+        </p:txBody>
+      </p:sp>
+      <p:sp>
+        <p:nvSpPr>
+          <p:cNvPr id="4" name="Slide Number Placeholder 3"/>
+          <p:cNvSpPr>
+            <a:spLocks noGrp="1"/>
+          </p:cNvSpPr>
+          <p:nvPr>
+            <p:ph type="sldNum" sz="quarter" idx="10"/>
+          </p:nvPr>
+        </p:nvSpPr>
+        <p:spPr/>
+        <p:txBody>
+          <a:bodyPr/>
+          <a:lstStyle/>
+          <a:p>
+            <a:fld id="{B257BC5A-9EFD-5A42-A078-0043DD193A81}" type="slidenum">
+              <a:rPr lang="es-ES_tradnl" smtClean="0"/>
+              <a:t>21</a:t>
+            </a:fld>
+            <a:endParaRPr lang="es-ES_tradnl"/>
+          </a:p>
+        </p:txBody>
+      </p:sp>
+    </p:spTree>
+    <p:extLst>
+      <p:ext uri="{BB962C8B-B14F-4D97-AF65-F5344CB8AC3E}">
+        <p14:creationId xmlns:p14="http://schemas.microsoft.com/office/powerpoint/2010/main" val="4267765319"/>
+      </p:ext>
+    </p:extLst>
+  </p:cSld>
+  <p:clrMapOvr>
+    <a:masterClrMapping/>
+  </p:clrMapOvr>
+</p:notes>
+</file>
+
+<file path=ppt/notesSlides/notesSlide21.xml><?xml version="1.0" encoding="utf-8"?>
+<p:notes xmlns:a="http://schemas.openxmlformats.org/drawingml/2006/main" xmlns:r="http://schemas.openxmlformats.org/officeDocument/2006/relationships" xmlns:p="http://schemas.openxmlformats.org/presentationml/2006/main">
+  <p:cSld>
+    <p:spTree>
+      <p:nvGrpSpPr>
+        <p:cNvPr id="1" name=""/>
+        <p:cNvGrpSpPr/>
+        <p:nvPr/>
+      </p:nvGrpSpPr>
+      <p:grpSpPr>
+        <a:xfrm>
+          <a:off x="0" y="0"/>
+          <a:ext cx="0" cy="0"/>
+          <a:chOff x="0" y="0"/>
+          <a:chExt cx="0" cy="0"/>
+        </a:xfrm>
+      </p:grpSpPr>
+      <p:sp>
+        <p:nvSpPr>
+          <p:cNvPr id="2" name="Slide Image Placeholder 1"/>
+          <p:cNvSpPr>
+            <a:spLocks noGrp="1" noRot="1" noChangeAspect="1"/>
+          </p:cNvSpPr>
+          <p:nvPr>
+            <p:ph type="sldImg"/>
+          </p:nvPr>
+        </p:nvSpPr>
+        <p:spPr/>
+      </p:sp>
+      <p:sp>
+        <p:nvSpPr>
+          <p:cNvPr id="3" name="Notes Placeholder 2"/>
+          <p:cNvSpPr>
+            <a:spLocks noGrp="1"/>
+          </p:cNvSpPr>
+          <p:nvPr>
+            <p:ph type="body" idx="1"/>
+          </p:nvPr>
+        </p:nvSpPr>
+        <p:spPr/>
+        <p:txBody>
+          <a:bodyPr/>
+          <a:lstStyle/>
+          <a:p>
+            <a:pPr marL="0" marR="0" lvl="0" indent="0" algn="l" defTabSz="914400" rtl="0" eaLnBrk="1" fontAlgn="auto" latinLnBrk="0" hangingPunct="1">
+              <a:lnSpc>
+                <a:spcPct val="100000"/>
+              </a:lnSpc>
+              <a:spcBef>
+                <a:spcPts val="0"/>
+              </a:spcBef>
+              <a:spcAft>
+                <a:spcPts val="0"/>
+              </a:spcAft>
+              <a:buClrTx/>
+              <a:buSzTx/>
+              <a:buFontTx/>
+              <a:buNone/>
+              <a:tabLst/>
+              <a:defRPr/>
+            </a:pPr>
+            <a:r>
+              <a:rPr lang="es-ES_tradnl" dirty="0"/>
+              <a:t>1’</a:t>
+            </a:r>
+          </a:p>
+          <a:p>
+            <a:r>
+              <a:rPr lang="es-ES_tradnl" dirty="0"/>
+              <a:t>Movimientos de tipo x crean espacios de tipo x</a:t>
+            </a:r>
+          </a:p>
+          <a:p>
+            <a:r>
+              <a:rPr lang="es-ES_tradnl" dirty="0"/>
+              <a:t>x = Música</a:t>
+            </a:r>
+          </a:p>
+          <a:p>
+            <a:r>
+              <a:rPr lang="es-ES_tradnl" dirty="0"/>
+              <a:t>x = Práctica teatral</a:t>
+            </a:r>
+          </a:p>
+          <a:p>
+            <a:endParaRPr lang="es-ES_tradnl" dirty="0"/>
+          </a:p>
+        </p:txBody>
+      </p:sp>
+      <p:sp>
+        <p:nvSpPr>
+          <p:cNvPr id="4" name="Slide Number Placeholder 3"/>
+          <p:cNvSpPr>
+            <a:spLocks noGrp="1"/>
+          </p:cNvSpPr>
+          <p:nvPr>
+            <p:ph type="sldNum" sz="quarter" idx="10"/>
+          </p:nvPr>
+        </p:nvSpPr>
+        <p:spPr/>
+        <p:txBody>
+          <a:bodyPr/>
+          <a:lstStyle/>
+          <a:p>
+            <a:fld id="{B257BC5A-9EFD-5A42-A078-0043DD193A81}" type="slidenum">
+              <a:rPr lang="es-ES_tradnl" smtClean="0"/>
+              <a:t>22</a:t>
+            </a:fld>
+            <a:endParaRPr lang="es-ES_tradnl"/>
+          </a:p>
+        </p:txBody>
+      </p:sp>
+    </p:spTree>
+    <p:extLst>
+      <p:ext uri="{BB962C8B-B14F-4D97-AF65-F5344CB8AC3E}">
+        <p14:creationId xmlns:p14="http://schemas.microsoft.com/office/powerpoint/2010/main" val="39263861"/>
+      </p:ext>
+    </p:extLst>
+  </p:cSld>
+  <p:clrMapOvr>
+    <a:masterClrMapping/>
+  </p:clrMapOvr>
+</p:notes>
+</file>
+
+<file path=ppt/notesSlides/notesSlide22.xml><?xml version="1.0" encoding="utf-8"?>
+<p:notes xmlns:a="http://schemas.openxmlformats.org/drawingml/2006/main" xmlns:r="http://schemas.openxmlformats.org/officeDocument/2006/relationships" xmlns:p="http://schemas.openxmlformats.org/presentationml/2006/main">
+  <p:cSld>
+    <p:spTree>
+      <p:nvGrpSpPr>
+        <p:cNvPr id="1" name=""/>
+        <p:cNvGrpSpPr/>
+        <p:nvPr/>
+      </p:nvGrpSpPr>
+      <p:grpSpPr>
+        <a:xfrm>
+          <a:off x="0" y="0"/>
+          <a:ext cx="0" cy="0"/>
+          <a:chOff x="0" y="0"/>
+          <a:chExt cx="0" cy="0"/>
+        </a:xfrm>
+      </p:grpSpPr>
+      <p:sp>
+        <p:nvSpPr>
+          <p:cNvPr id="2" name="Slide Image Placeholder 1"/>
+          <p:cNvSpPr>
+            <a:spLocks noGrp="1" noRot="1" noChangeAspect="1"/>
+          </p:cNvSpPr>
+          <p:nvPr>
+            <p:ph type="sldImg"/>
+          </p:nvPr>
+        </p:nvSpPr>
+        <p:spPr/>
+      </p:sp>
+      <p:sp>
+        <p:nvSpPr>
+          <p:cNvPr id="3" name="Notes Placeholder 2"/>
+          <p:cNvSpPr>
+            <a:spLocks noGrp="1"/>
+          </p:cNvSpPr>
+          <p:nvPr>
+            <p:ph type="body" idx="1"/>
+          </p:nvPr>
+        </p:nvSpPr>
+        <p:spPr/>
+        <p:txBody>
+          <a:bodyPr/>
+          <a:lstStyle/>
+          <a:p>
+            <a:pPr marL="0" marR="0" lvl="0" indent="0" algn="l" defTabSz="914400" rtl="0" eaLnBrk="1" fontAlgn="auto" latinLnBrk="0" hangingPunct="1">
+              <a:lnSpc>
+                <a:spcPct val="100000"/>
+              </a:lnSpc>
+              <a:spcBef>
+                <a:spcPts val="0"/>
+              </a:spcBef>
+              <a:spcAft>
+                <a:spcPts val="0"/>
+              </a:spcAft>
+              <a:buClrTx/>
+              <a:buSzTx/>
+              <a:buFontTx/>
+              <a:buNone/>
+              <a:tabLst/>
+              <a:defRPr/>
+            </a:pPr>
+            <a:r>
+              <a:rPr lang="es-ES_tradnl" dirty="0"/>
+              <a:t>1’30"</a:t>
+            </a:r>
+          </a:p>
+          <a:p>
+            <a:endParaRPr lang="es-ES_tradnl" dirty="0"/>
+          </a:p>
+        </p:txBody>
+      </p:sp>
+      <p:sp>
+        <p:nvSpPr>
+          <p:cNvPr id="4" name="Slide Number Placeholder 3"/>
+          <p:cNvSpPr>
+            <a:spLocks noGrp="1"/>
+          </p:cNvSpPr>
+          <p:nvPr>
+            <p:ph type="sldNum" sz="quarter" idx="10"/>
+          </p:nvPr>
+        </p:nvSpPr>
+        <p:spPr/>
+        <p:txBody>
+          <a:bodyPr/>
+          <a:lstStyle/>
+          <a:p>
+            <a:fld id="{B257BC5A-9EFD-5A42-A078-0043DD193A81}" type="slidenum">
+              <a:rPr lang="es-ES_tradnl" smtClean="0"/>
+              <a:t>23</a:t>
+            </a:fld>
+            <a:endParaRPr lang="es-ES_tradnl"/>
+          </a:p>
+        </p:txBody>
+      </p:sp>
+    </p:spTree>
+    <p:extLst>
+      <p:ext uri="{BB962C8B-B14F-4D97-AF65-F5344CB8AC3E}">
+        <p14:creationId xmlns:p14="http://schemas.microsoft.com/office/powerpoint/2010/main" val="1467729994"/>
+      </p:ext>
+    </p:extLst>
+  </p:cSld>
+  <p:clrMapOvr>
+    <a:masterClrMapping/>
+  </p:clrMapOvr>
+</p:notes>
+</file>
+
+<file path=ppt/notesSlides/notesSlide23.xml><?xml version="1.0" encoding="utf-8"?>
+<p:notes xmlns:a="http://schemas.openxmlformats.org/drawingml/2006/main" xmlns:r="http://schemas.openxmlformats.org/officeDocument/2006/relationships" xmlns:p="http://schemas.openxmlformats.org/presentationml/2006/main">
+  <p:cSld>
+    <p:spTree>
+      <p:nvGrpSpPr>
+        <p:cNvPr id="1" name=""/>
+        <p:cNvGrpSpPr/>
+        <p:nvPr/>
+      </p:nvGrpSpPr>
+      <p:grpSpPr>
+        <a:xfrm>
+          <a:off x="0" y="0"/>
+          <a:ext cx="0" cy="0"/>
+          <a:chOff x="0" y="0"/>
+          <a:chExt cx="0" cy="0"/>
+        </a:xfrm>
+      </p:grpSpPr>
+      <p:sp>
+        <p:nvSpPr>
+          <p:cNvPr id="2" name="Slide Image Placeholder 1"/>
+          <p:cNvSpPr>
+            <a:spLocks noGrp="1" noRot="1" noChangeAspect="1"/>
+          </p:cNvSpPr>
+          <p:nvPr>
+            <p:ph type="sldImg"/>
+          </p:nvPr>
+        </p:nvSpPr>
+        <p:spPr/>
+      </p:sp>
+      <p:sp>
+        <p:nvSpPr>
+          <p:cNvPr id="3" name="Notes Placeholder 2"/>
+          <p:cNvSpPr>
+            <a:spLocks noGrp="1"/>
+          </p:cNvSpPr>
+          <p:nvPr>
+            <p:ph type="body" idx="1"/>
+          </p:nvPr>
+        </p:nvSpPr>
+        <p:spPr/>
+        <p:txBody>
+          <a:bodyPr/>
+          <a:lstStyle/>
+          <a:p>
+            <a:r>
+              <a:rPr lang="es-ES_tradnl" dirty="0"/>
+              <a:t>30”</a:t>
+            </a:r>
+          </a:p>
+        </p:txBody>
+      </p:sp>
+      <p:sp>
+        <p:nvSpPr>
+          <p:cNvPr id="4" name="Slide Number Placeholder 3"/>
+          <p:cNvSpPr>
+            <a:spLocks noGrp="1"/>
+          </p:cNvSpPr>
+          <p:nvPr>
+            <p:ph type="sldNum" sz="quarter" idx="10"/>
+          </p:nvPr>
+        </p:nvSpPr>
+        <p:spPr/>
+        <p:txBody>
+          <a:bodyPr/>
+          <a:lstStyle/>
+          <a:p>
+            <a:fld id="{B257BC5A-9EFD-5A42-A078-0043DD193A81}" type="slidenum">
+              <a:rPr lang="es-ES_tradnl" smtClean="0"/>
+              <a:t>24</a:t>
+            </a:fld>
+            <a:endParaRPr lang="es-ES_tradnl"/>
+          </a:p>
+        </p:txBody>
+      </p:sp>
+    </p:spTree>
+    <p:extLst>
+      <p:ext uri="{BB962C8B-B14F-4D97-AF65-F5344CB8AC3E}">
+        <p14:creationId xmlns:p14="http://schemas.microsoft.com/office/powerpoint/2010/main" val="2594264018"/>
+      </p:ext>
+    </p:extLst>
+  </p:cSld>
+  <p:clrMapOvr>
+    <a:masterClrMapping/>
+  </p:clrMapOvr>
+</p:notes>
+</file>
+
+<file path=ppt/notesSlides/notesSlide24.xml><?xml version="1.0" encoding="utf-8"?>
+<p:notes xmlns:a="http://schemas.openxmlformats.org/drawingml/2006/main" xmlns:r="http://schemas.openxmlformats.org/officeDocument/2006/relationships" xmlns:p="http://schemas.openxmlformats.org/presentationml/2006/main">
+  <p:cSld>
+    <p:spTree>
+      <p:nvGrpSpPr>
+        <p:cNvPr id="1" name=""/>
+        <p:cNvGrpSpPr/>
+        <p:nvPr/>
+      </p:nvGrpSpPr>
+      <p:grpSpPr>
+        <a:xfrm>
+          <a:off x="0" y="0"/>
+          <a:ext cx="0" cy="0"/>
+          <a:chOff x="0" y="0"/>
+          <a:chExt cx="0" cy="0"/>
+        </a:xfrm>
+      </p:grpSpPr>
+      <p:sp>
+        <p:nvSpPr>
+          <p:cNvPr id="2" name="Slide Image Placeholder 1"/>
+          <p:cNvSpPr>
+            <a:spLocks noGrp="1" noRot="1" noChangeAspect="1"/>
+          </p:cNvSpPr>
+          <p:nvPr>
+            <p:ph type="sldImg"/>
+          </p:nvPr>
+        </p:nvSpPr>
+        <p:spPr/>
+      </p:sp>
+      <p:sp>
+        <p:nvSpPr>
+          <p:cNvPr id="3" name="Notes Placeholder 2"/>
+          <p:cNvSpPr>
+            <a:spLocks noGrp="1"/>
+          </p:cNvSpPr>
+          <p:nvPr>
+            <p:ph type="body" idx="1"/>
+          </p:nvPr>
+        </p:nvSpPr>
+        <p:spPr/>
+        <p:txBody>
+          <a:bodyPr/>
+          <a:lstStyle/>
+          <a:p>
+            <a:endParaRPr lang="es-ES_tradnl" dirty="0"/>
+          </a:p>
+        </p:txBody>
+      </p:sp>
+      <p:sp>
+        <p:nvSpPr>
+          <p:cNvPr id="4" name="Slide Number Placeholder 3"/>
+          <p:cNvSpPr>
+            <a:spLocks noGrp="1"/>
+          </p:cNvSpPr>
+          <p:nvPr>
+            <p:ph type="sldNum" sz="quarter" idx="10"/>
+          </p:nvPr>
+        </p:nvSpPr>
+        <p:spPr/>
+        <p:txBody>
+          <a:bodyPr/>
+          <a:lstStyle/>
+          <a:p>
+            <a:fld id="{B257BC5A-9EFD-5A42-A078-0043DD193A81}" type="slidenum">
+              <a:rPr lang="es-ES_tradnl" smtClean="0"/>
+              <a:t>25</a:t>
+            </a:fld>
+            <a:endParaRPr lang="es-ES_tradnl"/>
+          </a:p>
+        </p:txBody>
+      </p:sp>
+    </p:spTree>
+    <p:extLst>
+      <p:ext uri="{BB962C8B-B14F-4D97-AF65-F5344CB8AC3E}">
+        <p14:creationId xmlns:p14="http://schemas.microsoft.com/office/powerpoint/2010/main" val="3630125090"/>
+      </p:ext>
+    </p:extLst>
+  </p:cSld>
+  <p:clrMapOvr>
+    <a:masterClrMapping/>
+  </p:clrMapOvr>
+</p:notes>
+</file>
+
 <file path=ppt/notesSlides/notesSlide3.xml><?xml version="1.0" encoding="utf-8"?>
 <p:notes xmlns:a="http://schemas.openxmlformats.org/drawingml/2006/main" xmlns:r="http://schemas.openxmlformats.org/officeDocument/2006/relationships" xmlns:p="http://schemas.openxmlformats.org/presentationml/2006/main">
   <p:cSld>
@@ -1736,7 +2505,7 @@
           <a:p>
             <a:r>
               <a:rPr lang="es-ES_tradnl" dirty="0"/>
-              <a:t>40”</a:t>
+              <a:t>20”</a:t>
             </a:r>
           </a:p>
         </p:txBody>
@@ -1767,7 +2536,7 @@
     </p:spTree>
     <p:extLst>
       <p:ext uri="{BB962C8B-B14F-4D97-AF65-F5344CB8AC3E}">
-        <p14:creationId xmlns:p14="http://schemas.microsoft.com/office/powerpoint/2010/main" val="707323352"/>
+        <p14:creationId xmlns:p14="http://schemas.microsoft.com/office/powerpoint/2010/main" val="2160673307"/>
       </p:ext>
     </p:extLst>
   </p:cSld>
@@ -1823,7 +2592,13 @@
           <a:p>
             <a:r>
               <a:rPr lang="es-ES_tradnl" dirty="0"/>
-              <a:t>20”</a:t>
+              <a:t>1’</a:t>
+            </a:r>
+          </a:p>
+          <a:p>
+            <a:r>
+              <a:rPr lang="es-ES_tradnl" dirty="0"/>
+              <a:t>Siebers</a:t>
             </a:r>
           </a:p>
         </p:txBody>
@@ -1854,7 +2629,7 @@
     </p:spTree>
     <p:extLst>
       <p:ext uri="{BB962C8B-B14F-4D97-AF65-F5344CB8AC3E}">
-        <p14:creationId xmlns:p14="http://schemas.microsoft.com/office/powerpoint/2010/main" val="2160673307"/>
+        <p14:creationId xmlns:p14="http://schemas.microsoft.com/office/powerpoint/2010/main" val="3608372797"/>
       </p:ext>
     </p:extLst>
   </p:cSld>
@@ -1910,13 +2685,23 @@
           <a:p>
             <a:r>
               <a:rPr lang="es-ES_tradnl" dirty="0"/>
-              <a:t>1’</a:t>
-            </a:r>
-          </a:p>
-          <a:p>
+              <a:t>1’40”</a:t>
+            </a:r>
+          </a:p>
+          <a:p>
+            <a:r>
+              <a:rPr lang="es-ES_tradnl" dirty="0" err="1"/>
+              <a:t>McConachie</a:t>
+            </a:r>
             <a:r>
               <a:rPr lang="es-ES_tradnl" dirty="0"/>
-              <a:t>Siebers</a:t>
+              <a:t> + Stewart</a:t>
+            </a:r>
+          </a:p>
+          <a:p>
+            <a:r>
+              <a:rPr lang="es-ES_tradnl" dirty="0"/>
+              <a:t>Teatro desde la Enacción, qué es Enacción</a:t>
             </a:r>
           </a:p>
         </p:txBody>
@@ -1938,7 +2723,7 @@
           <a:p>
             <a:fld id="{B257BC5A-9EFD-5A42-A078-0043DD193A81}" type="slidenum">
               <a:rPr lang="es-ES_tradnl" smtClean="0"/>
-              <a:t>5</a:t>
+              <a:t>6</a:t>
             </a:fld>
             <a:endParaRPr lang="es-ES_tradnl"/>
           </a:p>
@@ -1947,7 +2732,7 @@
     </p:spTree>
     <p:extLst>
       <p:ext uri="{BB962C8B-B14F-4D97-AF65-F5344CB8AC3E}">
-        <p14:creationId xmlns:p14="http://schemas.microsoft.com/office/powerpoint/2010/main" val="3608372797"/>
+        <p14:creationId xmlns:p14="http://schemas.microsoft.com/office/powerpoint/2010/main" val="1063328391"/>
       </p:ext>
     </p:extLst>
   </p:cSld>
@@ -2003,23 +2788,19 @@
           <a:p>
             <a:r>
               <a:rPr lang="es-ES_tradnl" dirty="0"/>
-              <a:t>1’40”</a:t>
-            </a:r>
-          </a:p>
-          <a:p>
-            <a:r>
-              <a:rPr lang="es-ES_tradnl" dirty="0" err="1"/>
-              <a:t>McConachie</a:t>
-            </a:r>
+              <a:t>2’</a:t>
+            </a:r>
+          </a:p>
+          <a:p>
             <a:r>
               <a:rPr lang="es-ES_tradnl" dirty="0"/>
-              <a:t> + Stewart</a:t>
+              <a:t>De lo aplicado/político a lo estético</a:t>
             </a:r>
           </a:p>
           <a:p>
             <a:r>
               <a:rPr lang="es-ES_tradnl" dirty="0"/>
-              <a:t>Teatro desde la Enacción, qué es Enacción</a:t>
+              <a:t>Tareas futuras(Chile) y trabajo actual(movimiento) -&gt; los lemas</a:t>
             </a:r>
           </a:p>
         </p:txBody>
@@ -2050,7 +2831,7 @@
     </p:spTree>
     <p:extLst>
       <p:ext uri="{BB962C8B-B14F-4D97-AF65-F5344CB8AC3E}">
-        <p14:creationId xmlns:p14="http://schemas.microsoft.com/office/powerpoint/2010/main" val="1063328391"/>
+        <p14:creationId xmlns:p14="http://schemas.microsoft.com/office/powerpoint/2010/main" val="3507666739"/>
       </p:ext>
     </p:extLst>
   </p:cSld>
@@ -2106,19 +2887,13 @@
           <a:p>
             <a:r>
               <a:rPr lang="es-ES_tradnl" dirty="0"/>
-              <a:t>2’</a:t>
+              <a:t>40”</a:t>
             </a:r>
           </a:p>
           <a:p>
             <a:r>
               <a:rPr lang="es-ES_tradnl" dirty="0"/>
-              <a:t>De lo aplicado/político a lo estético</a:t>
-            </a:r>
-          </a:p>
-          <a:p>
-            <a:r>
-              <a:rPr lang="es-ES_tradnl" dirty="0"/>
-              <a:t>Tareas futuras(Chile) y trabajo actual(movimiento) -&gt; los lemas</a:t>
+              <a:t>Sigue una serie de reflexiones sobre el movimiento, reflexiones guiadas por mis conversaciones con Alberto, y que he condensado en tres lemas que pretendo usar como base para una serie de ejercicios escénicos en el segundo semestre.</a:t>
             </a:r>
           </a:p>
         </p:txBody>
@@ -2149,7 +2924,7 @@
     </p:spTree>
     <p:extLst>
       <p:ext uri="{BB962C8B-B14F-4D97-AF65-F5344CB8AC3E}">
-        <p14:creationId xmlns:p14="http://schemas.microsoft.com/office/powerpoint/2010/main" val="3507666739"/>
+        <p14:creationId xmlns:p14="http://schemas.microsoft.com/office/powerpoint/2010/main" val="707323352"/>
       </p:ext>
     </p:extLst>
   </p:cSld>
@@ -2205,30 +2980,521 @@
           <a:p>
             <a:r>
               <a:rPr lang="es-ES_tradnl" dirty="0"/>
-              <a:t>2’</a:t>
+              <a:t>30”</a:t>
             </a:r>
           </a:p>
           <a:p>
             <a:r>
               <a:rPr lang="es-ES_tradnl" dirty="0"/>
-              <a:t>Axioma 1: el movimiento crea el espacio</a:t>
-            </a:r>
-          </a:p>
-          <a:p>
-            <a:r>
-              <a:rPr lang="es-ES_tradnl" dirty="0" err="1"/>
-              <a:t>Sheets-Jonhstone</a:t>
-            </a:r>
+              <a:t>Alberto me recomendó leer “De lo espiritual en el arte” de Kandinsky. Allí, el artista habla de la vida espiritual como un triángulo que se mueve lentamente hacia arriba y hacia delante, donde quienes se encuentran en las secciones superiores son incomprendidos por quienes están en las inferiores; y, dice el autor, que “</a:t>
+            </a:r>
+            <a:r>
+              <a:rPr lang="en-US" sz="1200" kern="1200" dirty="0" err="1">
+                <a:solidFill>
+                  <a:schemeClr val="tx1"/>
+                </a:solidFill>
+                <a:effectLst/>
+                <a:latin typeface="+mn-lt"/>
+                <a:ea typeface="+mn-ea"/>
+                <a:cs typeface="+mn-cs"/>
+              </a:rPr>
+              <a:t>En</a:t>
+            </a:r>
+            <a:r>
+              <a:rPr lang="en-US" sz="1200" kern="1200" dirty="0">
+                <a:solidFill>
+                  <a:schemeClr val="tx1"/>
+                </a:solidFill>
+                <a:effectLst/>
+                <a:latin typeface="+mn-lt"/>
+                <a:ea typeface="+mn-ea"/>
+                <a:cs typeface="+mn-cs"/>
+              </a:rPr>
+              <a:t> </a:t>
+            </a:r>
+            <a:r>
+              <a:rPr lang="en-US" sz="1200" kern="1200" dirty="0" err="1">
+                <a:solidFill>
+                  <a:schemeClr val="tx1"/>
+                </a:solidFill>
+                <a:effectLst/>
+                <a:latin typeface="+mn-lt"/>
+                <a:ea typeface="+mn-ea"/>
+                <a:cs typeface="+mn-cs"/>
+              </a:rPr>
+              <a:t>todas</a:t>
+            </a:r>
+            <a:r>
+              <a:rPr lang="en-US" sz="1200" kern="1200" dirty="0">
+                <a:solidFill>
+                  <a:schemeClr val="tx1"/>
+                </a:solidFill>
+                <a:effectLst/>
+                <a:latin typeface="+mn-lt"/>
+                <a:ea typeface="+mn-ea"/>
+                <a:cs typeface="+mn-cs"/>
+              </a:rPr>
+              <a:t> las </a:t>
+            </a:r>
+            <a:r>
+              <a:rPr lang="en-US" sz="1200" kern="1200" dirty="0" err="1">
+                <a:solidFill>
+                  <a:schemeClr val="tx1"/>
+                </a:solidFill>
+                <a:effectLst/>
+                <a:latin typeface="+mn-lt"/>
+                <a:ea typeface="+mn-ea"/>
+                <a:cs typeface="+mn-cs"/>
+              </a:rPr>
+              <a:t>partes</a:t>
+            </a:r>
+            <a:r>
+              <a:rPr lang="en-US" sz="1200" kern="1200" dirty="0">
+                <a:solidFill>
+                  <a:schemeClr val="tx1"/>
+                </a:solidFill>
+                <a:effectLst/>
+                <a:latin typeface="+mn-lt"/>
+                <a:ea typeface="+mn-ea"/>
+                <a:cs typeface="+mn-cs"/>
+              </a:rPr>
+              <a:t> del </a:t>
+            </a:r>
+            <a:r>
+              <a:rPr lang="en-US" sz="1200" kern="1200" dirty="0" err="1">
+                <a:solidFill>
+                  <a:schemeClr val="tx1"/>
+                </a:solidFill>
+                <a:effectLst/>
+                <a:latin typeface="+mn-lt"/>
+                <a:ea typeface="+mn-ea"/>
+                <a:cs typeface="+mn-cs"/>
+              </a:rPr>
+              <a:t>triángulo</a:t>
+            </a:r>
+            <a:r>
+              <a:rPr lang="en-US" sz="1200" kern="1200" dirty="0">
+                <a:solidFill>
+                  <a:schemeClr val="tx1"/>
+                </a:solidFill>
+                <a:effectLst/>
+                <a:latin typeface="+mn-lt"/>
+                <a:ea typeface="+mn-ea"/>
+                <a:cs typeface="+mn-cs"/>
+              </a:rPr>
+              <a:t> se </a:t>
+            </a:r>
+            <a:r>
+              <a:rPr lang="en-US" sz="1200" kern="1200" dirty="0" err="1">
+                <a:solidFill>
+                  <a:schemeClr val="tx1"/>
+                </a:solidFill>
+                <a:effectLst/>
+                <a:latin typeface="+mn-lt"/>
+                <a:ea typeface="+mn-ea"/>
+                <a:cs typeface="+mn-cs"/>
+              </a:rPr>
+              <a:t>hallan</a:t>
+            </a:r>
+            <a:r>
+              <a:rPr lang="en-US" sz="1200" kern="1200" dirty="0">
+                <a:solidFill>
+                  <a:schemeClr val="tx1"/>
+                </a:solidFill>
+                <a:effectLst/>
+                <a:latin typeface="+mn-lt"/>
+                <a:ea typeface="+mn-ea"/>
+                <a:cs typeface="+mn-cs"/>
+              </a:rPr>
+              <a:t> </a:t>
+            </a:r>
+            <a:r>
+              <a:rPr lang="en-US" sz="1200" kern="1200" dirty="0" err="1">
+                <a:solidFill>
+                  <a:schemeClr val="tx1"/>
+                </a:solidFill>
+                <a:effectLst/>
+                <a:latin typeface="+mn-lt"/>
+                <a:ea typeface="+mn-ea"/>
+                <a:cs typeface="+mn-cs"/>
+              </a:rPr>
+              <a:t>artistas</a:t>
+            </a:r>
+            <a:r>
+              <a:rPr lang="en-US" sz="1200" kern="1200" dirty="0">
+                <a:solidFill>
+                  <a:schemeClr val="tx1"/>
+                </a:solidFill>
+                <a:effectLst/>
+                <a:latin typeface="+mn-lt"/>
+                <a:ea typeface="+mn-ea"/>
+                <a:cs typeface="+mn-cs"/>
+              </a:rPr>
+              <a:t>. </a:t>
+            </a:r>
+            <a:r>
+              <a:rPr lang="en-US" sz="1200" kern="1200" dirty="0" err="1">
+                <a:solidFill>
+                  <a:schemeClr val="tx1"/>
+                </a:solidFill>
+                <a:effectLst/>
+                <a:latin typeface="+mn-lt"/>
+                <a:ea typeface="+mn-ea"/>
+                <a:cs typeface="+mn-cs"/>
+              </a:rPr>
+              <a:t>Todo</a:t>
+            </a:r>
+            <a:r>
+              <a:rPr lang="en-US" sz="1200" kern="1200" dirty="0">
+                <a:solidFill>
+                  <a:schemeClr val="tx1"/>
+                </a:solidFill>
+                <a:effectLst/>
+                <a:latin typeface="+mn-lt"/>
+                <a:ea typeface="+mn-ea"/>
+                <a:cs typeface="+mn-cs"/>
+              </a:rPr>
+              <a:t> el que </a:t>
+            </a:r>
+            <a:r>
+              <a:rPr lang="en-US" sz="1200" kern="1200" dirty="0" err="1">
+                <a:solidFill>
+                  <a:schemeClr val="tx1"/>
+                </a:solidFill>
+                <a:effectLst/>
+                <a:latin typeface="+mn-lt"/>
+                <a:ea typeface="+mn-ea"/>
+                <a:cs typeface="+mn-cs"/>
+              </a:rPr>
+              <a:t>ve</a:t>
+            </a:r>
+            <a:r>
+              <a:rPr lang="en-US" sz="1200" kern="1200" dirty="0">
+                <a:solidFill>
+                  <a:schemeClr val="tx1"/>
+                </a:solidFill>
+                <a:effectLst/>
+                <a:latin typeface="+mn-lt"/>
+                <a:ea typeface="+mn-ea"/>
+                <a:cs typeface="+mn-cs"/>
+              </a:rPr>
+              <a:t> </a:t>
+            </a:r>
+            <a:r>
+              <a:rPr lang="en-US" sz="1200" kern="1200" dirty="0" err="1">
+                <a:solidFill>
+                  <a:schemeClr val="tx1"/>
+                </a:solidFill>
+                <a:effectLst/>
+                <a:latin typeface="+mn-lt"/>
+                <a:ea typeface="+mn-ea"/>
+                <a:cs typeface="+mn-cs"/>
+              </a:rPr>
+              <a:t>más</a:t>
+            </a:r>
+            <a:r>
+              <a:rPr lang="en-US" sz="1200" kern="1200" dirty="0">
+                <a:solidFill>
+                  <a:schemeClr val="tx1"/>
+                </a:solidFill>
+                <a:effectLst/>
+                <a:latin typeface="+mn-lt"/>
+                <a:ea typeface="+mn-ea"/>
+                <a:cs typeface="+mn-cs"/>
+              </a:rPr>
+              <a:t> </a:t>
+            </a:r>
+            <a:r>
+              <a:rPr lang="en-US" sz="1200" kern="1200" dirty="0" err="1">
+                <a:solidFill>
+                  <a:schemeClr val="tx1"/>
+                </a:solidFill>
+                <a:effectLst/>
+                <a:latin typeface="+mn-lt"/>
+                <a:ea typeface="+mn-ea"/>
+                <a:cs typeface="+mn-cs"/>
+              </a:rPr>
+              <a:t>alla</a:t>
+            </a:r>
+            <a:r>
+              <a:rPr lang="en-US" sz="1200" kern="1200" dirty="0">
+                <a:solidFill>
+                  <a:schemeClr val="tx1"/>
+                </a:solidFill>
+                <a:effectLst/>
+                <a:latin typeface="+mn-lt"/>
+                <a:ea typeface="+mn-ea"/>
+                <a:cs typeface="+mn-cs"/>
+              </a:rPr>
+              <a:t>́ de los </a:t>
+            </a:r>
+            <a:r>
+              <a:rPr lang="en-US" sz="1200" kern="1200" dirty="0" err="1">
+                <a:solidFill>
+                  <a:schemeClr val="tx1"/>
+                </a:solidFill>
+                <a:effectLst/>
+                <a:latin typeface="+mn-lt"/>
+                <a:ea typeface="+mn-ea"/>
+                <a:cs typeface="+mn-cs"/>
+              </a:rPr>
+              <a:t>límites</a:t>
+            </a:r>
+            <a:r>
+              <a:rPr lang="en-US" sz="1200" kern="1200" dirty="0">
+                <a:solidFill>
+                  <a:schemeClr val="tx1"/>
+                </a:solidFill>
+                <a:effectLst/>
+                <a:latin typeface="+mn-lt"/>
+                <a:ea typeface="+mn-ea"/>
+                <a:cs typeface="+mn-cs"/>
+              </a:rPr>
+              <a:t> de </a:t>
+            </a:r>
+            <a:r>
+              <a:rPr lang="en-US" sz="1200" kern="1200" dirty="0" err="1">
+                <a:solidFill>
+                  <a:schemeClr val="tx1"/>
+                </a:solidFill>
+                <a:effectLst/>
+                <a:latin typeface="+mn-lt"/>
+                <a:ea typeface="+mn-ea"/>
+                <a:cs typeface="+mn-cs"/>
+              </a:rPr>
+              <a:t>su</a:t>
+            </a:r>
+            <a:r>
+              <a:rPr lang="en-US" sz="1200" kern="1200" dirty="0">
+                <a:solidFill>
+                  <a:schemeClr val="tx1"/>
+                </a:solidFill>
+                <a:effectLst/>
+                <a:latin typeface="+mn-lt"/>
+                <a:ea typeface="+mn-ea"/>
+                <a:cs typeface="+mn-cs"/>
+              </a:rPr>
+              <a:t> </a:t>
+            </a:r>
+            <a:r>
+              <a:rPr lang="en-US" sz="1200" kern="1200" dirty="0" err="1">
+                <a:solidFill>
+                  <a:schemeClr val="tx1"/>
+                </a:solidFill>
+                <a:effectLst/>
+                <a:latin typeface="+mn-lt"/>
+                <a:ea typeface="+mn-ea"/>
+                <a:cs typeface="+mn-cs"/>
+              </a:rPr>
+              <a:t>sección</a:t>
+            </a:r>
+            <a:r>
+              <a:rPr lang="en-US" sz="1200" kern="1200" dirty="0">
+                <a:solidFill>
+                  <a:schemeClr val="tx1"/>
+                </a:solidFill>
+                <a:effectLst/>
+                <a:latin typeface="+mn-lt"/>
+                <a:ea typeface="+mn-ea"/>
+                <a:cs typeface="+mn-cs"/>
+              </a:rPr>
+              <a:t> </a:t>
+            </a:r>
+            <a:r>
+              <a:rPr lang="en-US" sz="1200" kern="1200" dirty="0" err="1">
+                <a:solidFill>
+                  <a:schemeClr val="tx1"/>
+                </a:solidFill>
+                <a:effectLst/>
+                <a:latin typeface="+mn-lt"/>
+                <a:ea typeface="+mn-ea"/>
+                <a:cs typeface="+mn-cs"/>
+              </a:rPr>
+              <a:t>es</a:t>
+            </a:r>
+            <a:r>
+              <a:rPr lang="en-US" sz="1200" kern="1200" dirty="0">
+                <a:solidFill>
+                  <a:schemeClr val="tx1"/>
+                </a:solidFill>
+                <a:effectLst/>
+                <a:latin typeface="+mn-lt"/>
+                <a:ea typeface="+mn-ea"/>
+                <a:cs typeface="+mn-cs"/>
+              </a:rPr>
+              <a:t> un </a:t>
+            </a:r>
+            <a:r>
+              <a:rPr lang="en-US" sz="1200" kern="1200" dirty="0" err="1">
+                <a:solidFill>
+                  <a:schemeClr val="tx1"/>
+                </a:solidFill>
+                <a:effectLst/>
+                <a:latin typeface="+mn-lt"/>
+                <a:ea typeface="+mn-ea"/>
+                <a:cs typeface="+mn-cs"/>
+              </a:rPr>
+              <a:t>profeta</a:t>
+            </a:r>
+            <a:r>
+              <a:rPr lang="en-US" sz="1200" kern="1200" dirty="0">
+                <a:solidFill>
+                  <a:schemeClr val="tx1"/>
+                </a:solidFill>
+                <a:effectLst/>
+                <a:latin typeface="+mn-lt"/>
+                <a:ea typeface="+mn-ea"/>
+                <a:cs typeface="+mn-cs"/>
+              </a:rPr>
+              <a:t> para </a:t>
+            </a:r>
+            <a:r>
+              <a:rPr lang="en-US" sz="1200" kern="1200" dirty="0" err="1">
+                <a:solidFill>
+                  <a:schemeClr val="tx1"/>
+                </a:solidFill>
+                <a:effectLst/>
+                <a:latin typeface="+mn-lt"/>
+                <a:ea typeface="+mn-ea"/>
+                <a:cs typeface="+mn-cs"/>
+              </a:rPr>
+              <a:t>su</a:t>
+            </a:r>
+            <a:r>
+              <a:rPr lang="en-US" sz="1200" kern="1200" dirty="0">
+                <a:solidFill>
+                  <a:schemeClr val="tx1"/>
+                </a:solidFill>
+                <a:effectLst/>
+                <a:latin typeface="+mn-lt"/>
+                <a:ea typeface="+mn-ea"/>
+                <a:cs typeface="+mn-cs"/>
+              </a:rPr>
+              <a:t> </a:t>
+            </a:r>
+            <a:r>
+              <a:rPr lang="en-US" sz="1200" kern="1200" dirty="0" err="1">
+                <a:solidFill>
+                  <a:schemeClr val="tx1"/>
+                </a:solidFill>
+                <a:effectLst/>
+                <a:latin typeface="+mn-lt"/>
+                <a:ea typeface="+mn-ea"/>
+                <a:cs typeface="+mn-cs"/>
+              </a:rPr>
+              <a:t>alrededor</a:t>
+            </a:r>
+            <a:r>
+              <a:rPr lang="en-US" sz="1200" kern="1200" dirty="0">
+                <a:solidFill>
+                  <a:schemeClr val="tx1"/>
+                </a:solidFill>
+                <a:effectLst/>
+                <a:latin typeface="+mn-lt"/>
+                <a:ea typeface="+mn-ea"/>
+                <a:cs typeface="+mn-cs"/>
+              </a:rPr>
+              <a:t> y </a:t>
+            </a:r>
+            <a:r>
+              <a:rPr lang="en-US" sz="1200" kern="1200" dirty="0" err="1">
+                <a:solidFill>
+                  <a:schemeClr val="tx1"/>
+                </a:solidFill>
+                <a:effectLst/>
+                <a:latin typeface="+mn-lt"/>
+                <a:ea typeface="+mn-ea"/>
+                <a:cs typeface="+mn-cs"/>
+              </a:rPr>
+              <a:t>colabora</a:t>
+            </a:r>
+            <a:r>
+              <a:rPr lang="en-US" sz="1200" kern="1200" dirty="0">
+                <a:solidFill>
+                  <a:schemeClr val="tx1"/>
+                </a:solidFill>
+                <a:effectLst/>
+                <a:latin typeface="+mn-lt"/>
+                <a:ea typeface="+mn-ea"/>
+                <a:cs typeface="+mn-cs"/>
+              </a:rPr>
+              <a:t> al </a:t>
+            </a:r>
+            <a:r>
+              <a:rPr lang="en-US" sz="1200" kern="1200" dirty="0" err="1">
+                <a:solidFill>
+                  <a:schemeClr val="tx1"/>
+                </a:solidFill>
+                <a:effectLst/>
+                <a:latin typeface="+mn-lt"/>
+                <a:ea typeface="+mn-ea"/>
+                <a:cs typeface="+mn-cs"/>
+              </a:rPr>
+              <a:t>movimiento</a:t>
+            </a:r>
+            <a:r>
+              <a:rPr lang="en-US" sz="1200" kern="1200" dirty="0">
+                <a:solidFill>
+                  <a:schemeClr val="tx1"/>
+                </a:solidFill>
+                <a:effectLst/>
+                <a:latin typeface="+mn-lt"/>
+                <a:ea typeface="+mn-ea"/>
+                <a:cs typeface="+mn-cs"/>
+              </a:rPr>
+              <a:t> del lento </a:t>
+            </a:r>
+            <a:r>
+              <a:rPr lang="en-US" sz="1200" kern="1200" dirty="0" err="1">
+                <a:solidFill>
+                  <a:schemeClr val="tx1"/>
+                </a:solidFill>
+                <a:effectLst/>
+                <a:latin typeface="+mn-lt"/>
+                <a:ea typeface="+mn-ea"/>
+                <a:cs typeface="+mn-cs"/>
+              </a:rPr>
+              <a:t>carro</a:t>
+            </a:r>
+            <a:r>
+              <a:rPr lang="en-US" sz="1200" kern="1200" dirty="0">
+                <a:solidFill>
+                  <a:schemeClr val="tx1"/>
+                </a:solidFill>
+                <a:effectLst/>
+                <a:latin typeface="+mn-lt"/>
+                <a:ea typeface="+mn-ea"/>
+                <a:cs typeface="+mn-cs"/>
+              </a:rPr>
+              <a:t>”. </a:t>
+            </a:r>
+            <a:endParaRPr lang="en-US" dirty="0"/>
+          </a:p>
+          <a:p>
+            <a:pPr marL="0" marR="0" lvl="0" indent="0" algn="l" defTabSz="914400" rtl="0" eaLnBrk="1" fontAlgn="auto" latinLnBrk="0" hangingPunct="1">
+              <a:lnSpc>
+                <a:spcPct val="100000"/>
+              </a:lnSpc>
+              <a:spcBef>
+                <a:spcPts val="0"/>
+              </a:spcBef>
+              <a:spcAft>
+                <a:spcPts val="0"/>
+              </a:spcAft>
+              <a:buClrTx/>
+              <a:buSzTx/>
+              <a:buFontTx/>
+              <a:buNone/>
+              <a:tabLst/>
+              <a:defRPr/>
+            </a:pPr>
             <a:r>
               <a:rPr lang="es-ES_tradnl" dirty="0"/>
-              <a:t> y la creación del espacio a través del movimiento</a:t>
-            </a:r>
-          </a:p>
-          <a:p>
-            <a:r>
-              <a:rPr lang="es-ES_tradnl" dirty="0"/>
-              <a:t>Movimiento interior implica espacio interior</a:t>
-            </a:r>
+              <a:t>“</a:t>
+            </a:r>
+          </a:p>
+          <a:p>
+            <a:endParaRPr lang="es-ES_tradnl" dirty="0"/>
           </a:p>
         </p:txBody>
       </p:sp>
@@ -2258,7 +3524,7 @@
     </p:spTree>
     <p:extLst>
       <p:ext uri="{BB962C8B-B14F-4D97-AF65-F5344CB8AC3E}">
-        <p14:creationId xmlns:p14="http://schemas.microsoft.com/office/powerpoint/2010/main" val="2297347698"/>
+        <p14:creationId xmlns:p14="http://schemas.microsoft.com/office/powerpoint/2010/main" val="3250653488"/>
       </p:ext>
     </p:extLst>
   </p:cSld>
@@ -2314,13 +3580,13 @@
           <a:p>
             <a:r>
               <a:rPr lang="es-ES_tradnl" dirty="0"/>
-              <a:t>1’</a:t>
+              <a:t>30”</a:t>
             </a:r>
           </a:p>
           <a:p>
             <a:r>
               <a:rPr lang="es-ES_tradnl" dirty="0"/>
-              <a:t>Kandinsky – primer capítulo de “De lo espiritual en el arte” (triangulo)</a:t>
+              <a:t>El trabajo de cada artista, entonces, colabora con el movimiento del triángulo, empujando hacia arriba y delante; trabajo que es, a su vez, un movimiento del artista en el espacio de creación artística, espacio que se amplia con el tiempo a través de ese movimiento.</a:t>
             </a:r>
           </a:p>
         </p:txBody>
@@ -2351,7 +3617,7 @@
     </p:spTree>
     <p:extLst>
       <p:ext uri="{BB962C8B-B14F-4D97-AF65-F5344CB8AC3E}">
-        <p14:creationId xmlns:p14="http://schemas.microsoft.com/office/powerpoint/2010/main" val="1463247063"/>
+        <p14:creationId xmlns:p14="http://schemas.microsoft.com/office/powerpoint/2010/main" val="3621410384"/>
       </p:ext>
     </p:extLst>
   </p:cSld>
@@ -3894,7 +5160,7 @@
 </file>
 
 <file path=ppt/slideLayouts/slideLayout6.xml><?xml version="1.0" encoding="utf-8"?>
-<p:sldLayout xmlns:a="http://schemas.openxmlformats.org/drawingml/2006/main" xmlns:r="http://schemas.openxmlformats.org/officeDocument/2006/relationships" xmlns:p="http://schemas.openxmlformats.org/presentationml/2006/main" type="titleOnly" preserve="1">
+<p:sldLayout xmlns:a="http://schemas.openxmlformats.org/drawingml/2006/main" xmlns:r="http://schemas.openxmlformats.org/officeDocument/2006/relationships" xmlns:p="http://schemas.openxmlformats.org/presentationml/2006/main" preserve="1" userDrawn="1">
   <p:cSld name="Title Only">
     <p:spTree>
       <p:nvGrpSpPr>
@@ -3946,74 +5212,71 @@
       </p:sp>
       <p:sp>
         <p:nvSpPr>
-          <p:cNvPr id="3" name="Date Placeholder 2"/>
-          <p:cNvSpPr>
-            <a:spLocks noGrp="1"/>
-          </p:cNvSpPr>
-          <p:nvPr>
-            <p:ph type="dt" sz="half" idx="10"/>
-          </p:nvPr>
-        </p:nvSpPr>
-        <p:spPr/>
-        <p:txBody>
-          <a:bodyPr/>
-          <a:lstStyle/>
-          <a:p>
-            <a:fld id="{DCF8C03A-3EDD-0E40-BB37-0BAA3FE57DAB}" type="datetimeFigureOut">
-              <a:rPr lang="en-US" smtClean="0"/>
-              <a:t>6/3/18</a:t>
-            </a:fld>
-            <a:endParaRPr lang="en-US"/>
-          </a:p>
-        </p:txBody>
-      </p:sp>
-      <p:sp>
-        <p:nvSpPr>
-          <p:cNvPr id="4" name="Footer Placeholder 3"/>
-          <p:cNvSpPr>
-            <a:spLocks noGrp="1"/>
-          </p:cNvSpPr>
-          <p:nvPr>
-            <p:ph type="ftr" sz="quarter" idx="11"/>
+          <p:cNvPr id="12" name="Subtitle 2">
+            <a:extLst>
+              <a:ext uri="{FF2B5EF4-FFF2-40B4-BE49-F238E27FC236}">
+                <a16:creationId xmlns:a16="http://schemas.microsoft.com/office/drawing/2014/main" id="{06FE9A0C-093D-414F-954B-522EE25E444C}"/>
+              </a:ext>
+            </a:extLst>
+          </p:cNvPr>
+          <p:cNvSpPr>
+            <a:spLocks noGrp="1"/>
+          </p:cNvSpPr>
+          <p:nvPr>
+            <p:ph type="subTitle" idx="1"/>
           </p:nvPr>
         </p:nvSpPr>
         <p:spPr>
           <a:xfrm>
-            <a:off x="3028950" y="6356351"/>
-            <a:ext cx="3086100" cy="365125"/>
+            <a:off x="1143000" y="6172200"/>
+            <a:ext cx="6858000" cy="497541"/>
           </a:xfrm>
-          <a:prstGeom prst="rect">
-            <a:avLst/>
-          </a:prstGeom>
         </p:spPr>
         <p:txBody>
-          <a:bodyPr/>
-          <a:lstStyle/>
-          <a:p>
-            <a:endParaRPr lang="en-US"/>
-          </a:p>
-        </p:txBody>
-      </p:sp>
-      <p:sp>
-        <p:nvSpPr>
-          <p:cNvPr id="5" name="Slide Number Placeholder 4"/>
-          <p:cNvSpPr>
-            <a:spLocks noGrp="1"/>
-          </p:cNvSpPr>
-          <p:nvPr>
-            <p:ph type="sldNum" sz="quarter" idx="12"/>
-          </p:nvPr>
-        </p:nvSpPr>
-        <p:spPr/>
-        <p:txBody>
-          <a:bodyPr/>
-          <a:lstStyle/>
-          <a:p>
-            <a:fld id="{CB4A5C6C-BC9A-8549-A13B-DC81555786C4}" type="slidenum">
-              <a:rPr lang="en-US" smtClean="0"/>
-              <a:t>‹#›</a:t>
-            </a:fld>
-            <a:endParaRPr lang="en-US"/>
+          <a:bodyPr anchor="ctr" anchorCtr="0"/>
+          <a:lstStyle>
+            <a:lvl1pPr marL="0" indent="0" algn="ctr">
+              <a:buNone/>
+              <a:defRPr sz="2400"/>
+            </a:lvl1pPr>
+            <a:lvl2pPr marL="457200" indent="0" algn="ctr">
+              <a:buNone/>
+              <a:defRPr sz="2000"/>
+            </a:lvl2pPr>
+            <a:lvl3pPr marL="914400" indent="0" algn="ctr">
+              <a:buNone/>
+              <a:defRPr sz="1800"/>
+            </a:lvl3pPr>
+            <a:lvl4pPr marL="1371600" indent="0" algn="ctr">
+              <a:buNone/>
+              <a:defRPr sz="1600"/>
+            </a:lvl4pPr>
+            <a:lvl5pPr marL="1828800" indent="0" algn="ctr">
+              <a:buNone/>
+              <a:defRPr sz="1600"/>
+            </a:lvl5pPr>
+            <a:lvl6pPr marL="2286000" indent="0" algn="ctr">
+              <a:buNone/>
+              <a:defRPr sz="1600"/>
+            </a:lvl6pPr>
+            <a:lvl7pPr marL="2743200" indent="0" algn="ctr">
+              <a:buNone/>
+              <a:defRPr sz="1600"/>
+            </a:lvl7pPr>
+            <a:lvl8pPr marL="3200400" indent="0" algn="ctr">
+              <a:buNone/>
+              <a:defRPr sz="1600"/>
+            </a:lvl8pPr>
+            <a:lvl9pPr marL="3657600" indent="0" algn="ctr">
+              <a:buNone/>
+              <a:defRPr sz="1600"/>
+            </a:lvl9pPr>
+          </a:lstStyle>
+          <a:p>
+            <a:r>
+              <a:rPr lang="en-US" dirty="0"/>
+              <a:t>Click to edit Master subtitle style</a:t>
+            </a:r>
           </a:p>
         </p:txBody>
       </p:sp>
@@ -5524,10 +6787,10 @@
       </p:grpSpPr>
       <p:sp>
         <p:nvSpPr>
-          <p:cNvPr id="19" name="Triangle 18">
+          <p:cNvPr id="8" name="Triangle 7">
             <a:extLst>
               <a:ext uri="{FF2B5EF4-FFF2-40B4-BE49-F238E27FC236}">
-                <a16:creationId xmlns:a16="http://schemas.microsoft.com/office/drawing/2014/main" id="{B1C3CD1A-C404-DA46-ACC2-C100D2E88C35}"/>
+                <a16:creationId xmlns:a16="http://schemas.microsoft.com/office/drawing/2014/main" id="{88AFE18D-E17A-8C4E-9700-32C5401C31F7}"/>
               </a:ext>
             </a:extLst>
           </p:cNvPr>
@@ -5536,8 +6799,8 @@
         </p:nvSpPr>
         <p:spPr>
           <a:xfrm>
-            <a:off x="1207564" y="1251491"/>
-            <a:ext cx="6723429" cy="4227512"/>
+            <a:off x="1272128" y="1251492"/>
+            <a:ext cx="6597022" cy="4146622"/>
           </a:xfrm>
           <a:prstGeom prst="triangle">
             <a:avLst>
@@ -5545,10 +6808,15 @@
             </a:avLst>
           </a:prstGeom>
           <a:solidFill>
-            <a:schemeClr val="tx1"/>
+            <a:schemeClr val="bg1"/>
           </a:solidFill>
-          <a:ln>
-            <a:noFill/>
+          <a:ln w="38100">
+            <a:solidFill>
+              <a:schemeClr val="bg2">
+                <a:lumMod val="75000"/>
+              </a:schemeClr>
+            </a:solidFill>
+            <a:prstDash val="dash"/>
           </a:ln>
         </p:spPr>
         <p:style>
@@ -5576,188 +6844,787 @@
           </a:p>
         </p:txBody>
       </p:sp>
-      <p:sp>
-        <p:nvSpPr>
-          <p:cNvPr id="2" name="Title 1">
+      <p:grpSp>
+        <p:nvGrpSpPr>
+          <p:cNvPr id="17" name="Group 16">
             <a:extLst>
               <a:ext uri="{FF2B5EF4-FFF2-40B4-BE49-F238E27FC236}">
-                <a16:creationId xmlns:a16="http://schemas.microsoft.com/office/drawing/2014/main" id="{91BF2121-2EBA-7A46-AE60-EBB13DB8F480}"/>
+                <a16:creationId xmlns:a16="http://schemas.microsoft.com/office/drawing/2014/main" id="{BE857904-C2EE-E540-A53C-94C33B02867C}"/>
               </a:ext>
             </a:extLst>
           </p:cNvPr>
-          <p:cNvSpPr>
-            <a:spLocks noGrp="1"/>
-          </p:cNvSpPr>
-          <p:nvPr>
-            <p:ph type="title"/>
-          </p:nvPr>
-        </p:nvSpPr>
-        <p:spPr>
+          <p:cNvGrpSpPr/>
+          <p:nvPr/>
+        </p:nvGrpSpPr>
+        <p:grpSpPr>
           <a:xfrm>
-            <a:off x="591230" y="1709740"/>
-            <a:ext cx="7886700" cy="2503032"/>
+            <a:off x="4274115" y="4840276"/>
+            <a:ext cx="2406081" cy="429289"/>
+            <a:chOff x="4274115" y="4262055"/>
+            <a:chExt cx="2406081" cy="429289"/>
           </a:xfrm>
-        </p:spPr>
-        <p:txBody>
-          <a:bodyPr/>
-          <a:lstStyle/>
-          <a:p>
-            <a:br>
-              <a:rPr lang="es-ES_tradnl" dirty="0">
-                <a:solidFill>
-                  <a:schemeClr val="bg1"/>
-                </a:solidFill>
-              </a:rPr>
-            </a:br>
-            <a:br>
-              <a:rPr lang="es-ES_tradnl" dirty="0">
-                <a:solidFill>
-                  <a:schemeClr val="bg1"/>
-                </a:solidFill>
-              </a:rPr>
-            </a:br>
-            <a:r>
-              <a:rPr lang="es-ES_tradnl" dirty="0">
-                <a:solidFill>
-                  <a:schemeClr val="bg1"/>
-                </a:solidFill>
-              </a:rPr>
-              <a:t>Movimiento interior</a:t>
-            </a:r>
-          </a:p>
-        </p:txBody>
-      </p:sp>
-      <mc:AlternateContent xmlns:mc="http://schemas.openxmlformats.org/markup-compatibility/2006">
-        <mc:Choice xmlns:a14="http://schemas.microsoft.com/office/drawing/2010/main" Requires="a14">
-          <p:sp>
-            <p:nvSpPr>
-              <p:cNvPr id="21" name="TextBox 20">
+        </p:grpSpPr>
+        <p:sp>
+          <p:nvSpPr>
+            <p:cNvPr id="18" name="Oval 17">
+              <a:extLst>
+                <a:ext uri="{FF2B5EF4-FFF2-40B4-BE49-F238E27FC236}">
+                  <a16:creationId xmlns:a16="http://schemas.microsoft.com/office/drawing/2014/main" id="{6FEC6460-9EC0-3A43-88E1-84F549B7EEA5}"/>
+                </a:ext>
+              </a:extLst>
+            </p:cNvPr>
+            <p:cNvSpPr/>
+            <p:nvPr/>
+          </p:nvSpPr>
+          <p:spPr>
+            <a:xfrm>
+              <a:off x="5412592" y="4262055"/>
+              <a:ext cx="129128" cy="129128"/>
+            </a:xfrm>
+            <a:prstGeom prst="ellipse">
+              <a:avLst/>
+            </a:prstGeom>
+            <a:solidFill>
+              <a:schemeClr val="bg2">
+                <a:lumMod val="75000"/>
+              </a:schemeClr>
+            </a:solidFill>
+            <a:ln>
+              <a:noFill/>
+            </a:ln>
+          </p:spPr>
+          <p:style>
+            <a:lnRef idx="2">
+              <a:schemeClr val="accent1">
+                <a:shade val="50000"/>
+              </a:schemeClr>
+            </a:lnRef>
+            <a:fillRef idx="1">
+              <a:schemeClr val="accent1"/>
+            </a:fillRef>
+            <a:effectRef idx="0">
+              <a:schemeClr val="accent1"/>
+            </a:effectRef>
+            <a:fontRef idx="minor">
+              <a:schemeClr val="lt1"/>
+            </a:fontRef>
+          </p:style>
+          <p:txBody>
+            <a:bodyPr rtlCol="0" anchor="ctr"/>
+            <a:lstStyle/>
+            <a:p>
+              <a:pPr algn="ctr"/>
+              <a:endParaRPr lang="en-US" dirty="0"/>
+            </a:p>
+          </p:txBody>
+        </p:sp>
+        <p:grpSp>
+          <p:nvGrpSpPr>
+            <p:cNvPr id="19" name="Group 18">
+              <a:extLst>
+                <a:ext uri="{FF2B5EF4-FFF2-40B4-BE49-F238E27FC236}">
+                  <a16:creationId xmlns:a16="http://schemas.microsoft.com/office/drawing/2014/main" id="{9966546D-4982-5E43-AB66-49354B7E3E04}"/>
+                </a:ext>
+              </a:extLst>
+            </p:cNvPr>
+            <p:cNvGrpSpPr/>
+            <p:nvPr/>
+          </p:nvGrpSpPr>
+          <p:grpSpPr>
+            <a:xfrm rot="10800000">
+              <a:off x="4274115" y="4326619"/>
+              <a:ext cx="2406081" cy="364725"/>
+              <a:chOff x="4573454" y="3161173"/>
+              <a:chExt cx="1807403" cy="1136061"/>
+            </a:xfrm>
+          </p:grpSpPr>
+          <p:cxnSp>
+            <p:nvCxnSpPr>
+              <p:cNvPr id="20" name="Straight Connector 19">
                 <a:extLst>
                   <a:ext uri="{FF2B5EF4-FFF2-40B4-BE49-F238E27FC236}">
-                    <a16:creationId xmlns:a16="http://schemas.microsoft.com/office/drawing/2014/main" id="{2BBA1C0D-7DC1-6144-86AD-C166291C0D05}"/>
+                    <a16:creationId xmlns:a16="http://schemas.microsoft.com/office/drawing/2014/main" id="{84435399-B8FF-2F43-A40B-AFCBBCA8067C}"/>
                   </a:ext>
                 </a:extLst>
               </p:cNvPr>
-              <p:cNvSpPr txBox="1"/>
+              <p:cNvCxnSpPr>
+                <a:cxnSpLocks/>
+              </p:cNvCxnSpPr>
               <p:nvPr/>
-            </p:nvSpPr>
+            </p:nvCxnSpPr>
             <p:spPr>
-              <a:xfrm>
-                <a:off x="4135280" y="4107223"/>
-                <a:ext cx="867995" cy="738664"/>
+              <a:xfrm flipH="1" flipV="1">
+                <a:off x="4573454" y="3161173"/>
+                <a:ext cx="903701" cy="1136061"/>
               </a:xfrm>
-              <a:prstGeom prst="rect">
+              <a:prstGeom prst="line">
                 <a:avLst/>
               </a:prstGeom>
-              <a:noFill/>
+              <a:ln w="38100" cap="rnd">
+                <a:solidFill>
+                  <a:schemeClr val="bg2">
+                    <a:lumMod val="75000"/>
+                  </a:schemeClr>
+                </a:solidFill>
+                <a:prstDash val="sysDot"/>
+                <a:round/>
+              </a:ln>
             </p:spPr>
-            <p:txBody>
-              <a:bodyPr wrap="none" lIns="0" tIns="0" rIns="0" bIns="0" rtlCol="0">
-                <a:spAutoFit/>
-              </a:bodyPr>
-              <a:lstStyle/>
-              <a:p>
-                <a14:m>
-                  <m:oMathPara xmlns:m="http://schemas.openxmlformats.org/officeDocument/2006/math">
-                    <m:oMathParaPr>
-                      <m:jc m:val="centerGroup"/>
-                    </m:oMathParaPr>
-                    <m:oMath xmlns:m="http://schemas.openxmlformats.org/officeDocument/2006/math">
-                      <m:sSub>
-                        <m:sSubPr>
-                          <m:ctrlPr>
-                            <a:rPr lang="es-ES_tradnl" sz="4800" i="1" smtClean="0">
-                              <a:solidFill>
-                                <a:schemeClr val="bg1"/>
-                              </a:solidFill>
-                              <a:latin typeface="Cambria Math" panose="02040503050406030204" pitchFamily="18" charset="0"/>
-                            </a:rPr>
-                          </m:ctrlPr>
-                        </m:sSubPr>
-                        <m:e>
-                          <m:r>
-                            <a:rPr lang="es-ES" sz="4800" b="0" i="1" smtClean="0">
-                              <a:solidFill>
-                                <a:schemeClr val="bg1"/>
-                              </a:solidFill>
-                              <a:latin typeface="Cambria Math" panose="02040503050406030204" pitchFamily="18" charset="0"/>
-                            </a:rPr>
-                            <m:t>𝑚</m:t>
-                          </m:r>
-                        </m:e>
-                        <m:sub>
-                          <m:r>
-                            <a:rPr lang="es-ES" sz="4800" b="0" i="1" smtClean="0">
-                              <a:solidFill>
-                                <a:schemeClr val="bg1"/>
-                              </a:solidFill>
-                              <a:latin typeface="Cambria Math" panose="02040503050406030204" pitchFamily="18" charset="0"/>
-                            </a:rPr>
-                            <m:t>𝑖</m:t>
-                          </m:r>
-                        </m:sub>
-                      </m:sSub>
-                    </m:oMath>
-                  </m:oMathPara>
-                </a14:m>
-                <a:endParaRPr lang="es-ES_tradnl" sz="4800" dirty="0">
-                  <a:solidFill>
-                    <a:schemeClr val="bg1"/>
-                  </a:solidFill>
-                </a:endParaRPr>
-              </a:p>
-            </p:txBody>
-          </p:sp>
-        </mc:Choice>
-        <mc:Fallback>
-          <p:sp>
-            <p:nvSpPr>
-              <p:cNvPr id="21" name="TextBox 20">
+            <p:style>
+              <a:lnRef idx="1">
+                <a:schemeClr val="accent1"/>
+              </a:lnRef>
+              <a:fillRef idx="0">
+                <a:schemeClr val="accent1"/>
+              </a:fillRef>
+              <a:effectRef idx="0">
+                <a:schemeClr val="accent1"/>
+              </a:effectRef>
+              <a:fontRef idx="minor">
+                <a:schemeClr val="tx1"/>
+              </a:fontRef>
+            </p:style>
+          </p:cxnSp>
+          <p:cxnSp>
+            <p:nvCxnSpPr>
+              <p:cNvPr id="21" name="Straight Connector 20">
                 <a:extLst>
                   <a:ext uri="{FF2B5EF4-FFF2-40B4-BE49-F238E27FC236}">
-                    <a16:creationId xmlns:a16="http://schemas.microsoft.com/office/drawing/2014/main" id="{2BBA1C0D-7DC1-6144-86AD-C166291C0D05}"/>
+                    <a16:creationId xmlns:a16="http://schemas.microsoft.com/office/drawing/2014/main" id="{C8FDB39D-E0A6-DF40-B76F-6BCE88CB8DB9}"/>
                   </a:ext>
                 </a:extLst>
               </p:cNvPr>
-              <p:cNvSpPr txBox="1">
-                <a:spLocks noRot="1" noChangeAspect="1" noMove="1" noResize="1" noEditPoints="1" noAdjustHandles="1" noChangeArrowheads="1" noChangeShapeType="1" noTextEdit="1"/>
-              </p:cNvSpPr>
+              <p:cNvCxnSpPr>
+                <a:cxnSpLocks/>
+              </p:cNvCxnSpPr>
               <p:nvPr/>
-            </p:nvSpPr>
+            </p:nvCxnSpPr>
             <p:spPr>
-              <a:xfrm>
-                <a:off x="4135280" y="4107223"/>
-                <a:ext cx="867995" cy="738664"/>
+              <a:xfrm flipV="1">
+                <a:off x="5477155" y="3161173"/>
+                <a:ext cx="903702" cy="1136061"/>
               </a:xfrm>
-              <a:prstGeom prst="rect">
+              <a:prstGeom prst="line">
                 <a:avLst/>
               </a:prstGeom>
-              <a:blipFill>
-                <a:blip r:embed="rId3"/>
-                <a:stretch>
-                  <a:fillRect l="-7246" r="-2899" b="-20000"/>
-                </a:stretch>
-              </a:blipFill>
+              <a:ln w="38100" cap="rnd">
+                <a:solidFill>
+                  <a:schemeClr val="bg2">
+                    <a:lumMod val="75000"/>
+                  </a:schemeClr>
+                </a:solidFill>
+                <a:prstDash val="sysDot"/>
+                <a:round/>
+              </a:ln>
             </p:spPr>
-            <p:txBody>
-              <a:bodyPr/>
-              <a:lstStyle/>
-              <a:p>
-                <a:r>
-                  <a:rPr lang="es-ES_tradnl">
-                    <a:noFill/>
-                  </a:rPr>
-                  <a:t> </a:t>
-                </a:r>
-              </a:p>
-            </p:txBody>
-          </p:sp>
-        </mc:Fallback>
-      </mc:AlternateContent>
+            <p:style>
+              <a:lnRef idx="1">
+                <a:schemeClr val="accent1"/>
+              </a:lnRef>
+              <a:fillRef idx="0">
+                <a:schemeClr val="accent1"/>
+              </a:fillRef>
+              <a:effectRef idx="0">
+                <a:schemeClr val="accent1"/>
+              </a:effectRef>
+              <a:fontRef idx="minor">
+                <a:schemeClr val="tx1"/>
+              </a:fontRef>
+            </p:style>
+          </p:cxnSp>
+        </p:grpSp>
+      </p:grpSp>
+      <p:sp>
+        <p:nvSpPr>
+          <p:cNvPr id="16" name="Triangle 15">
+            <a:extLst>
+              <a:ext uri="{FF2B5EF4-FFF2-40B4-BE49-F238E27FC236}">
+                <a16:creationId xmlns:a16="http://schemas.microsoft.com/office/drawing/2014/main" id="{C53DE46A-30A4-364D-8C7B-0F906427172B}"/>
+              </a:ext>
+            </a:extLst>
+          </p:cNvPr>
+          <p:cNvSpPr/>
+          <p:nvPr/>
+        </p:nvSpPr>
+        <p:spPr>
+          <a:xfrm>
+            <a:off x="1299670" y="629920"/>
+            <a:ext cx="6597022" cy="4146622"/>
+          </a:xfrm>
+          <a:prstGeom prst="triangle">
+            <a:avLst>
+              <a:gd name="adj" fmla="val 50000"/>
+            </a:avLst>
+          </a:prstGeom>
+          <a:solidFill>
+            <a:schemeClr val="bg1"/>
+          </a:solidFill>
+          <a:ln w="38100">
+            <a:solidFill>
+              <a:schemeClr val="tx1"/>
+            </a:solidFill>
+          </a:ln>
+        </p:spPr>
+        <p:style>
+          <a:lnRef idx="2">
+            <a:schemeClr val="accent1">
+              <a:shade val="50000"/>
+            </a:schemeClr>
+          </a:lnRef>
+          <a:fillRef idx="1">
+            <a:schemeClr val="accent1"/>
+          </a:fillRef>
+          <a:effectRef idx="0">
+            <a:schemeClr val="accent1"/>
+          </a:effectRef>
+          <a:fontRef idx="minor">
+            <a:schemeClr val="lt1"/>
+          </a:fontRef>
+        </p:style>
+        <p:txBody>
+          <a:bodyPr rtlCol="0" anchor="ctr"/>
+          <a:lstStyle/>
+          <a:p>
+            <a:pPr algn="ctr"/>
+            <a:endParaRPr lang="es-ES_tradnl" dirty="0"/>
+          </a:p>
+        </p:txBody>
+      </p:sp>
+      <p:grpSp>
+        <p:nvGrpSpPr>
+          <p:cNvPr id="15" name="Group 14">
+            <a:extLst>
+              <a:ext uri="{FF2B5EF4-FFF2-40B4-BE49-F238E27FC236}">
+                <a16:creationId xmlns:a16="http://schemas.microsoft.com/office/drawing/2014/main" id="{084C859B-592B-6B4F-8CFB-EC95DCC49BA0}"/>
+              </a:ext>
+            </a:extLst>
+          </p:cNvPr>
+          <p:cNvGrpSpPr/>
+          <p:nvPr/>
+        </p:nvGrpSpPr>
+        <p:grpSpPr>
+          <a:xfrm>
+            <a:off x="3242629" y="1345785"/>
+            <a:ext cx="1807403" cy="1230010"/>
+            <a:chOff x="3242629" y="1345785"/>
+            <a:chExt cx="1807403" cy="1230010"/>
+          </a:xfrm>
+        </p:grpSpPr>
+        <p:sp>
+          <p:nvSpPr>
+            <p:cNvPr id="5" name="Oval 4">
+              <a:extLst>
+                <a:ext uri="{FF2B5EF4-FFF2-40B4-BE49-F238E27FC236}">
+                  <a16:creationId xmlns:a16="http://schemas.microsoft.com/office/drawing/2014/main" id="{3A88D263-9FDA-9F49-BDD0-2E63CCA956EF}"/>
+                </a:ext>
+              </a:extLst>
+            </p:cNvPr>
+            <p:cNvSpPr/>
+            <p:nvPr/>
+          </p:nvSpPr>
+          <p:spPr>
+            <a:xfrm>
+              <a:off x="4081767" y="2446667"/>
+              <a:ext cx="129128" cy="129128"/>
+            </a:xfrm>
+            <a:prstGeom prst="ellipse">
+              <a:avLst/>
+            </a:prstGeom>
+            <a:solidFill>
+              <a:schemeClr val="bg2">
+                <a:lumMod val="75000"/>
+              </a:schemeClr>
+            </a:solidFill>
+            <a:ln>
+              <a:noFill/>
+            </a:ln>
+          </p:spPr>
+          <p:style>
+            <a:lnRef idx="2">
+              <a:schemeClr val="accent1">
+                <a:shade val="50000"/>
+              </a:schemeClr>
+            </a:lnRef>
+            <a:fillRef idx="1">
+              <a:schemeClr val="accent1"/>
+            </a:fillRef>
+            <a:effectRef idx="0">
+              <a:schemeClr val="accent1"/>
+            </a:effectRef>
+            <a:fontRef idx="minor">
+              <a:schemeClr val="lt1"/>
+            </a:fontRef>
+          </p:style>
+          <p:txBody>
+            <a:bodyPr rtlCol="0" anchor="ctr"/>
+            <a:lstStyle/>
+            <a:p>
+              <a:pPr algn="ctr"/>
+              <a:endParaRPr lang="en-US" dirty="0"/>
+            </a:p>
+          </p:txBody>
+        </p:sp>
+        <p:grpSp>
+          <p:nvGrpSpPr>
+            <p:cNvPr id="14" name="Group 13">
+              <a:extLst>
+                <a:ext uri="{FF2B5EF4-FFF2-40B4-BE49-F238E27FC236}">
+                  <a16:creationId xmlns:a16="http://schemas.microsoft.com/office/drawing/2014/main" id="{F209B6DF-E077-BD41-B572-B6A4CEFA17B4}"/>
+                </a:ext>
+              </a:extLst>
+            </p:cNvPr>
+            <p:cNvGrpSpPr/>
+            <p:nvPr/>
+          </p:nvGrpSpPr>
+          <p:grpSpPr>
+            <a:xfrm>
+              <a:off x="3242629" y="1345785"/>
+              <a:ext cx="1807403" cy="1136061"/>
+              <a:chOff x="2181461" y="975014"/>
+              <a:chExt cx="1807403" cy="1136061"/>
+            </a:xfrm>
+          </p:grpSpPr>
+          <p:cxnSp>
+            <p:nvCxnSpPr>
+              <p:cNvPr id="3" name="Straight Connector 2">
+                <a:extLst>
+                  <a:ext uri="{FF2B5EF4-FFF2-40B4-BE49-F238E27FC236}">
+                    <a16:creationId xmlns:a16="http://schemas.microsoft.com/office/drawing/2014/main" id="{986C09F0-20E5-6642-A421-DEBB071C0FCA}"/>
+                  </a:ext>
+                </a:extLst>
+              </p:cNvPr>
+              <p:cNvCxnSpPr>
+                <a:cxnSpLocks/>
+              </p:cNvCxnSpPr>
+              <p:nvPr/>
+            </p:nvCxnSpPr>
+            <p:spPr>
+              <a:xfrm flipH="1" flipV="1">
+                <a:off x="2181461" y="975014"/>
+                <a:ext cx="903701" cy="1136061"/>
+              </a:xfrm>
+              <a:prstGeom prst="line">
+                <a:avLst/>
+              </a:prstGeom>
+              <a:ln w="38100" cap="rnd">
+                <a:solidFill>
+                  <a:schemeClr val="bg2">
+                    <a:lumMod val="75000"/>
+                  </a:schemeClr>
+                </a:solidFill>
+                <a:prstDash val="sysDot"/>
+                <a:round/>
+              </a:ln>
+            </p:spPr>
+            <p:style>
+              <a:lnRef idx="1">
+                <a:schemeClr val="accent1"/>
+              </a:lnRef>
+              <a:fillRef idx="0">
+                <a:schemeClr val="accent1"/>
+              </a:fillRef>
+              <a:effectRef idx="0">
+                <a:schemeClr val="accent1"/>
+              </a:effectRef>
+              <a:fontRef idx="minor">
+                <a:schemeClr val="tx1"/>
+              </a:fontRef>
+            </p:style>
+          </p:cxnSp>
+          <p:cxnSp>
+            <p:nvCxnSpPr>
+              <p:cNvPr id="11" name="Straight Connector 10">
+                <a:extLst>
+                  <a:ext uri="{FF2B5EF4-FFF2-40B4-BE49-F238E27FC236}">
+                    <a16:creationId xmlns:a16="http://schemas.microsoft.com/office/drawing/2014/main" id="{414F0763-7F66-5E4C-96BC-41F8F93B5118}"/>
+                  </a:ext>
+                </a:extLst>
+              </p:cNvPr>
+              <p:cNvCxnSpPr>
+                <a:cxnSpLocks/>
+              </p:cNvCxnSpPr>
+              <p:nvPr/>
+            </p:nvCxnSpPr>
+            <p:spPr>
+              <a:xfrm flipV="1">
+                <a:off x="3085162" y="975014"/>
+                <a:ext cx="903702" cy="1136061"/>
+              </a:xfrm>
+              <a:prstGeom prst="line">
+                <a:avLst/>
+              </a:prstGeom>
+              <a:ln w="38100" cap="rnd">
+                <a:solidFill>
+                  <a:schemeClr val="bg2">
+                    <a:lumMod val="75000"/>
+                  </a:schemeClr>
+                </a:solidFill>
+                <a:prstDash val="sysDot"/>
+                <a:round/>
+              </a:ln>
+            </p:spPr>
+            <p:style>
+              <a:lnRef idx="1">
+                <a:schemeClr val="accent1"/>
+              </a:lnRef>
+              <a:fillRef idx="0">
+                <a:schemeClr val="accent1"/>
+              </a:fillRef>
+              <a:effectRef idx="0">
+                <a:schemeClr val="accent1"/>
+              </a:effectRef>
+              <a:fontRef idx="minor">
+                <a:schemeClr val="tx1"/>
+              </a:fontRef>
+            </p:style>
+          </p:cxnSp>
+        </p:grpSp>
+      </p:grpSp>
+      <p:cxnSp>
+        <p:nvCxnSpPr>
+          <p:cNvPr id="37" name="Straight Arrow Connector 36">
+            <a:extLst>
+              <a:ext uri="{FF2B5EF4-FFF2-40B4-BE49-F238E27FC236}">
+                <a16:creationId xmlns:a16="http://schemas.microsoft.com/office/drawing/2014/main" id="{19AA1D1A-B401-4C4B-BA9D-E53010D3E66D}"/>
+              </a:ext>
+            </a:extLst>
+          </p:cNvPr>
+          <p:cNvCxnSpPr/>
+          <p:nvPr/>
+        </p:nvCxnSpPr>
+        <p:spPr>
+          <a:xfrm flipV="1">
+            <a:off x="872266" y="629920"/>
+            <a:ext cx="0" cy="4768194"/>
+          </a:xfrm>
+          <a:prstGeom prst="straightConnector1">
+            <a:avLst/>
+          </a:prstGeom>
+          <a:ln w="38100" cap="rnd">
+            <a:solidFill>
+              <a:schemeClr val="tx1"/>
+            </a:solidFill>
+            <a:round/>
+            <a:headEnd type="none"/>
+            <a:tailEnd type="stealth" w="lg" len="lg"/>
+          </a:ln>
+        </p:spPr>
+        <p:style>
+          <a:lnRef idx="1">
+            <a:schemeClr val="accent1"/>
+          </a:lnRef>
+          <a:fillRef idx="0">
+            <a:schemeClr val="accent1"/>
+          </a:fillRef>
+          <a:effectRef idx="0">
+            <a:schemeClr val="accent1"/>
+          </a:effectRef>
+          <a:fontRef idx="minor">
+            <a:schemeClr val="tx1"/>
+          </a:fontRef>
+        </p:style>
+      </p:cxnSp>
+      <p:sp>
+        <p:nvSpPr>
+          <p:cNvPr id="39" name="TextBox 38">
+            <a:extLst>
+              <a:ext uri="{FF2B5EF4-FFF2-40B4-BE49-F238E27FC236}">
+                <a16:creationId xmlns:a16="http://schemas.microsoft.com/office/drawing/2014/main" id="{5E9DF794-59D1-DA4F-907A-9ECF5F768FAF}"/>
+              </a:ext>
+            </a:extLst>
+          </p:cNvPr>
+          <p:cNvSpPr txBox="1"/>
+          <p:nvPr/>
+        </p:nvSpPr>
+        <p:spPr>
+          <a:xfrm>
+            <a:off x="744667" y="260588"/>
+            <a:ext cx="255198" cy="369332"/>
+          </a:xfrm>
+          <a:prstGeom prst="rect">
+            <a:avLst/>
+          </a:prstGeom>
+          <a:noFill/>
+        </p:spPr>
+        <p:txBody>
+          <a:bodyPr wrap="none" rtlCol="0">
+            <a:spAutoFit/>
+          </a:bodyPr>
+          <a:lstStyle/>
+          <a:p>
+            <a:r>
+              <a:rPr lang="es-ES_tradnl" i="1" dirty="0"/>
+              <a:t>t</a:t>
+            </a:r>
+          </a:p>
+        </p:txBody>
+      </p:sp>
+      <p:sp>
+        <p:nvSpPr>
+          <p:cNvPr id="40" name="Title 39">
+            <a:extLst>
+              <a:ext uri="{FF2B5EF4-FFF2-40B4-BE49-F238E27FC236}">
+                <a16:creationId xmlns:a16="http://schemas.microsoft.com/office/drawing/2014/main" id="{F3605A23-3A43-5C49-A3B4-43B75CBFDC7B}"/>
+              </a:ext>
+            </a:extLst>
+          </p:cNvPr>
+          <p:cNvSpPr>
+            <a:spLocks noGrp="1"/>
+          </p:cNvSpPr>
+          <p:nvPr>
+            <p:ph type="title"/>
+          </p:nvPr>
+        </p:nvSpPr>
+        <p:spPr>
+          <a:xfrm>
+            <a:off x="628650" y="4702630"/>
+            <a:ext cx="7886700" cy="1469570"/>
+          </a:xfrm>
+        </p:spPr>
+        <p:txBody>
+          <a:bodyPr/>
+          <a:lstStyle/>
+          <a:p>
+            <a:r>
+              <a:rPr lang="es-ES_tradnl" dirty="0"/>
+              <a:t>movimiento de la vida espiritual</a:t>
+            </a:r>
+          </a:p>
+        </p:txBody>
+      </p:sp>
+      <p:cxnSp>
+        <p:nvCxnSpPr>
+          <p:cNvPr id="22" name="Straight Connector 21">
+            <a:extLst>
+              <a:ext uri="{FF2B5EF4-FFF2-40B4-BE49-F238E27FC236}">
+                <a16:creationId xmlns:a16="http://schemas.microsoft.com/office/drawing/2014/main" id="{37E0A72F-2F6A-2941-8686-17AF0D9BB231}"/>
+              </a:ext>
+            </a:extLst>
+          </p:cNvPr>
+          <p:cNvCxnSpPr>
+            <a:cxnSpLocks/>
+            <a:stCxn id="16" idx="1"/>
+            <a:endCxn id="16" idx="5"/>
+          </p:cNvCxnSpPr>
+          <p:nvPr/>
+        </p:nvCxnSpPr>
+        <p:spPr>
+          <a:xfrm>
+            <a:off x="2948926" y="2703231"/>
+            <a:ext cx="3298511" cy="0"/>
+          </a:xfrm>
+          <a:prstGeom prst="line">
+            <a:avLst/>
+          </a:prstGeom>
+          <a:ln w="25400">
+            <a:solidFill>
+              <a:schemeClr val="tx1"/>
+            </a:solidFill>
+          </a:ln>
+        </p:spPr>
+        <p:style>
+          <a:lnRef idx="1">
+            <a:schemeClr val="accent1"/>
+          </a:lnRef>
+          <a:fillRef idx="0">
+            <a:schemeClr val="accent1"/>
+          </a:fillRef>
+          <a:effectRef idx="0">
+            <a:schemeClr val="accent1"/>
+          </a:effectRef>
+          <a:fontRef idx="minor">
+            <a:schemeClr val="tx1"/>
+          </a:fontRef>
+        </p:style>
+      </p:cxnSp>
+      <p:grpSp>
+        <p:nvGrpSpPr>
+          <p:cNvPr id="25" name="Group 24">
+            <a:extLst>
+              <a:ext uri="{FF2B5EF4-FFF2-40B4-BE49-F238E27FC236}">
+                <a16:creationId xmlns:a16="http://schemas.microsoft.com/office/drawing/2014/main" id="{97B60AB9-53BB-0D4C-8ACB-7D21C54EBE6E}"/>
+              </a:ext>
+            </a:extLst>
+          </p:cNvPr>
+          <p:cNvGrpSpPr/>
+          <p:nvPr/>
+        </p:nvGrpSpPr>
+        <p:grpSpPr>
+          <a:xfrm>
+            <a:off x="3542433" y="594387"/>
+            <a:ext cx="1807403" cy="1230010"/>
+            <a:chOff x="3242629" y="1345785"/>
+            <a:chExt cx="1807403" cy="1230010"/>
+          </a:xfrm>
+        </p:grpSpPr>
+        <p:sp>
+          <p:nvSpPr>
+            <p:cNvPr id="27" name="Oval 26">
+              <a:extLst>
+                <a:ext uri="{FF2B5EF4-FFF2-40B4-BE49-F238E27FC236}">
+                  <a16:creationId xmlns:a16="http://schemas.microsoft.com/office/drawing/2014/main" id="{14EC6A11-63A2-D747-A13F-347E9E37BD05}"/>
+                </a:ext>
+              </a:extLst>
+            </p:cNvPr>
+            <p:cNvSpPr/>
+            <p:nvPr/>
+          </p:nvSpPr>
+          <p:spPr>
+            <a:xfrm>
+              <a:off x="4081767" y="2446667"/>
+              <a:ext cx="129128" cy="129128"/>
+            </a:xfrm>
+            <a:prstGeom prst="ellipse">
+              <a:avLst/>
+            </a:prstGeom>
+            <a:solidFill>
+              <a:schemeClr val="tx1"/>
+            </a:solidFill>
+            <a:ln>
+              <a:noFill/>
+            </a:ln>
+          </p:spPr>
+          <p:style>
+            <a:lnRef idx="2">
+              <a:schemeClr val="accent1">
+                <a:shade val="50000"/>
+              </a:schemeClr>
+            </a:lnRef>
+            <a:fillRef idx="1">
+              <a:schemeClr val="accent1"/>
+            </a:fillRef>
+            <a:effectRef idx="0">
+              <a:schemeClr val="accent1"/>
+            </a:effectRef>
+            <a:fontRef idx="minor">
+              <a:schemeClr val="lt1"/>
+            </a:fontRef>
+          </p:style>
+          <p:txBody>
+            <a:bodyPr rtlCol="0" anchor="ctr"/>
+            <a:lstStyle/>
+            <a:p>
+              <a:pPr algn="ctr"/>
+              <a:endParaRPr lang="en-US" dirty="0"/>
+            </a:p>
+          </p:txBody>
+        </p:sp>
+        <p:grpSp>
+          <p:nvGrpSpPr>
+            <p:cNvPr id="30" name="Group 29">
+              <a:extLst>
+                <a:ext uri="{FF2B5EF4-FFF2-40B4-BE49-F238E27FC236}">
+                  <a16:creationId xmlns:a16="http://schemas.microsoft.com/office/drawing/2014/main" id="{C0015229-5E01-7D45-BB56-656FF85CB0D2}"/>
+                </a:ext>
+              </a:extLst>
+            </p:cNvPr>
+            <p:cNvGrpSpPr/>
+            <p:nvPr/>
+          </p:nvGrpSpPr>
+          <p:grpSpPr>
+            <a:xfrm>
+              <a:off x="3242629" y="1345785"/>
+              <a:ext cx="1807403" cy="1136061"/>
+              <a:chOff x="2181461" y="975014"/>
+              <a:chExt cx="1807403" cy="1136061"/>
+            </a:xfrm>
+          </p:grpSpPr>
+          <p:cxnSp>
+            <p:nvCxnSpPr>
+              <p:cNvPr id="31" name="Straight Connector 30">
+                <a:extLst>
+                  <a:ext uri="{FF2B5EF4-FFF2-40B4-BE49-F238E27FC236}">
+                    <a16:creationId xmlns:a16="http://schemas.microsoft.com/office/drawing/2014/main" id="{973F7B8F-8133-A542-ACB9-1D3A399E60BD}"/>
+                  </a:ext>
+                </a:extLst>
+              </p:cNvPr>
+              <p:cNvCxnSpPr>
+                <a:cxnSpLocks/>
+              </p:cNvCxnSpPr>
+              <p:nvPr/>
+            </p:nvCxnSpPr>
+            <p:spPr>
+              <a:xfrm flipH="1" flipV="1">
+                <a:off x="2181461" y="975014"/>
+                <a:ext cx="903701" cy="1136061"/>
+              </a:xfrm>
+              <a:prstGeom prst="line">
+                <a:avLst/>
+              </a:prstGeom>
+              <a:ln w="38100" cap="rnd">
+                <a:solidFill>
+                  <a:schemeClr val="tx1"/>
+                </a:solidFill>
+                <a:prstDash val="sysDot"/>
+                <a:round/>
+              </a:ln>
+            </p:spPr>
+            <p:style>
+              <a:lnRef idx="1">
+                <a:schemeClr val="accent1"/>
+              </a:lnRef>
+              <a:fillRef idx="0">
+                <a:schemeClr val="accent1"/>
+              </a:fillRef>
+              <a:effectRef idx="0">
+                <a:schemeClr val="accent1"/>
+              </a:effectRef>
+              <a:fontRef idx="minor">
+                <a:schemeClr val="tx1"/>
+              </a:fontRef>
+            </p:style>
+          </p:cxnSp>
+          <p:cxnSp>
+            <p:nvCxnSpPr>
+              <p:cNvPr id="32" name="Straight Connector 31">
+                <a:extLst>
+                  <a:ext uri="{FF2B5EF4-FFF2-40B4-BE49-F238E27FC236}">
+                    <a16:creationId xmlns:a16="http://schemas.microsoft.com/office/drawing/2014/main" id="{D89CE2B0-062A-8D48-AEEF-0FCBEDE80D5B}"/>
+                  </a:ext>
+                </a:extLst>
+              </p:cNvPr>
+              <p:cNvCxnSpPr>
+                <a:cxnSpLocks/>
+              </p:cNvCxnSpPr>
+              <p:nvPr/>
+            </p:nvCxnSpPr>
+            <p:spPr>
+              <a:xfrm flipV="1">
+                <a:off x="3085162" y="975014"/>
+                <a:ext cx="903702" cy="1136061"/>
+              </a:xfrm>
+              <a:prstGeom prst="line">
+                <a:avLst/>
+              </a:prstGeom>
+              <a:ln w="38100" cap="rnd">
+                <a:solidFill>
+                  <a:schemeClr val="tx1"/>
+                </a:solidFill>
+                <a:prstDash val="sysDot"/>
+                <a:round/>
+              </a:ln>
+            </p:spPr>
+            <p:style>
+              <a:lnRef idx="1">
+                <a:schemeClr val="accent1"/>
+              </a:lnRef>
+              <a:fillRef idx="0">
+                <a:schemeClr val="accent1"/>
+              </a:fillRef>
+              <a:effectRef idx="0">
+                <a:schemeClr val="accent1"/>
+              </a:effectRef>
+              <a:fontRef idx="minor">
+                <a:schemeClr val="tx1"/>
+              </a:fontRef>
+            </p:style>
+          </p:cxnSp>
+        </p:grpSp>
+      </p:grpSp>
     </p:spTree>
     <p:extLst>
       <p:ext uri="{BB962C8B-B14F-4D97-AF65-F5344CB8AC3E}">
-        <p14:creationId xmlns:p14="http://schemas.microsoft.com/office/powerpoint/2010/main" val="1608232520"/>
+        <p14:creationId xmlns:p14="http://schemas.microsoft.com/office/powerpoint/2010/main" val="926223414"/>
       </p:ext>
     </p:extLst>
   </p:cSld>
@@ -5789,7 +7656,7 @@
           <p:cNvPr id="2" name="Title 1">
             <a:extLst>
               <a:ext uri="{FF2B5EF4-FFF2-40B4-BE49-F238E27FC236}">
-                <a16:creationId xmlns:a16="http://schemas.microsoft.com/office/drawing/2014/main" id="{D69F83FD-F161-9D45-8EF9-E6034C8C8EAA}"/>
+                <a16:creationId xmlns:a16="http://schemas.microsoft.com/office/drawing/2014/main" id="{134F74F0-DAB8-7B4E-B752-161ADA3DD04A}"/>
               </a:ext>
             </a:extLst>
           </p:cNvPr>
@@ -5805,10 +7672,1643 @@
           <a:bodyPr/>
           <a:lstStyle/>
           <a:p>
-            <a:r>
-              <a:rPr lang="es-ES_tradnl" dirty="0"/>
-              <a:t>Pánico</a:t>
-            </a:r>
+            <a:endParaRPr lang="es-ES_tradnl" dirty="0"/>
+          </a:p>
+        </p:txBody>
+      </p:sp>
+      <p:sp>
+        <p:nvSpPr>
+          <p:cNvPr id="8" name="Subtitle 7">
+            <a:extLst>
+              <a:ext uri="{FF2B5EF4-FFF2-40B4-BE49-F238E27FC236}">
+                <a16:creationId xmlns:a16="http://schemas.microsoft.com/office/drawing/2014/main" id="{D825397E-364B-1840-A015-A795A431991E}"/>
+              </a:ext>
+            </a:extLst>
+          </p:cNvPr>
+          <p:cNvSpPr>
+            <a:spLocks noGrp="1"/>
+          </p:cNvSpPr>
+          <p:nvPr>
+            <p:ph type="subTitle" idx="1"/>
+          </p:nvPr>
+        </p:nvSpPr>
+        <p:spPr/>
+        <p:txBody>
+          <a:bodyPr/>
+          <a:lstStyle/>
+          <a:p>
+            <a:endParaRPr lang="es-ES_tradnl" dirty="0"/>
+          </a:p>
+        </p:txBody>
+      </p:sp>
+      <p:pic>
+        <p:nvPicPr>
+          <p:cNvPr id="4" name="Picture 3">
+            <a:extLst>
+              <a:ext uri="{FF2B5EF4-FFF2-40B4-BE49-F238E27FC236}">
+                <a16:creationId xmlns:a16="http://schemas.microsoft.com/office/drawing/2014/main" id="{7E451C79-43EC-384B-88DF-C0B7B2351124}"/>
+              </a:ext>
+            </a:extLst>
+          </p:cNvPr>
+          <p:cNvPicPr>
+            <a:picLocks noChangeAspect="1"/>
+          </p:cNvPicPr>
+          <p:nvPr/>
+        </p:nvPicPr>
+        <p:blipFill>
+          <a:blip r:embed="rId3">
+            <a:alphaModFix/>
+          </a:blip>
+          <a:stretch>
+            <a:fillRect/>
+          </a:stretch>
+        </p:blipFill>
+        <p:spPr>
+          <a:xfrm>
+            <a:off x="2809721" y="1859629"/>
+            <a:ext cx="1641967" cy="1332995"/>
+          </a:xfrm>
+          <a:prstGeom prst="rect">
+            <a:avLst/>
+          </a:prstGeom>
+        </p:spPr>
+      </p:pic>
+    </p:spTree>
+    <p:extLst>
+      <p:ext uri="{BB962C8B-B14F-4D97-AF65-F5344CB8AC3E}">
+        <p14:creationId xmlns:p14="http://schemas.microsoft.com/office/powerpoint/2010/main" val="1545471516"/>
+      </p:ext>
+    </p:extLst>
+  </p:cSld>
+  <p:clrMapOvr>
+    <a:masterClrMapping/>
+  </p:clrMapOvr>
+</p:sld>
+</file>
+
+<file path=ppt/slides/slide12.xml><?xml version="1.0" encoding="utf-8"?>
+<p:sld xmlns:a="http://schemas.openxmlformats.org/drawingml/2006/main" xmlns:r="http://schemas.openxmlformats.org/officeDocument/2006/relationships" xmlns:p="http://schemas.openxmlformats.org/presentationml/2006/main">
+  <p:cSld>
+    <p:spTree>
+      <p:nvGrpSpPr>
+        <p:cNvPr id="1" name=""/>
+        <p:cNvGrpSpPr/>
+        <p:nvPr/>
+      </p:nvGrpSpPr>
+      <p:grpSpPr>
+        <a:xfrm>
+          <a:off x="0" y="0"/>
+          <a:ext cx="0" cy="0"/>
+          <a:chOff x="0" y="0"/>
+          <a:chExt cx="0" cy="0"/>
+        </a:xfrm>
+      </p:grpSpPr>
+      <p:sp>
+        <p:nvSpPr>
+          <p:cNvPr id="2" name="Title 1">
+            <a:extLst>
+              <a:ext uri="{FF2B5EF4-FFF2-40B4-BE49-F238E27FC236}">
+                <a16:creationId xmlns:a16="http://schemas.microsoft.com/office/drawing/2014/main" id="{134F74F0-DAB8-7B4E-B752-161ADA3DD04A}"/>
+              </a:ext>
+            </a:extLst>
+          </p:cNvPr>
+          <p:cNvSpPr>
+            <a:spLocks noGrp="1"/>
+          </p:cNvSpPr>
+          <p:nvPr>
+            <p:ph type="title"/>
+          </p:nvPr>
+        </p:nvSpPr>
+        <p:spPr/>
+        <p:txBody>
+          <a:bodyPr/>
+          <a:lstStyle/>
+          <a:p>
+            <a:endParaRPr lang="es-ES_tradnl" dirty="0"/>
+          </a:p>
+        </p:txBody>
+      </p:sp>
+      <p:sp>
+        <p:nvSpPr>
+          <p:cNvPr id="6" name="Subtitle 5">
+            <a:extLst>
+              <a:ext uri="{FF2B5EF4-FFF2-40B4-BE49-F238E27FC236}">
+                <a16:creationId xmlns:a16="http://schemas.microsoft.com/office/drawing/2014/main" id="{DB5B58E4-A253-3348-9D25-0F2AD7657E8F}"/>
+              </a:ext>
+            </a:extLst>
+          </p:cNvPr>
+          <p:cNvSpPr>
+            <a:spLocks noGrp="1"/>
+          </p:cNvSpPr>
+          <p:nvPr>
+            <p:ph type="subTitle" idx="1"/>
+          </p:nvPr>
+        </p:nvSpPr>
+        <p:spPr/>
+        <p:txBody>
+          <a:bodyPr/>
+          <a:lstStyle/>
+          <a:p>
+            <a:endParaRPr lang="es-ES_tradnl" dirty="0"/>
+          </a:p>
+        </p:txBody>
+      </p:sp>
+      <p:pic>
+        <p:nvPicPr>
+          <p:cNvPr id="5" name="Picture 4">
+            <a:extLst>
+              <a:ext uri="{FF2B5EF4-FFF2-40B4-BE49-F238E27FC236}">
+                <a16:creationId xmlns:a16="http://schemas.microsoft.com/office/drawing/2014/main" id="{2EFC3506-A009-A549-AB09-5E7118F0B7D9}"/>
+              </a:ext>
+            </a:extLst>
+          </p:cNvPr>
+          <p:cNvPicPr>
+            <a:picLocks noChangeAspect="1"/>
+          </p:cNvPicPr>
+          <p:nvPr/>
+        </p:nvPicPr>
+        <p:blipFill>
+          <a:blip r:embed="rId3"/>
+          <a:stretch>
+            <a:fillRect/>
+          </a:stretch>
+        </p:blipFill>
+        <p:spPr>
+          <a:xfrm>
+            <a:off x="2069136" y="349623"/>
+            <a:ext cx="5005726" cy="4948518"/>
+          </a:xfrm>
+          <a:prstGeom prst="rect">
+            <a:avLst/>
+          </a:prstGeom>
+        </p:spPr>
+      </p:pic>
+    </p:spTree>
+    <p:extLst>
+      <p:ext uri="{BB962C8B-B14F-4D97-AF65-F5344CB8AC3E}">
+        <p14:creationId xmlns:p14="http://schemas.microsoft.com/office/powerpoint/2010/main" val="4078129429"/>
+      </p:ext>
+    </p:extLst>
+  </p:cSld>
+  <p:clrMapOvr>
+    <a:masterClrMapping/>
+  </p:clrMapOvr>
+</p:sld>
+</file>
+
+<file path=ppt/slides/slide13.xml><?xml version="1.0" encoding="utf-8"?>
+<p:sld xmlns:a="http://schemas.openxmlformats.org/drawingml/2006/main" xmlns:r="http://schemas.openxmlformats.org/officeDocument/2006/relationships" xmlns:p="http://schemas.openxmlformats.org/presentationml/2006/main">
+  <p:cSld>
+    <p:spTree>
+      <p:nvGrpSpPr>
+        <p:cNvPr id="1" name=""/>
+        <p:cNvGrpSpPr/>
+        <p:nvPr/>
+      </p:nvGrpSpPr>
+      <p:grpSpPr>
+        <a:xfrm>
+          <a:off x="0" y="0"/>
+          <a:ext cx="0" cy="0"/>
+          <a:chOff x="0" y="0"/>
+          <a:chExt cx="0" cy="0"/>
+        </a:xfrm>
+      </p:grpSpPr>
+      <mc:AlternateContent xmlns:mc="http://schemas.openxmlformats.org/markup-compatibility/2006">
+        <mc:Choice xmlns:a14="http://schemas.microsoft.com/office/drawing/2010/main" Requires="a14">
+          <p:sp>
+            <p:nvSpPr>
+              <p:cNvPr id="2" name="Title 1">
+                <a:extLst>
+                  <a:ext uri="{FF2B5EF4-FFF2-40B4-BE49-F238E27FC236}">
+                    <a16:creationId xmlns:a16="http://schemas.microsoft.com/office/drawing/2014/main" id="{134F74F0-DAB8-7B4E-B752-161ADA3DD04A}"/>
+                  </a:ext>
+                </a:extLst>
+              </p:cNvPr>
+              <p:cNvSpPr>
+                <a:spLocks noGrp="1"/>
+              </p:cNvSpPr>
+              <p:nvPr>
+                <p:ph type="title"/>
+              </p:nvPr>
+            </p:nvSpPr>
+            <p:spPr/>
+            <p:txBody>
+              <a:bodyPr/>
+              <a:lstStyle/>
+              <a:p>
+                <a14:m>
+                  <m:oMathPara xmlns:m="http://schemas.openxmlformats.org/officeDocument/2006/math">
+                    <m:oMathParaPr>
+                      <m:jc m:val="centerGroup"/>
+                    </m:oMathParaPr>
+                    <m:oMath xmlns:m="http://schemas.openxmlformats.org/officeDocument/2006/math">
+                      <m:r>
+                        <a:rPr lang="es-ES" b="0" i="1" smtClean="0">
+                          <a:latin typeface="Cambria Math" panose="02040503050406030204" pitchFamily="18" charset="0"/>
+                        </a:rPr>
+                        <m:t>𝑚</m:t>
+                      </m:r>
+                      <m:r>
+                        <a:rPr lang="es-ES" i="1">
+                          <a:latin typeface="Cambria Math" panose="02040503050406030204" pitchFamily="18" charset="0"/>
+                          <a:ea typeface="Cambria Math" panose="02040503050406030204" pitchFamily="18" charset="0"/>
+                        </a:rPr>
+                        <m:t>⟺</m:t>
+                      </m:r>
+                      <m:r>
+                        <a:rPr lang="es-ES" b="0" i="1" smtClean="0">
+                          <a:latin typeface="Cambria Math" panose="02040503050406030204" pitchFamily="18" charset="0"/>
+                          <a:ea typeface="Cambria Math" panose="02040503050406030204" pitchFamily="18" charset="0"/>
+                        </a:rPr>
+                        <m:t>𝐸</m:t>
+                      </m:r>
+                    </m:oMath>
+                  </m:oMathPara>
+                </a14:m>
+                <a:endParaRPr lang="es-ES_tradnl" dirty="0"/>
+              </a:p>
+            </p:txBody>
+          </p:sp>
+        </mc:Choice>
+        <mc:Fallback>
+          <p:sp>
+            <p:nvSpPr>
+              <p:cNvPr id="2" name="Title 1">
+                <a:extLst>
+                  <a:ext uri="{FF2B5EF4-FFF2-40B4-BE49-F238E27FC236}">
+                    <a16:creationId xmlns:a16="http://schemas.microsoft.com/office/drawing/2014/main" id="{134F74F0-DAB8-7B4E-B752-161ADA3DD04A}"/>
+                  </a:ext>
+                </a:extLst>
+              </p:cNvPr>
+              <p:cNvSpPr>
+                <a:spLocks noGrp="1" noRot="1" noChangeAspect="1" noMove="1" noResize="1" noEditPoints="1" noAdjustHandles="1" noChangeArrowheads="1" noChangeShapeType="1" noTextEdit="1"/>
+              </p:cNvSpPr>
+              <p:nvPr>
+                <p:ph type="title"/>
+              </p:nvPr>
+            </p:nvSpPr>
+            <p:spPr>
+              <a:blipFill>
+                <a:blip r:embed="rId3"/>
+                <a:stretch>
+                  <a:fillRect/>
+                </a:stretch>
+              </a:blipFill>
+            </p:spPr>
+            <p:txBody>
+              <a:bodyPr/>
+              <a:lstStyle/>
+              <a:p>
+                <a:r>
+                  <a:rPr lang="es-ES_tradnl">
+                    <a:noFill/>
+                  </a:rPr>
+                  <a:t> </a:t>
+                </a:r>
+              </a:p>
+            </p:txBody>
+          </p:sp>
+        </mc:Fallback>
+      </mc:AlternateContent>
+      <p:sp>
+        <p:nvSpPr>
+          <p:cNvPr id="6" name="Subtitle 5">
+            <a:extLst>
+              <a:ext uri="{FF2B5EF4-FFF2-40B4-BE49-F238E27FC236}">
+                <a16:creationId xmlns:a16="http://schemas.microsoft.com/office/drawing/2014/main" id="{DB5B58E4-A253-3348-9D25-0F2AD7657E8F}"/>
+              </a:ext>
+            </a:extLst>
+          </p:cNvPr>
+          <p:cNvSpPr>
+            <a:spLocks noGrp="1"/>
+          </p:cNvSpPr>
+          <p:nvPr>
+            <p:ph type="subTitle" idx="1"/>
+          </p:nvPr>
+        </p:nvSpPr>
+        <p:spPr/>
+        <p:txBody>
+          <a:bodyPr/>
+          <a:lstStyle/>
+          <a:p>
+            <a:endParaRPr lang="es-ES_tradnl" dirty="0"/>
+          </a:p>
+        </p:txBody>
+      </p:sp>
+      <p:pic>
+        <p:nvPicPr>
+          <p:cNvPr id="5" name="Picture 4">
+            <a:extLst>
+              <a:ext uri="{FF2B5EF4-FFF2-40B4-BE49-F238E27FC236}">
+                <a16:creationId xmlns:a16="http://schemas.microsoft.com/office/drawing/2014/main" id="{2EFC3506-A009-A549-AB09-5E7118F0B7D9}"/>
+              </a:ext>
+            </a:extLst>
+          </p:cNvPr>
+          <p:cNvPicPr>
+            <a:picLocks noChangeAspect="1"/>
+          </p:cNvPicPr>
+          <p:nvPr/>
+        </p:nvPicPr>
+        <p:blipFill>
+          <a:blip r:embed="rId4"/>
+          <a:stretch>
+            <a:fillRect/>
+          </a:stretch>
+        </p:blipFill>
+        <p:spPr>
+          <a:xfrm>
+            <a:off x="2069136" y="349623"/>
+            <a:ext cx="5005726" cy="4948518"/>
+          </a:xfrm>
+          <a:prstGeom prst="rect">
+            <a:avLst/>
+          </a:prstGeom>
+        </p:spPr>
+      </p:pic>
+    </p:spTree>
+    <p:extLst>
+      <p:ext uri="{BB962C8B-B14F-4D97-AF65-F5344CB8AC3E}">
+        <p14:creationId xmlns:p14="http://schemas.microsoft.com/office/powerpoint/2010/main" val="2368975681"/>
+      </p:ext>
+    </p:extLst>
+  </p:cSld>
+  <p:clrMapOvr>
+    <a:masterClrMapping/>
+  </p:clrMapOvr>
+</p:sld>
+</file>
+
+<file path=ppt/slides/slide14.xml><?xml version="1.0" encoding="utf-8"?>
+<p:sld xmlns:a="http://schemas.openxmlformats.org/drawingml/2006/main" xmlns:r="http://schemas.openxmlformats.org/officeDocument/2006/relationships" xmlns:p="http://schemas.openxmlformats.org/presentationml/2006/main">
+  <p:cSld>
+    <p:spTree>
+      <p:nvGrpSpPr>
+        <p:cNvPr id="1" name=""/>
+        <p:cNvGrpSpPr/>
+        <p:nvPr/>
+      </p:nvGrpSpPr>
+      <p:grpSpPr>
+        <a:xfrm>
+          <a:off x="0" y="0"/>
+          <a:ext cx="0" cy="0"/>
+          <a:chOff x="0" y="0"/>
+          <a:chExt cx="0" cy="0"/>
+        </a:xfrm>
+      </p:grpSpPr>
+      <mc:AlternateContent xmlns:mc="http://schemas.openxmlformats.org/markup-compatibility/2006">
+        <mc:Choice xmlns:a14="http://schemas.microsoft.com/office/drawing/2010/main" Requires="a14">
+          <p:sp>
+            <p:nvSpPr>
+              <p:cNvPr id="2" name="Title 1">
+                <a:extLst>
+                  <a:ext uri="{FF2B5EF4-FFF2-40B4-BE49-F238E27FC236}">
+                    <a16:creationId xmlns:a16="http://schemas.microsoft.com/office/drawing/2014/main" id="{134F74F0-DAB8-7B4E-B752-161ADA3DD04A}"/>
+                  </a:ext>
+                </a:extLst>
+              </p:cNvPr>
+              <p:cNvSpPr>
+                <a:spLocks noGrp="1"/>
+              </p:cNvSpPr>
+              <p:nvPr>
+                <p:ph type="title"/>
+              </p:nvPr>
+            </p:nvSpPr>
+            <p:spPr/>
+            <p:txBody>
+              <a:bodyPr/>
+              <a:lstStyle/>
+              <a:p>
+                <a14:m>
+                  <m:oMathPara xmlns:m="http://schemas.openxmlformats.org/officeDocument/2006/math">
+                    <m:oMathParaPr>
+                      <m:jc m:val="centerGroup"/>
+                    </m:oMathParaPr>
+                    <m:oMath xmlns:m="http://schemas.openxmlformats.org/officeDocument/2006/math">
+                      <m:sSub>
+                        <m:sSubPr>
+                          <m:ctrlPr>
+                            <a:rPr lang="es-ES" b="0" i="1" smtClean="0">
+                              <a:latin typeface="Cambria Math" panose="02040503050406030204" pitchFamily="18" charset="0"/>
+                            </a:rPr>
+                          </m:ctrlPr>
+                        </m:sSubPr>
+                        <m:e>
+                          <m:r>
+                            <a:rPr lang="es-ES" b="0" i="1" smtClean="0">
+                              <a:latin typeface="Cambria Math" panose="02040503050406030204" pitchFamily="18" charset="0"/>
+                            </a:rPr>
+                            <m:t>𝑚</m:t>
+                          </m:r>
+                        </m:e>
+                        <m:sub>
+                          <m:r>
+                            <a:rPr lang="es-ES" b="0" i="1" smtClean="0">
+                              <a:latin typeface="Cambria Math" panose="02040503050406030204" pitchFamily="18" charset="0"/>
+                            </a:rPr>
+                            <m:t>𝑖</m:t>
+                          </m:r>
+                        </m:sub>
+                      </m:sSub>
+                    </m:oMath>
+                  </m:oMathPara>
+                </a14:m>
+                <a:endParaRPr lang="es-ES_tradnl" dirty="0"/>
+              </a:p>
+            </p:txBody>
+          </p:sp>
+        </mc:Choice>
+        <mc:Fallback>
+          <p:sp>
+            <p:nvSpPr>
+              <p:cNvPr id="2" name="Title 1">
+                <a:extLst>
+                  <a:ext uri="{FF2B5EF4-FFF2-40B4-BE49-F238E27FC236}">
+                    <a16:creationId xmlns:a16="http://schemas.microsoft.com/office/drawing/2014/main" id="{134F74F0-DAB8-7B4E-B752-161ADA3DD04A}"/>
+                  </a:ext>
+                </a:extLst>
+              </p:cNvPr>
+              <p:cNvSpPr>
+                <a:spLocks noGrp="1" noRot="1" noChangeAspect="1" noMove="1" noResize="1" noEditPoints="1" noAdjustHandles="1" noChangeArrowheads="1" noChangeShapeType="1" noTextEdit="1"/>
+              </p:cNvSpPr>
+              <p:nvPr>
+                <p:ph type="title"/>
+              </p:nvPr>
+            </p:nvSpPr>
+            <p:spPr>
+              <a:blipFill>
+                <a:blip r:embed="rId3"/>
+                <a:stretch>
+                  <a:fillRect b="-5128"/>
+                </a:stretch>
+              </a:blipFill>
+            </p:spPr>
+            <p:txBody>
+              <a:bodyPr/>
+              <a:lstStyle/>
+              <a:p>
+                <a:r>
+                  <a:rPr lang="es-ES_tradnl">
+                    <a:noFill/>
+                  </a:rPr>
+                  <a:t> </a:t>
+                </a:r>
+              </a:p>
+            </p:txBody>
+          </p:sp>
+        </mc:Fallback>
+      </mc:AlternateContent>
+      <p:sp>
+        <p:nvSpPr>
+          <p:cNvPr id="6" name="Subtitle 5">
+            <a:extLst>
+              <a:ext uri="{FF2B5EF4-FFF2-40B4-BE49-F238E27FC236}">
+                <a16:creationId xmlns:a16="http://schemas.microsoft.com/office/drawing/2014/main" id="{DB5B58E4-A253-3348-9D25-0F2AD7657E8F}"/>
+              </a:ext>
+            </a:extLst>
+          </p:cNvPr>
+          <p:cNvSpPr>
+            <a:spLocks noGrp="1"/>
+          </p:cNvSpPr>
+          <p:nvPr>
+            <p:ph type="subTitle" idx="1"/>
+          </p:nvPr>
+        </p:nvSpPr>
+        <p:spPr/>
+        <p:txBody>
+          <a:bodyPr/>
+          <a:lstStyle/>
+          <a:p>
+            <a:endParaRPr lang="es-ES_tradnl" dirty="0"/>
+          </a:p>
+        </p:txBody>
+      </p:sp>
+      <p:sp>
+        <p:nvSpPr>
+          <p:cNvPr id="7" name="Triangle 6">
+            <a:extLst>
+              <a:ext uri="{FF2B5EF4-FFF2-40B4-BE49-F238E27FC236}">
+                <a16:creationId xmlns:a16="http://schemas.microsoft.com/office/drawing/2014/main" id="{DF5ADC6A-8003-6B4D-9811-A8D0E9F4E3B4}"/>
+              </a:ext>
+            </a:extLst>
+          </p:cNvPr>
+          <p:cNvSpPr/>
+          <p:nvPr/>
+        </p:nvSpPr>
+        <p:spPr>
+          <a:xfrm>
+            <a:off x="1272128" y="1251492"/>
+            <a:ext cx="6597022" cy="4146622"/>
+          </a:xfrm>
+          <a:prstGeom prst="triangle">
+            <a:avLst>
+              <a:gd name="adj" fmla="val 50000"/>
+            </a:avLst>
+          </a:prstGeom>
+          <a:solidFill>
+            <a:schemeClr val="bg1"/>
+          </a:solidFill>
+          <a:ln w="38100">
+            <a:solidFill>
+              <a:schemeClr val="tx1"/>
+            </a:solidFill>
+          </a:ln>
+        </p:spPr>
+        <p:style>
+          <a:lnRef idx="2">
+            <a:schemeClr val="accent1">
+              <a:shade val="50000"/>
+            </a:schemeClr>
+          </a:lnRef>
+          <a:fillRef idx="1">
+            <a:schemeClr val="accent1"/>
+          </a:fillRef>
+          <a:effectRef idx="0">
+            <a:schemeClr val="accent1"/>
+          </a:effectRef>
+          <a:fontRef idx="minor">
+            <a:schemeClr val="lt1"/>
+          </a:fontRef>
+        </p:style>
+        <p:txBody>
+          <a:bodyPr rtlCol="0" anchor="ctr"/>
+          <a:lstStyle/>
+          <a:p>
+            <a:pPr algn="ctr"/>
+            <a:endParaRPr lang="es-ES_tradnl" dirty="0"/>
+          </a:p>
+        </p:txBody>
+      </p:sp>
+      <p:sp>
+        <p:nvSpPr>
+          <p:cNvPr id="8" name="Oval 7">
+            <a:extLst>
+              <a:ext uri="{FF2B5EF4-FFF2-40B4-BE49-F238E27FC236}">
+                <a16:creationId xmlns:a16="http://schemas.microsoft.com/office/drawing/2014/main" id="{85C87DF2-4089-C947-AE9E-174BD9B26AD8}"/>
+              </a:ext>
+            </a:extLst>
+          </p:cNvPr>
+          <p:cNvSpPr/>
+          <p:nvPr/>
+        </p:nvSpPr>
+        <p:spPr>
+          <a:xfrm>
+            <a:off x="5233577" y="4163151"/>
+            <a:ext cx="129128" cy="129128"/>
+          </a:xfrm>
+          <a:prstGeom prst="ellipse">
+            <a:avLst/>
+          </a:prstGeom>
+          <a:solidFill>
+            <a:schemeClr val="tx1"/>
+          </a:solidFill>
+          <a:ln>
+            <a:noFill/>
+          </a:ln>
+        </p:spPr>
+        <p:style>
+          <a:lnRef idx="2">
+            <a:schemeClr val="accent1">
+              <a:shade val="50000"/>
+            </a:schemeClr>
+          </a:lnRef>
+          <a:fillRef idx="1">
+            <a:schemeClr val="accent1"/>
+          </a:fillRef>
+          <a:effectRef idx="0">
+            <a:schemeClr val="accent1"/>
+          </a:effectRef>
+          <a:fontRef idx="minor">
+            <a:schemeClr val="lt1"/>
+          </a:fontRef>
+        </p:style>
+        <p:txBody>
+          <a:bodyPr rtlCol="0" anchor="ctr"/>
+          <a:lstStyle/>
+          <a:p>
+            <a:pPr algn="ctr"/>
+            <a:endParaRPr lang="en-US" dirty="0"/>
+          </a:p>
+        </p:txBody>
+      </p:sp>
+      <p:cxnSp>
+        <p:nvCxnSpPr>
+          <p:cNvPr id="11" name="Straight Arrow Connector 10">
+            <a:extLst>
+              <a:ext uri="{FF2B5EF4-FFF2-40B4-BE49-F238E27FC236}">
+                <a16:creationId xmlns:a16="http://schemas.microsoft.com/office/drawing/2014/main" id="{20CAE2CC-5B93-204E-BD62-9107983742E0}"/>
+              </a:ext>
+            </a:extLst>
+          </p:cNvPr>
+          <p:cNvCxnSpPr>
+            <a:cxnSpLocks/>
+            <a:stCxn id="8" idx="0"/>
+          </p:cNvCxnSpPr>
+          <p:nvPr/>
+        </p:nvCxnSpPr>
+        <p:spPr>
+          <a:xfrm flipH="1" flipV="1">
+            <a:off x="4289613" y="2164977"/>
+            <a:ext cx="1008528" cy="1998174"/>
+          </a:xfrm>
+          <a:prstGeom prst="straightConnector1">
+            <a:avLst/>
+          </a:prstGeom>
+          <a:ln w="25400" cap="rnd">
+            <a:solidFill>
+              <a:schemeClr val="tx1"/>
+            </a:solidFill>
+            <a:tailEnd type="stealth" w="lg" len="lg"/>
+          </a:ln>
+        </p:spPr>
+        <p:style>
+          <a:lnRef idx="1">
+            <a:schemeClr val="accent1"/>
+          </a:lnRef>
+          <a:fillRef idx="0">
+            <a:schemeClr val="accent1"/>
+          </a:fillRef>
+          <a:effectRef idx="0">
+            <a:schemeClr val="accent1"/>
+          </a:effectRef>
+          <a:fontRef idx="minor">
+            <a:schemeClr val="tx1"/>
+          </a:fontRef>
+        </p:style>
+      </p:cxnSp>
+      <p:cxnSp>
+        <p:nvCxnSpPr>
+          <p:cNvPr id="13" name="Straight Arrow Connector 12">
+            <a:extLst>
+              <a:ext uri="{FF2B5EF4-FFF2-40B4-BE49-F238E27FC236}">
+                <a16:creationId xmlns:a16="http://schemas.microsoft.com/office/drawing/2014/main" id="{77732C12-AFBA-5C4F-9D90-991C4C7C2224}"/>
+              </a:ext>
+            </a:extLst>
+          </p:cNvPr>
+          <p:cNvCxnSpPr>
+            <a:cxnSpLocks/>
+            <a:stCxn id="8" idx="2"/>
+          </p:cNvCxnSpPr>
+          <p:nvPr/>
+        </p:nvCxnSpPr>
+        <p:spPr>
+          <a:xfrm flipH="1">
+            <a:off x="2420471" y="4227715"/>
+            <a:ext cx="2813106" cy="613226"/>
+          </a:xfrm>
+          <a:prstGeom prst="straightConnector1">
+            <a:avLst/>
+          </a:prstGeom>
+          <a:ln w="25400" cap="rnd">
+            <a:solidFill>
+              <a:schemeClr val="tx1"/>
+            </a:solidFill>
+            <a:tailEnd type="stealth" w="lg" len="lg"/>
+          </a:ln>
+        </p:spPr>
+        <p:style>
+          <a:lnRef idx="1">
+            <a:schemeClr val="accent1"/>
+          </a:lnRef>
+          <a:fillRef idx="0">
+            <a:schemeClr val="accent1"/>
+          </a:fillRef>
+          <a:effectRef idx="0">
+            <a:schemeClr val="accent1"/>
+          </a:effectRef>
+          <a:fontRef idx="minor">
+            <a:schemeClr val="tx1"/>
+          </a:fontRef>
+        </p:style>
+      </p:cxnSp>
+      <p:cxnSp>
+        <p:nvCxnSpPr>
+          <p:cNvPr id="18" name="Straight Arrow Connector 17">
+            <a:extLst>
+              <a:ext uri="{FF2B5EF4-FFF2-40B4-BE49-F238E27FC236}">
+                <a16:creationId xmlns:a16="http://schemas.microsoft.com/office/drawing/2014/main" id="{75858E04-60D8-FF43-B6AB-36BC8C1594EB}"/>
+              </a:ext>
+            </a:extLst>
+          </p:cNvPr>
+          <p:cNvCxnSpPr>
+            <a:cxnSpLocks/>
+            <a:stCxn id="8" idx="6"/>
+          </p:cNvCxnSpPr>
+          <p:nvPr/>
+        </p:nvCxnSpPr>
+        <p:spPr>
+          <a:xfrm>
+            <a:off x="5362705" y="4227715"/>
+            <a:ext cx="1414613" cy="747697"/>
+          </a:xfrm>
+          <a:prstGeom prst="straightConnector1">
+            <a:avLst/>
+          </a:prstGeom>
+          <a:ln w="25400" cap="rnd">
+            <a:solidFill>
+              <a:schemeClr val="tx1"/>
+            </a:solidFill>
+            <a:tailEnd type="stealth" w="lg" len="lg"/>
+          </a:ln>
+        </p:spPr>
+        <p:style>
+          <a:lnRef idx="1">
+            <a:schemeClr val="accent1"/>
+          </a:lnRef>
+          <a:fillRef idx="0">
+            <a:schemeClr val="accent1"/>
+          </a:fillRef>
+          <a:effectRef idx="0">
+            <a:schemeClr val="accent1"/>
+          </a:effectRef>
+          <a:fontRef idx="minor">
+            <a:schemeClr val="tx1"/>
+          </a:fontRef>
+        </p:style>
+      </p:cxnSp>
+    </p:spTree>
+    <p:extLst>
+      <p:ext uri="{BB962C8B-B14F-4D97-AF65-F5344CB8AC3E}">
+        <p14:creationId xmlns:p14="http://schemas.microsoft.com/office/powerpoint/2010/main" val="1004085156"/>
+      </p:ext>
+    </p:extLst>
+  </p:cSld>
+  <p:clrMapOvr>
+    <a:masterClrMapping/>
+  </p:clrMapOvr>
+</p:sld>
+</file>
+
+<file path=ppt/slides/slide15.xml><?xml version="1.0" encoding="utf-8"?>
+<p:sld xmlns:a="http://schemas.openxmlformats.org/drawingml/2006/main" xmlns:r="http://schemas.openxmlformats.org/officeDocument/2006/relationships" xmlns:p="http://schemas.openxmlformats.org/presentationml/2006/main">
+  <p:cSld>
+    <p:spTree>
+      <p:nvGrpSpPr>
+        <p:cNvPr id="1" name=""/>
+        <p:cNvGrpSpPr/>
+        <p:nvPr/>
+      </p:nvGrpSpPr>
+      <p:grpSpPr>
+        <a:xfrm>
+          <a:off x="0" y="0"/>
+          <a:ext cx="0" cy="0"/>
+          <a:chOff x="0" y="0"/>
+          <a:chExt cx="0" cy="0"/>
+        </a:xfrm>
+      </p:grpSpPr>
+      <mc:AlternateContent xmlns:mc="http://schemas.openxmlformats.org/markup-compatibility/2006">
+        <mc:Choice xmlns:a14="http://schemas.microsoft.com/office/drawing/2010/main" Requires="a14">
+          <p:sp>
+            <p:nvSpPr>
+              <p:cNvPr id="2" name="Title 1">
+                <a:extLst>
+                  <a:ext uri="{FF2B5EF4-FFF2-40B4-BE49-F238E27FC236}">
+                    <a16:creationId xmlns:a16="http://schemas.microsoft.com/office/drawing/2014/main" id="{D69F83FD-F161-9D45-8EF9-E6034C8C8EAA}"/>
+                  </a:ext>
+                </a:extLst>
+              </p:cNvPr>
+              <p:cNvSpPr>
+                <a:spLocks noGrp="1"/>
+              </p:cNvSpPr>
+              <p:nvPr>
+                <p:ph type="title"/>
+              </p:nvPr>
+            </p:nvSpPr>
+            <p:spPr/>
+            <p:txBody>
+              <a:bodyPr/>
+              <a:lstStyle/>
+              <a:p>
+                <a14:m>
+                  <m:oMathPara xmlns:m="http://schemas.openxmlformats.org/officeDocument/2006/math">
+                    <m:oMathParaPr>
+                      <m:jc m:val="centerGroup"/>
+                    </m:oMathParaPr>
+                    <m:oMath xmlns:m="http://schemas.openxmlformats.org/officeDocument/2006/math">
+                      <m:r>
+                        <a:rPr lang="es-ES" b="0" i="1" smtClean="0">
+                          <a:latin typeface="Cambria Math" panose="02040503050406030204" pitchFamily="18" charset="0"/>
+                        </a:rPr>
+                        <m:t>𝑝</m:t>
+                      </m:r>
+                    </m:oMath>
+                  </m:oMathPara>
+                </a14:m>
+                <a:endParaRPr lang="es-ES_tradnl" dirty="0"/>
+              </a:p>
+            </p:txBody>
+          </p:sp>
+        </mc:Choice>
+        <mc:Fallback>
+          <p:sp>
+            <p:nvSpPr>
+              <p:cNvPr id="2" name="Title 1">
+                <a:extLst>
+                  <a:ext uri="{FF2B5EF4-FFF2-40B4-BE49-F238E27FC236}">
+                    <a16:creationId xmlns:a16="http://schemas.microsoft.com/office/drawing/2014/main" id="{D69F83FD-F161-9D45-8EF9-E6034C8C8EAA}"/>
+                  </a:ext>
+                </a:extLst>
+              </p:cNvPr>
+              <p:cNvSpPr>
+                <a:spLocks noGrp="1" noRot="1" noChangeAspect="1" noMove="1" noResize="1" noEditPoints="1" noAdjustHandles="1" noChangeArrowheads="1" noChangeShapeType="1" noTextEdit="1"/>
+              </p:cNvSpPr>
+              <p:nvPr>
+                <p:ph type="title"/>
+              </p:nvPr>
+            </p:nvSpPr>
+            <p:spPr>
+              <a:blipFill>
+                <a:blip r:embed="rId3"/>
+                <a:stretch>
+                  <a:fillRect b="-8547"/>
+                </a:stretch>
+              </a:blipFill>
+            </p:spPr>
+            <p:txBody>
+              <a:bodyPr/>
+              <a:lstStyle/>
+              <a:p>
+                <a:r>
+                  <a:rPr lang="es-ES_tradnl">
+                    <a:noFill/>
+                  </a:rPr>
+                  <a:t> </a:t>
+                </a:r>
+              </a:p>
+            </p:txBody>
+          </p:sp>
+        </mc:Fallback>
+      </mc:AlternateContent>
+      <p:sp>
+        <p:nvSpPr>
+          <p:cNvPr id="4" name="Subtitle 3">
+            <a:extLst>
+              <a:ext uri="{FF2B5EF4-FFF2-40B4-BE49-F238E27FC236}">
+                <a16:creationId xmlns:a16="http://schemas.microsoft.com/office/drawing/2014/main" id="{764FB614-23A0-EB40-A4D0-C81CE94B76C8}"/>
+              </a:ext>
+            </a:extLst>
+          </p:cNvPr>
+          <p:cNvSpPr>
+            <a:spLocks noGrp="1"/>
+          </p:cNvSpPr>
+          <p:nvPr>
+            <p:ph type="subTitle" idx="1"/>
+          </p:nvPr>
+        </p:nvSpPr>
+        <p:spPr/>
+        <p:txBody>
+          <a:bodyPr/>
+          <a:lstStyle/>
+          <a:p>
+            <a:endParaRPr lang="es-ES_tradnl"/>
+          </a:p>
+        </p:txBody>
+      </p:sp>
+      <p:pic>
+        <p:nvPicPr>
+          <p:cNvPr id="5" name="Picture 4">
+            <a:extLst>
+              <a:ext uri="{FF2B5EF4-FFF2-40B4-BE49-F238E27FC236}">
+                <a16:creationId xmlns:a16="http://schemas.microsoft.com/office/drawing/2014/main" id="{7240A5AB-CFE3-4E45-BBD3-103F9D56E9A8}"/>
+              </a:ext>
+            </a:extLst>
+          </p:cNvPr>
+          <p:cNvPicPr>
+            <a:picLocks noChangeAspect="1"/>
+          </p:cNvPicPr>
+          <p:nvPr/>
+        </p:nvPicPr>
+        <p:blipFill>
+          <a:blip r:embed="rId4"/>
+          <a:stretch>
+            <a:fillRect/>
+          </a:stretch>
+        </p:blipFill>
+        <p:spPr>
+          <a:xfrm>
+            <a:off x="2069136" y="349623"/>
+            <a:ext cx="5005726" cy="4948518"/>
+          </a:xfrm>
+          <a:prstGeom prst="rect">
+            <a:avLst/>
+          </a:prstGeom>
+        </p:spPr>
+      </p:pic>
+      <p:sp>
+        <p:nvSpPr>
+          <p:cNvPr id="7" name="Freeform 6">
+            <a:extLst>
+              <a:ext uri="{FF2B5EF4-FFF2-40B4-BE49-F238E27FC236}">
+                <a16:creationId xmlns:a16="http://schemas.microsoft.com/office/drawing/2014/main" id="{3D80521C-C27B-6F45-9BB2-5DE81B791315}"/>
+              </a:ext>
+            </a:extLst>
+          </p:cNvPr>
+          <p:cNvSpPr/>
+          <p:nvPr/>
+        </p:nvSpPr>
+        <p:spPr>
+          <a:xfrm>
+            <a:off x="5936105" y="1079291"/>
+            <a:ext cx="1978702" cy="1139253"/>
+          </a:xfrm>
+          <a:custGeom>
+            <a:avLst/>
+            <a:gdLst>
+              <a:gd name="connsiteX0" fmla="*/ 1828800 w 1863650"/>
+              <a:gd name="connsiteY0" fmla="*/ 0 h 1259174"/>
+              <a:gd name="connsiteX1" fmla="*/ 1618938 w 1863650"/>
+              <a:gd name="connsiteY1" fmla="*/ 1004341 h 1259174"/>
+              <a:gd name="connsiteX2" fmla="*/ 0 w 1863650"/>
+              <a:gd name="connsiteY2" fmla="*/ 1259174 h 1259174"/>
+              <a:gd name="connsiteX3" fmla="*/ 0 w 1863650"/>
+              <a:gd name="connsiteY3" fmla="*/ 1259174 h 1259174"/>
+              <a:gd name="connsiteX0" fmla="*/ 1828800 w 1833237"/>
+              <a:gd name="connsiteY0" fmla="*/ 0 h 1259174"/>
+              <a:gd name="connsiteX1" fmla="*/ 1229194 w 1833237"/>
+              <a:gd name="connsiteY1" fmla="*/ 839449 h 1259174"/>
+              <a:gd name="connsiteX2" fmla="*/ 0 w 1833237"/>
+              <a:gd name="connsiteY2" fmla="*/ 1259174 h 1259174"/>
+              <a:gd name="connsiteX3" fmla="*/ 0 w 1833237"/>
+              <a:gd name="connsiteY3" fmla="*/ 1259174 h 1259174"/>
+              <a:gd name="connsiteX0" fmla="*/ 1978702 w 1982052"/>
+              <a:gd name="connsiteY0" fmla="*/ 0 h 1139253"/>
+              <a:gd name="connsiteX1" fmla="*/ 1229194 w 1982052"/>
+              <a:gd name="connsiteY1" fmla="*/ 719528 h 1139253"/>
+              <a:gd name="connsiteX2" fmla="*/ 0 w 1982052"/>
+              <a:gd name="connsiteY2" fmla="*/ 1139253 h 1139253"/>
+              <a:gd name="connsiteX3" fmla="*/ 0 w 1982052"/>
+              <a:gd name="connsiteY3" fmla="*/ 1139253 h 1139253"/>
+              <a:gd name="connsiteX0" fmla="*/ 1978702 w 1978702"/>
+              <a:gd name="connsiteY0" fmla="*/ 0 h 1139253"/>
+              <a:gd name="connsiteX1" fmla="*/ 1229194 w 1978702"/>
+              <a:gd name="connsiteY1" fmla="*/ 719528 h 1139253"/>
+              <a:gd name="connsiteX2" fmla="*/ 0 w 1978702"/>
+              <a:gd name="connsiteY2" fmla="*/ 1139253 h 1139253"/>
+              <a:gd name="connsiteX3" fmla="*/ 0 w 1978702"/>
+              <a:gd name="connsiteY3" fmla="*/ 1139253 h 1139253"/>
+            </a:gdLst>
+            <a:ahLst/>
+            <a:cxnLst>
+              <a:cxn ang="0">
+                <a:pos x="connsiteX0" y="connsiteY0"/>
+              </a:cxn>
+              <a:cxn ang="0">
+                <a:pos x="connsiteX1" y="connsiteY1"/>
+              </a:cxn>
+              <a:cxn ang="0">
+                <a:pos x="connsiteX2" y="connsiteY2"/>
+              </a:cxn>
+              <a:cxn ang="0">
+                <a:pos x="connsiteX3" y="connsiteY3"/>
+              </a:cxn>
+            </a:cxnLst>
+            <a:rect l="l" t="t" r="r" b="b"/>
+            <a:pathLst>
+              <a:path w="1978702" h="1139253">
+                <a:moveTo>
+                  <a:pt x="1978702" y="0"/>
+                </a:moveTo>
+                <a:cubicBezTo>
+                  <a:pt x="1831299" y="397239"/>
+                  <a:pt x="1558978" y="529653"/>
+                  <a:pt x="1229194" y="719528"/>
+                </a:cubicBezTo>
+                <a:cubicBezTo>
+                  <a:pt x="899410" y="909404"/>
+                  <a:pt x="204866" y="1069299"/>
+                  <a:pt x="0" y="1139253"/>
+                </a:cubicBezTo>
+                <a:lnTo>
+                  <a:pt x="0" y="1139253"/>
+                </a:lnTo>
+              </a:path>
+            </a:pathLst>
+          </a:custGeom>
+          <a:noFill/>
+          <a:ln w="50800" cap="rnd">
+            <a:solidFill>
+              <a:srgbClr val="FF0000"/>
+            </a:solidFill>
+            <a:tailEnd type="stealth" w="lg" len="lg"/>
+          </a:ln>
+        </p:spPr>
+        <p:style>
+          <a:lnRef idx="2">
+            <a:schemeClr val="accent1">
+              <a:shade val="50000"/>
+            </a:schemeClr>
+          </a:lnRef>
+          <a:fillRef idx="1">
+            <a:schemeClr val="accent1"/>
+          </a:fillRef>
+          <a:effectRef idx="0">
+            <a:schemeClr val="accent1"/>
+          </a:effectRef>
+          <a:fontRef idx="minor">
+            <a:schemeClr val="lt1"/>
+          </a:fontRef>
+        </p:style>
+        <p:txBody>
+          <a:bodyPr rtlCol="0" anchor="ctr"/>
+          <a:lstStyle/>
+          <a:p>
+            <a:pPr algn="ctr"/>
+            <a:endParaRPr lang="es-ES_tradnl"/>
+          </a:p>
+        </p:txBody>
+      </p:sp>
+      <p:sp>
+        <p:nvSpPr>
+          <p:cNvPr id="8" name="Freeform 7">
+            <a:extLst>
+              <a:ext uri="{FF2B5EF4-FFF2-40B4-BE49-F238E27FC236}">
+                <a16:creationId xmlns:a16="http://schemas.microsoft.com/office/drawing/2014/main" id="{621E9B8E-ADDC-8447-9E8B-24197F368147}"/>
+              </a:ext>
+            </a:extLst>
+          </p:cNvPr>
+          <p:cNvSpPr/>
+          <p:nvPr/>
+        </p:nvSpPr>
+        <p:spPr>
+          <a:xfrm rot="14340958">
+            <a:off x="636961" y="608112"/>
+            <a:ext cx="1978702" cy="1139253"/>
+          </a:xfrm>
+          <a:custGeom>
+            <a:avLst/>
+            <a:gdLst>
+              <a:gd name="connsiteX0" fmla="*/ 1828800 w 1863650"/>
+              <a:gd name="connsiteY0" fmla="*/ 0 h 1259174"/>
+              <a:gd name="connsiteX1" fmla="*/ 1618938 w 1863650"/>
+              <a:gd name="connsiteY1" fmla="*/ 1004341 h 1259174"/>
+              <a:gd name="connsiteX2" fmla="*/ 0 w 1863650"/>
+              <a:gd name="connsiteY2" fmla="*/ 1259174 h 1259174"/>
+              <a:gd name="connsiteX3" fmla="*/ 0 w 1863650"/>
+              <a:gd name="connsiteY3" fmla="*/ 1259174 h 1259174"/>
+              <a:gd name="connsiteX0" fmla="*/ 1828800 w 1833237"/>
+              <a:gd name="connsiteY0" fmla="*/ 0 h 1259174"/>
+              <a:gd name="connsiteX1" fmla="*/ 1229194 w 1833237"/>
+              <a:gd name="connsiteY1" fmla="*/ 839449 h 1259174"/>
+              <a:gd name="connsiteX2" fmla="*/ 0 w 1833237"/>
+              <a:gd name="connsiteY2" fmla="*/ 1259174 h 1259174"/>
+              <a:gd name="connsiteX3" fmla="*/ 0 w 1833237"/>
+              <a:gd name="connsiteY3" fmla="*/ 1259174 h 1259174"/>
+              <a:gd name="connsiteX0" fmla="*/ 1978702 w 1982052"/>
+              <a:gd name="connsiteY0" fmla="*/ 0 h 1139253"/>
+              <a:gd name="connsiteX1" fmla="*/ 1229194 w 1982052"/>
+              <a:gd name="connsiteY1" fmla="*/ 719528 h 1139253"/>
+              <a:gd name="connsiteX2" fmla="*/ 0 w 1982052"/>
+              <a:gd name="connsiteY2" fmla="*/ 1139253 h 1139253"/>
+              <a:gd name="connsiteX3" fmla="*/ 0 w 1982052"/>
+              <a:gd name="connsiteY3" fmla="*/ 1139253 h 1139253"/>
+              <a:gd name="connsiteX0" fmla="*/ 1978702 w 1978702"/>
+              <a:gd name="connsiteY0" fmla="*/ 0 h 1139253"/>
+              <a:gd name="connsiteX1" fmla="*/ 1229194 w 1978702"/>
+              <a:gd name="connsiteY1" fmla="*/ 719528 h 1139253"/>
+              <a:gd name="connsiteX2" fmla="*/ 0 w 1978702"/>
+              <a:gd name="connsiteY2" fmla="*/ 1139253 h 1139253"/>
+              <a:gd name="connsiteX3" fmla="*/ 0 w 1978702"/>
+              <a:gd name="connsiteY3" fmla="*/ 1139253 h 1139253"/>
+            </a:gdLst>
+            <a:ahLst/>
+            <a:cxnLst>
+              <a:cxn ang="0">
+                <a:pos x="connsiteX0" y="connsiteY0"/>
+              </a:cxn>
+              <a:cxn ang="0">
+                <a:pos x="connsiteX1" y="connsiteY1"/>
+              </a:cxn>
+              <a:cxn ang="0">
+                <a:pos x="connsiteX2" y="connsiteY2"/>
+              </a:cxn>
+              <a:cxn ang="0">
+                <a:pos x="connsiteX3" y="connsiteY3"/>
+              </a:cxn>
+            </a:cxnLst>
+            <a:rect l="l" t="t" r="r" b="b"/>
+            <a:pathLst>
+              <a:path w="1978702" h="1139253">
+                <a:moveTo>
+                  <a:pt x="1978702" y="0"/>
+                </a:moveTo>
+                <a:cubicBezTo>
+                  <a:pt x="1831299" y="397239"/>
+                  <a:pt x="1558978" y="529653"/>
+                  <a:pt x="1229194" y="719528"/>
+                </a:cubicBezTo>
+                <a:cubicBezTo>
+                  <a:pt x="899410" y="909404"/>
+                  <a:pt x="204866" y="1069299"/>
+                  <a:pt x="0" y="1139253"/>
+                </a:cubicBezTo>
+                <a:lnTo>
+                  <a:pt x="0" y="1139253"/>
+                </a:lnTo>
+              </a:path>
+            </a:pathLst>
+          </a:custGeom>
+          <a:noFill/>
+          <a:ln w="50800" cap="rnd">
+            <a:solidFill>
+              <a:srgbClr val="FF0000"/>
+            </a:solidFill>
+            <a:tailEnd type="stealth" w="lg" len="lg"/>
+          </a:ln>
+        </p:spPr>
+        <p:style>
+          <a:lnRef idx="2">
+            <a:schemeClr val="accent1">
+              <a:shade val="50000"/>
+            </a:schemeClr>
+          </a:lnRef>
+          <a:fillRef idx="1">
+            <a:schemeClr val="accent1"/>
+          </a:fillRef>
+          <a:effectRef idx="0">
+            <a:schemeClr val="accent1"/>
+          </a:effectRef>
+          <a:fontRef idx="minor">
+            <a:schemeClr val="lt1"/>
+          </a:fontRef>
+        </p:style>
+        <p:txBody>
+          <a:bodyPr rtlCol="0" anchor="ctr"/>
+          <a:lstStyle/>
+          <a:p>
+            <a:pPr algn="ctr"/>
+            <a:endParaRPr lang="es-ES_tradnl"/>
+          </a:p>
+        </p:txBody>
+      </p:sp>
+      <p:sp>
+        <p:nvSpPr>
+          <p:cNvPr id="9" name="Freeform 8">
+            <a:extLst>
+              <a:ext uri="{FF2B5EF4-FFF2-40B4-BE49-F238E27FC236}">
+                <a16:creationId xmlns:a16="http://schemas.microsoft.com/office/drawing/2014/main" id="{D45F9AE1-DAB9-0E40-8FC8-7C5DF7522885}"/>
+              </a:ext>
+            </a:extLst>
+          </p:cNvPr>
+          <p:cNvSpPr/>
+          <p:nvPr/>
+        </p:nvSpPr>
+        <p:spPr>
+          <a:xfrm>
+            <a:off x="6341774" y="2538041"/>
+            <a:ext cx="2218545" cy="891842"/>
+          </a:xfrm>
+          <a:custGeom>
+            <a:avLst/>
+            <a:gdLst>
+              <a:gd name="connsiteX0" fmla="*/ 1828800 w 1863650"/>
+              <a:gd name="connsiteY0" fmla="*/ 0 h 1259174"/>
+              <a:gd name="connsiteX1" fmla="*/ 1618938 w 1863650"/>
+              <a:gd name="connsiteY1" fmla="*/ 1004341 h 1259174"/>
+              <a:gd name="connsiteX2" fmla="*/ 0 w 1863650"/>
+              <a:gd name="connsiteY2" fmla="*/ 1259174 h 1259174"/>
+              <a:gd name="connsiteX3" fmla="*/ 0 w 1863650"/>
+              <a:gd name="connsiteY3" fmla="*/ 1259174 h 1259174"/>
+              <a:gd name="connsiteX0" fmla="*/ 1828800 w 1833237"/>
+              <a:gd name="connsiteY0" fmla="*/ 0 h 1259174"/>
+              <a:gd name="connsiteX1" fmla="*/ 1229194 w 1833237"/>
+              <a:gd name="connsiteY1" fmla="*/ 839449 h 1259174"/>
+              <a:gd name="connsiteX2" fmla="*/ 0 w 1833237"/>
+              <a:gd name="connsiteY2" fmla="*/ 1259174 h 1259174"/>
+              <a:gd name="connsiteX3" fmla="*/ 0 w 1833237"/>
+              <a:gd name="connsiteY3" fmla="*/ 1259174 h 1259174"/>
+              <a:gd name="connsiteX0" fmla="*/ 1978702 w 1982052"/>
+              <a:gd name="connsiteY0" fmla="*/ 0 h 1139253"/>
+              <a:gd name="connsiteX1" fmla="*/ 1229194 w 1982052"/>
+              <a:gd name="connsiteY1" fmla="*/ 719528 h 1139253"/>
+              <a:gd name="connsiteX2" fmla="*/ 0 w 1982052"/>
+              <a:gd name="connsiteY2" fmla="*/ 1139253 h 1139253"/>
+              <a:gd name="connsiteX3" fmla="*/ 0 w 1982052"/>
+              <a:gd name="connsiteY3" fmla="*/ 1139253 h 1139253"/>
+              <a:gd name="connsiteX0" fmla="*/ 1978702 w 1978702"/>
+              <a:gd name="connsiteY0" fmla="*/ 0 h 1139253"/>
+              <a:gd name="connsiteX1" fmla="*/ 1229194 w 1978702"/>
+              <a:gd name="connsiteY1" fmla="*/ 719528 h 1139253"/>
+              <a:gd name="connsiteX2" fmla="*/ 0 w 1978702"/>
+              <a:gd name="connsiteY2" fmla="*/ 1139253 h 1139253"/>
+              <a:gd name="connsiteX3" fmla="*/ 0 w 1978702"/>
+              <a:gd name="connsiteY3" fmla="*/ 1139253 h 1139253"/>
+              <a:gd name="connsiteX0" fmla="*/ 2023673 w 2023673"/>
+              <a:gd name="connsiteY0" fmla="*/ 878262 h 959114"/>
+              <a:gd name="connsiteX1" fmla="*/ 1229194 w 2023673"/>
+              <a:gd name="connsiteY1" fmla="*/ 8833 h 959114"/>
+              <a:gd name="connsiteX2" fmla="*/ 0 w 2023673"/>
+              <a:gd name="connsiteY2" fmla="*/ 428558 h 959114"/>
+              <a:gd name="connsiteX3" fmla="*/ 0 w 2023673"/>
+              <a:gd name="connsiteY3" fmla="*/ 428558 h 959114"/>
+              <a:gd name="connsiteX0" fmla="*/ 2023673 w 2023673"/>
+              <a:gd name="connsiteY0" fmla="*/ 878262 h 878262"/>
+              <a:gd name="connsiteX1" fmla="*/ 1229194 w 2023673"/>
+              <a:gd name="connsiteY1" fmla="*/ 8833 h 878262"/>
+              <a:gd name="connsiteX2" fmla="*/ 0 w 2023673"/>
+              <a:gd name="connsiteY2" fmla="*/ 428558 h 878262"/>
+              <a:gd name="connsiteX3" fmla="*/ 0 w 2023673"/>
+              <a:gd name="connsiteY3" fmla="*/ 428558 h 878262"/>
+              <a:gd name="connsiteX0" fmla="*/ 2044424 w 2044424"/>
+              <a:gd name="connsiteY0" fmla="*/ 879591 h 879591"/>
+              <a:gd name="connsiteX1" fmla="*/ 1249945 w 2044424"/>
+              <a:gd name="connsiteY1" fmla="*/ 10162 h 879591"/>
+              <a:gd name="connsiteX2" fmla="*/ 20751 w 2044424"/>
+              <a:gd name="connsiteY2" fmla="*/ 429887 h 879591"/>
+              <a:gd name="connsiteX3" fmla="*/ 515427 w 2044424"/>
+              <a:gd name="connsiteY3" fmla="*/ 819632 h 879591"/>
+              <a:gd name="connsiteX0" fmla="*/ 1820209 w 1820209"/>
+              <a:gd name="connsiteY0" fmla="*/ 1208574 h 1208574"/>
+              <a:gd name="connsiteX1" fmla="*/ 1025730 w 1820209"/>
+              <a:gd name="connsiteY1" fmla="*/ 339145 h 1208574"/>
+              <a:gd name="connsiteX2" fmla="*/ 36379 w 1820209"/>
+              <a:gd name="connsiteY2" fmla="*/ 39342 h 1208574"/>
+              <a:gd name="connsiteX3" fmla="*/ 291212 w 1820209"/>
+              <a:gd name="connsiteY3" fmla="*/ 1148615 h 1208574"/>
+              <a:gd name="connsiteX0" fmla="*/ 2260175 w 2260175"/>
+              <a:gd name="connsiteY0" fmla="*/ 1175896 h 1175896"/>
+              <a:gd name="connsiteX1" fmla="*/ 1465696 w 2260175"/>
+              <a:gd name="connsiteY1" fmla="*/ 306467 h 1175896"/>
+              <a:gd name="connsiteX2" fmla="*/ 476345 w 2260175"/>
+              <a:gd name="connsiteY2" fmla="*/ 6664 h 1175896"/>
+              <a:gd name="connsiteX3" fmla="*/ 41630 w 2260175"/>
+              <a:gd name="connsiteY3" fmla="*/ 546311 h 1175896"/>
+              <a:gd name="connsiteX0" fmla="*/ 2218545 w 2218545"/>
+              <a:gd name="connsiteY0" fmla="*/ 1175896 h 1175896"/>
+              <a:gd name="connsiteX1" fmla="*/ 1424066 w 2218545"/>
+              <a:gd name="connsiteY1" fmla="*/ 306467 h 1175896"/>
+              <a:gd name="connsiteX2" fmla="*/ 434715 w 2218545"/>
+              <a:gd name="connsiteY2" fmla="*/ 6664 h 1175896"/>
+              <a:gd name="connsiteX3" fmla="*/ 0 w 2218545"/>
+              <a:gd name="connsiteY3" fmla="*/ 546311 h 1175896"/>
+              <a:gd name="connsiteX0" fmla="*/ 2218545 w 2218545"/>
+              <a:gd name="connsiteY0" fmla="*/ 891842 h 891842"/>
+              <a:gd name="connsiteX1" fmla="*/ 1424066 w 2218545"/>
+              <a:gd name="connsiteY1" fmla="*/ 22413 h 891842"/>
+              <a:gd name="connsiteX2" fmla="*/ 0 w 2218545"/>
+              <a:gd name="connsiteY2" fmla="*/ 262257 h 891842"/>
+            </a:gdLst>
+            <a:ahLst/>
+            <a:cxnLst>
+              <a:cxn ang="0">
+                <a:pos x="connsiteX0" y="connsiteY0"/>
+              </a:cxn>
+              <a:cxn ang="0">
+                <a:pos x="connsiteX1" y="connsiteY1"/>
+              </a:cxn>
+              <a:cxn ang="0">
+                <a:pos x="connsiteX2" y="connsiteY2"/>
+              </a:cxn>
+            </a:cxnLst>
+            <a:rect l="l" t="t" r="r" b="b"/>
+            <a:pathLst>
+              <a:path w="2218545" h="891842">
+                <a:moveTo>
+                  <a:pt x="2218545" y="891842"/>
+                </a:moveTo>
+                <a:cubicBezTo>
+                  <a:pt x="1951220" y="119849"/>
+                  <a:pt x="1793824" y="127344"/>
+                  <a:pt x="1424066" y="22413"/>
+                </a:cubicBezTo>
+                <a:cubicBezTo>
+                  <a:pt x="1054308" y="-82518"/>
+                  <a:pt x="296681" y="212289"/>
+                  <a:pt x="0" y="262257"/>
+                </a:cubicBezTo>
+              </a:path>
+            </a:pathLst>
+          </a:custGeom>
+          <a:noFill/>
+          <a:ln w="50800" cap="rnd">
+            <a:solidFill>
+              <a:srgbClr val="FF0000"/>
+            </a:solidFill>
+            <a:tailEnd type="stealth" w="lg" len="lg"/>
+          </a:ln>
+        </p:spPr>
+        <p:style>
+          <a:lnRef idx="2">
+            <a:schemeClr val="accent1">
+              <a:shade val="50000"/>
+            </a:schemeClr>
+          </a:lnRef>
+          <a:fillRef idx="1">
+            <a:schemeClr val="accent1"/>
+          </a:fillRef>
+          <a:effectRef idx="0">
+            <a:schemeClr val="accent1"/>
+          </a:effectRef>
+          <a:fontRef idx="minor">
+            <a:schemeClr val="lt1"/>
+          </a:fontRef>
+        </p:style>
+        <p:txBody>
+          <a:bodyPr rtlCol="0" anchor="ctr"/>
+          <a:lstStyle/>
+          <a:p>
+            <a:pPr algn="ctr"/>
+            <a:endParaRPr lang="es-ES_tradnl"/>
+          </a:p>
+        </p:txBody>
+      </p:sp>
+      <p:sp>
+        <p:nvSpPr>
+          <p:cNvPr id="10" name="Freeform 9">
+            <a:extLst>
+              <a:ext uri="{FF2B5EF4-FFF2-40B4-BE49-F238E27FC236}">
+                <a16:creationId xmlns:a16="http://schemas.microsoft.com/office/drawing/2014/main" id="{A238F9D0-1A8E-F24A-8A44-1AB5325749BE}"/>
+              </a:ext>
+            </a:extLst>
+          </p:cNvPr>
+          <p:cNvSpPr/>
+          <p:nvPr/>
+        </p:nvSpPr>
+        <p:spPr>
+          <a:xfrm rot="8927460">
+            <a:off x="1079784" y="3728678"/>
+            <a:ext cx="1978702" cy="1139253"/>
+          </a:xfrm>
+          <a:custGeom>
+            <a:avLst/>
+            <a:gdLst>
+              <a:gd name="connsiteX0" fmla="*/ 1828800 w 1863650"/>
+              <a:gd name="connsiteY0" fmla="*/ 0 h 1259174"/>
+              <a:gd name="connsiteX1" fmla="*/ 1618938 w 1863650"/>
+              <a:gd name="connsiteY1" fmla="*/ 1004341 h 1259174"/>
+              <a:gd name="connsiteX2" fmla="*/ 0 w 1863650"/>
+              <a:gd name="connsiteY2" fmla="*/ 1259174 h 1259174"/>
+              <a:gd name="connsiteX3" fmla="*/ 0 w 1863650"/>
+              <a:gd name="connsiteY3" fmla="*/ 1259174 h 1259174"/>
+              <a:gd name="connsiteX0" fmla="*/ 1828800 w 1833237"/>
+              <a:gd name="connsiteY0" fmla="*/ 0 h 1259174"/>
+              <a:gd name="connsiteX1" fmla="*/ 1229194 w 1833237"/>
+              <a:gd name="connsiteY1" fmla="*/ 839449 h 1259174"/>
+              <a:gd name="connsiteX2" fmla="*/ 0 w 1833237"/>
+              <a:gd name="connsiteY2" fmla="*/ 1259174 h 1259174"/>
+              <a:gd name="connsiteX3" fmla="*/ 0 w 1833237"/>
+              <a:gd name="connsiteY3" fmla="*/ 1259174 h 1259174"/>
+              <a:gd name="connsiteX0" fmla="*/ 1978702 w 1982052"/>
+              <a:gd name="connsiteY0" fmla="*/ 0 h 1139253"/>
+              <a:gd name="connsiteX1" fmla="*/ 1229194 w 1982052"/>
+              <a:gd name="connsiteY1" fmla="*/ 719528 h 1139253"/>
+              <a:gd name="connsiteX2" fmla="*/ 0 w 1982052"/>
+              <a:gd name="connsiteY2" fmla="*/ 1139253 h 1139253"/>
+              <a:gd name="connsiteX3" fmla="*/ 0 w 1982052"/>
+              <a:gd name="connsiteY3" fmla="*/ 1139253 h 1139253"/>
+              <a:gd name="connsiteX0" fmla="*/ 1978702 w 1978702"/>
+              <a:gd name="connsiteY0" fmla="*/ 0 h 1139253"/>
+              <a:gd name="connsiteX1" fmla="*/ 1229194 w 1978702"/>
+              <a:gd name="connsiteY1" fmla="*/ 719528 h 1139253"/>
+              <a:gd name="connsiteX2" fmla="*/ 0 w 1978702"/>
+              <a:gd name="connsiteY2" fmla="*/ 1139253 h 1139253"/>
+              <a:gd name="connsiteX3" fmla="*/ 0 w 1978702"/>
+              <a:gd name="connsiteY3" fmla="*/ 1139253 h 1139253"/>
+            </a:gdLst>
+            <a:ahLst/>
+            <a:cxnLst>
+              <a:cxn ang="0">
+                <a:pos x="connsiteX0" y="connsiteY0"/>
+              </a:cxn>
+              <a:cxn ang="0">
+                <a:pos x="connsiteX1" y="connsiteY1"/>
+              </a:cxn>
+              <a:cxn ang="0">
+                <a:pos x="connsiteX2" y="connsiteY2"/>
+              </a:cxn>
+              <a:cxn ang="0">
+                <a:pos x="connsiteX3" y="connsiteY3"/>
+              </a:cxn>
+            </a:cxnLst>
+            <a:rect l="l" t="t" r="r" b="b"/>
+            <a:pathLst>
+              <a:path w="1978702" h="1139253">
+                <a:moveTo>
+                  <a:pt x="1978702" y="0"/>
+                </a:moveTo>
+                <a:cubicBezTo>
+                  <a:pt x="1831299" y="397239"/>
+                  <a:pt x="1558978" y="529653"/>
+                  <a:pt x="1229194" y="719528"/>
+                </a:cubicBezTo>
+                <a:cubicBezTo>
+                  <a:pt x="899410" y="909404"/>
+                  <a:pt x="204866" y="1069299"/>
+                  <a:pt x="0" y="1139253"/>
+                </a:cubicBezTo>
+                <a:lnTo>
+                  <a:pt x="0" y="1139253"/>
+                </a:lnTo>
+              </a:path>
+            </a:pathLst>
+          </a:custGeom>
+          <a:noFill/>
+          <a:ln w="50800" cap="rnd">
+            <a:solidFill>
+              <a:srgbClr val="FF0000"/>
+            </a:solidFill>
+            <a:tailEnd type="stealth" w="lg" len="lg"/>
+          </a:ln>
+        </p:spPr>
+        <p:style>
+          <a:lnRef idx="2">
+            <a:schemeClr val="accent1">
+              <a:shade val="50000"/>
+            </a:schemeClr>
+          </a:lnRef>
+          <a:fillRef idx="1">
+            <a:schemeClr val="accent1"/>
+          </a:fillRef>
+          <a:effectRef idx="0">
+            <a:schemeClr val="accent1"/>
+          </a:effectRef>
+          <a:fontRef idx="minor">
+            <a:schemeClr val="lt1"/>
+          </a:fontRef>
+        </p:style>
+        <p:txBody>
+          <a:bodyPr rtlCol="0" anchor="ctr"/>
+          <a:lstStyle/>
+          <a:p>
+            <a:pPr algn="ctr"/>
+            <a:endParaRPr lang="es-ES_tradnl"/>
+          </a:p>
+        </p:txBody>
+      </p:sp>
+      <p:sp>
+        <p:nvSpPr>
+          <p:cNvPr id="11" name="Freeform 10">
+            <a:extLst>
+              <a:ext uri="{FF2B5EF4-FFF2-40B4-BE49-F238E27FC236}">
+                <a16:creationId xmlns:a16="http://schemas.microsoft.com/office/drawing/2014/main" id="{89BCC41B-6D2B-8140-B79A-BF6648F74583}"/>
+              </a:ext>
+            </a:extLst>
+          </p:cNvPr>
+          <p:cNvSpPr/>
+          <p:nvPr/>
+        </p:nvSpPr>
+        <p:spPr>
+          <a:xfrm rot="4331957">
+            <a:off x="3835864" y="3012865"/>
+            <a:ext cx="1910756" cy="1412678"/>
+          </a:xfrm>
+          <a:custGeom>
+            <a:avLst/>
+            <a:gdLst>
+              <a:gd name="connsiteX0" fmla="*/ 1828800 w 1863650"/>
+              <a:gd name="connsiteY0" fmla="*/ 0 h 1259174"/>
+              <a:gd name="connsiteX1" fmla="*/ 1618938 w 1863650"/>
+              <a:gd name="connsiteY1" fmla="*/ 1004341 h 1259174"/>
+              <a:gd name="connsiteX2" fmla="*/ 0 w 1863650"/>
+              <a:gd name="connsiteY2" fmla="*/ 1259174 h 1259174"/>
+              <a:gd name="connsiteX3" fmla="*/ 0 w 1863650"/>
+              <a:gd name="connsiteY3" fmla="*/ 1259174 h 1259174"/>
+              <a:gd name="connsiteX0" fmla="*/ 1828800 w 1833237"/>
+              <a:gd name="connsiteY0" fmla="*/ 0 h 1259174"/>
+              <a:gd name="connsiteX1" fmla="*/ 1229194 w 1833237"/>
+              <a:gd name="connsiteY1" fmla="*/ 839449 h 1259174"/>
+              <a:gd name="connsiteX2" fmla="*/ 0 w 1833237"/>
+              <a:gd name="connsiteY2" fmla="*/ 1259174 h 1259174"/>
+              <a:gd name="connsiteX3" fmla="*/ 0 w 1833237"/>
+              <a:gd name="connsiteY3" fmla="*/ 1259174 h 1259174"/>
+              <a:gd name="connsiteX0" fmla="*/ 1978702 w 1982052"/>
+              <a:gd name="connsiteY0" fmla="*/ 0 h 1139253"/>
+              <a:gd name="connsiteX1" fmla="*/ 1229194 w 1982052"/>
+              <a:gd name="connsiteY1" fmla="*/ 719528 h 1139253"/>
+              <a:gd name="connsiteX2" fmla="*/ 0 w 1982052"/>
+              <a:gd name="connsiteY2" fmla="*/ 1139253 h 1139253"/>
+              <a:gd name="connsiteX3" fmla="*/ 0 w 1982052"/>
+              <a:gd name="connsiteY3" fmla="*/ 1139253 h 1139253"/>
+              <a:gd name="connsiteX0" fmla="*/ 1978702 w 1978702"/>
+              <a:gd name="connsiteY0" fmla="*/ 0 h 1139253"/>
+              <a:gd name="connsiteX1" fmla="*/ 1229194 w 1978702"/>
+              <a:gd name="connsiteY1" fmla="*/ 719528 h 1139253"/>
+              <a:gd name="connsiteX2" fmla="*/ 0 w 1978702"/>
+              <a:gd name="connsiteY2" fmla="*/ 1139253 h 1139253"/>
+              <a:gd name="connsiteX3" fmla="*/ 0 w 1978702"/>
+              <a:gd name="connsiteY3" fmla="*/ 1139253 h 1139253"/>
+              <a:gd name="connsiteX0" fmla="*/ 2221921 w 2221921"/>
+              <a:gd name="connsiteY0" fmla="*/ 0 h 1392366"/>
+              <a:gd name="connsiteX1" fmla="*/ 1472413 w 2221921"/>
+              <a:gd name="connsiteY1" fmla="*/ 719528 h 1392366"/>
+              <a:gd name="connsiteX2" fmla="*/ 243219 w 2221921"/>
+              <a:gd name="connsiteY2" fmla="*/ 1139253 h 1392366"/>
+              <a:gd name="connsiteX3" fmla="*/ 0 w 2221921"/>
+              <a:gd name="connsiteY3" fmla="*/ 1392366 h 1392366"/>
+              <a:gd name="connsiteX0" fmla="*/ 2221921 w 2221921"/>
+              <a:gd name="connsiteY0" fmla="*/ 0 h 1392366"/>
+              <a:gd name="connsiteX1" fmla="*/ 1472413 w 2221921"/>
+              <a:gd name="connsiteY1" fmla="*/ 719528 h 1392366"/>
+              <a:gd name="connsiteX2" fmla="*/ 618981 w 2221921"/>
+              <a:gd name="connsiteY2" fmla="*/ 1112802 h 1392366"/>
+              <a:gd name="connsiteX3" fmla="*/ 0 w 2221921"/>
+              <a:gd name="connsiteY3" fmla="*/ 1392366 h 1392366"/>
+              <a:gd name="connsiteX0" fmla="*/ 2613617 w 2613617"/>
+              <a:gd name="connsiteY0" fmla="*/ 0 h 1698212"/>
+              <a:gd name="connsiteX1" fmla="*/ 1864109 w 2613617"/>
+              <a:gd name="connsiteY1" fmla="*/ 719528 h 1698212"/>
+              <a:gd name="connsiteX2" fmla="*/ 1010677 w 2613617"/>
+              <a:gd name="connsiteY2" fmla="*/ 1112802 h 1698212"/>
+              <a:gd name="connsiteX3" fmla="*/ 0 w 2613617"/>
+              <a:gd name="connsiteY3" fmla="*/ 1698212 h 1698212"/>
+              <a:gd name="connsiteX0" fmla="*/ 2613617 w 2613617"/>
+              <a:gd name="connsiteY0" fmla="*/ 0 h 1698212"/>
+              <a:gd name="connsiteX1" fmla="*/ 1864109 w 2613617"/>
+              <a:gd name="connsiteY1" fmla="*/ 719528 h 1698212"/>
+              <a:gd name="connsiteX2" fmla="*/ 871339 w 2613617"/>
+              <a:gd name="connsiteY2" fmla="*/ 1376302 h 1698212"/>
+              <a:gd name="connsiteX3" fmla="*/ 0 w 2613617"/>
+              <a:gd name="connsiteY3" fmla="*/ 1698212 h 1698212"/>
+              <a:gd name="connsiteX0" fmla="*/ 2613617 w 2613617"/>
+              <a:gd name="connsiteY0" fmla="*/ 0 h 1698212"/>
+              <a:gd name="connsiteX1" fmla="*/ 1585243 w 2613617"/>
+              <a:gd name="connsiteY1" fmla="*/ 716543 h 1698212"/>
+              <a:gd name="connsiteX2" fmla="*/ 871339 w 2613617"/>
+              <a:gd name="connsiteY2" fmla="*/ 1376302 h 1698212"/>
+              <a:gd name="connsiteX3" fmla="*/ 0 w 2613617"/>
+              <a:gd name="connsiteY3" fmla="*/ 1698212 h 1698212"/>
+              <a:gd name="connsiteX0" fmla="*/ 2613617 w 2613617"/>
+              <a:gd name="connsiteY0" fmla="*/ 0 h 1698212"/>
+              <a:gd name="connsiteX1" fmla="*/ 1585243 w 2613617"/>
+              <a:gd name="connsiteY1" fmla="*/ 716543 h 1698212"/>
+              <a:gd name="connsiteX2" fmla="*/ 871339 w 2613617"/>
+              <a:gd name="connsiteY2" fmla="*/ 1376302 h 1698212"/>
+              <a:gd name="connsiteX3" fmla="*/ 0 w 2613617"/>
+              <a:gd name="connsiteY3" fmla="*/ 1698212 h 1698212"/>
+              <a:gd name="connsiteX0" fmla="*/ 2613617 w 2613617"/>
+              <a:gd name="connsiteY0" fmla="*/ 0 h 1698212"/>
+              <a:gd name="connsiteX1" fmla="*/ 1397721 w 2613617"/>
+              <a:gd name="connsiteY1" fmla="*/ 758259 h 1698212"/>
+              <a:gd name="connsiteX2" fmla="*/ 871339 w 2613617"/>
+              <a:gd name="connsiteY2" fmla="*/ 1376302 h 1698212"/>
+              <a:gd name="connsiteX3" fmla="*/ 0 w 2613617"/>
+              <a:gd name="connsiteY3" fmla="*/ 1698212 h 1698212"/>
+              <a:gd name="connsiteX0" fmla="*/ 2613617 w 2613617"/>
+              <a:gd name="connsiteY0" fmla="*/ 0 h 1698212"/>
+              <a:gd name="connsiteX1" fmla="*/ 871339 w 2613617"/>
+              <a:gd name="connsiteY1" fmla="*/ 1376302 h 1698212"/>
+              <a:gd name="connsiteX2" fmla="*/ 0 w 2613617"/>
+              <a:gd name="connsiteY2" fmla="*/ 1698212 h 1698212"/>
+            </a:gdLst>
+            <a:ahLst/>
+            <a:cxnLst>
+              <a:cxn ang="0">
+                <a:pos x="connsiteX0" y="connsiteY0"/>
+              </a:cxn>
+              <a:cxn ang="0">
+                <a:pos x="connsiteX1" y="connsiteY1"/>
+              </a:cxn>
+              <a:cxn ang="0">
+                <a:pos x="connsiteX2" y="connsiteY2"/>
+              </a:cxn>
+            </a:cxnLst>
+            <a:rect l="l" t="t" r="r" b="b"/>
+            <a:pathLst>
+              <a:path w="2613617" h="1698212">
+                <a:moveTo>
+                  <a:pt x="2613617" y="0"/>
+                </a:moveTo>
+                <a:cubicBezTo>
+                  <a:pt x="2250643" y="286730"/>
+                  <a:pt x="1306942" y="1093267"/>
+                  <a:pt x="871339" y="1376302"/>
+                </a:cubicBezTo>
+                <a:cubicBezTo>
+                  <a:pt x="435736" y="1659337"/>
+                  <a:pt x="81073" y="1613841"/>
+                  <a:pt x="0" y="1698212"/>
+                </a:cubicBezTo>
+              </a:path>
+            </a:pathLst>
+          </a:custGeom>
+          <a:noFill/>
+          <a:ln w="25400" cap="rnd">
+            <a:solidFill>
+              <a:srgbClr val="FF0000"/>
+            </a:solidFill>
+            <a:tailEnd type="stealth" w="lg" len="lg"/>
+          </a:ln>
+        </p:spPr>
+        <p:style>
+          <a:lnRef idx="2">
+            <a:schemeClr val="accent1">
+              <a:shade val="50000"/>
+            </a:schemeClr>
+          </a:lnRef>
+          <a:fillRef idx="1">
+            <a:schemeClr val="accent1"/>
+          </a:fillRef>
+          <a:effectRef idx="0">
+            <a:schemeClr val="accent1"/>
+          </a:effectRef>
+          <a:fontRef idx="minor">
+            <a:schemeClr val="lt1"/>
+          </a:fontRef>
+        </p:style>
+        <p:txBody>
+          <a:bodyPr rtlCol="0" anchor="ctr"/>
+          <a:lstStyle/>
+          <a:p>
+            <a:pPr algn="ctr"/>
+            <a:endParaRPr lang="es-ES_tradnl"/>
           </a:p>
         </p:txBody>
       </p:sp>
@@ -5825,7 +9325,920 @@
 </p:sld>
 </file>
 
-<file path=ppt/slides/slide12.xml><?xml version="1.0" encoding="utf-8"?>
+<file path=ppt/slides/slide16.xml><?xml version="1.0" encoding="utf-8"?>
+<p:sld xmlns:a="http://schemas.openxmlformats.org/drawingml/2006/main" xmlns:r="http://schemas.openxmlformats.org/officeDocument/2006/relationships" xmlns:p="http://schemas.openxmlformats.org/presentationml/2006/main">
+  <p:cSld>
+    <p:spTree>
+      <p:nvGrpSpPr>
+        <p:cNvPr id="1" name=""/>
+        <p:cNvGrpSpPr/>
+        <p:nvPr/>
+      </p:nvGrpSpPr>
+      <p:grpSpPr>
+        <a:xfrm>
+          <a:off x="0" y="0"/>
+          <a:ext cx="0" cy="0"/>
+          <a:chOff x="0" y="0"/>
+          <a:chExt cx="0" cy="0"/>
+        </a:xfrm>
+      </p:grpSpPr>
+      <p:pic>
+        <p:nvPicPr>
+          <p:cNvPr id="12" name="Picture 11">
+            <a:extLst>
+              <a:ext uri="{FF2B5EF4-FFF2-40B4-BE49-F238E27FC236}">
+                <a16:creationId xmlns:a16="http://schemas.microsoft.com/office/drawing/2014/main" id="{01688745-0342-A549-860F-C6F6338BE138}"/>
+              </a:ext>
+            </a:extLst>
+          </p:cNvPr>
+          <p:cNvPicPr>
+            <a:picLocks noChangeAspect="1"/>
+          </p:cNvPicPr>
+          <p:nvPr/>
+        </p:nvPicPr>
+        <p:blipFill>
+          <a:blip r:embed="rId3">
+            <a:alphaModFix/>
+          </a:blip>
+          <a:stretch>
+            <a:fillRect/>
+          </a:stretch>
+        </p:blipFill>
+        <p:spPr>
+          <a:xfrm>
+            <a:off x="2809721" y="1859629"/>
+            <a:ext cx="1641967" cy="1332995"/>
+          </a:xfrm>
+          <a:prstGeom prst="rect">
+            <a:avLst/>
+          </a:prstGeom>
+        </p:spPr>
+      </p:pic>
+      <mc:AlternateContent xmlns:mc="http://schemas.openxmlformats.org/markup-compatibility/2006">
+        <mc:Choice xmlns:a14="http://schemas.microsoft.com/office/drawing/2010/main" Requires="a14">
+          <p:sp>
+            <p:nvSpPr>
+              <p:cNvPr id="2" name="Title 1">
+                <a:extLst>
+                  <a:ext uri="{FF2B5EF4-FFF2-40B4-BE49-F238E27FC236}">
+                    <a16:creationId xmlns:a16="http://schemas.microsoft.com/office/drawing/2014/main" id="{D69F83FD-F161-9D45-8EF9-E6034C8C8EAA}"/>
+                  </a:ext>
+                </a:extLst>
+              </p:cNvPr>
+              <p:cNvSpPr>
+                <a:spLocks noGrp="1"/>
+              </p:cNvSpPr>
+              <p:nvPr>
+                <p:ph type="title"/>
+              </p:nvPr>
+            </p:nvSpPr>
+            <p:spPr/>
+            <p:txBody>
+              <a:bodyPr/>
+              <a:lstStyle/>
+              <a:p>
+                <a14:m>
+                  <m:oMathPara xmlns:m="http://schemas.openxmlformats.org/officeDocument/2006/math">
+                    <m:oMathParaPr>
+                      <m:jc m:val="centerGroup"/>
+                    </m:oMathParaPr>
+                    <m:oMath xmlns:m="http://schemas.openxmlformats.org/officeDocument/2006/math">
+                      <m:r>
+                        <a:rPr lang="es-ES" b="0" i="1" smtClean="0">
+                          <a:latin typeface="Cambria Math" panose="02040503050406030204" pitchFamily="18" charset="0"/>
+                        </a:rPr>
+                        <m:t>𝑝</m:t>
+                      </m:r>
+                    </m:oMath>
+                  </m:oMathPara>
+                </a14:m>
+                <a:endParaRPr lang="es-ES_tradnl" dirty="0"/>
+              </a:p>
+            </p:txBody>
+          </p:sp>
+        </mc:Choice>
+        <mc:Fallback>
+          <p:sp>
+            <p:nvSpPr>
+              <p:cNvPr id="2" name="Title 1">
+                <a:extLst>
+                  <a:ext uri="{FF2B5EF4-FFF2-40B4-BE49-F238E27FC236}">
+                    <a16:creationId xmlns:a16="http://schemas.microsoft.com/office/drawing/2014/main" id="{D69F83FD-F161-9D45-8EF9-E6034C8C8EAA}"/>
+                  </a:ext>
+                </a:extLst>
+              </p:cNvPr>
+              <p:cNvSpPr>
+                <a:spLocks noGrp="1" noRot="1" noChangeAspect="1" noMove="1" noResize="1" noEditPoints="1" noAdjustHandles="1" noChangeArrowheads="1" noChangeShapeType="1" noTextEdit="1"/>
+              </p:cNvSpPr>
+              <p:nvPr>
+                <p:ph type="title"/>
+              </p:nvPr>
+            </p:nvSpPr>
+            <p:spPr>
+              <a:blipFill>
+                <a:blip r:embed="rId4"/>
+                <a:stretch>
+                  <a:fillRect b="-8547"/>
+                </a:stretch>
+              </a:blipFill>
+            </p:spPr>
+            <p:txBody>
+              <a:bodyPr/>
+              <a:lstStyle/>
+              <a:p>
+                <a:r>
+                  <a:rPr lang="es-ES_tradnl">
+                    <a:noFill/>
+                  </a:rPr>
+                  <a:t> </a:t>
+                </a:r>
+              </a:p>
+            </p:txBody>
+          </p:sp>
+        </mc:Fallback>
+      </mc:AlternateContent>
+      <p:sp>
+        <p:nvSpPr>
+          <p:cNvPr id="4" name="Subtitle 3">
+            <a:extLst>
+              <a:ext uri="{FF2B5EF4-FFF2-40B4-BE49-F238E27FC236}">
+                <a16:creationId xmlns:a16="http://schemas.microsoft.com/office/drawing/2014/main" id="{764FB614-23A0-EB40-A4D0-C81CE94B76C8}"/>
+              </a:ext>
+            </a:extLst>
+          </p:cNvPr>
+          <p:cNvSpPr>
+            <a:spLocks noGrp="1"/>
+          </p:cNvSpPr>
+          <p:nvPr>
+            <p:ph type="subTitle" idx="1"/>
+          </p:nvPr>
+        </p:nvSpPr>
+        <p:spPr/>
+        <p:txBody>
+          <a:bodyPr/>
+          <a:lstStyle/>
+          <a:p>
+            <a:endParaRPr lang="es-ES_tradnl"/>
+          </a:p>
+        </p:txBody>
+      </p:sp>
+      <p:sp>
+        <p:nvSpPr>
+          <p:cNvPr id="7" name="Freeform 6">
+            <a:extLst>
+              <a:ext uri="{FF2B5EF4-FFF2-40B4-BE49-F238E27FC236}">
+                <a16:creationId xmlns:a16="http://schemas.microsoft.com/office/drawing/2014/main" id="{3D80521C-C27B-6F45-9BB2-5DE81B791315}"/>
+              </a:ext>
+            </a:extLst>
+          </p:cNvPr>
+          <p:cNvSpPr/>
+          <p:nvPr/>
+        </p:nvSpPr>
+        <p:spPr>
+          <a:xfrm>
+            <a:off x="4107305" y="1079291"/>
+            <a:ext cx="3807502" cy="1408495"/>
+          </a:xfrm>
+          <a:custGeom>
+            <a:avLst/>
+            <a:gdLst>
+              <a:gd name="connsiteX0" fmla="*/ 1828800 w 1863650"/>
+              <a:gd name="connsiteY0" fmla="*/ 0 h 1259174"/>
+              <a:gd name="connsiteX1" fmla="*/ 1618938 w 1863650"/>
+              <a:gd name="connsiteY1" fmla="*/ 1004341 h 1259174"/>
+              <a:gd name="connsiteX2" fmla="*/ 0 w 1863650"/>
+              <a:gd name="connsiteY2" fmla="*/ 1259174 h 1259174"/>
+              <a:gd name="connsiteX3" fmla="*/ 0 w 1863650"/>
+              <a:gd name="connsiteY3" fmla="*/ 1259174 h 1259174"/>
+              <a:gd name="connsiteX0" fmla="*/ 1828800 w 1833237"/>
+              <a:gd name="connsiteY0" fmla="*/ 0 h 1259174"/>
+              <a:gd name="connsiteX1" fmla="*/ 1229194 w 1833237"/>
+              <a:gd name="connsiteY1" fmla="*/ 839449 h 1259174"/>
+              <a:gd name="connsiteX2" fmla="*/ 0 w 1833237"/>
+              <a:gd name="connsiteY2" fmla="*/ 1259174 h 1259174"/>
+              <a:gd name="connsiteX3" fmla="*/ 0 w 1833237"/>
+              <a:gd name="connsiteY3" fmla="*/ 1259174 h 1259174"/>
+              <a:gd name="connsiteX0" fmla="*/ 1978702 w 1982052"/>
+              <a:gd name="connsiteY0" fmla="*/ 0 h 1139253"/>
+              <a:gd name="connsiteX1" fmla="*/ 1229194 w 1982052"/>
+              <a:gd name="connsiteY1" fmla="*/ 719528 h 1139253"/>
+              <a:gd name="connsiteX2" fmla="*/ 0 w 1982052"/>
+              <a:gd name="connsiteY2" fmla="*/ 1139253 h 1139253"/>
+              <a:gd name="connsiteX3" fmla="*/ 0 w 1982052"/>
+              <a:gd name="connsiteY3" fmla="*/ 1139253 h 1139253"/>
+              <a:gd name="connsiteX0" fmla="*/ 1978702 w 1978702"/>
+              <a:gd name="connsiteY0" fmla="*/ 0 h 1139253"/>
+              <a:gd name="connsiteX1" fmla="*/ 1229194 w 1978702"/>
+              <a:gd name="connsiteY1" fmla="*/ 719528 h 1139253"/>
+              <a:gd name="connsiteX2" fmla="*/ 0 w 1978702"/>
+              <a:gd name="connsiteY2" fmla="*/ 1139253 h 1139253"/>
+              <a:gd name="connsiteX3" fmla="*/ 0 w 1978702"/>
+              <a:gd name="connsiteY3" fmla="*/ 1139253 h 1139253"/>
+            </a:gdLst>
+            <a:ahLst/>
+            <a:cxnLst>
+              <a:cxn ang="0">
+                <a:pos x="connsiteX0" y="connsiteY0"/>
+              </a:cxn>
+              <a:cxn ang="0">
+                <a:pos x="connsiteX1" y="connsiteY1"/>
+              </a:cxn>
+              <a:cxn ang="0">
+                <a:pos x="connsiteX2" y="connsiteY2"/>
+              </a:cxn>
+              <a:cxn ang="0">
+                <a:pos x="connsiteX3" y="connsiteY3"/>
+              </a:cxn>
+            </a:cxnLst>
+            <a:rect l="l" t="t" r="r" b="b"/>
+            <a:pathLst>
+              <a:path w="1978702" h="1139253">
+                <a:moveTo>
+                  <a:pt x="1978702" y="0"/>
+                </a:moveTo>
+                <a:cubicBezTo>
+                  <a:pt x="1831299" y="397239"/>
+                  <a:pt x="1558978" y="529653"/>
+                  <a:pt x="1229194" y="719528"/>
+                </a:cubicBezTo>
+                <a:cubicBezTo>
+                  <a:pt x="899410" y="909404"/>
+                  <a:pt x="204866" y="1069299"/>
+                  <a:pt x="0" y="1139253"/>
+                </a:cubicBezTo>
+                <a:lnTo>
+                  <a:pt x="0" y="1139253"/>
+                </a:lnTo>
+              </a:path>
+            </a:pathLst>
+          </a:custGeom>
+          <a:noFill/>
+          <a:ln w="50800" cap="rnd">
+            <a:solidFill>
+              <a:srgbClr val="FF0000"/>
+            </a:solidFill>
+            <a:tailEnd type="stealth" w="lg" len="lg"/>
+          </a:ln>
+        </p:spPr>
+        <p:style>
+          <a:lnRef idx="2">
+            <a:schemeClr val="accent1">
+              <a:shade val="50000"/>
+            </a:schemeClr>
+          </a:lnRef>
+          <a:fillRef idx="1">
+            <a:schemeClr val="accent1"/>
+          </a:fillRef>
+          <a:effectRef idx="0">
+            <a:schemeClr val="accent1"/>
+          </a:effectRef>
+          <a:fontRef idx="minor">
+            <a:schemeClr val="lt1"/>
+          </a:fontRef>
+        </p:style>
+        <p:txBody>
+          <a:bodyPr rtlCol="0" anchor="ctr"/>
+          <a:lstStyle/>
+          <a:p>
+            <a:pPr algn="ctr"/>
+            <a:endParaRPr lang="es-ES_tradnl"/>
+          </a:p>
+        </p:txBody>
+      </p:sp>
+      <p:sp>
+        <p:nvSpPr>
+          <p:cNvPr id="8" name="Freeform 7">
+            <a:extLst>
+              <a:ext uri="{FF2B5EF4-FFF2-40B4-BE49-F238E27FC236}">
+                <a16:creationId xmlns:a16="http://schemas.microsoft.com/office/drawing/2014/main" id="{621E9B8E-ADDC-8447-9E8B-24197F368147}"/>
+              </a:ext>
+            </a:extLst>
+          </p:cNvPr>
+          <p:cNvSpPr/>
+          <p:nvPr/>
+        </p:nvSpPr>
+        <p:spPr>
+          <a:xfrm rot="14340958">
+            <a:off x="599474" y="674349"/>
+            <a:ext cx="2773206" cy="1501454"/>
+          </a:xfrm>
+          <a:custGeom>
+            <a:avLst/>
+            <a:gdLst>
+              <a:gd name="connsiteX0" fmla="*/ 1828800 w 1863650"/>
+              <a:gd name="connsiteY0" fmla="*/ 0 h 1259174"/>
+              <a:gd name="connsiteX1" fmla="*/ 1618938 w 1863650"/>
+              <a:gd name="connsiteY1" fmla="*/ 1004341 h 1259174"/>
+              <a:gd name="connsiteX2" fmla="*/ 0 w 1863650"/>
+              <a:gd name="connsiteY2" fmla="*/ 1259174 h 1259174"/>
+              <a:gd name="connsiteX3" fmla="*/ 0 w 1863650"/>
+              <a:gd name="connsiteY3" fmla="*/ 1259174 h 1259174"/>
+              <a:gd name="connsiteX0" fmla="*/ 1828800 w 1833237"/>
+              <a:gd name="connsiteY0" fmla="*/ 0 h 1259174"/>
+              <a:gd name="connsiteX1" fmla="*/ 1229194 w 1833237"/>
+              <a:gd name="connsiteY1" fmla="*/ 839449 h 1259174"/>
+              <a:gd name="connsiteX2" fmla="*/ 0 w 1833237"/>
+              <a:gd name="connsiteY2" fmla="*/ 1259174 h 1259174"/>
+              <a:gd name="connsiteX3" fmla="*/ 0 w 1833237"/>
+              <a:gd name="connsiteY3" fmla="*/ 1259174 h 1259174"/>
+              <a:gd name="connsiteX0" fmla="*/ 1978702 w 1982052"/>
+              <a:gd name="connsiteY0" fmla="*/ 0 h 1139253"/>
+              <a:gd name="connsiteX1" fmla="*/ 1229194 w 1982052"/>
+              <a:gd name="connsiteY1" fmla="*/ 719528 h 1139253"/>
+              <a:gd name="connsiteX2" fmla="*/ 0 w 1982052"/>
+              <a:gd name="connsiteY2" fmla="*/ 1139253 h 1139253"/>
+              <a:gd name="connsiteX3" fmla="*/ 0 w 1982052"/>
+              <a:gd name="connsiteY3" fmla="*/ 1139253 h 1139253"/>
+              <a:gd name="connsiteX0" fmla="*/ 1978702 w 1978702"/>
+              <a:gd name="connsiteY0" fmla="*/ 0 h 1139253"/>
+              <a:gd name="connsiteX1" fmla="*/ 1229194 w 1978702"/>
+              <a:gd name="connsiteY1" fmla="*/ 719528 h 1139253"/>
+              <a:gd name="connsiteX2" fmla="*/ 0 w 1978702"/>
+              <a:gd name="connsiteY2" fmla="*/ 1139253 h 1139253"/>
+              <a:gd name="connsiteX3" fmla="*/ 0 w 1978702"/>
+              <a:gd name="connsiteY3" fmla="*/ 1139253 h 1139253"/>
+              <a:gd name="connsiteX0" fmla="*/ 2023207 w 2023207"/>
+              <a:gd name="connsiteY0" fmla="*/ 0 h 2147093"/>
+              <a:gd name="connsiteX1" fmla="*/ 1273699 w 2023207"/>
+              <a:gd name="connsiteY1" fmla="*/ 719528 h 2147093"/>
+              <a:gd name="connsiteX2" fmla="*/ 44505 w 2023207"/>
+              <a:gd name="connsiteY2" fmla="*/ 1139253 h 2147093"/>
+              <a:gd name="connsiteX3" fmla="*/ 296086 w 2023207"/>
+              <a:gd name="connsiteY3" fmla="*/ 2147093 h 2147093"/>
+              <a:gd name="connsiteX0" fmla="*/ 2781914 w 2781914"/>
+              <a:gd name="connsiteY0" fmla="*/ 0 h 1501454"/>
+              <a:gd name="connsiteX1" fmla="*/ 2032406 w 2781914"/>
+              <a:gd name="connsiteY1" fmla="*/ 719528 h 1501454"/>
+              <a:gd name="connsiteX2" fmla="*/ 803212 w 2781914"/>
+              <a:gd name="connsiteY2" fmla="*/ 1139253 h 1501454"/>
+              <a:gd name="connsiteX3" fmla="*/ 8708 w 2781914"/>
+              <a:gd name="connsiteY3" fmla="*/ 1501454 h 1501454"/>
+              <a:gd name="connsiteX0" fmla="*/ 2773206 w 2773206"/>
+              <a:gd name="connsiteY0" fmla="*/ 0 h 1501574"/>
+              <a:gd name="connsiteX1" fmla="*/ 2023698 w 2773206"/>
+              <a:gd name="connsiteY1" fmla="*/ 719528 h 1501574"/>
+              <a:gd name="connsiteX2" fmla="*/ 794504 w 2773206"/>
+              <a:gd name="connsiteY2" fmla="*/ 1139253 h 1501574"/>
+              <a:gd name="connsiteX3" fmla="*/ 0 w 2773206"/>
+              <a:gd name="connsiteY3" fmla="*/ 1501454 h 1501574"/>
+              <a:gd name="connsiteX0" fmla="*/ 2773206 w 2773206"/>
+              <a:gd name="connsiteY0" fmla="*/ 0 h 1501454"/>
+              <a:gd name="connsiteX1" fmla="*/ 2023698 w 2773206"/>
+              <a:gd name="connsiteY1" fmla="*/ 719528 h 1501454"/>
+              <a:gd name="connsiteX2" fmla="*/ 0 w 2773206"/>
+              <a:gd name="connsiteY2" fmla="*/ 1501454 h 1501454"/>
+            </a:gdLst>
+            <a:ahLst/>
+            <a:cxnLst>
+              <a:cxn ang="0">
+                <a:pos x="connsiteX0" y="connsiteY0"/>
+              </a:cxn>
+              <a:cxn ang="0">
+                <a:pos x="connsiteX1" y="connsiteY1"/>
+              </a:cxn>
+              <a:cxn ang="0">
+                <a:pos x="connsiteX2" y="connsiteY2"/>
+              </a:cxn>
+            </a:cxnLst>
+            <a:rect l="l" t="t" r="r" b="b"/>
+            <a:pathLst>
+              <a:path w="2773206" h="1501454">
+                <a:moveTo>
+                  <a:pt x="2773206" y="0"/>
+                </a:moveTo>
+                <a:cubicBezTo>
+                  <a:pt x="2625803" y="397239"/>
+                  <a:pt x="2485899" y="469286"/>
+                  <a:pt x="2023698" y="719528"/>
+                </a:cubicBezTo>
+                <a:cubicBezTo>
+                  <a:pt x="1561497" y="969770"/>
+                  <a:pt x="421604" y="1338553"/>
+                  <a:pt x="0" y="1501454"/>
+                </a:cubicBezTo>
+              </a:path>
+            </a:pathLst>
+          </a:custGeom>
+          <a:noFill/>
+          <a:ln w="50800" cap="rnd">
+            <a:solidFill>
+              <a:srgbClr val="FF0000"/>
+            </a:solidFill>
+            <a:tailEnd type="stealth" w="lg" len="lg"/>
+          </a:ln>
+        </p:spPr>
+        <p:style>
+          <a:lnRef idx="2">
+            <a:schemeClr val="accent1">
+              <a:shade val="50000"/>
+            </a:schemeClr>
+          </a:lnRef>
+          <a:fillRef idx="1">
+            <a:schemeClr val="accent1"/>
+          </a:fillRef>
+          <a:effectRef idx="0">
+            <a:schemeClr val="accent1"/>
+          </a:effectRef>
+          <a:fontRef idx="minor">
+            <a:schemeClr val="lt1"/>
+          </a:fontRef>
+        </p:style>
+        <p:txBody>
+          <a:bodyPr rtlCol="0" anchor="ctr"/>
+          <a:lstStyle/>
+          <a:p>
+            <a:pPr algn="ctr"/>
+            <a:endParaRPr lang="es-ES_tradnl"/>
+          </a:p>
+        </p:txBody>
+      </p:sp>
+      <p:sp>
+        <p:nvSpPr>
+          <p:cNvPr id="9" name="Freeform 8">
+            <a:extLst>
+              <a:ext uri="{FF2B5EF4-FFF2-40B4-BE49-F238E27FC236}">
+                <a16:creationId xmlns:a16="http://schemas.microsoft.com/office/drawing/2014/main" id="{D45F9AE1-DAB9-0E40-8FC8-7C5DF7522885}"/>
+              </a:ext>
+            </a:extLst>
+          </p:cNvPr>
+          <p:cNvSpPr/>
+          <p:nvPr/>
+        </p:nvSpPr>
+        <p:spPr>
+          <a:xfrm rot="452860">
+            <a:off x="4148289" y="2746704"/>
+            <a:ext cx="4059945" cy="891842"/>
+          </a:xfrm>
+          <a:custGeom>
+            <a:avLst/>
+            <a:gdLst>
+              <a:gd name="connsiteX0" fmla="*/ 1828800 w 1863650"/>
+              <a:gd name="connsiteY0" fmla="*/ 0 h 1259174"/>
+              <a:gd name="connsiteX1" fmla="*/ 1618938 w 1863650"/>
+              <a:gd name="connsiteY1" fmla="*/ 1004341 h 1259174"/>
+              <a:gd name="connsiteX2" fmla="*/ 0 w 1863650"/>
+              <a:gd name="connsiteY2" fmla="*/ 1259174 h 1259174"/>
+              <a:gd name="connsiteX3" fmla="*/ 0 w 1863650"/>
+              <a:gd name="connsiteY3" fmla="*/ 1259174 h 1259174"/>
+              <a:gd name="connsiteX0" fmla="*/ 1828800 w 1833237"/>
+              <a:gd name="connsiteY0" fmla="*/ 0 h 1259174"/>
+              <a:gd name="connsiteX1" fmla="*/ 1229194 w 1833237"/>
+              <a:gd name="connsiteY1" fmla="*/ 839449 h 1259174"/>
+              <a:gd name="connsiteX2" fmla="*/ 0 w 1833237"/>
+              <a:gd name="connsiteY2" fmla="*/ 1259174 h 1259174"/>
+              <a:gd name="connsiteX3" fmla="*/ 0 w 1833237"/>
+              <a:gd name="connsiteY3" fmla="*/ 1259174 h 1259174"/>
+              <a:gd name="connsiteX0" fmla="*/ 1978702 w 1982052"/>
+              <a:gd name="connsiteY0" fmla="*/ 0 h 1139253"/>
+              <a:gd name="connsiteX1" fmla="*/ 1229194 w 1982052"/>
+              <a:gd name="connsiteY1" fmla="*/ 719528 h 1139253"/>
+              <a:gd name="connsiteX2" fmla="*/ 0 w 1982052"/>
+              <a:gd name="connsiteY2" fmla="*/ 1139253 h 1139253"/>
+              <a:gd name="connsiteX3" fmla="*/ 0 w 1982052"/>
+              <a:gd name="connsiteY3" fmla="*/ 1139253 h 1139253"/>
+              <a:gd name="connsiteX0" fmla="*/ 1978702 w 1978702"/>
+              <a:gd name="connsiteY0" fmla="*/ 0 h 1139253"/>
+              <a:gd name="connsiteX1" fmla="*/ 1229194 w 1978702"/>
+              <a:gd name="connsiteY1" fmla="*/ 719528 h 1139253"/>
+              <a:gd name="connsiteX2" fmla="*/ 0 w 1978702"/>
+              <a:gd name="connsiteY2" fmla="*/ 1139253 h 1139253"/>
+              <a:gd name="connsiteX3" fmla="*/ 0 w 1978702"/>
+              <a:gd name="connsiteY3" fmla="*/ 1139253 h 1139253"/>
+              <a:gd name="connsiteX0" fmla="*/ 2023673 w 2023673"/>
+              <a:gd name="connsiteY0" fmla="*/ 878262 h 959114"/>
+              <a:gd name="connsiteX1" fmla="*/ 1229194 w 2023673"/>
+              <a:gd name="connsiteY1" fmla="*/ 8833 h 959114"/>
+              <a:gd name="connsiteX2" fmla="*/ 0 w 2023673"/>
+              <a:gd name="connsiteY2" fmla="*/ 428558 h 959114"/>
+              <a:gd name="connsiteX3" fmla="*/ 0 w 2023673"/>
+              <a:gd name="connsiteY3" fmla="*/ 428558 h 959114"/>
+              <a:gd name="connsiteX0" fmla="*/ 2023673 w 2023673"/>
+              <a:gd name="connsiteY0" fmla="*/ 878262 h 878262"/>
+              <a:gd name="connsiteX1" fmla="*/ 1229194 w 2023673"/>
+              <a:gd name="connsiteY1" fmla="*/ 8833 h 878262"/>
+              <a:gd name="connsiteX2" fmla="*/ 0 w 2023673"/>
+              <a:gd name="connsiteY2" fmla="*/ 428558 h 878262"/>
+              <a:gd name="connsiteX3" fmla="*/ 0 w 2023673"/>
+              <a:gd name="connsiteY3" fmla="*/ 428558 h 878262"/>
+              <a:gd name="connsiteX0" fmla="*/ 2044424 w 2044424"/>
+              <a:gd name="connsiteY0" fmla="*/ 879591 h 879591"/>
+              <a:gd name="connsiteX1" fmla="*/ 1249945 w 2044424"/>
+              <a:gd name="connsiteY1" fmla="*/ 10162 h 879591"/>
+              <a:gd name="connsiteX2" fmla="*/ 20751 w 2044424"/>
+              <a:gd name="connsiteY2" fmla="*/ 429887 h 879591"/>
+              <a:gd name="connsiteX3" fmla="*/ 515427 w 2044424"/>
+              <a:gd name="connsiteY3" fmla="*/ 819632 h 879591"/>
+              <a:gd name="connsiteX0" fmla="*/ 1820209 w 1820209"/>
+              <a:gd name="connsiteY0" fmla="*/ 1208574 h 1208574"/>
+              <a:gd name="connsiteX1" fmla="*/ 1025730 w 1820209"/>
+              <a:gd name="connsiteY1" fmla="*/ 339145 h 1208574"/>
+              <a:gd name="connsiteX2" fmla="*/ 36379 w 1820209"/>
+              <a:gd name="connsiteY2" fmla="*/ 39342 h 1208574"/>
+              <a:gd name="connsiteX3" fmla="*/ 291212 w 1820209"/>
+              <a:gd name="connsiteY3" fmla="*/ 1148615 h 1208574"/>
+              <a:gd name="connsiteX0" fmla="*/ 2260175 w 2260175"/>
+              <a:gd name="connsiteY0" fmla="*/ 1175896 h 1175896"/>
+              <a:gd name="connsiteX1" fmla="*/ 1465696 w 2260175"/>
+              <a:gd name="connsiteY1" fmla="*/ 306467 h 1175896"/>
+              <a:gd name="connsiteX2" fmla="*/ 476345 w 2260175"/>
+              <a:gd name="connsiteY2" fmla="*/ 6664 h 1175896"/>
+              <a:gd name="connsiteX3" fmla="*/ 41630 w 2260175"/>
+              <a:gd name="connsiteY3" fmla="*/ 546311 h 1175896"/>
+              <a:gd name="connsiteX0" fmla="*/ 2218545 w 2218545"/>
+              <a:gd name="connsiteY0" fmla="*/ 1175896 h 1175896"/>
+              <a:gd name="connsiteX1" fmla="*/ 1424066 w 2218545"/>
+              <a:gd name="connsiteY1" fmla="*/ 306467 h 1175896"/>
+              <a:gd name="connsiteX2" fmla="*/ 434715 w 2218545"/>
+              <a:gd name="connsiteY2" fmla="*/ 6664 h 1175896"/>
+              <a:gd name="connsiteX3" fmla="*/ 0 w 2218545"/>
+              <a:gd name="connsiteY3" fmla="*/ 546311 h 1175896"/>
+              <a:gd name="connsiteX0" fmla="*/ 2218545 w 2218545"/>
+              <a:gd name="connsiteY0" fmla="*/ 891842 h 891842"/>
+              <a:gd name="connsiteX1" fmla="*/ 1424066 w 2218545"/>
+              <a:gd name="connsiteY1" fmla="*/ 22413 h 891842"/>
+              <a:gd name="connsiteX2" fmla="*/ 0 w 2218545"/>
+              <a:gd name="connsiteY2" fmla="*/ 262257 h 891842"/>
+            </a:gdLst>
+            <a:ahLst/>
+            <a:cxnLst>
+              <a:cxn ang="0">
+                <a:pos x="connsiteX0" y="connsiteY0"/>
+              </a:cxn>
+              <a:cxn ang="0">
+                <a:pos x="connsiteX1" y="connsiteY1"/>
+              </a:cxn>
+              <a:cxn ang="0">
+                <a:pos x="connsiteX2" y="connsiteY2"/>
+              </a:cxn>
+            </a:cxnLst>
+            <a:rect l="l" t="t" r="r" b="b"/>
+            <a:pathLst>
+              <a:path w="2218545" h="891842">
+                <a:moveTo>
+                  <a:pt x="2218545" y="891842"/>
+                </a:moveTo>
+                <a:cubicBezTo>
+                  <a:pt x="1951220" y="119849"/>
+                  <a:pt x="1793824" y="127344"/>
+                  <a:pt x="1424066" y="22413"/>
+                </a:cubicBezTo>
+                <a:cubicBezTo>
+                  <a:pt x="1054308" y="-82518"/>
+                  <a:pt x="296681" y="212289"/>
+                  <a:pt x="0" y="262257"/>
+                </a:cubicBezTo>
+              </a:path>
+            </a:pathLst>
+          </a:custGeom>
+          <a:noFill/>
+          <a:ln w="50800" cap="rnd">
+            <a:solidFill>
+              <a:srgbClr val="FF0000"/>
+            </a:solidFill>
+            <a:tailEnd type="stealth" w="lg" len="lg"/>
+          </a:ln>
+        </p:spPr>
+        <p:style>
+          <a:lnRef idx="2">
+            <a:schemeClr val="accent1">
+              <a:shade val="50000"/>
+            </a:schemeClr>
+          </a:lnRef>
+          <a:fillRef idx="1">
+            <a:schemeClr val="accent1"/>
+          </a:fillRef>
+          <a:effectRef idx="0">
+            <a:schemeClr val="accent1"/>
+          </a:effectRef>
+          <a:fontRef idx="minor">
+            <a:schemeClr val="lt1"/>
+          </a:fontRef>
+        </p:style>
+        <p:txBody>
+          <a:bodyPr rtlCol="0" anchor="ctr"/>
+          <a:lstStyle/>
+          <a:p>
+            <a:pPr algn="ctr"/>
+            <a:endParaRPr lang="es-ES_tradnl"/>
+          </a:p>
+        </p:txBody>
+      </p:sp>
+      <p:sp>
+        <p:nvSpPr>
+          <p:cNvPr id="10" name="Freeform 9">
+            <a:extLst>
+              <a:ext uri="{FF2B5EF4-FFF2-40B4-BE49-F238E27FC236}">
+                <a16:creationId xmlns:a16="http://schemas.microsoft.com/office/drawing/2014/main" id="{A238F9D0-1A8E-F24A-8A44-1AB5325749BE}"/>
+              </a:ext>
+            </a:extLst>
+          </p:cNvPr>
+          <p:cNvSpPr/>
+          <p:nvPr/>
+        </p:nvSpPr>
+        <p:spPr>
+          <a:xfrm rot="8927460">
+            <a:off x="1015450" y="3498332"/>
+            <a:ext cx="2830723" cy="1149605"/>
+          </a:xfrm>
+          <a:custGeom>
+            <a:avLst/>
+            <a:gdLst>
+              <a:gd name="connsiteX0" fmla="*/ 1828800 w 1863650"/>
+              <a:gd name="connsiteY0" fmla="*/ 0 h 1259174"/>
+              <a:gd name="connsiteX1" fmla="*/ 1618938 w 1863650"/>
+              <a:gd name="connsiteY1" fmla="*/ 1004341 h 1259174"/>
+              <a:gd name="connsiteX2" fmla="*/ 0 w 1863650"/>
+              <a:gd name="connsiteY2" fmla="*/ 1259174 h 1259174"/>
+              <a:gd name="connsiteX3" fmla="*/ 0 w 1863650"/>
+              <a:gd name="connsiteY3" fmla="*/ 1259174 h 1259174"/>
+              <a:gd name="connsiteX0" fmla="*/ 1828800 w 1833237"/>
+              <a:gd name="connsiteY0" fmla="*/ 0 h 1259174"/>
+              <a:gd name="connsiteX1" fmla="*/ 1229194 w 1833237"/>
+              <a:gd name="connsiteY1" fmla="*/ 839449 h 1259174"/>
+              <a:gd name="connsiteX2" fmla="*/ 0 w 1833237"/>
+              <a:gd name="connsiteY2" fmla="*/ 1259174 h 1259174"/>
+              <a:gd name="connsiteX3" fmla="*/ 0 w 1833237"/>
+              <a:gd name="connsiteY3" fmla="*/ 1259174 h 1259174"/>
+              <a:gd name="connsiteX0" fmla="*/ 1978702 w 1982052"/>
+              <a:gd name="connsiteY0" fmla="*/ 0 h 1139253"/>
+              <a:gd name="connsiteX1" fmla="*/ 1229194 w 1982052"/>
+              <a:gd name="connsiteY1" fmla="*/ 719528 h 1139253"/>
+              <a:gd name="connsiteX2" fmla="*/ 0 w 1982052"/>
+              <a:gd name="connsiteY2" fmla="*/ 1139253 h 1139253"/>
+              <a:gd name="connsiteX3" fmla="*/ 0 w 1982052"/>
+              <a:gd name="connsiteY3" fmla="*/ 1139253 h 1139253"/>
+              <a:gd name="connsiteX0" fmla="*/ 1978702 w 1978702"/>
+              <a:gd name="connsiteY0" fmla="*/ 0 h 1139253"/>
+              <a:gd name="connsiteX1" fmla="*/ 1229194 w 1978702"/>
+              <a:gd name="connsiteY1" fmla="*/ 719528 h 1139253"/>
+              <a:gd name="connsiteX2" fmla="*/ 0 w 1978702"/>
+              <a:gd name="connsiteY2" fmla="*/ 1139253 h 1139253"/>
+              <a:gd name="connsiteX3" fmla="*/ 0 w 1978702"/>
+              <a:gd name="connsiteY3" fmla="*/ 1139253 h 1139253"/>
+            </a:gdLst>
+            <a:ahLst/>
+            <a:cxnLst>
+              <a:cxn ang="0">
+                <a:pos x="connsiteX0" y="connsiteY0"/>
+              </a:cxn>
+              <a:cxn ang="0">
+                <a:pos x="connsiteX1" y="connsiteY1"/>
+              </a:cxn>
+              <a:cxn ang="0">
+                <a:pos x="connsiteX2" y="connsiteY2"/>
+              </a:cxn>
+              <a:cxn ang="0">
+                <a:pos x="connsiteX3" y="connsiteY3"/>
+              </a:cxn>
+            </a:cxnLst>
+            <a:rect l="l" t="t" r="r" b="b"/>
+            <a:pathLst>
+              <a:path w="1978702" h="1139253">
+                <a:moveTo>
+                  <a:pt x="1978702" y="0"/>
+                </a:moveTo>
+                <a:cubicBezTo>
+                  <a:pt x="1831299" y="397239"/>
+                  <a:pt x="1558978" y="529653"/>
+                  <a:pt x="1229194" y="719528"/>
+                </a:cubicBezTo>
+                <a:cubicBezTo>
+                  <a:pt x="899410" y="909404"/>
+                  <a:pt x="204866" y="1069299"/>
+                  <a:pt x="0" y="1139253"/>
+                </a:cubicBezTo>
+                <a:lnTo>
+                  <a:pt x="0" y="1139253"/>
+                </a:lnTo>
+              </a:path>
+            </a:pathLst>
+          </a:custGeom>
+          <a:noFill/>
+          <a:ln w="50800" cap="rnd">
+            <a:solidFill>
+              <a:srgbClr val="FF0000"/>
+            </a:solidFill>
+            <a:tailEnd type="stealth" w="lg" len="lg"/>
+          </a:ln>
+        </p:spPr>
+        <p:style>
+          <a:lnRef idx="2">
+            <a:schemeClr val="accent1">
+              <a:shade val="50000"/>
+            </a:schemeClr>
+          </a:lnRef>
+          <a:fillRef idx="1">
+            <a:schemeClr val="accent1"/>
+          </a:fillRef>
+          <a:effectRef idx="0">
+            <a:schemeClr val="accent1"/>
+          </a:effectRef>
+          <a:fontRef idx="minor">
+            <a:schemeClr val="lt1"/>
+          </a:fontRef>
+        </p:style>
+        <p:txBody>
+          <a:bodyPr rtlCol="0" anchor="ctr"/>
+          <a:lstStyle/>
+          <a:p>
+            <a:pPr algn="ctr"/>
+            <a:endParaRPr lang="es-ES_tradnl"/>
+          </a:p>
+        </p:txBody>
+      </p:sp>
+      <p:sp>
+        <p:nvSpPr>
+          <p:cNvPr id="11" name="Freeform 10">
+            <a:extLst>
+              <a:ext uri="{FF2B5EF4-FFF2-40B4-BE49-F238E27FC236}">
+                <a16:creationId xmlns:a16="http://schemas.microsoft.com/office/drawing/2014/main" id="{89BCC41B-6D2B-8140-B79A-BF6648F74583}"/>
+              </a:ext>
+            </a:extLst>
+          </p:cNvPr>
+          <p:cNvSpPr/>
+          <p:nvPr/>
+        </p:nvSpPr>
+        <p:spPr>
+          <a:xfrm rot="4331957">
+            <a:off x="3835864" y="3012865"/>
+            <a:ext cx="1910756" cy="1412678"/>
+          </a:xfrm>
+          <a:custGeom>
+            <a:avLst/>
+            <a:gdLst>
+              <a:gd name="connsiteX0" fmla="*/ 1828800 w 1863650"/>
+              <a:gd name="connsiteY0" fmla="*/ 0 h 1259174"/>
+              <a:gd name="connsiteX1" fmla="*/ 1618938 w 1863650"/>
+              <a:gd name="connsiteY1" fmla="*/ 1004341 h 1259174"/>
+              <a:gd name="connsiteX2" fmla="*/ 0 w 1863650"/>
+              <a:gd name="connsiteY2" fmla="*/ 1259174 h 1259174"/>
+              <a:gd name="connsiteX3" fmla="*/ 0 w 1863650"/>
+              <a:gd name="connsiteY3" fmla="*/ 1259174 h 1259174"/>
+              <a:gd name="connsiteX0" fmla="*/ 1828800 w 1833237"/>
+              <a:gd name="connsiteY0" fmla="*/ 0 h 1259174"/>
+              <a:gd name="connsiteX1" fmla="*/ 1229194 w 1833237"/>
+              <a:gd name="connsiteY1" fmla="*/ 839449 h 1259174"/>
+              <a:gd name="connsiteX2" fmla="*/ 0 w 1833237"/>
+              <a:gd name="connsiteY2" fmla="*/ 1259174 h 1259174"/>
+              <a:gd name="connsiteX3" fmla="*/ 0 w 1833237"/>
+              <a:gd name="connsiteY3" fmla="*/ 1259174 h 1259174"/>
+              <a:gd name="connsiteX0" fmla="*/ 1978702 w 1982052"/>
+              <a:gd name="connsiteY0" fmla="*/ 0 h 1139253"/>
+              <a:gd name="connsiteX1" fmla="*/ 1229194 w 1982052"/>
+              <a:gd name="connsiteY1" fmla="*/ 719528 h 1139253"/>
+              <a:gd name="connsiteX2" fmla="*/ 0 w 1982052"/>
+              <a:gd name="connsiteY2" fmla="*/ 1139253 h 1139253"/>
+              <a:gd name="connsiteX3" fmla="*/ 0 w 1982052"/>
+              <a:gd name="connsiteY3" fmla="*/ 1139253 h 1139253"/>
+              <a:gd name="connsiteX0" fmla="*/ 1978702 w 1978702"/>
+              <a:gd name="connsiteY0" fmla="*/ 0 h 1139253"/>
+              <a:gd name="connsiteX1" fmla="*/ 1229194 w 1978702"/>
+              <a:gd name="connsiteY1" fmla="*/ 719528 h 1139253"/>
+              <a:gd name="connsiteX2" fmla="*/ 0 w 1978702"/>
+              <a:gd name="connsiteY2" fmla="*/ 1139253 h 1139253"/>
+              <a:gd name="connsiteX3" fmla="*/ 0 w 1978702"/>
+              <a:gd name="connsiteY3" fmla="*/ 1139253 h 1139253"/>
+              <a:gd name="connsiteX0" fmla="*/ 2221921 w 2221921"/>
+              <a:gd name="connsiteY0" fmla="*/ 0 h 1392366"/>
+              <a:gd name="connsiteX1" fmla="*/ 1472413 w 2221921"/>
+              <a:gd name="connsiteY1" fmla="*/ 719528 h 1392366"/>
+              <a:gd name="connsiteX2" fmla="*/ 243219 w 2221921"/>
+              <a:gd name="connsiteY2" fmla="*/ 1139253 h 1392366"/>
+              <a:gd name="connsiteX3" fmla="*/ 0 w 2221921"/>
+              <a:gd name="connsiteY3" fmla="*/ 1392366 h 1392366"/>
+              <a:gd name="connsiteX0" fmla="*/ 2221921 w 2221921"/>
+              <a:gd name="connsiteY0" fmla="*/ 0 h 1392366"/>
+              <a:gd name="connsiteX1" fmla="*/ 1472413 w 2221921"/>
+              <a:gd name="connsiteY1" fmla="*/ 719528 h 1392366"/>
+              <a:gd name="connsiteX2" fmla="*/ 618981 w 2221921"/>
+              <a:gd name="connsiteY2" fmla="*/ 1112802 h 1392366"/>
+              <a:gd name="connsiteX3" fmla="*/ 0 w 2221921"/>
+              <a:gd name="connsiteY3" fmla="*/ 1392366 h 1392366"/>
+              <a:gd name="connsiteX0" fmla="*/ 2613617 w 2613617"/>
+              <a:gd name="connsiteY0" fmla="*/ 0 h 1698212"/>
+              <a:gd name="connsiteX1" fmla="*/ 1864109 w 2613617"/>
+              <a:gd name="connsiteY1" fmla="*/ 719528 h 1698212"/>
+              <a:gd name="connsiteX2" fmla="*/ 1010677 w 2613617"/>
+              <a:gd name="connsiteY2" fmla="*/ 1112802 h 1698212"/>
+              <a:gd name="connsiteX3" fmla="*/ 0 w 2613617"/>
+              <a:gd name="connsiteY3" fmla="*/ 1698212 h 1698212"/>
+              <a:gd name="connsiteX0" fmla="*/ 2613617 w 2613617"/>
+              <a:gd name="connsiteY0" fmla="*/ 0 h 1698212"/>
+              <a:gd name="connsiteX1" fmla="*/ 1864109 w 2613617"/>
+              <a:gd name="connsiteY1" fmla="*/ 719528 h 1698212"/>
+              <a:gd name="connsiteX2" fmla="*/ 871339 w 2613617"/>
+              <a:gd name="connsiteY2" fmla="*/ 1376302 h 1698212"/>
+              <a:gd name="connsiteX3" fmla="*/ 0 w 2613617"/>
+              <a:gd name="connsiteY3" fmla="*/ 1698212 h 1698212"/>
+              <a:gd name="connsiteX0" fmla="*/ 2613617 w 2613617"/>
+              <a:gd name="connsiteY0" fmla="*/ 0 h 1698212"/>
+              <a:gd name="connsiteX1" fmla="*/ 1585243 w 2613617"/>
+              <a:gd name="connsiteY1" fmla="*/ 716543 h 1698212"/>
+              <a:gd name="connsiteX2" fmla="*/ 871339 w 2613617"/>
+              <a:gd name="connsiteY2" fmla="*/ 1376302 h 1698212"/>
+              <a:gd name="connsiteX3" fmla="*/ 0 w 2613617"/>
+              <a:gd name="connsiteY3" fmla="*/ 1698212 h 1698212"/>
+              <a:gd name="connsiteX0" fmla="*/ 2613617 w 2613617"/>
+              <a:gd name="connsiteY0" fmla="*/ 0 h 1698212"/>
+              <a:gd name="connsiteX1" fmla="*/ 1585243 w 2613617"/>
+              <a:gd name="connsiteY1" fmla="*/ 716543 h 1698212"/>
+              <a:gd name="connsiteX2" fmla="*/ 871339 w 2613617"/>
+              <a:gd name="connsiteY2" fmla="*/ 1376302 h 1698212"/>
+              <a:gd name="connsiteX3" fmla="*/ 0 w 2613617"/>
+              <a:gd name="connsiteY3" fmla="*/ 1698212 h 1698212"/>
+              <a:gd name="connsiteX0" fmla="*/ 2613617 w 2613617"/>
+              <a:gd name="connsiteY0" fmla="*/ 0 h 1698212"/>
+              <a:gd name="connsiteX1" fmla="*/ 1397721 w 2613617"/>
+              <a:gd name="connsiteY1" fmla="*/ 758259 h 1698212"/>
+              <a:gd name="connsiteX2" fmla="*/ 871339 w 2613617"/>
+              <a:gd name="connsiteY2" fmla="*/ 1376302 h 1698212"/>
+              <a:gd name="connsiteX3" fmla="*/ 0 w 2613617"/>
+              <a:gd name="connsiteY3" fmla="*/ 1698212 h 1698212"/>
+              <a:gd name="connsiteX0" fmla="*/ 2613617 w 2613617"/>
+              <a:gd name="connsiteY0" fmla="*/ 0 h 1698212"/>
+              <a:gd name="connsiteX1" fmla="*/ 871339 w 2613617"/>
+              <a:gd name="connsiteY1" fmla="*/ 1376302 h 1698212"/>
+              <a:gd name="connsiteX2" fmla="*/ 0 w 2613617"/>
+              <a:gd name="connsiteY2" fmla="*/ 1698212 h 1698212"/>
+            </a:gdLst>
+            <a:ahLst/>
+            <a:cxnLst>
+              <a:cxn ang="0">
+                <a:pos x="connsiteX0" y="connsiteY0"/>
+              </a:cxn>
+              <a:cxn ang="0">
+                <a:pos x="connsiteX1" y="connsiteY1"/>
+              </a:cxn>
+              <a:cxn ang="0">
+                <a:pos x="connsiteX2" y="connsiteY2"/>
+              </a:cxn>
+            </a:cxnLst>
+            <a:rect l="l" t="t" r="r" b="b"/>
+            <a:pathLst>
+              <a:path w="2613617" h="1698212">
+                <a:moveTo>
+                  <a:pt x="2613617" y="0"/>
+                </a:moveTo>
+                <a:cubicBezTo>
+                  <a:pt x="2250643" y="286730"/>
+                  <a:pt x="1306942" y="1093267"/>
+                  <a:pt x="871339" y="1376302"/>
+                </a:cubicBezTo>
+                <a:cubicBezTo>
+                  <a:pt x="435736" y="1659337"/>
+                  <a:pt x="81073" y="1613841"/>
+                  <a:pt x="0" y="1698212"/>
+                </a:cubicBezTo>
+              </a:path>
+            </a:pathLst>
+          </a:custGeom>
+          <a:noFill/>
+          <a:ln w="50800" cap="rnd">
+            <a:solidFill>
+              <a:srgbClr val="FF0000"/>
+            </a:solidFill>
+            <a:tailEnd type="stealth" w="lg" len="lg"/>
+          </a:ln>
+        </p:spPr>
+        <p:style>
+          <a:lnRef idx="2">
+            <a:schemeClr val="accent1">
+              <a:shade val="50000"/>
+            </a:schemeClr>
+          </a:lnRef>
+          <a:fillRef idx="1">
+            <a:schemeClr val="accent1"/>
+          </a:fillRef>
+          <a:effectRef idx="0">
+            <a:schemeClr val="accent1"/>
+          </a:effectRef>
+          <a:fontRef idx="minor">
+            <a:schemeClr val="lt1"/>
+          </a:fontRef>
+        </p:style>
+        <p:txBody>
+          <a:bodyPr rtlCol="0" anchor="ctr"/>
+          <a:lstStyle/>
+          <a:p>
+            <a:pPr algn="ctr"/>
+            <a:endParaRPr lang="es-ES_tradnl"/>
+          </a:p>
+        </p:txBody>
+      </p:sp>
+    </p:spTree>
+    <p:extLst>
+      <p:ext uri="{BB962C8B-B14F-4D97-AF65-F5344CB8AC3E}">
+        <p14:creationId xmlns:p14="http://schemas.microsoft.com/office/powerpoint/2010/main" val="530936276"/>
+      </p:ext>
+    </p:extLst>
+  </p:cSld>
+  <p:clrMapOvr>
+    <a:masterClrMapping/>
+  </p:clrMapOvr>
+</p:sld>
+</file>
+
+<file path=ppt/slides/slide17.xml><?xml version="1.0" encoding="utf-8"?>
 <p:sld xmlns:a="http://schemas.openxmlformats.org/drawingml/2006/main" xmlns:r="http://schemas.openxmlformats.org/officeDocument/2006/relationships" xmlns:p="http://schemas.openxmlformats.org/presentationml/2006/main">
   <p:cSld>
     <p:spTree>
@@ -5958,7 +10371,7 @@
               <a:blipFill>
                 <a:blip r:embed="rId3"/>
                 <a:stretch>
-                  <a:fillRect b="-855"/>
+                  <a:fillRect b="-9402"/>
                 </a:stretch>
               </a:blipFill>
             </p:spPr>
@@ -5977,6 +10390,31 @@
           </p:sp>
         </mc:Fallback>
       </mc:AlternateContent>
+      <p:sp>
+        <p:nvSpPr>
+          <p:cNvPr id="4" name="Subtitle 3">
+            <a:extLst>
+              <a:ext uri="{FF2B5EF4-FFF2-40B4-BE49-F238E27FC236}">
+                <a16:creationId xmlns:a16="http://schemas.microsoft.com/office/drawing/2014/main" id="{E4B81883-7DD6-EF42-A493-8E51C89D3F70}"/>
+              </a:ext>
+            </a:extLst>
+          </p:cNvPr>
+          <p:cNvSpPr>
+            <a:spLocks noGrp="1"/>
+          </p:cNvSpPr>
+          <p:nvPr>
+            <p:ph type="subTitle" idx="1"/>
+          </p:nvPr>
+        </p:nvSpPr>
+        <p:spPr/>
+        <p:txBody>
+          <a:bodyPr/>
+          <a:lstStyle/>
+          <a:p>
+            <a:endParaRPr lang="es-ES_tradnl"/>
+          </a:p>
+        </p:txBody>
+      </p:sp>
     </p:spTree>
     <p:extLst>
       <p:ext uri="{BB962C8B-B14F-4D97-AF65-F5344CB8AC3E}">
@@ -5990,7 +10428,7 @@
 </p:sld>
 </file>
 
-<file path=ppt/slides/slide13.xml><?xml version="1.0" encoding="utf-8"?>
+<file path=ppt/slides/slide18.xml><?xml version="1.0" encoding="utf-8"?>
 <p:sld xmlns:a="http://schemas.openxmlformats.org/drawingml/2006/main" xmlns:r="http://schemas.openxmlformats.org/officeDocument/2006/relationships" xmlns:p="http://schemas.openxmlformats.org/presentationml/2006/main">
   <p:cSld>
     <p:spTree>
@@ -6048,7 +10486,7 @@
 </p:sld>
 </file>
 
-<file path=ppt/slides/slide14.xml><?xml version="1.0" encoding="utf-8"?>
+<file path=ppt/slides/slide19.xml><?xml version="1.0" encoding="utf-8"?>
 <p:sld xmlns:a="http://schemas.openxmlformats.org/drawingml/2006/main" xmlns:r="http://schemas.openxmlformats.org/officeDocument/2006/relationships" xmlns:p="http://schemas.openxmlformats.org/presentationml/2006/main">
   <p:cSld>
     <p:spTree>
@@ -6163,7 +10601,7 @@
               <a:blipFill>
                 <a:blip r:embed="rId3"/>
                 <a:stretch>
-                  <a:fillRect/>
+                  <a:fillRect b="-5128"/>
                 </a:stretch>
               </a:blipFill>
             </p:spPr>
@@ -6182,552 +10620,35 @@
           </p:sp>
         </mc:Fallback>
       </mc:AlternateContent>
+      <p:sp>
+        <p:nvSpPr>
+          <p:cNvPr id="4" name="Subtitle 3">
+            <a:extLst>
+              <a:ext uri="{FF2B5EF4-FFF2-40B4-BE49-F238E27FC236}">
+                <a16:creationId xmlns:a16="http://schemas.microsoft.com/office/drawing/2014/main" id="{F0123DAA-72E1-0F45-AAA5-16BF79CD40B9}"/>
+              </a:ext>
+            </a:extLst>
+          </p:cNvPr>
+          <p:cNvSpPr>
+            <a:spLocks noGrp="1"/>
+          </p:cNvSpPr>
+          <p:nvPr>
+            <p:ph type="subTitle" idx="1"/>
+          </p:nvPr>
+        </p:nvSpPr>
+        <p:spPr/>
+        <p:txBody>
+          <a:bodyPr/>
+          <a:lstStyle/>
+          <a:p>
+            <a:endParaRPr lang="es-ES_tradnl"/>
+          </a:p>
+        </p:txBody>
+      </p:sp>
     </p:spTree>
     <p:extLst>
       <p:ext uri="{BB962C8B-B14F-4D97-AF65-F5344CB8AC3E}">
         <p14:creationId xmlns:p14="http://schemas.microsoft.com/office/powerpoint/2010/main" val="854633232"/>
-      </p:ext>
-    </p:extLst>
-  </p:cSld>
-  <p:clrMapOvr>
-    <a:masterClrMapping/>
-  </p:clrMapOvr>
-</p:sld>
-</file>
-
-<file path=ppt/slides/slide15.xml><?xml version="1.0" encoding="utf-8"?>
-<p:sld xmlns:a="http://schemas.openxmlformats.org/drawingml/2006/main" xmlns:r="http://schemas.openxmlformats.org/officeDocument/2006/relationships" xmlns:p="http://schemas.openxmlformats.org/presentationml/2006/main">
-  <p:cSld>
-    <p:spTree>
-      <p:nvGrpSpPr>
-        <p:cNvPr id="1" name=""/>
-        <p:cNvGrpSpPr/>
-        <p:nvPr/>
-      </p:nvGrpSpPr>
-      <p:grpSpPr>
-        <a:xfrm>
-          <a:off x="0" y="0"/>
-          <a:ext cx="0" cy="0"/>
-          <a:chOff x="0" y="0"/>
-          <a:chExt cx="0" cy="0"/>
-        </a:xfrm>
-      </p:grpSpPr>
-      <p:sp>
-        <p:nvSpPr>
-          <p:cNvPr id="2" name="Title 1">
-            <a:extLst>
-              <a:ext uri="{FF2B5EF4-FFF2-40B4-BE49-F238E27FC236}">
-                <a16:creationId xmlns:a16="http://schemas.microsoft.com/office/drawing/2014/main" id="{2F729A33-10BE-3244-896A-ECD71A9D32AD}"/>
-              </a:ext>
-            </a:extLst>
-          </p:cNvPr>
-          <p:cNvSpPr>
-            <a:spLocks noGrp="1"/>
-          </p:cNvSpPr>
-          <p:nvPr>
-            <p:ph type="title"/>
-          </p:nvPr>
-        </p:nvSpPr>
-        <p:spPr/>
-        <p:txBody>
-          <a:bodyPr/>
-          <a:lstStyle/>
-          <a:p>
-            <a:r>
-              <a:rPr lang="es-ES_tradnl" dirty="0"/>
-              <a:t>Propiocepción</a:t>
-            </a:r>
-          </a:p>
-        </p:txBody>
-      </p:sp>
-    </p:spTree>
-    <p:extLst>
-      <p:ext uri="{BB962C8B-B14F-4D97-AF65-F5344CB8AC3E}">
-        <p14:creationId xmlns:p14="http://schemas.microsoft.com/office/powerpoint/2010/main" val="2640597105"/>
-      </p:ext>
-    </p:extLst>
-  </p:cSld>
-  <p:clrMapOvr>
-    <a:masterClrMapping/>
-  </p:clrMapOvr>
-</p:sld>
-</file>
-
-<file path=ppt/slides/slide16.xml><?xml version="1.0" encoding="utf-8"?>
-<p:sld xmlns:a="http://schemas.openxmlformats.org/drawingml/2006/main" xmlns:r="http://schemas.openxmlformats.org/officeDocument/2006/relationships" xmlns:p="http://schemas.openxmlformats.org/presentationml/2006/main">
-  <p:cSld>
-    <p:spTree>
-      <p:nvGrpSpPr>
-        <p:cNvPr id="1" name=""/>
-        <p:cNvGrpSpPr/>
-        <p:nvPr/>
-      </p:nvGrpSpPr>
-      <p:grpSpPr>
-        <a:xfrm>
-          <a:off x="0" y="0"/>
-          <a:ext cx="0" cy="0"/>
-          <a:chOff x="0" y="0"/>
-          <a:chExt cx="0" cy="0"/>
-        </a:xfrm>
-      </p:grpSpPr>
-      <mc:AlternateContent xmlns:mc="http://schemas.openxmlformats.org/markup-compatibility/2006">
-        <mc:Choice xmlns:a14="http://schemas.microsoft.com/office/drawing/2010/main" Requires="a14">
-          <p:sp>
-            <p:nvSpPr>
-              <p:cNvPr id="2" name="Title 1">
-                <a:extLst>
-                  <a:ext uri="{FF2B5EF4-FFF2-40B4-BE49-F238E27FC236}">
-                    <a16:creationId xmlns:a16="http://schemas.microsoft.com/office/drawing/2014/main" id="{B5122D9A-BDB5-9D44-8889-7FAE96F0B7C5}"/>
-                  </a:ext>
-                </a:extLst>
-              </p:cNvPr>
-              <p:cNvSpPr>
-                <a:spLocks noGrp="1"/>
-              </p:cNvSpPr>
-              <p:nvPr>
-                <p:ph type="title"/>
-              </p:nvPr>
-            </p:nvSpPr>
-            <p:spPr/>
-            <p:txBody>
-              <a:bodyPr/>
-              <a:lstStyle/>
-              <a:p>
-                <a:pPr/>
-                <a14:m>
-                  <m:oMathPara xmlns:m="http://schemas.openxmlformats.org/officeDocument/2006/math">
-                    <m:oMathParaPr>
-                      <m:jc m:val="centerGroup"/>
-                    </m:oMathParaPr>
-                    <m:oMath xmlns:m="http://schemas.openxmlformats.org/officeDocument/2006/math">
-                      <m:r>
-                        <a:rPr lang="es-ES" i="1">
-                          <a:latin typeface="Cambria Math" panose="02040503050406030204" pitchFamily="18" charset="0"/>
-                        </a:rPr>
-                        <m:t>𝑃</m:t>
-                      </m:r>
-                      <m:d>
-                        <m:dPr>
-                          <m:ctrlPr>
-                            <a:rPr lang="es-ES" i="1">
-                              <a:latin typeface="Cambria Math" panose="02040503050406030204" pitchFamily="18" charset="0"/>
-                            </a:rPr>
-                          </m:ctrlPr>
-                        </m:dPr>
-                        <m:e>
-                          <m:sSub>
-                            <m:sSubPr>
-                              <m:ctrlPr>
-                                <a:rPr lang="es-ES" i="1">
-                                  <a:latin typeface="Cambria Math" panose="02040503050406030204" pitchFamily="18" charset="0"/>
-                                </a:rPr>
-                              </m:ctrlPr>
-                            </m:sSubPr>
-                            <m:e>
-                              <m:r>
-                                <a:rPr lang="es-ES" i="1">
-                                  <a:latin typeface="Cambria Math" panose="02040503050406030204" pitchFamily="18" charset="0"/>
-                                </a:rPr>
-                                <m:t>𝑚</m:t>
-                              </m:r>
-                            </m:e>
-                            <m:sub>
-                              <m:r>
-                                <a:rPr lang="es-ES" i="1">
-                                  <a:latin typeface="Cambria Math" panose="02040503050406030204" pitchFamily="18" charset="0"/>
-                                </a:rPr>
-                                <m:t>𝑖</m:t>
-                              </m:r>
-                            </m:sub>
-                          </m:sSub>
-                        </m:e>
-                      </m:d>
-                      <m:f>
-                        <m:fPr>
-                          <m:ctrlPr>
-                            <a:rPr lang="es-ES" i="1">
-                              <a:latin typeface="Cambria Math" panose="02040503050406030204" pitchFamily="18" charset="0"/>
-                            </a:rPr>
-                          </m:ctrlPr>
-                        </m:fPr>
-                        <m:num>
-                          <m:r>
-                            <a:rPr lang="es-ES" i="1">
-                              <a:latin typeface="Cambria Math" panose="02040503050406030204" pitchFamily="18" charset="0"/>
-                            </a:rPr>
-                            <m:t>1</m:t>
-                          </m:r>
-                        </m:num>
-                        <m:den>
-                          <m:r>
-                            <a:rPr lang="es-ES" i="1">
-                              <a:latin typeface="Cambria Math" panose="02040503050406030204" pitchFamily="18" charset="0"/>
-                              <a:ea typeface="Cambria Math" panose="02040503050406030204" pitchFamily="18" charset="0"/>
-                            </a:rPr>
-                            <m:t>∝</m:t>
-                          </m:r>
-                        </m:den>
-                      </m:f>
-                      <m:sSub>
-                        <m:sSubPr>
-                          <m:ctrlPr>
-                            <a:rPr lang="es-ES" i="1">
-                              <a:latin typeface="Cambria Math" panose="02040503050406030204" pitchFamily="18" charset="0"/>
-                            </a:rPr>
-                          </m:ctrlPr>
-                        </m:sSubPr>
-                        <m:e>
-                          <m:r>
-                            <a:rPr lang="es-ES" i="1">
-                              <a:latin typeface="Cambria Math" panose="02040503050406030204" pitchFamily="18" charset="0"/>
-                            </a:rPr>
-                            <m:t>𝑚</m:t>
-                          </m:r>
-                        </m:e>
-                        <m:sub>
-                          <m:r>
-                            <a:rPr lang="es-ES" i="1">
-                              <a:latin typeface="Cambria Math" panose="02040503050406030204" pitchFamily="18" charset="0"/>
-                            </a:rPr>
-                            <m:t>𝑒</m:t>
-                          </m:r>
-                        </m:sub>
-                      </m:sSub>
-                    </m:oMath>
-                  </m:oMathPara>
-                </a14:m>
-                <a:endParaRPr lang="es-ES_tradnl" dirty="0"/>
-              </a:p>
-            </p:txBody>
-          </p:sp>
-        </mc:Choice>
-        <mc:Fallback>
-          <p:sp>
-            <p:nvSpPr>
-              <p:cNvPr id="2" name="Title 1">
-                <a:extLst>
-                  <a:ext uri="{FF2B5EF4-FFF2-40B4-BE49-F238E27FC236}">
-                    <a16:creationId xmlns:a16="http://schemas.microsoft.com/office/drawing/2014/main" id="{B5122D9A-BDB5-9D44-8889-7FAE96F0B7C5}"/>
-                  </a:ext>
-                </a:extLst>
-              </p:cNvPr>
-              <p:cNvSpPr>
-                <a:spLocks noGrp="1" noRot="1" noChangeAspect="1" noMove="1" noResize="1" noEditPoints="1" noAdjustHandles="1" noChangeArrowheads="1" noChangeShapeType="1" noTextEdit="1"/>
-              </p:cNvSpPr>
-              <p:nvPr>
-                <p:ph type="title"/>
-              </p:nvPr>
-            </p:nvSpPr>
-            <p:spPr>
-              <a:blipFill>
-                <a:blip r:embed="rId3"/>
-                <a:stretch>
-                  <a:fillRect b="-855"/>
-                </a:stretch>
-              </a:blipFill>
-            </p:spPr>
-            <p:txBody>
-              <a:bodyPr/>
-              <a:lstStyle/>
-              <a:p>
-                <a:r>
-                  <a:rPr lang="es-ES_tradnl">
-                    <a:noFill/>
-                  </a:rPr>
-                  <a:t> </a:t>
-                </a:r>
-              </a:p>
-            </p:txBody>
-          </p:sp>
-        </mc:Fallback>
-      </mc:AlternateContent>
-    </p:spTree>
-    <p:extLst>
-      <p:ext uri="{BB962C8B-B14F-4D97-AF65-F5344CB8AC3E}">
-        <p14:creationId xmlns:p14="http://schemas.microsoft.com/office/powerpoint/2010/main" val="2482950181"/>
-      </p:ext>
-    </p:extLst>
-  </p:cSld>
-  <p:clrMapOvr>
-    <a:masterClrMapping/>
-  </p:clrMapOvr>
-</p:sld>
-</file>
-
-<file path=ppt/slides/slide17.xml><?xml version="1.0" encoding="utf-8"?>
-<p:sld xmlns:a="http://schemas.openxmlformats.org/drawingml/2006/main" xmlns:r="http://schemas.openxmlformats.org/officeDocument/2006/relationships" xmlns:p="http://schemas.openxmlformats.org/presentationml/2006/main">
-  <p:cSld>
-    <p:spTree>
-      <p:nvGrpSpPr>
-        <p:cNvPr id="1" name=""/>
-        <p:cNvGrpSpPr/>
-        <p:nvPr/>
-      </p:nvGrpSpPr>
-      <p:grpSpPr>
-        <a:xfrm>
-          <a:off x="0" y="0"/>
-          <a:ext cx="0" cy="0"/>
-          <a:chOff x="0" y="0"/>
-          <a:chExt cx="0" cy="0"/>
-        </a:xfrm>
-      </p:grpSpPr>
-      <mc:AlternateContent xmlns:mc="http://schemas.openxmlformats.org/markup-compatibility/2006">
-        <mc:Choice xmlns:a14="http://schemas.microsoft.com/office/drawing/2010/main" Requires="a14">
-          <p:sp>
-            <p:nvSpPr>
-              <p:cNvPr id="2" name="Title 1">
-                <a:extLst>
-                  <a:ext uri="{FF2B5EF4-FFF2-40B4-BE49-F238E27FC236}">
-                    <a16:creationId xmlns:a16="http://schemas.microsoft.com/office/drawing/2014/main" id="{33A4461A-FEC8-3743-B2C6-E5286712D48F}"/>
-                  </a:ext>
-                </a:extLst>
-              </p:cNvPr>
-              <p:cNvSpPr>
-                <a:spLocks noGrp="1"/>
-              </p:cNvSpPr>
-              <p:nvPr>
-                <p:ph type="title"/>
-              </p:nvPr>
-            </p:nvSpPr>
-            <p:spPr/>
-            <p:txBody>
-              <a:bodyPr/>
-              <a:lstStyle/>
-              <a:p>
-                <a14:m>
-                  <m:oMathPara xmlns:m="http://schemas.openxmlformats.org/officeDocument/2006/math">
-                    <m:oMathParaPr>
-                      <m:jc m:val="centerGroup"/>
-                    </m:oMathParaPr>
-                    <m:oMath xmlns:m="http://schemas.openxmlformats.org/officeDocument/2006/math">
-                      <m:sSup>
-                        <m:sSupPr>
-                          <m:ctrlPr>
-                            <a:rPr lang="es-ES" b="0" i="1" smtClean="0">
-                              <a:latin typeface="Cambria Math" panose="02040503050406030204" pitchFamily="18" charset="0"/>
-                            </a:rPr>
-                          </m:ctrlPr>
-                        </m:sSupPr>
-                        <m:e>
-                          <m:r>
-                            <a:rPr lang="es-ES" b="0" i="1" smtClean="0">
-                              <a:latin typeface="Cambria Math" panose="02040503050406030204" pitchFamily="18" charset="0"/>
-                            </a:rPr>
-                            <m:t>𝑚</m:t>
-                          </m:r>
-                        </m:e>
-                        <m:sup>
-                          <m:r>
-                            <a:rPr lang="es-ES" b="0" i="1" smtClean="0">
-                              <a:latin typeface="Cambria Math" panose="02040503050406030204" pitchFamily="18" charset="0"/>
-                            </a:rPr>
-                            <m:t>𝑥</m:t>
-                          </m:r>
-                        </m:sup>
-                      </m:sSup>
-                      <m:r>
-                        <a:rPr lang="es-ES" b="0" i="1" smtClean="0">
-                          <a:latin typeface="Cambria Math" panose="02040503050406030204" pitchFamily="18" charset="0"/>
-                          <a:ea typeface="Cambria Math" panose="02040503050406030204" pitchFamily="18" charset="0"/>
-                        </a:rPr>
-                        <m:t>⟺</m:t>
-                      </m:r>
-                      <m:sSup>
-                        <m:sSupPr>
-                          <m:ctrlPr>
-                            <a:rPr lang="es-ES" i="1" smtClean="0">
-                              <a:latin typeface="Cambria Math" panose="02040503050406030204" pitchFamily="18" charset="0"/>
-                              <a:ea typeface="Cambria Math" panose="02040503050406030204" pitchFamily="18" charset="0"/>
-                            </a:rPr>
-                          </m:ctrlPr>
-                        </m:sSupPr>
-                        <m:e>
-                          <m:r>
-                            <a:rPr lang="es-ES" b="0" i="1" smtClean="0">
-                              <a:latin typeface="Cambria Math" panose="02040503050406030204" pitchFamily="18" charset="0"/>
-                              <a:ea typeface="Cambria Math" panose="02040503050406030204" pitchFamily="18" charset="0"/>
-                            </a:rPr>
-                            <m:t>𝐸</m:t>
-                          </m:r>
-                        </m:e>
-                        <m:sup>
-                          <m:r>
-                            <a:rPr lang="es-ES" b="0" i="1" smtClean="0">
-                              <a:latin typeface="Cambria Math" panose="02040503050406030204" pitchFamily="18" charset="0"/>
-                              <a:ea typeface="Cambria Math" panose="02040503050406030204" pitchFamily="18" charset="0"/>
-                            </a:rPr>
-                            <m:t>𝑥</m:t>
-                          </m:r>
-                        </m:sup>
-                      </m:sSup>
-                    </m:oMath>
-                  </m:oMathPara>
-                </a14:m>
-                <a:endParaRPr lang="es-ES_tradnl" baseline="30000" dirty="0"/>
-              </a:p>
-            </p:txBody>
-          </p:sp>
-        </mc:Choice>
-        <mc:Fallback>
-          <p:sp>
-            <p:nvSpPr>
-              <p:cNvPr id="2" name="Title 1">
-                <a:extLst>
-                  <a:ext uri="{FF2B5EF4-FFF2-40B4-BE49-F238E27FC236}">
-                    <a16:creationId xmlns:a16="http://schemas.microsoft.com/office/drawing/2014/main" id="{33A4461A-FEC8-3743-B2C6-E5286712D48F}"/>
-                  </a:ext>
-                </a:extLst>
-              </p:cNvPr>
-              <p:cNvSpPr>
-                <a:spLocks noGrp="1" noRot="1" noChangeAspect="1" noMove="1" noResize="1" noEditPoints="1" noAdjustHandles="1" noChangeArrowheads="1" noChangeShapeType="1" noTextEdit="1"/>
-              </p:cNvSpPr>
-              <p:nvPr>
-                <p:ph type="title"/>
-              </p:nvPr>
-            </p:nvSpPr>
-            <p:spPr>
-              <a:blipFill>
-                <a:blip r:embed="rId3"/>
-                <a:stretch>
-                  <a:fillRect/>
-                </a:stretch>
-              </a:blipFill>
-            </p:spPr>
-            <p:txBody>
-              <a:bodyPr/>
-              <a:lstStyle/>
-              <a:p>
-                <a:r>
-                  <a:rPr lang="es-ES_tradnl">
-                    <a:noFill/>
-                  </a:rPr>
-                  <a:t> </a:t>
-                </a:r>
-              </a:p>
-            </p:txBody>
-          </p:sp>
-        </mc:Fallback>
-      </mc:AlternateContent>
-    </p:spTree>
-    <p:extLst>
-      <p:ext uri="{BB962C8B-B14F-4D97-AF65-F5344CB8AC3E}">
-        <p14:creationId xmlns:p14="http://schemas.microsoft.com/office/powerpoint/2010/main" val="2921752569"/>
-      </p:ext>
-    </p:extLst>
-  </p:cSld>
-  <p:clrMapOvr>
-    <a:masterClrMapping/>
-  </p:clrMapOvr>
-</p:sld>
-</file>
-
-<file path=ppt/slides/slide18.xml><?xml version="1.0" encoding="utf-8"?>
-<p:sld xmlns:a="http://schemas.openxmlformats.org/drawingml/2006/main" xmlns:r="http://schemas.openxmlformats.org/officeDocument/2006/relationships" xmlns:p="http://schemas.openxmlformats.org/presentationml/2006/main">
-  <p:cSld>
-    <p:spTree>
-      <p:nvGrpSpPr>
-        <p:cNvPr id="1" name=""/>
-        <p:cNvGrpSpPr/>
-        <p:nvPr/>
-      </p:nvGrpSpPr>
-      <p:grpSpPr>
-        <a:xfrm>
-          <a:off x="0" y="0"/>
-          <a:ext cx="0" cy="0"/>
-          <a:chOff x="0" y="0"/>
-          <a:chExt cx="0" cy="0"/>
-        </a:xfrm>
-      </p:grpSpPr>
-      <p:sp>
-        <p:nvSpPr>
-          <p:cNvPr id="2" name="Title 1">
-            <a:extLst>
-              <a:ext uri="{FF2B5EF4-FFF2-40B4-BE49-F238E27FC236}">
-                <a16:creationId xmlns:a16="http://schemas.microsoft.com/office/drawing/2014/main" id="{1DD6C2E6-307D-BD43-AB82-4256FB624D52}"/>
-              </a:ext>
-            </a:extLst>
-          </p:cNvPr>
-          <p:cNvSpPr>
-            <a:spLocks noGrp="1"/>
-          </p:cNvSpPr>
-          <p:nvPr>
-            <p:ph type="title"/>
-          </p:nvPr>
-        </p:nvSpPr>
-        <p:spPr/>
-        <p:txBody>
-          <a:bodyPr/>
-          <a:lstStyle/>
-          <a:p>
-            <a:r>
-              <a:rPr lang="es-ES_tradnl" dirty="0"/>
-              <a:t>Exploración del espacio de creación escénica</a:t>
-            </a:r>
-          </a:p>
-        </p:txBody>
-      </p:sp>
-    </p:spTree>
-    <p:extLst>
-      <p:ext uri="{BB962C8B-B14F-4D97-AF65-F5344CB8AC3E}">
-        <p14:creationId xmlns:p14="http://schemas.microsoft.com/office/powerpoint/2010/main" val="3816994205"/>
-      </p:ext>
-    </p:extLst>
-  </p:cSld>
-  <p:clrMapOvr>
-    <a:masterClrMapping/>
-  </p:clrMapOvr>
-</p:sld>
-</file>
-
-<file path=ppt/slides/slide19.xml><?xml version="1.0" encoding="utf-8"?>
-<p:sld xmlns:a="http://schemas.openxmlformats.org/drawingml/2006/main" xmlns:r="http://schemas.openxmlformats.org/officeDocument/2006/relationships" xmlns:p="http://schemas.openxmlformats.org/presentationml/2006/main">
-  <p:cSld>
-    <p:spTree>
-      <p:nvGrpSpPr>
-        <p:cNvPr id="1" name=""/>
-        <p:cNvGrpSpPr/>
-        <p:nvPr/>
-      </p:nvGrpSpPr>
-      <p:grpSpPr>
-        <a:xfrm>
-          <a:off x="0" y="0"/>
-          <a:ext cx="0" cy="0"/>
-          <a:chOff x="0" y="0"/>
-          <a:chExt cx="0" cy="0"/>
-        </a:xfrm>
-      </p:grpSpPr>
-      <p:sp>
-        <p:nvSpPr>
-          <p:cNvPr id="2" name="Title 1">
-            <a:extLst>
-              <a:ext uri="{FF2B5EF4-FFF2-40B4-BE49-F238E27FC236}">
-                <a16:creationId xmlns:a16="http://schemas.microsoft.com/office/drawing/2014/main" id="{C82C0716-F788-3040-9E31-2E42BEEEA525}"/>
-              </a:ext>
-            </a:extLst>
-          </p:cNvPr>
-          <p:cNvSpPr>
-            <a:spLocks noGrp="1"/>
-          </p:cNvSpPr>
-          <p:nvPr>
-            <p:ph type="title"/>
-          </p:nvPr>
-        </p:nvSpPr>
-        <p:spPr/>
-        <p:txBody>
-          <a:bodyPr/>
-          <a:lstStyle/>
-          <a:p>
-            <a:r>
-              <a:rPr lang="es-ES_tradnl" dirty="0"/>
-              <a:t>Trabajo futuro</a:t>
-            </a:r>
-          </a:p>
-        </p:txBody>
-      </p:sp>
-    </p:spTree>
-    <p:extLst>
-      <p:ext uri="{BB962C8B-B14F-4D97-AF65-F5344CB8AC3E}">
-        <p14:creationId xmlns:p14="http://schemas.microsoft.com/office/powerpoint/2010/main" val="626771681"/>
       </p:ext>
     </p:extLst>
   </p:cSld>
@@ -6945,6 +10866,598 @@
 </file>
 
 <file path=ppt/slides/slide20.xml><?xml version="1.0" encoding="utf-8"?>
+<p:sld xmlns:a="http://schemas.openxmlformats.org/drawingml/2006/main" xmlns:r="http://schemas.openxmlformats.org/officeDocument/2006/relationships" xmlns:p="http://schemas.openxmlformats.org/presentationml/2006/main">
+  <p:cSld>
+    <p:spTree>
+      <p:nvGrpSpPr>
+        <p:cNvPr id="1" name=""/>
+        <p:cNvGrpSpPr/>
+        <p:nvPr/>
+      </p:nvGrpSpPr>
+      <p:grpSpPr>
+        <a:xfrm>
+          <a:off x="0" y="0"/>
+          <a:ext cx="0" cy="0"/>
+          <a:chOff x="0" y="0"/>
+          <a:chExt cx="0" cy="0"/>
+        </a:xfrm>
+      </p:grpSpPr>
+      <p:sp>
+        <p:nvSpPr>
+          <p:cNvPr id="2" name="Title 1">
+            <a:extLst>
+              <a:ext uri="{FF2B5EF4-FFF2-40B4-BE49-F238E27FC236}">
+                <a16:creationId xmlns:a16="http://schemas.microsoft.com/office/drawing/2014/main" id="{2F729A33-10BE-3244-896A-ECD71A9D32AD}"/>
+              </a:ext>
+            </a:extLst>
+          </p:cNvPr>
+          <p:cNvSpPr>
+            <a:spLocks noGrp="1"/>
+          </p:cNvSpPr>
+          <p:nvPr>
+            <p:ph type="title"/>
+          </p:nvPr>
+        </p:nvSpPr>
+        <p:spPr/>
+        <p:txBody>
+          <a:bodyPr/>
+          <a:lstStyle/>
+          <a:p>
+            <a:r>
+              <a:rPr lang="es-ES_tradnl" dirty="0"/>
+              <a:t>Propiocepción</a:t>
+            </a:r>
+          </a:p>
+        </p:txBody>
+      </p:sp>
+    </p:spTree>
+    <p:extLst>
+      <p:ext uri="{BB962C8B-B14F-4D97-AF65-F5344CB8AC3E}">
+        <p14:creationId xmlns:p14="http://schemas.microsoft.com/office/powerpoint/2010/main" val="2640597105"/>
+      </p:ext>
+    </p:extLst>
+  </p:cSld>
+  <p:clrMapOvr>
+    <a:masterClrMapping/>
+  </p:clrMapOvr>
+</p:sld>
+</file>
+
+<file path=ppt/slides/slide21.xml><?xml version="1.0" encoding="utf-8"?>
+<p:sld xmlns:a="http://schemas.openxmlformats.org/drawingml/2006/main" xmlns:r="http://schemas.openxmlformats.org/officeDocument/2006/relationships" xmlns:p="http://schemas.openxmlformats.org/presentationml/2006/main">
+  <p:cSld>
+    <p:spTree>
+      <p:nvGrpSpPr>
+        <p:cNvPr id="1" name=""/>
+        <p:cNvGrpSpPr/>
+        <p:nvPr/>
+      </p:nvGrpSpPr>
+      <p:grpSpPr>
+        <a:xfrm>
+          <a:off x="0" y="0"/>
+          <a:ext cx="0" cy="0"/>
+          <a:chOff x="0" y="0"/>
+          <a:chExt cx="0" cy="0"/>
+        </a:xfrm>
+      </p:grpSpPr>
+      <mc:AlternateContent xmlns:mc="http://schemas.openxmlformats.org/markup-compatibility/2006">
+        <mc:Choice xmlns:a14="http://schemas.microsoft.com/office/drawing/2010/main" Requires="a14">
+          <p:sp>
+            <p:nvSpPr>
+              <p:cNvPr id="2" name="Title 1">
+                <a:extLst>
+                  <a:ext uri="{FF2B5EF4-FFF2-40B4-BE49-F238E27FC236}">
+                    <a16:creationId xmlns:a16="http://schemas.microsoft.com/office/drawing/2014/main" id="{B5122D9A-BDB5-9D44-8889-7FAE96F0B7C5}"/>
+                  </a:ext>
+                </a:extLst>
+              </p:cNvPr>
+              <p:cNvSpPr>
+                <a:spLocks noGrp="1"/>
+              </p:cNvSpPr>
+              <p:nvPr>
+                <p:ph type="title"/>
+              </p:nvPr>
+            </p:nvSpPr>
+            <p:spPr/>
+            <p:txBody>
+              <a:bodyPr/>
+              <a:lstStyle/>
+              <a:p>
+                <a:pPr/>
+                <a14:m>
+                  <m:oMathPara xmlns:m="http://schemas.openxmlformats.org/officeDocument/2006/math">
+                    <m:oMathParaPr>
+                      <m:jc m:val="centerGroup"/>
+                    </m:oMathParaPr>
+                    <m:oMath xmlns:m="http://schemas.openxmlformats.org/officeDocument/2006/math">
+                      <m:r>
+                        <a:rPr lang="es-ES" i="1">
+                          <a:latin typeface="Cambria Math" panose="02040503050406030204" pitchFamily="18" charset="0"/>
+                        </a:rPr>
+                        <m:t>𝑃</m:t>
+                      </m:r>
+                      <m:d>
+                        <m:dPr>
+                          <m:ctrlPr>
+                            <a:rPr lang="es-ES" i="1">
+                              <a:latin typeface="Cambria Math" panose="02040503050406030204" pitchFamily="18" charset="0"/>
+                            </a:rPr>
+                          </m:ctrlPr>
+                        </m:dPr>
+                        <m:e>
+                          <m:sSub>
+                            <m:sSubPr>
+                              <m:ctrlPr>
+                                <a:rPr lang="es-ES" i="1">
+                                  <a:latin typeface="Cambria Math" panose="02040503050406030204" pitchFamily="18" charset="0"/>
+                                </a:rPr>
+                              </m:ctrlPr>
+                            </m:sSubPr>
+                            <m:e>
+                              <m:r>
+                                <a:rPr lang="es-ES" i="1">
+                                  <a:latin typeface="Cambria Math" panose="02040503050406030204" pitchFamily="18" charset="0"/>
+                                </a:rPr>
+                                <m:t>𝑚</m:t>
+                              </m:r>
+                            </m:e>
+                            <m:sub>
+                              <m:r>
+                                <a:rPr lang="es-ES" i="1">
+                                  <a:latin typeface="Cambria Math" panose="02040503050406030204" pitchFamily="18" charset="0"/>
+                                </a:rPr>
+                                <m:t>𝑖</m:t>
+                              </m:r>
+                            </m:sub>
+                          </m:sSub>
+                        </m:e>
+                      </m:d>
+                      <m:f>
+                        <m:fPr>
+                          <m:ctrlPr>
+                            <a:rPr lang="es-ES" i="1">
+                              <a:latin typeface="Cambria Math" panose="02040503050406030204" pitchFamily="18" charset="0"/>
+                            </a:rPr>
+                          </m:ctrlPr>
+                        </m:fPr>
+                        <m:num>
+                          <m:r>
+                            <a:rPr lang="es-ES" i="1">
+                              <a:latin typeface="Cambria Math" panose="02040503050406030204" pitchFamily="18" charset="0"/>
+                            </a:rPr>
+                            <m:t>1</m:t>
+                          </m:r>
+                        </m:num>
+                        <m:den>
+                          <m:r>
+                            <a:rPr lang="es-ES" i="1">
+                              <a:latin typeface="Cambria Math" panose="02040503050406030204" pitchFamily="18" charset="0"/>
+                              <a:ea typeface="Cambria Math" panose="02040503050406030204" pitchFamily="18" charset="0"/>
+                            </a:rPr>
+                            <m:t>∝</m:t>
+                          </m:r>
+                        </m:den>
+                      </m:f>
+                      <m:sSub>
+                        <m:sSubPr>
+                          <m:ctrlPr>
+                            <a:rPr lang="es-ES" i="1">
+                              <a:latin typeface="Cambria Math" panose="02040503050406030204" pitchFamily="18" charset="0"/>
+                            </a:rPr>
+                          </m:ctrlPr>
+                        </m:sSubPr>
+                        <m:e>
+                          <m:r>
+                            <a:rPr lang="es-ES" i="1">
+                              <a:latin typeface="Cambria Math" panose="02040503050406030204" pitchFamily="18" charset="0"/>
+                            </a:rPr>
+                            <m:t>𝑚</m:t>
+                          </m:r>
+                        </m:e>
+                        <m:sub>
+                          <m:r>
+                            <a:rPr lang="es-ES" i="1">
+                              <a:latin typeface="Cambria Math" panose="02040503050406030204" pitchFamily="18" charset="0"/>
+                            </a:rPr>
+                            <m:t>𝑒</m:t>
+                          </m:r>
+                        </m:sub>
+                      </m:sSub>
+                    </m:oMath>
+                  </m:oMathPara>
+                </a14:m>
+                <a:endParaRPr lang="es-ES_tradnl" dirty="0"/>
+              </a:p>
+            </p:txBody>
+          </p:sp>
+        </mc:Choice>
+        <mc:Fallback>
+          <p:sp>
+            <p:nvSpPr>
+              <p:cNvPr id="2" name="Title 1">
+                <a:extLst>
+                  <a:ext uri="{FF2B5EF4-FFF2-40B4-BE49-F238E27FC236}">
+                    <a16:creationId xmlns:a16="http://schemas.microsoft.com/office/drawing/2014/main" id="{B5122D9A-BDB5-9D44-8889-7FAE96F0B7C5}"/>
+                  </a:ext>
+                </a:extLst>
+              </p:cNvPr>
+              <p:cNvSpPr>
+                <a:spLocks noGrp="1" noRot="1" noChangeAspect="1" noMove="1" noResize="1" noEditPoints="1" noAdjustHandles="1" noChangeArrowheads="1" noChangeShapeType="1" noTextEdit="1"/>
+              </p:cNvSpPr>
+              <p:nvPr>
+                <p:ph type="title"/>
+              </p:nvPr>
+            </p:nvSpPr>
+            <p:spPr>
+              <a:blipFill>
+                <a:blip r:embed="rId3"/>
+                <a:stretch>
+                  <a:fillRect b="-9402"/>
+                </a:stretch>
+              </a:blipFill>
+            </p:spPr>
+            <p:txBody>
+              <a:bodyPr/>
+              <a:lstStyle/>
+              <a:p>
+                <a:r>
+                  <a:rPr lang="es-ES_tradnl">
+                    <a:noFill/>
+                  </a:rPr>
+                  <a:t> </a:t>
+                </a:r>
+              </a:p>
+            </p:txBody>
+          </p:sp>
+        </mc:Fallback>
+      </mc:AlternateContent>
+      <p:sp>
+        <p:nvSpPr>
+          <p:cNvPr id="5" name="Subtitle 4">
+            <a:extLst>
+              <a:ext uri="{FF2B5EF4-FFF2-40B4-BE49-F238E27FC236}">
+                <a16:creationId xmlns:a16="http://schemas.microsoft.com/office/drawing/2014/main" id="{1817A2CE-9DE7-8243-8048-DE3CC3F9D101}"/>
+              </a:ext>
+            </a:extLst>
+          </p:cNvPr>
+          <p:cNvSpPr>
+            <a:spLocks noGrp="1"/>
+          </p:cNvSpPr>
+          <p:nvPr>
+            <p:ph type="subTitle" idx="1"/>
+          </p:nvPr>
+        </p:nvSpPr>
+        <p:spPr/>
+        <p:txBody>
+          <a:bodyPr/>
+          <a:lstStyle/>
+          <a:p>
+            <a:endParaRPr lang="es-ES_tradnl"/>
+          </a:p>
+        </p:txBody>
+      </p:sp>
+    </p:spTree>
+    <p:extLst>
+      <p:ext uri="{BB962C8B-B14F-4D97-AF65-F5344CB8AC3E}">
+        <p14:creationId xmlns:p14="http://schemas.microsoft.com/office/powerpoint/2010/main" val="2482950181"/>
+      </p:ext>
+    </p:extLst>
+  </p:cSld>
+  <p:clrMapOvr>
+    <a:masterClrMapping/>
+  </p:clrMapOvr>
+</p:sld>
+</file>
+
+<file path=ppt/slides/slide22.xml><?xml version="1.0" encoding="utf-8"?>
+<p:sld xmlns:a="http://schemas.openxmlformats.org/drawingml/2006/main" xmlns:r="http://schemas.openxmlformats.org/officeDocument/2006/relationships" xmlns:p="http://schemas.openxmlformats.org/presentationml/2006/main">
+  <p:cSld>
+    <p:spTree>
+      <p:nvGrpSpPr>
+        <p:cNvPr id="1" name=""/>
+        <p:cNvGrpSpPr/>
+        <p:nvPr/>
+      </p:nvGrpSpPr>
+      <p:grpSpPr>
+        <a:xfrm>
+          <a:off x="0" y="0"/>
+          <a:ext cx="0" cy="0"/>
+          <a:chOff x="0" y="0"/>
+          <a:chExt cx="0" cy="0"/>
+        </a:xfrm>
+      </p:grpSpPr>
+      <mc:AlternateContent xmlns:mc="http://schemas.openxmlformats.org/markup-compatibility/2006">
+        <mc:Choice xmlns:a14="http://schemas.microsoft.com/office/drawing/2010/main" Requires="a14">
+          <p:sp>
+            <p:nvSpPr>
+              <p:cNvPr id="2" name="Title 1">
+                <a:extLst>
+                  <a:ext uri="{FF2B5EF4-FFF2-40B4-BE49-F238E27FC236}">
+                    <a16:creationId xmlns:a16="http://schemas.microsoft.com/office/drawing/2014/main" id="{33A4461A-FEC8-3743-B2C6-E5286712D48F}"/>
+                  </a:ext>
+                </a:extLst>
+              </p:cNvPr>
+              <p:cNvSpPr>
+                <a:spLocks noGrp="1"/>
+              </p:cNvSpPr>
+              <p:nvPr>
+                <p:ph type="title"/>
+              </p:nvPr>
+            </p:nvSpPr>
+            <p:spPr/>
+            <p:txBody>
+              <a:bodyPr/>
+              <a:lstStyle/>
+              <a:p>
+                <a14:m>
+                  <m:oMathPara xmlns:m="http://schemas.openxmlformats.org/officeDocument/2006/math">
+                    <m:oMathParaPr>
+                      <m:jc m:val="centerGroup"/>
+                    </m:oMathParaPr>
+                    <m:oMath xmlns:m="http://schemas.openxmlformats.org/officeDocument/2006/math">
+                      <m:sSup>
+                        <m:sSupPr>
+                          <m:ctrlPr>
+                            <a:rPr lang="es-ES" b="0" i="1" smtClean="0">
+                              <a:latin typeface="Cambria Math" panose="02040503050406030204" pitchFamily="18" charset="0"/>
+                            </a:rPr>
+                          </m:ctrlPr>
+                        </m:sSupPr>
+                        <m:e>
+                          <m:r>
+                            <a:rPr lang="es-ES" b="0" i="1" smtClean="0">
+                              <a:latin typeface="Cambria Math" panose="02040503050406030204" pitchFamily="18" charset="0"/>
+                            </a:rPr>
+                            <m:t>𝑚</m:t>
+                          </m:r>
+                        </m:e>
+                        <m:sup>
+                          <m:r>
+                            <a:rPr lang="es-ES" b="0" i="1" smtClean="0">
+                              <a:latin typeface="Cambria Math" panose="02040503050406030204" pitchFamily="18" charset="0"/>
+                            </a:rPr>
+                            <m:t>𝑥</m:t>
+                          </m:r>
+                        </m:sup>
+                      </m:sSup>
+                      <m:r>
+                        <a:rPr lang="es-ES" b="0" i="1" smtClean="0">
+                          <a:latin typeface="Cambria Math" panose="02040503050406030204" pitchFamily="18" charset="0"/>
+                          <a:ea typeface="Cambria Math" panose="02040503050406030204" pitchFamily="18" charset="0"/>
+                        </a:rPr>
+                        <m:t>⟺</m:t>
+                      </m:r>
+                      <m:sSup>
+                        <m:sSupPr>
+                          <m:ctrlPr>
+                            <a:rPr lang="es-ES" i="1" smtClean="0">
+                              <a:latin typeface="Cambria Math" panose="02040503050406030204" pitchFamily="18" charset="0"/>
+                              <a:ea typeface="Cambria Math" panose="02040503050406030204" pitchFamily="18" charset="0"/>
+                            </a:rPr>
+                          </m:ctrlPr>
+                        </m:sSupPr>
+                        <m:e>
+                          <m:r>
+                            <a:rPr lang="es-ES" b="0" i="1" smtClean="0">
+                              <a:latin typeface="Cambria Math" panose="02040503050406030204" pitchFamily="18" charset="0"/>
+                              <a:ea typeface="Cambria Math" panose="02040503050406030204" pitchFamily="18" charset="0"/>
+                            </a:rPr>
+                            <m:t>𝐸</m:t>
+                          </m:r>
+                        </m:e>
+                        <m:sup>
+                          <m:r>
+                            <a:rPr lang="es-ES" b="0" i="1" smtClean="0">
+                              <a:latin typeface="Cambria Math" panose="02040503050406030204" pitchFamily="18" charset="0"/>
+                              <a:ea typeface="Cambria Math" panose="02040503050406030204" pitchFamily="18" charset="0"/>
+                            </a:rPr>
+                            <m:t>𝑥</m:t>
+                          </m:r>
+                        </m:sup>
+                      </m:sSup>
+                    </m:oMath>
+                  </m:oMathPara>
+                </a14:m>
+                <a:endParaRPr lang="es-ES_tradnl" baseline="30000" dirty="0"/>
+              </a:p>
+            </p:txBody>
+          </p:sp>
+        </mc:Choice>
+        <mc:Fallback>
+          <p:sp>
+            <p:nvSpPr>
+              <p:cNvPr id="2" name="Title 1">
+                <a:extLst>
+                  <a:ext uri="{FF2B5EF4-FFF2-40B4-BE49-F238E27FC236}">
+                    <a16:creationId xmlns:a16="http://schemas.microsoft.com/office/drawing/2014/main" id="{33A4461A-FEC8-3743-B2C6-E5286712D48F}"/>
+                  </a:ext>
+                </a:extLst>
+              </p:cNvPr>
+              <p:cNvSpPr>
+                <a:spLocks noGrp="1" noRot="1" noChangeAspect="1" noMove="1" noResize="1" noEditPoints="1" noAdjustHandles="1" noChangeArrowheads="1" noChangeShapeType="1" noTextEdit="1"/>
+              </p:cNvSpPr>
+              <p:nvPr>
+                <p:ph type="title"/>
+              </p:nvPr>
+            </p:nvSpPr>
+            <p:spPr>
+              <a:blipFill>
+                <a:blip r:embed="rId3"/>
+                <a:stretch>
+                  <a:fillRect b="-855"/>
+                </a:stretch>
+              </a:blipFill>
+            </p:spPr>
+            <p:txBody>
+              <a:bodyPr/>
+              <a:lstStyle/>
+              <a:p>
+                <a:r>
+                  <a:rPr lang="es-ES_tradnl">
+                    <a:noFill/>
+                  </a:rPr>
+                  <a:t> </a:t>
+                </a:r>
+              </a:p>
+            </p:txBody>
+          </p:sp>
+        </mc:Fallback>
+      </mc:AlternateContent>
+      <p:sp>
+        <p:nvSpPr>
+          <p:cNvPr id="4" name="Subtitle 3">
+            <a:extLst>
+              <a:ext uri="{FF2B5EF4-FFF2-40B4-BE49-F238E27FC236}">
+                <a16:creationId xmlns:a16="http://schemas.microsoft.com/office/drawing/2014/main" id="{4CA3C7C9-A57D-AC46-8629-879BAE5F4E6F}"/>
+              </a:ext>
+            </a:extLst>
+          </p:cNvPr>
+          <p:cNvSpPr>
+            <a:spLocks noGrp="1"/>
+          </p:cNvSpPr>
+          <p:nvPr>
+            <p:ph type="subTitle" idx="1"/>
+          </p:nvPr>
+        </p:nvSpPr>
+        <p:spPr/>
+        <p:txBody>
+          <a:bodyPr/>
+          <a:lstStyle/>
+          <a:p>
+            <a:endParaRPr lang="es-ES_tradnl"/>
+          </a:p>
+        </p:txBody>
+      </p:sp>
+    </p:spTree>
+    <p:extLst>
+      <p:ext uri="{BB962C8B-B14F-4D97-AF65-F5344CB8AC3E}">
+        <p14:creationId xmlns:p14="http://schemas.microsoft.com/office/powerpoint/2010/main" val="2921752569"/>
+      </p:ext>
+    </p:extLst>
+  </p:cSld>
+  <p:clrMapOvr>
+    <a:masterClrMapping/>
+  </p:clrMapOvr>
+</p:sld>
+</file>
+
+<file path=ppt/slides/slide23.xml><?xml version="1.0" encoding="utf-8"?>
+<p:sld xmlns:a="http://schemas.openxmlformats.org/drawingml/2006/main" xmlns:r="http://schemas.openxmlformats.org/officeDocument/2006/relationships" xmlns:p="http://schemas.openxmlformats.org/presentationml/2006/main">
+  <p:cSld>
+    <p:spTree>
+      <p:nvGrpSpPr>
+        <p:cNvPr id="1" name=""/>
+        <p:cNvGrpSpPr/>
+        <p:nvPr/>
+      </p:nvGrpSpPr>
+      <p:grpSpPr>
+        <a:xfrm>
+          <a:off x="0" y="0"/>
+          <a:ext cx="0" cy="0"/>
+          <a:chOff x="0" y="0"/>
+          <a:chExt cx="0" cy="0"/>
+        </a:xfrm>
+      </p:grpSpPr>
+      <p:sp>
+        <p:nvSpPr>
+          <p:cNvPr id="2" name="Title 1">
+            <a:extLst>
+              <a:ext uri="{FF2B5EF4-FFF2-40B4-BE49-F238E27FC236}">
+                <a16:creationId xmlns:a16="http://schemas.microsoft.com/office/drawing/2014/main" id="{1DD6C2E6-307D-BD43-AB82-4256FB624D52}"/>
+              </a:ext>
+            </a:extLst>
+          </p:cNvPr>
+          <p:cNvSpPr>
+            <a:spLocks noGrp="1"/>
+          </p:cNvSpPr>
+          <p:nvPr>
+            <p:ph type="title"/>
+          </p:nvPr>
+        </p:nvSpPr>
+        <p:spPr/>
+        <p:txBody>
+          <a:bodyPr/>
+          <a:lstStyle/>
+          <a:p>
+            <a:r>
+              <a:rPr lang="es-ES_tradnl" dirty="0"/>
+              <a:t>Exploración del espacio de creación escénica</a:t>
+            </a:r>
+          </a:p>
+        </p:txBody>
+      </p:sp>
+    </p:spTree>
+    <p:extLst>
+      <p:ext uri="{BB962C8B-B14F-4D97-AF65-F5344CB8AC3E}">
+        <p14:creationId xmlns:p14="http://schemas.microsoft.com/office/powerpoint/2010/main" val="3816994205"/>
+      </p:ext>
+    </p:extLst>
+  </p:cSld>
+  <p:clrMapOvr>
+    <a:masterClrMapping/>
+  </p:clrMapOvr>
+</p:sld>
+</file>
+
+<file path=ppt/slides/slide24.xml><?xml version="1.0" encoding="utf-8"?>
+<p:sld xmlns:a="http://schemas.openxmlformats.org/drawingml/2006/main" xmlns:r="http://schemas.openxmlformats.org/officeDocument/2006/relationships" xmlns:p="http://schemas.openxmlformats.org/presentationml/2006/main">
+  <p:cSld>
+    <p:spTree>
+      <p:nvGrpSpPr>
+        <p:cNvPr id="1" name=""/>
+        <p:cNvGrpSpPr/>
+        <p:nvPr/>
+      </p:nvGrpSpPr>
+      <p:grpSpPr>
+        <a:xfrm>
+          <a:off x="0" y="0"/>
+          <a:ext cx="0" cy="0"/>
+          <a:chOff x="0" y="0"/>
+          <a:chExt cx="0" cy="0"/>
+        </a:xfrm>
+      </p:grpSpPr>
+      <p:sp>
+        <p:nvSpPr>
+          <p:cNvPr id="2" name="Title 1">
+            <a:extLst>
+              <a:ext uri="{FF2B5EF4-FFF2-40B4-BE49-F238E27FC236}">
+                <a16:creationId xmlns:a16="http://schemas.microsoft.com/office/drawing/2014/main" id="{C82C0716-F788-3040-9E31-2E42BEEEA525}"/>
+              </a:ext>
+            </a:extLst>
+          </p:cNvPr>
+          <p:cNvSpPr>
+            <a:spLocks noGrp="1"/>
+          </p:cNvSpPr>
+          <p:nvPr>
+            <p:ph type="title"/>
+          </p:nvPr>
+        </p:nvSpPr>
+        <p:spPr/>
+        <p:txBody>
+          <a:bodyPr/>
+          <a:lstStyle/>
+          <a:p>
+            <a:r>
+              <a:rPr lang="es-ES_tradnl" dirty="0"/>
+              <a:t>Trabajo futuro</a:t>
+            </a:r>
+          </a:p>
+        </p:txBody>
+      </p:sp>
+    </p:spTree>
+    <p:extLst>
+      <p:ext uri="{BB962C8B-B14F-4D97-AF65-F5344CB8AC3E}">
+        <p14:creationId xmlns:p14="http://schemas.microsoft.com/office/powerpoint/2010/main" val="626771681"/>
+      </p:ext>
+    </p:extLst>
+  </p:cSld>
+  <p:clrMapOvr>
+    <a:masterClrMapping/>
+  </p:clrMapOvr>
+</p:sld>
+</file>
+
+<file path=ppt/slides/slide25.xml><?xml version="1.0" encoding="utf-8"?>
 <p:sld xmlns:a="http://schemas.openxmlformats.org/drawingml/2006/main" xmlns:r="http://schemas.openxmlformats.org/officeDocument/2006/relationships" xmlns:p="http://schemas.openxmlformats.org/presentationml/2006/main">
   <p:cSld>
     <p:spTree>
@@ -7380,10 +11893,300 @@
       </p:grpSpPr>
       <p:sp>
         <p:nvSpPr>
-          <p:cNvPr id="4" name="Triangle 3">
+          <p:cNvPr id="2" name="Title 1">
             <a:extLst>
               <a:ext uri="{FF2B5EF4-FFF2-40B4-BE49-F238E27FC236}">
-                <a16:creationId xmlns:a16="http://schemas.microsoft.com/office/drawing/2014/main" id="{C81FBC53-9847-654D-9DC6-8BF6DC24E5C6}"/>
+                <a16:creationId xmlns:a16="http://schemas.microsoft.com/office/drawing/2014/main" id="{B6A5F662-BBDD-7F44-8E06-0F4629A3CE87}"/>
+              </a:ext>
+            </a:extLst>
+          </p:cNvPr>
+          <p:cNvSpPr>
+            <a:spLocks noGrp="1"/>
+          </p:cNvSpPr>
+          <p:nvPr>
+            <p:ph type="title"/>
+          </p:nvPr>
+        </p:nvSpPr>
+        <p:spPr/>
+        <p:txBody>
+          <a:bodyPr/>
+          <a:lstStyle/>
+          <a:p>
+            <a:r>
+              <a:rPr lang="es-ES_tradnl" dirty="0"/>
+              <a:t>Objetivo del proyecto</a:t>
+            </a:r>
+          </a:p>
+        </p:txBody>
+      </p:sp>
+    </p:spTree>
+    <p:extLst>
+      <p:ext uri="{BB962C8B-B14F-4D97-AF65-F5344CB8AC3E}">
+        <p14:creationId xmlns:p14="http://schemas.microsoft.com/office/powerpoint/2010/main" val="2497423877"/>
+      </p:ext>
+    </p:extLst>
+  </p:cSld>
+  <p:clrMapOvr>
+    <a:masterClrMapping/>
+  </p:clrMapOvr>
+</p:sld>
+</file>
+
+<file path=ppt/slides/slide4.xml><?xml version="1.0" encoding="utf-8"?>
+<p:sld xmlns:a="http://schemas.openxmlformats.org/drawingml/2006/main" xmlns:r="http://schemas.openxmlformats.org/officeDocument/2006/relationships" xmlns:p="http://schemas.openxmlformats.org/presentationml/2006/main">
+  <p:cSld>
+    <p:spTree>
+      <p:nvGrpSpPr>
+        <p:cNvPr id="1" name=""/>
+        <p:cNvGrpSpPr/>
+        <p:nvPr/>
+      </p:nvGrpSpPr>
+      <p:grpSpPr>
+        <a:xfrm>
+          <a:off x="0" y="0"/>
+          <a:ext cx="0" cy="0"/>
+          <a:chOff x="0" y="0"/>
+          <a:chExt cx="0" cy="0"/>
+        </a:xfrm>
+      </p:grpSpPr>
+      <p:sp>
+        <p:nvSpPr>
+          <p:cNvPr id="2" name="Title 1">
+            <a:extLst>
+              <a:ext uri="{FF2B5EF4-FFF2-40B4-BE49-F238E27FC236}">
+                <a16:creationId xmlns:a16="http://schemas.microsoft.com/office/drawing/2014/main" id="{1AE2DE55-6FDE-F24F-A4C1-36840D727B0B}"/>
+              </a:ext>
+            </a:extLst>
+          </p:cNvPr>
+          <p:cNvSpPr>
+            <a:spLocks noGrp="1"/>
+          </p:cNvSpPr>
+          <p:nvPr>
+            <p:ph type="title"/>
+          </p:nvPr>
+        </p:nvSpPr>
+        <p:spPr/>
+        <p:txBody>
+          <a:bodyPr/>
+          <a:lstStyle/>
+          <a:p>
+            <a:r>
+              <a:rPr lang="es-ES_tradnl" dirty="0"/>
+              <a:t>Corporización compleja</a:t>
+            </a:r>
+          </a:p>
+        </p:txBody>
+      </p:sp>
+    </p:spTree>
+    <p:extLst>
+      <p:ext uri="{BB962C8B-B14F-4D97-AF65-F5344CB8AC3E}">
+        <p14:creationId xmlns:p14="http://schemas.microsoft.com/office/powerpoint/2010/main" val="3489648632"/>
+      </p:ext>
+    </p:extLst>
+  </p:cSld>
+  <p:clrMapOvr>
+    <a:masterClrMapping/>
+  </p:clrMapOvr>
+</p:sld>
+</file>
+
+<file path=ppt/slides/slide5.xml><?xml version="1.0" encoding="utf-8"?>
+<p:sld xmlns:a="http://schemas.openxmlformats.org/drawingml/2006/main" xmlns:r="http://schemas.openxmlformats.org/officeDocument/2006/relationships" xmlns:p="http://schemas.openxmlformats.org/presentationml/2006/main">
+  <p:cSld>
+    <p:spTree>
+      <p:nvGrpSpPr>
+        <p:cNvPr id="1" name=""/>
+        <p:cNvGrpSpPr/>
+        <p:nvPr/>
+      </p:nvGrpSpPr>
+      <p:grpSpPr>
+        <a:xfrm>
+          <a:off x="0" y="0"/>
+          <a:ext cx="0" cy="0"/>
+          <a:chOff x="0" y="0"/>
+          <a:chExt cx="0" cy="0"/>
+        </a:xfrm>
+      </p:grpSpPr>
+      <p:sp>
+        <p:nvSpPr>
+          <p:cNvPr id="2" name="Title 1">
+            <a:extLst>
+              <a:ext uri="{FF2B5EF4-FFF2-40B4-BE49-F238E27FC236}">
+                <a16:creationId xmlns:a16="http://schemas.microsoft.com/office/drawing/2014/main" id="{4B5176AE-052C-9D41-A203-F4000DC4F45A}"/>
+              </a:ext>
+            </a:extLst>
+          </p:cNvPr>
+          <p:cNvSpPr>
+            <a:spLocks noGrp="1"/>
+          </p:cNvSpPr>
+          <p:nvPr>
+            <p:ph type="title"/>
+          </p:nvPr>
+        </p:nvSpPr>
+        <p:spPr/>
+        <p:txBody>
+          <a:bodyPr/>
+          <a:lstStyle/>
+          <a:p>
+            <a:r>
+              <a:rPr lang="es-ES_tradnl" dirty="0"/>
+              <a:t>Teatro = cuerpo + escena</a:t>
+            </a:r>
+          </a:p>
+        </p:txBody>
+      </p:sp>
+    </p:spTree>
+    <p:extLst>
+      <p:ext uri="{BB962C8B-B14F-4D97-AF65-F5344CB8AC3E}">
+        <p14:creationId xmlns:p14="http://schemas.microsoft.com/office/powerpoint/2010/main" val="3161099668"/>
+      </p:ext>
+    </p:extLst>
+  </p:cSld>
+  <p:clrMapOvr>
+    <a:masterClrMapping/>
+  </p:clrMapOvr>
+</p:sld>
+</file>
+
+<file path=ppt/slides/slide6.xml><?xml version="1.0" encoding="utf-8"?>
+<p:sld xmlns:a="http://schemas.openxmlformats.org/drawingml/2006/main" xmlns:r="http://schemas.openxmlformats.org/officeDocument/2006/relationships" xmlns:p="http://schemas.openxmlformats.org/presentationml/2006/main">
+  <p:cSld>
+    <p:spTree>
+      <p:nvGrpSpPr>
+        <p:cNvPr id="1" name=""/>
+        <p:cNvGrpSpPr/>
+        <p:nvPr/>
+      </p:nvGrpSpPr>
+      <p:grpSpPr>
+        <a:xfrm>
+          <a:off x="0" y="0"/>
+          <a:ext cx="0" cy="0"/>
+          <a:chOff x="0" y="0"/>
+          <a:chExt cx="0" cy="0"/>
+        </a:xfrm>
+      </p:grpSpPr>
+      <p:sp>
+        <p:nvSpPr>
+          <p:cNvPr id="2" name="Title 1">
+            <a:extLst>
+              <a:ext uri="{FF2B5EF4-FFF2-40B4-BE49-F238E27FC236}">
+                <a16:creationId xmlns:a16="http://schemas.microsoft.com/office/drawing/2014/main" id="{85E6E958-B692-554C-BB9E-10D566ADC494}"/>
+              </a:ext>
+            </a:extLst>
+          </p:cNvPr>
+          <p:cNvSpPr>
+            <a:spLocks noGrp="1"/>
+          </p:cNvSpPr>
+          <p:nvPr>
+            <p:ph type="title"/>
+          </p:nvPr>
+        </p:nvSpPr>
+        <p:spPr/>
+        <p:txBody>
+          <a:bodyPr/>
+          <a:lstStyle/>
+          <a:p>
+            <a:r>
+              <a:rPr lang="es-ES_tradnl" dirty="0"/>
+              <a:t>Enacción</a:t>
+            </a:r>
+          </a:p>
+        </p:txBody>
+      </p:sp>
+    </p:spTree>
+    <p:extLst>
+      <p:ext uri="{BB962C8B-B14F-4D97-AF65-F5344CB8AC3E}">
+        <p14:creationId xmlns:p14="http://schemas.microsoft.com/office/powerpoint/2010/main" val="4276229214"/>
+      </p:ext>
+    </p:extLst>
+  </p:cSld>
+  <p:clrMapOvr>
+    <a:masterClrMapping/>
+  </p:clrMapOvr>
+</p:sld>
+</file>
+
+<file path=ppt/slides/slide7.xml><?xml version="1.0" encoding="utf-8"?>
+<p:sld xmlns:a="http://schemas.openxmlformats.org/drawingml/2006/main" xmlns:r="http://schemas.openxmlformats.org/officeDocument/2006/relationships" xmlns:p="http://schemas.openxmlformats.org/presentationml/2006/main">
+  <p:cSld>
+    <p:spTree>
+      <p:nvGrpSpPr>
+        <p:cNvPr id="1" name=""/>
+        <p:cNvGrpSpPr/>
+        <p:nvPr/>
+      </p:nvGrpSpPr>
+      <p:grpSpPr>
+        <a:xfrm>
+          <a:off x="0" y="0"/>
+          <a:ext cx="0" cy="0"/>
+          <a:chOff x="0" y="0"/>
+          <a:chExt cx="0" cy="0"/>
+        </a:xfrm>
+      </p:grpSpPr>
+      <p:sp>
+        <p:nvSpPr>
+          <p:cNvPr id="2" name="Title 1">
+            <a:extLst>
+              <a:ext uri="{FF2B5EF4-FFF2-40B4-BE49-F238E27FC236}">
+                <a16:creationId xmlns:a16="http://schemas.microsoft.com/office/drawing/2014/main" id="{101D080F-1705-C249-8E75-3FAFB766D267}"/>
+              </a:ext>
+            </a:extLst>
+          </p:cNvPr>
+          <p:cNvSpPr>
+            <a:spLocks noGrp="1"/>
+          </p:cNvSpPr>
+          <p:nvPr>
+            <p:ph type="title"/>
+          </p:nvPr>
+        </p:nvSpPr>
+        <p:spPr/>
+        <p:txBody>
+          <a:bodyPr/>
+          <a:lstStyle/>
+          <a:p>
+            <a:r>
+              <a:rPr lang="es-ES_tradnl" dirty="0"/>
+              <a:t>Teatro</a:t>
+            </a:r>
+          </a:p>
+        </p:txBody>
+      </p:sp>
+    </p:spTree>
+    <p:extLst>
+      <p:ext uri="{BB962C8B-B14F-4D97-AF65-F5344CB8AC3E}">
+        <p14:creationId xmlns:p14="http://schemas.microsoft.com/office/powerpoint/2010/main" val="308093663"/>
+      </p:ext>
+    </p:extLst>
+  </p:cSld>
+  <p:clrMapOvr>
+    <a:masterClrMapping/>
+  </p:clrMapOvr>
+</p:sld>
+</file>
+
+<file path=ppt/slides/slide8.xml><?xml version="1.0" encoding="utf-8"?>
+<p:sld xmlns:a="http://schemas.openxmlformats.org/drawingml/2006/main" xmlns:r="http://schemas.openxmlformats.org/officeDocument/2006/relationships" xmlns:p="http://schemas.openxmlformats.org/presentationml/2006/main">
+  <p:cSld>
+    <p:spTree>
+      <p:nvGrpSpPr>
+        <p:cNvPr id="1" name=""/>
+        <p:cNvGrpSpPr/>
+        <p:nvPr/>
+      </p:nvGrpSpPr>
+      <p:grpSpPr>
+        <a:xfrm>
+          <a:off x="0" y="0"/>
+          <a:ext cx="0" cy="0"/>
+          <a:chOff x="0" y="0"/>
+          <a:chExt cx="0" cy="0"/>
+        </a:xfrm>
+      </p:grpSpPr>
+      <p:sp>
+        <p:nvSpPr>
+          <p:cNvPr id="5" name="Triangle 4">
+            <a:extLst>
+              <a:ext uri="{FF2B5EF4-FFF2-40B4-BE49-F238E27FC236}">
+                <a16:creationId xmlns:a16="http://schemas.microsoft.com/office/drawing/2014/main" id="{801B49F5-2873-E44B-A597-82F58784F4B6}"/>
               </a:ext>
             </a:extLst>
           </p:cNvPr>
@@ -7392,8 +12195,157 @@
         </p:nvSpPr>
         <p:spPr>
           <a:xfrm>
-            <a:off x="1207564" y="1251491"/>
-            <a:ext cx="6723429" cy="4227512"/>
+            <a:off x="1272128" y="1251492"/>
+            <a:ext cx="6597022" cy="4146622"/>
+          </a:xfrm>
+          <a:prstGeom prst="triangle">
+            <a:avLst>
+              <a:gd name="adj" fmla="val 50000"/>
+            </a:avLst>
+          </a:prstGeom>
+          <a:solidFill>
+            <a:schemeClr val="tx1"/>
+          </a:solidFill>
+          <a:ln w="38100">
+            <a:noFill/>
+          </a:ln>
+        </p:spPr>
+        <p:style>
+          <a:lnRef idx="2">
+            <a:schemeClr val="accent1">
+              <a:shade val="50000"/>
+            </a:schemeClr>
+          </a:lnRef>
+          <a:fillRef idx="1">
+            <a:schemeClr val="accent1"/>
+          </a:fillRef>
+          <a:effectRef idx="0">
+            <a:schemeClr val="accent1"/>
+          </a:effectRef>
+          <a:fontRef idx="minor">
+            <a:schemeClr val="lt1"/>
+          </a:fontRef>
+        </p:style>
+        <p:txBody>
+          <a:bodyPr rtlCol="0" anchor="ctr"/>
+          <a:lstStyle/>
+          <a:p>
+            <a:pPr algn="ctr"/>
+            <a:endParaRPr lang="es-ES_tradnl" dirty="0"/>
+          </a:p>
+        </p:txBody>
+      </p:sp>
+      <p:sp>
+        <p:nvSpPr>
+          <p:cNvPr id="7" name="Title 6">
+            <a:extLst>
+              <a:ext uri="{FF2B5EF4-FFF2-40B4-BE49-F238E27FC236}">
+                <a16:creationId xmlns:a16="http://schemas.microsoft.com/office/drawing/2014/main" id="{13D89719-BD50-024B-9E02-9483D577BD28}"/>
+              </a:ext>
+            </a:extLst>
+          </p:cNvPr>
+          <p:cNvSpPr>
+            <a:spLocks noGrp="1"/>
+          </p:cNvSpPr>
+          <p:nvPr>
+            <p:ph type="title"/>
+          </p:nvPr>
+        </p:nvSpPr>
+        <p:spPr/>
+        <p:txBody>
+          <a:bodyPr/>
+          <a:lstStyle/>
+          <a:p>
+            <a:endParaRPr lang="es-ES_tradnl"/>
+          </a:p>
+        </p:txBody>
+      </p:sp>
+      <p:sp>
+        <p:nvSpPr>
+          <p:cNvPr id="8" name="TextBox 7">
+            <a:extLst>
+              <a:ext uri="{FF2B5EF4-FFF2-40B4-BE49-F238E27FC236}">
+                <a16:creationId xmlns:a16="http://schemas.microsoft.com/office/drawing/2014/main" id="{0981CA05-19A4-8843-933B-7080D02F0A6A}"/>
+              </a:ext>
+            </a:extLst>
+          </p:cNvPr>
+          <p:cNvSpPr txBox="1"/>
+          <p:nvPr/>
+        </p:nvSpPr>
+        <p:spPr>
+          <a:xfrm>
+            <a:off x="1143000" y="3757601"/>
+            <a:ext cx="6787993" cy="677108"/>
+          </a:xfrm>
+          <a:prstGeom prst="rect">
+            <a:avLst/>
+          </a:prstGeom>
+          <a:noFill/>
+        </p:spPr>
+        <p:txBody>
+          <a:bodyPr wrap="square" lIns="0" tIns="0" rIns="0" bIns="0" rtlCol="0">
+            <a:spAutoFit/>
+          </a:bodyPr>
+          <a:lstStyle/>
+          <a:p>
+            <a:pPr algn="ctr"/>
+            <a:r>
+              <a:rPr lang="es-ES_tradnl" sz="4400" b="1" dirty="0">
+                <a:solidFill>
+                  <a:schemeClr val="bg1"/>
+                </a:solidFill>
+              </a:rPr>
+              <a:t>Alberto Vega</a:t>
+            </a:r>
+          </a:p>
+        </p:txBody>
+      </p:sp>
+    </p:spTree>
+    <p:extLst>
+      <p:ext uri="{BB962C8B-B14F-4D97-AF65-F5344CB8AC3E}">
+        <p14:creationId xmlns:p14="http://schemas.microsoft.com/office/powerpoint/2010/main" val="794718136"/>
+      </p:ext>
+    </p:extLst>
+  </p:cSld>
+  <p:clrMapOvr>
+    <a:masterClrMapping/>
+  </p:clrMapOvr>
+</p:sld>
+</file>
+
+<file path=ppt/slides/slide9.xml><?xml version="1.0" encoding="utf-8"?>
+<p:sld xmlns:a="http://schemas.openxmlformats.org/drawingml/2006/main" xmlns:r="http://schemas.openxmlformats.org/officeDocument/2006/relationships" xmlns:p="http://schemas.openxmlformats.org/presentationml/2006/main">
+  <p:cSld>
+    <p:spTree>
+      <p:nvGrpSpPr>
+        <p:cNvPr id="1" name=""/>
+        <p:cNvGrpSpPr/>
+        <p:nvPr/>
+      </p:nvGrpSpPr>
+      <p:grpSpPr>
+        <a:xfrm>
+          <a:off x="0" y="0"/>
+          <a:ext cx="0" cy="0"/>
+          <a:chOff x="0" y="0"/>
+          <a:chExt cx="0" cy="0"/>
+        </a:xfrm>
+      </p:grpSpPr>
+      <p:sp>
+        <p:nvSpPr>
+          <p:cNvPr id="8" name="Triangle 7">
+            <a:extLst>
+              <a:ext uri="{FF2B5EF4-FFF2-40B4-BE49-F238E27FC236}">
+                <a16:creationId xmlns:a16="http://schemas.microsoft.com/office/drawing/2014/main" id="{88AFE18D-E17A-8C4E-9700-32C5401C31F7}"/>
+              </a:ext>
+            </a:extLst>
+          </p:cNvPr>
+          <p:cNvSpPr/>
+          <p:nvPr/>
+        </p:nvSpPr>
+        <p:spPr>
+          <a:xfrm>
+            <a:off x="1272128" y="1251492"/>
+            <a:ext cx="6597022" cy="4146622"/>
           </a:xfrm>
           <a:prstGeom prst="triangle">
             <a:avLst>
@@ -7434,26 +12386,473 @@
           </a:p>
         </p:txBody>
       </p:sp>
-      <p:sp>
-        <p:nvSpPr>
-          <p:cNvPr id="2" name="Title 1">
+      <p:grpSp>
+        <p:nvGrpSpPr>
+          <p:cNvPr id="15" name="Group 14">
             <a:extLst>
               <a:ext uri="{FF2B5EF4-FFF2-40B4-BE49-F238E27FC236}">
-                <a16:creationId xmlns:a16="http://schemas.microsoft.com/office/drawing/2014/main" id="{EB2C0730-E66C-4A43-B7B7-B0D54FE82BF1}"/>
+                <a16:creationId xmlns:a16="http://schemas.microsoft.com/office/drawing/2014/main" id="{084C859B-592B-6B4F-8CFB-EC95DCC49BA0}"/>
               </a:ext>
             </a:extLst>
           </p:cNvPr>
-          <p:cNvSpPr>
-            <a:spLocks noGrp="1"/>
-          </p:cNvSpPr>
-          <p:nvPr>
-            <p:ph type="title"/>
-          </p:nvPr>
+          <p:cNvGrpSpPr/>
+          <p:nvPr/>
+        </p:nvGrpSpPr>
+        <p:grpSpPr>
+          <a:xfrm>
+            <a:off x="3242629" y="1345785"/>
+            <a:ext cx="1807403" cy="1230010"/>
+            <a:chOff x="3242629" y="1345785"/>
+            <a:chExt cx="1807403" cy="1230010"/>
+          </a:xfrm>
+        </p:grpSpPr>
+        <p:sp>
+          <p:nvSpPr>
+            <p:cNvPr id="5" name="Oval 4">
+              <a:extLst>
+                <a:ext uri="{FF2B5EF4-FFF2-40B4-BE49-F238E27FC236}">
+                  <a16:creationId xmlns:a16="http://schemas.microsoft.com/office/drawing/2014/main" id="{3A88D263-9FDA-9F49-BDD0-2E63CCA956EF}"/>
+                </a:ext>
+              </a:extLst>
+            </p:cNvPr>
+            <p:cNvSpPr/>
+            <p:nvPr/>
+          </p:nvSpPr>
+          <p:spPr>
+            <a:xfrm>
+              <a:off x="4081767" y="2446667"/>
+              <a:ext cx="129128" cy="129128"/>
+            </a:xfrm>
+            <a:prstGeom prst="ellipse">
+              <a:avLst/>
+            </a:prstGeom>
+            <a:solidFill>
+              <a:schemeClr val="tx1"/>
+            </a:solidFill>
+            <a:ln>
+              <a:noFill/>
+            </a:ln>
+          </p:spPr>
+          <p:style>
+            <a:lnRef idx="2">
+              <a:schemeClr val="accent1">
+                <a:shade val="50000"/>
+              </a:schemeClr>
+            </a:lnRef>
+            <a:fillRef idx="1">
+              <a:schemeClr val="accent1"/>
+            </a:fillRef>
+            <a:effectRef idx="0">
+              <a:schemeClr val="accent1"/>
+            </a:effectRef>
+            <a:fontRef idx="minor">
+              <a:schemeClr val="lt1"/>
+            </a:fontRef>
+          </p:style>
+          <p:txBody>
+            <a:bodyPr rtlCol="0" anchor="ctr"/>
+            <a:lstStyle/>
+            <a:p>
+              <a:pPr algn="ctr"/>
+              <a:endParaRPr lang="en-US" dirty="0"/>
+            </a:p>
+          </p:txBody>
+        </p:sp>
+        <p:grpSp>
+          <p:nvGrpSpPr>
+            <p:cNvPr id="14" name="Group 13">
+              <a:extLst>
+                <a:ext uri="{FF2B5EF4-FFF2-40B4-BE49-F238E27FC236}">
+                  <a16:creationId xmlns:a16="http://schemas.microsoft.com/office/drawing/2014/main" id="{F209B6DF-E077-BD41-B572-B6A4CEFA17B4}"/>
+                </a:ext>
+              </a:extLst>
+            </p:cNvPr>
+            <p:cNvGrpSpPr/>
+            <p:nvPr/>
+          </p:nvGrpSpPr>
+          <p:grpSpPr>
+            <a:xfrm>
+              <a:off x="3242629" y="1345785"/>
+              <a:ext cx="1807403" cy="1136061"/>
+              <a:chOff x="2181461" y="975014"/>
+              <a:chExt cx="1807403" cy="1136061"/>
+            </a:xfrm>
+          </p:grpSpPr>
+          <p:cxnSp>
+            <p:nvCxnSpPr>
+              <p:cNvPr id="3" name="Straight Connector 2">
+                <a:extLst>
+                  <a:ext uri="{FF2B5EF4-FFF2-40B4-BE49-F238E27FC236}">
+                    <a16:creationId xmlns:a16="http://schemas.microsoft.com/office/drawing/2014/main" id="{986C09F0-20E5-6642-A421-DEBB071C0FCA}"/>
+                  </a:ext>
+                </a:extLst>
+              </p:cNvPr>
+              <p:cNvCxnSpPr>
+                <a:cxnSpLocks/>
+              </p:cNvCxnSpPr>
+              <p:nvPr/>
+            </p:nvCxnSpPr>
+            <p:spPr>
+              <a:xfrm flipH="1" flipV="1">
+                <a:off x="2181461" y="975014"/>
+                <a:ext cx="903701" cy="1136061"/>
+              </a:xfrm>
+              <a:prstGeom prst="line">
+                <a:avLst/>
+              </a:prstGeom>
+              <a:ln w="38100" cap="rnd">
+                <a:solidFill>
+                  <a:schemeClr val="tx1"/>
+                </a:solidFill>
+                <a:prstDash val="sysDot"/>
+                <a:round/>
+              </a:ln>
+            </p:spPr>
+            <p:style>
+              <a:lnRef idx="1">
+                <a:schemeClr val="accent1"/>
+              </a:lnRef>
+              <a:fillRef idx="0">
+                <a:schemeClr val="accent1"/>
+              </a:fillRef>
+              <a:effectRef idx="0">
+                <a:schemeClr val="accent1"/>
+              </a:effectRef>
+              <a:fontRef idx="minor">
+                <a:schemeClr val="tx1"/>
+              </a:fontRef>
+            </p:style>
+          </p:cxnSp>
+          <p:cxnSp>
+            <p:nvCxnSpPr>
+              <p:cNvPr id="11" name="Straight Connector 10">
+                <a:extLst>
+                  <a:ext uri="{FF2B5EF4-FFF2-40B4-BE49-F238E27FC236}">
+                    <a16:creationId xmlns:a16="http://schemas.microsoft.com/office/drawing/2014/main" id="{414F0763-7F66-5E4C-96BC-41F8F93B5118}"/>
+                  </a:ext>
+                </a:extLst>
+              </p:cNvPr>
+              <p:cNvCxnSpPr>
+                <a:cxnSpLocks/>
+              </p:cNvCxnSpPr>
+              <p:nvPr/>
+            </p:nvCxnSpPr>
+            <p:spPr>
+              <a:xfrm flipV="1">
+                <a:off x="3085162" y="975014"/>
+                <a:ext cx="903702" cy="1136061"/>
+              </a:xfrm>
+              <a:prstGeom prst="line">
+                <a:avLst/>
+              </a:prstGeom>
+              <a:ln w="38100" cap="rnd">
+                <a:solidFill>
+                  <a:schemeClr val="tx1"/>
+                </a:solidFill>
+                <a:prstDash val="sysDot"/>
+                <a:round/>
+              </a:ln>
+            </p:spPr>
+            <p:style>
+              <a:lnRef idx="1">
+                <a:schemeClr val="accent1"/>
+              </a:lnRef>
+              <a:fillRef idx="0">
+                <a:schemeClr val="accent1"/>
+              </a:fillRef>
+              <a:effectRef idx="0">
+                <a:schemeClr val="accent1"/>
+              </a:effectRef>
+              <a:fontRef idx="minor">
+                <a:schemeClr val="tx1"/>
+              </a:fontRef>
+            </p:style>
+          </p:cxnSp>
+        </p:grpSp>
+      </p:grpSp>
+      <p:grpSp>
+        <p:nvGrpSpPr>
+          <p:cNvPr id="41" name="Group 40">
+            <a:extLst>
+              <a:ext uri="{FF2B5EF4-FFF2-40B4-BE49-F238E27FC236}">
+                <a16:creationId xmlns:a16="http://schemas.microsoft.com/office/drawing/2014/main" id="{7432062C-109E-D841-94EC-A556A9810760}"/>
+              </a:ext>
+            </a:extLst>
+          </p:cNvPr>
+          <p:cNvGrpSpPr/>
+          <p:nvPr/>
+        </p:nvGrpSpPr>
+        <p:grpSpPr>
+          <a:xfrm>
+            <a:off x="4274115" y="4840276"/>
+            <a:ext cx="2406081" cy="429289"/>
+            <a:chOff x="4274115" y="4262055"/>
+            <a:chExt cx="2406081" cy="429289"/>
+          </a:xfrm>
+        </p:grpSpPr>
+        <p:sp>
+          <p:nvSpPr>
+            <p:cNvPr id="26" name="Oval 25">
+              <a:extLst>
+                <a:ext uri="{FF2B5EF4-FFF2-40B4-BE49-F238E27FC236}">
+                  <a16:creationId xmlns:a16="http://schemas.microsoft.com/office/drawing/2014/main" id="{146E11F9-3756-0048-9EAF-0327D995C43D}"/>
+                </a:ext>
+              </a:extLst>
+            </p:cNvPr>
+            <p:cNvSpPr/>
+            <p:nvPr/>
+          </p:nvSpPr>
+          <p:spPr>
+            <a:xfrm>
+              <a:off x="5412592" y="4262055"/>
+              <a:ext cx="129128" cy="129128"/>
+            </a:xfrm>
+            <a:prstGeom prst="ellipse">
+              <a:avLst/>
+            </a:prstGeom>
+            <a:solidFill>
+              <a:schemeClr val="tx1"/>
+            </a:solidFill>
+            <a:ln>
+              <a:noFill/>
+            </a:ln>
+          </p:spPr>
+          <p:style>
+            <a:lnRef idx="2">
+              <a:schemeClr val="accent1">
+                <a:shade val="50000"/>
+              </a:schemeClr>
+            </a:lnRef>
+            <a:fillRef idx="1">
+              <a:schemeClr val="accent1"/>
+            </a:fillRef>
+            <a:effectRef idx="0">
+              <a:schemeClr val="accent1"/>
+            </a:effectRef>
+            <a:fontRef idx="minor">
+              <a:schemeClr val="lt1"/>
+            </a:fontRef>
+          </p:style>
+          <p:txBody>
+            <a:bodyPr rtlCol="0" anchor="ctr"/>
+            <a:lstStyle/>
+            <a:p>
+              <a:pPr algn="ctr"/>
+              <a:endParaRPr lang="en-US" dirty="0"/>
+            </a:p>
+          </p:txBody>
+        </p:sp>
+        <p:grpSp>
+          <p:nvGrpSpPr>
+            <p:cNvPr id="34" name="Group 33">
+              <a:extLst>
+                <a:ext uri="{FF2B5EF4-FFF2-40B4-BE49-F238E27FC236}">
+                  <a16:creationId xmlns:a16="http://schemas.microsoft.com/office/drawing/2014/main" id="{3241061D-D0F2-6F4B-9971-93EC6ED09DD3}"/>
+                </a:ext>
+              </a:extLst>
+            </p:cNvPr>
+            <p:cNvGrpSpPr/>
+            <p:nvPr/>
+          </p:nvGrpSpPr>
+          <p:grpSpPr>
+            <a:xfrm rot="10800000">
+              <a:off x="4274115" y="4326619"/>
+              <a:ext cx="2406081" cy="364725"/>
+              <a:chOff x="4573454" y="3161173"/>
+              <a:chExt cx="1807403" cy="1136061"/>
+            </a:xfrm>
+          </p:grpSpPr>
+          <p:cxnSp>
+            <p:nvCxnSpPr>
+              <p:cNvPr id="28" name="Straight Connector 27">
+                <a:extLst>
+                  <a:ext uri="{FF2B5EF4-FFF2-40B4-BE49-F238E27FC236}">
+                    <a16:creationId xmlns:a16="http://schemas.microsoft.com/office/drawing/2014/main" id="{058BE992-BBF1-F946-8988-E5CAB543F724}"/>
+                  </a:ext>
+                </a:extLst>
+              </p:cNvPr>
+              <p:cNvCxnSpPr>
+                <a:cxnSpLocks/>
+              </p:cNvCxnSpPr>
+              <p:nvPr/>
+            </p:nvCxnSpPr>
+            <p:spPr>
+              <a:xfrm flipH="1" flipV="1">
+                <a:off x="4573454" y="3161173"/>
+                <a:ext cx="903701" cy="1136061"/>
+              </a:xfrm>
+              <a:prstGeom prst="line">
+                <a:avLst/>
+              </a:prstGeom>
+              <a:ln w="38100" cap="rnd">
+                <a:solidFill>
+                  <a:schemeClr val="tx1"/>
+                </a:solidFill>
+                <a:prstDash val="sysDot"/>
+                <a:round/>
+              </a:ln>
+            </p:spPr>
+            <p:style>
+              <a:lnRef idx="1">
+                <a:schemeClr val="accent1"/>
+              </a:lnRef>
+              <a:fillRef idx="0">
+                <a:schemeClr val="accent1"/>
+              </a:fillRef>
+              <a:effectRef idx="0">
+                <a:schemeClr val="accent1"/>
+              </a:effectRef>
+              <a:fontRef idx="minor">
+                <a:schemeClr val="tx1"/>
+              </a:fontRef>
+            </p:style>
+          </p:cxnSp>
+          <p:cxnSp>
+            <p:nvCxnSpPr>
+              <p:cNvPr id="29" name="Straight Connector 28">
+                <a:extLst>
+                  <a:ext uri="{FF2B5EF4-FFF2-40B4-BE49-F238E27FC236}">
+                    <a16:creationId xmlns:a16="http://schemas.microsoft.com/office/drawing/2014/main" id="{AFC23BBC-1B1E-5842-9AC2-3927CE79BF16}"/>
+                  </a:ext>
+                </a:extLst>
+              </p:cNvPr>
+              <p:cNvCxnSpPr>
+                <a:cxnSpLocks/>
+              </p:cNvCxnSpPr>
+              <p:nvPr/>
+            </p:nvCxnSpPr>
+            <p:spPr>
+              <a:xfrm flipV="1">
+                <a:off x="5477155" y="3161173"/>
+                <a:ext cx="903702" cy="1136061"/>
+              </a:xfrm>
+              <a:prstGeom prst="line">
+                <a:avLst/>
+              </a:prstGeom>
+              <a:ln w="38100" cap="rnd">
+                <a:solidFill>
+                  <a:schemeClr val="tx1"/>
+                </a:solidFill>
+                <a:prstDash val="sysDot"/>
+                <a:round/>
+              </a:ln>
+            </p:spPr>
+            <p:style>
+              <a:lnRef idx="1">
+                <a:schemeClr val="accent1"/>
+              </a:lnRef>
+              <a:fillRef idx="0">
+                <a:schemeClr val="accent1"/>
+              </a:fillRef>
+              <a:effectRef idx="0">
+                <a:schemeClr val="accent1"/>
+              </a:effectRef>
+              <a:fontRef idx="minor">
+                <a:schemeClr val="tx1"/>
+              </a:fontRef>
+            </p:style>
+          </p:cxnSp>
+        </p:grpSp>
+      </p:grpSp>
+      <p:cxnSp>
+        <p:nvCxnSpPr>
+          <p:cNvPr id="37" name="Straight Arrow Connector 36">
+            <a:extLst>
+              <a:ext uri="{FF2B5EF4-FFF2-40B4-BE49-F238E27FC236}">
+                <a16:creationId xmlns:a16="http://schemas.microsoft.com/office/drawing/2014/main" id="{19AA1D1A-B401-4C4B-BA9D-E53010D3E66D}"/>
+              </a:ext>
+            </a:extLst>
+          </p:cNvPr>
+          <p:cNvCxnSpPr/>
+          <p:nvPr/>
+        </p:nvCxnSpPr>
+        <p:spPr>
+          <a:xfrm flipV="1">
+            <a:off x="872266" y="629920"/>
+            <a:ext cx="0" cy="4768194"/>
+          </a:xfrm>
+          <a:prstGeom prst="straightConnector1">
+            <a:avLst/>
+          </a:prstGeom>
+          <a:ln w="38100" cap="rnd">
+            <a:solidFill>
+              <a:schemeClr val="tx1"/>
+            </a:solidFill>
+            <a:round/>
+            <a:headEnd type="none"/>
+            <a:tailEnd type="stealth" w="lg" len="lg"/>
+          </a:ln>
+        </p:spPr>
+        <p:style>
+          <a:lnRef idx="1">
+            <a:schemeClr val="accent1"/>
+          </a:lnRef>
+          <a:fillRef idx="0">
+            <a:schemeClr val="accent1"/>
+          </a:fillRef>
+          <a:effectRef idx="0">
+            <a:schemeClr val="accent1"/>
+          </a:effectRef>
+          <a:fontRef idx="minor">
+            <a:schemeClr val="tx1"/>
+          </a:fontRef>
+        </p:style>
+      </p:cxnSp>
+      <p:sp>
+        <p:nvSpPr>
+          <p:cNvPr id="39" name="TextBox 38">
+            <a:extLst>
+              <a:ext uri="{FF2B5EF4-FFF2-40B4-BE49-F238E27FC236}">
+                <a16:creationId xmlns:a16="http://schemas.microsoft.com/office/drawing/2014/main" id="{5E9DF794-59D1-DA4F-907A-9ECF5F768FAF}"/>
+              </a:ext>
+            </a:extLst>
+          </p:cNvPr>
+          <p:cNvSpPr txBox="1"/>
+          <p:nvPr/>
         </p:nvSpPr>
         <p:spPr>
           <a:xfrm>
-            <a:off x="625928" y="2113731"/>
-            <a:ext cx="7886700" cy="2503032"/>
+            <a:off x="744667" y="260588"/>
+            <a:ext cx="255198" cy="369332"/>
+          </a:xfrm>
+          <a:prstGeom prst="rect">
+            <a:avLst/>
+          </a:prstGeom>
+          <a:noFill/>
+        </p:spPr>
+        <p:txBody>
+          <a:bodyPr wrap="none" rtlCol="0">
+            <a:spAutoFit/>
+          </a:bodyPr>
+          <a:lstStyle/>
+          <a:p>
+            <a:r>
+              <a:rPr lang="es-ES_tradnl" i="1" dirty="0"/>
+              <a:t>t</a:t>
+            </a:r>
+          </a:p>
+        </p:txBody>
+      </p:sp>
+      <p:sp>
+        <p:nvSpPr>
+          <p:cNvPr id="40" name="Title 39">
+            <a:extLst>
+              <a:ext uri="{FF2B5EF4-FFF2-40B4-BE49-F238E27FC236}">
+                <a16:creationId xmlns:a16="http://schemas.microsoft.com/office/drawing/2014/main" id="{F3605A23-3A43-5C49-A3B4-43B75CBFDC7B}"/>
+              </a:ext>
+            </a:extLst>
+          </p:cNvPr>
+          <p:cNvSpPr>
+            <a:spLocks noGrp="1"/>
+          </p:cNvSpPr>
+          <p:nvPr>
+            <p:ph type="title"/>
+          </p:nvPr>
+        </p:nvSpPr>
+        <p:spPr>
+          <a:xfrm>
+            <a:off x="628650" y="4702630"/>
+            <a:ext cx="7886700" cy="1469570"/>
           </a:xfrm>
         </p:spPr>
         <p:txBody>
@@ -7461,440 +12860,59 @@
           <a:lstStyle/>
           <a:p>
             <a:r>
-              <a:rPr lang="en-US" dirty="0"/>
-              <a:t>Alberto</a:t>
-            </a:r>
-            <a:br>
-              <a:rPr lang="en-US" dirty="0"/>
-            </a:br>
-            <a:r>
-              <a:rPr lang="en-US" dirty="0"/>
-              <a:t>Vega</a:t>
-            </a:r>
-          </a:p>
-        </p:txBody>
-      </p:sp>
+              <a:rPr lang="es-ES_tradnl" dirty="0"/>
+              <a:t>movimiento de la vida espiritual</a:t>
+            </a:r>
+          </a:p>
+        </p:txBody>
+      </p:sp>
+      <p:cxnSp>
+        <p:nvCxnSpPr>
+          <p:cNvPr id="43" name="Straight Connector 42">
+            <a:extLst>
+              <a:ext uri="{FF2B5EF4-FFF2-40B4-BE49-F238E27FC236}">
+                <a16:creationId xmlns:a16="http://schemas.microsoft.com/office/drawing/2014/main" id="{1D3FE551-2B90-984A-A61D-6E4055205F06}"/>
+              </a:ext>
+            </a:extLst>
+          </p:cNvPr>
+          <p:cNvCxnSpPr>
+            <a:cxnSpLocks/>
+          </p:cNvCxnSpPr>
+          <p:nvPr/>
+        </p:nvCxnSpPr>
+        <p:spPr>
+          <a:xfrm>
+            <a:off x="3455894" y="2675965"/>
+            <a:ext cx="2245659" cy="0"/>
+          </a:xfrm>
+          <a:prstGeom prst="line">
+            <a:avLst/>
+          </a:prstGeom>
+          <a:ln w="25400">
+            <a:solidFill>
+              <a:schemeClr val="tx1"/>
+            </a:solidFill>
+          </a:ln>
+        </p:spPr>
+        <p:style>
+          <a:lnRef idx="1">
+            <a:schemeClr val="accent1"/>
+          </a:lnRef>
+          <a:fillRef idx="0">
+            <a:schemeClr val="accent1"/>
+          </a:fillRef>
+          <a:effectRef idx="0">
+            <a:schemeClr val="accent1"/>
+          </a:effectRef>
+          <a:fontRef idx="minor">
+            <a:schemeClr val="tx1"/>
+          </a:fontRef>
+        </p:style>
+      </p:cxnSp>
     </p:spTree>
     <p:extLst>
       <p:ext uri="{BB962C8B-B14F-4D97-AF65-F5344CB8AC3E}">
-        <p14:creationId xmlns:p14="http://schemas.microsoft.com/office/powerpoint/2010/main" val="794718136"/>
-      </p:ext>
-    </p:extLst>
-  </p:cSld>
-  <p:clrMapOvr>
-    <a:masterClrMapping/>
-  </p:clrMapOvr>
-</p:sld>
-</file>
-
-<file path=ppt/slides/slide4.xml><?xml version="1.0" encoding="utf-8"?>
-<p:sld xmlns:a="http://schemas.openxmlformats.org/drawingml/2006/main" xmlns:r="http://schemas.openxmlformats.org/officeDocument/2006/relationships" xmlns:p="http://schemas.openxmlformats.org/presentationml/2006/main">
-  <p:cSld>
-    <p:spTree>
-      <p:nvGrpSpPr>
-        <p:cNvPr id="1" name=""/>
-        <p:cNvGrpSpPr/>
-        <p:nvPr/>
-      </p:nvGrpSpPr>
-      <p:grpSpPr>
-        <a:xfrm>
-          <a:off x="0" y="0"/>
-          <a:ext cx="0" cy="0"/>
-          <a:chOff x="0" y="0"/>
-          <a:chExt cx="0" cy="0"/>
-        </a:xfrm>
-      </p:grpSpPr>
-      <p:sp>
-        <p:nvSpPr>
-          <p:cNvPr id="2" name="Title 1">
-            <a:extLst>
-              <a:ext uri="{FF2B5EF4-FFF2-40B4-BE49-F238E27FC236}">
-                <a16:creationId xmlns:a16="http://schemas.microsoft.com/office/drawing/2014/main" id="{B6A5F662-BBDD-7F44-8E06-0F4629A3CE87}"/>
-              </a:ext>
-            </a:extLst>
-          </p:cNvPr>
-          <p:cNvSpPr>
-            <a:spLocks noGrp="1"/>
-          </p:cNvSpPr>
-          <p:nvPr>
-            <p:ph type="title"/>
-          </p:nvPr>
-        </p:nvSpPr>
-        <p:spPr/>
-        <p:txBody>
-          <a:bodyPr/>
-          <a:lstStyle/>
-          <a:p>
-            <a:r>
-              <a:rPr lang="es-ES_tradnl" dirty="0"/>
-              <a:t>Objetivo del proyecto</a:t>
-            </a:r>
-          </a:p>
-        </p:txBody>
-      </p:sp>
-    </p:spTree>
-    <p:extLst>
-      <p:ext uri="{BB962C8B-B14F-4D97-AF65-F5344CB8AC3E}">
-        <p14:creationId xmlns:p14="http://schemas.microsoft.com/office/powerpoint/2010/main" val="2497423877"/>
-      </p:ext>
-    </p:extLst>
-  </p:cSld>
-  <p:clrMapOvr>
-    <a:masterClrMapping/>
-  </p:clrMapOvr>
-</p:sld>
-</file>
-
-<file path=ppt/slides/slide5.xml><?xml version="1.0" encoding="utf-8"?>
-<p:sld xmlns:a="http://schemas.openxmlformats.org/drawingml/2006/main" xmlns:r="http://schemas.openxmlformats.org/officeDocument/2006/relationships" xmlns:p="http://schemas.openxmlformats.org/presentationml/2006/main">
-  <p:cSld>
-    <p:spTree>
-      <p:nvGrpSpPr>
-        <p:cNvPr id="1" name=""/>
-        <p:cNvGrpSpPr/>
-        <p:nvPr/>
-      </p:nvGrpSpPr>
-      <p:grpSpPr>
-        <a:xfrm>
-          <a:off x="0" y="0"/>
-          <a:ext cx="0" cy="0"/>
-          <a:chOff x="0" y="0"/>
-          <a:chExt cx="0" cy="0"/>
-        </a:xfrm>
-      </p:grpSpPr>
-      <p:sp>
-        <p:nvSpPr>
-          <p:cNvPr id="2" name="Title 1">
-            <a:extLst>
-              <a:ext uri="{FF2B5EF4-FFF2-40B4-BE49-F238E27FC236}">
-                <a16:creationId xmlns:a16="http://schemas.microsoft.com/office/drawing/2014/main" id="{1AE2DE55-6FDE-F24F-A4C1-36840D727B0B}"/>
-              </a:ext>
-            </a:extLst>
-          </p:cNvPr>
-          <p:cNvSpPr>
-            <a:spLocks noGrp="1"/>
-          </p:cNvSpPr>
-          <p:nvPr>
-            <p:ph type="title"/>
-          </p:nvPr>
-        </p:nvSpPr>
-        <p:spPr/>
-        <p:txBody>
-          <a:bodyPr/>
-          <a:lstStyle/>
-          <a:p>
-            <a:r>
-              <a:rPr lang="es-ES_tradnl" dirty="0"/>
-              <a:t>Corporización compleja</a:t>
-            </a:r>
-          </a:p>
-        </p:txBody>
-      </p:sp>
-    </p:spTree>
-    <p:extLst>
-      <p:ext uri="{BB962C8B-B14F-4D97-AF65-F5344CB8AC3E}">
-        <p14:creationId xmlns:p14="http://schemas.microsoft.com/office/powerpoint/2010/main" val="3489648632"/>
-      </p:ext>
-    </p:extLst>
-  </p:cSld>
-  <p:clrMapOvr>
-    <a:masterClrMapping/>
-  </p:clrMapOvr>
-</p:sld>
-</file>
-
-<file path=ppt/slides/slide6.xml><?xml version="1.0" encoding="utf-8"?>
-<p:sld xmlns:a="http://schemas.openxmlformats.org/drawingml/2006/main" xmlns:r="http://schemas.openxmlformats.org/officeDocument/2006/relationships" xmlns:p="http://schemas.openxmlformats.org/presentationml/2006/main">
-  <p:cSld>
-    <p:spTree>
-      <p:nvGrpSpPr>
-        <p:cNvPr id="1" name=""/>
-        <p:cNvGrpSpPr/>
-        <p:nvPr/>
-      </p:nvGrpSpPr>
-      <p:grpSpPr>
-        <a:xfrm>
-          <a:off x="0" y="0"/>
-          <a:ext cx="0" cy="0"/>
-          <a:chOff x="0" y="0"/>
-          <a:chExt cx="0" cy="0"/>
-        </a:xfrm>
-      </p:grpSpPr>
-      <p:sp>
-        <p:nvSpPr>
-          <p:cNvPr id="2" name="Title 1">
-            <a:extLst>
-              <a:ext uri="{FF2B5EF4-FFF2-40B4-BE49-F238E27FC236}">
-                <a16:creationId xmlns:a16="http://schemas.microsoft.com/office/drawing/2014/main" id="{4B5176AE-052C-9D41-A203-F4000DC4F45A}"/>
-              </a:ext>
-            </a:extLst>
-          </p:cNvPr>
-          <p:cNvSpPr>
-            <a:spLocks noGrp="1"/>
-          </p:cNvSpPr>
-          <p:nvPr>
-            <p:ph type="title"/>
-          </p:nvPr>
-        </p:nvSpPr>
-        <p:spPr/>
-        <p:txBody>
-          <a:bodyPr/>
-          <a:lstStyle/>
-          <a:p>
-            <a:r>
-              <a:rPr lang="es-ES_tradnl" dirty="0"/>
-              <a:t>Teatro = cuerpo + escena</a:t>
-            </a:r>
-          </a:p>
-        </p:txBody>
-      </p:sp>
-    </p:spTree>
-    <p:extLst>
-      <p:ext uri="{BB962C8B-B14F-4D97-AF65-F5344CB8AC3E}">
-        <p14:creationId xmlns:p14="http://schemas.microsoft.com/office/powerpoint/2010/main" val="3161099668"/>
-      </p:ext>
-    </p:extLst>
-  </p:cSld>
-  <p:clrMapOvr>
-    <a:masterClrMapping/>
-  </p:clrMapOvr>
-</p:sld>
-</file>
-
-<file path=ppt/slides/slide7.xml><?xml version="1.0" encoding="utf-8"?>
-<p:sld xmlns:a="http://schemas.openxmlformats.org/drawingml/2006/main" xmlns:r="http://schemas.openxmlformats.org/officeDocument/2006/relationships" xmlns:p="http://schemas.openxmlformats.org/presentationml/2006/main">
-  <p:cSld>
-    <p:spTree>
-      <p:nvGrpSpPr>
-        <p:cNvPr id="1" name=""/>
-        <p:cNvGrpSpPr/>
-        <p:nvPr/>
-      </p:nvGrpSpPr>
-      <p:grpSpPr>
-        <a:xfrm>
-          <a:off x="0" y="0"/>
-          <a:ext cx="0" cy="0"/>
-          <a:chOff x="0" y="0"/>
-          <a:chExt cx="0" cy="0"/>
-        </a:xfrm>
-      </p:grpSpPr>
-      <p:sp>
-        <p:nvSpPr>
-          <p:cNvPr id="2" name="Title 1">
-            <a:extLst>
-              <a:ext uri="{FF2B5EF4-FFF2-40B4-BE49-F238E27FC236}">
-                <a16:creationId xmlns:a16="http://schemas.microsoft.com/office/drawing/2014/main" id="{85E6E958-B692-554C-BB9E-10D566ADC494}"/>
-              </a:ext>
-            </a:extLst>
-          </p:cNvPr>
-          <p:cNvSpPr>
-            <a:spLocks noGrp="1"/>
-          </p:cNvSpPr>
-          <p:nvPr>
-            <p:ph type="title"/>
-          </p:nvPr>
-        </p:nvSpPr>
-        <p:spPr/>
-        <p:txBody>
-          <a:bodyPr/>
-          <a:lstStyle/>
-          <a:p>
-            <a:r>
-              <a:rPr lang="es-ES_tradnl" dirty="0"/>
-              <a:t>Enacción</a:t>
-            </a:r>
-          </a:p>
-        </p:txBody>
-      </p:sp>
-    </p:spTree>
-    <p:extLst>
-      <p:ext uri="{BB962C8B-B14F-4D97-AF65-F5344CB8AC3E}">
-        <p14:creationId xmlns:p14="http://schemas.microsoft.com/office/powerpoint/2010/main" val="4276229214"/>
-      </p:ext>
-    </p:extLst>
-  </p:cSld>
-  <p:clrMapOvr>
-    <a:masterClrMapping/>
-  </p:clrMapOvr>
-</p:sld>
-</file>
-
-<file path=ppt/slides/slide8.xml><?xml version="1.0" encoding="utf-8"?>
-<p:sld xmlns:a="http://schemas.openxmlformats.org/drawingml/2006/main" xmlns:r="http://schemas.openxmlformats.org/officeDocument/2006/relationships" xmlns:p="http://schemas.openxmlformats.org/presentationml/2006/main">
-  <p:cSld>
-    <p:spTree>
-      <p:nvGrpSpPr>
-        <p:cNvPr id="1" name=""/>
-        <p:cNvGrpSpPr/>
-        <p:nvPr/>
-      </p:nvGrpSpPr>
-      <p:grpSpPr>
-        <a:xfrm>
-          <a:off x="0" y="0"/>
-          <a:ext cx="0" cy="0"/>
-          <a:chOff x="0" y="0"/>
-          <a:chExt cx="0" cy="0"/>
-        </a:xfrm>
-      </p:grpSpPr>
-      <p:sp>
-        <p:nvSpPr>
-          <p:cNvPr id="2" name="Title 1">
-            <a:extLst>
-              <a:ext uri="{FF2B5EF4-FFF2-40B4-BE49-F238E27FC236}">
-                <a16:creationId xmlns:a16="http://schemas.microsoft.com/office/drawing/2014/main" id="{101D080F-1705-C249-8E75-3FAFB766D267}"/>
-              </a:ext>
-            </a:extLst>
-          </p:cNvPr>
-          <p:cNvSpPr>
-            <a:spLocks noGrp="1"/>
-          </p:cNvSpPr>
-          <p:nvPr>
-            <p:ph type="title"/>
-          </p:nvPr>
-        </p:nvSpPr>
-        <p:spPr/>
-        <p:txBody>
-          <a:bodyPr/>
-          <a:lstStyle/>
-          <a:p>
-            <a:r>
-              <a:rPr lang="es-ES_tradnl" dirty="0"/>
-              <a:t>Teatro</a:t>
-            </a:r>
-          </a:p>
-        </p:txBody>
-      </p:sp>
-    </p:spTree>
-    <p:extLst>
-      <p:ext uri="{BB962C8B-B14F-4D97-AF65-F5344CB8AC3E}">
-        <p14:creationId xmlns:p14="http://schemas.microsoft.com/office/powerpoint/2010/main" val="308093663"/>
-      </p:ext>
-    </p:extLst>
-  </p:cSld>
-  <p:clrMapOvr>
-    <a:masterClrMapping/>
-  </p:clrMapOvr>
-</p:sld>
-</file>
-
-<file path=ppt/slides/slide9.xml><?xml version="1.0" encoding="utf-8"?>
-<p:sld xmlns:a="http://schemas.openxmlformats.org/drawingml/2006/main" xmlns:r="http://schemas.openxmlformats.org/officeDocument/2006/relationships" xmlns:p="http://schemas.openxmlformats.org/presentationml/2006/main">
-  <p:cSld>
-    <p:spTree>
-      <p:nvGrpSpPr>
-        <p:cNvPr id="1" name=""/>
-        <p:cNvGrpSpPr/>
-        <p:nvPr/>
-      </p:nvGrpSpPr>
-      <p:grpSpPr>
-        <a:xfrm>
-          <a:off x="0" y="0"/>
-          <a:ext cx="0" cy="0"/>
-          <a:chOff x="0" y="0"/>
-          <a:chExt cx="0" cy="0"/>
-        </a:xfrm>
-      </p:grpSpPr>
-      <mc:AlternateContent xmlns:mc="http://schemas.openxmlformats.org/markup-compatibility/2006">
-        <mc:Choice xmlns:a14="http://schemas.microsoft.com/office/drawing/2010/main" Requires="a14">
-          <p:sp>
-            <p:nvSpPr>
-              <p:cNvPr id="2" name="Title 1">
-                <a:extLst>
-                  <a:ext uri="{FF2B5EF4-FFF2-40B4-BE49-F238E27FC236}">
-                    <a16:creationId xmlns:a16="http://schemas.microsoft.com/office/drawing/2014/main" id="{134F74F0-DAB8-7B4E-B752-161ADA3DD04A}"/>
-                  </a:ext>
-                </a:extLst>
-              </p:cNvPr>
-              <p:cNvSpPr>
-                <a:spLocks noGrp="1"/>
-              </p:cNvSpPr>
-              <p:nvPr>
-                <p:ph type="title"/>
-              </p:nvPr>
-            </p:nvSpPr>
-            <p:spPr/>
-            <p:txBody>
-              <a:bodyPr/>
-              <a:lstStyle/>
-              <a:p>
-                <a14:m>
-                  <m:oMathPara xmlns:m="http://schemas.openxmlformats.org/officeDocument/2006/math">
-                    <m:oMathParaPr>
-                      <m:jc m:val="centerGroup"/>
-                    </m:oMathParaPr>
-                    <m:oMath xmlns:m="http://schemas.openxmlformats.org/officeDocument/2006/math">
-                      <m:r>
-                        <a:rPr lang="es-ES" b="0" i="1" smtClean="0">
-                          <a:latin typeface="Cambria Math" panose="02040503050406030204" pitchFamily="18" charset="0"/>
-                        </a:rPr>
-                        <m:t>𝑚</m:t>
-                      </m:r>
-                      <m:r>
-                        <a:rPr lang="es-ES" i="1">
-                          <a:latin typeface="Cambria Math" panose="02040503050406030204" pitchFamily="18" charset="0"/>
-                          <a:ea typeface="Cambria Math" panose="02040503050406030204" pitchFamily="18" charset="0"/>
-                        </a:rPr>
-                        <m:t>⟺</m:t>
-                      </m:r>
-                      <m:r>
-                        <a:rPr lang="es-ES" b="0" i="1" smtClean="0">
-                          <a:latin typeface="Cambria Math" panose="02040503050406030204" pitchFamily="18" charset="0"/>
-                          <a:ea typeface="Cambria Math" panose="02040503050406030204" pitchFamily="18" charset="0"/>
-                        </a:rPr>
-                        <m:t>𝐸</m:t>
-                      </m:r>
-                    </m:oMath>
-                  </m:oMathPara>
-                </a14:m>
-                <a:endParaRPr lang="es-ES_tradnl" dirty="0"/>
-              </a:p>
-            </p:txBody>
-          </p:sp>
-        </mc:Choice>
-        <mc:Fallback>
-          <p:sp>
-            <p:nvSpPr>
-              <p:cNvPr id="2" name="Title 1">
-                <a:extLst>
-                  <a:ext uri="{FF2B5EF4-FFF2-40B4-BE49-F238E27FC236}">
-                    <a16:creationId xmlns:a16="http://schemas.microsoft.com/office/drawing/2014/main" id="{134F74F0-DAB8-7B4E-B752-161ADA3DD04A}"/>
-                  </a:ext>
-                </a:extLst>
-              </p:cNvPr>
-              <p:cNvSpPr>
-                <a:spLocks noGrp="1" noRot="1" noChangeAspect="1" noMove="1" noResize="1" noEditPoints="1" noAdjustHandles="1" noChangeArrowheads="1" noChangeShapeType="1" noTextEdit="1"/>
-              </p:cNvSpPr>
-              <p:nvPr>
-                <p:ph type="title"/>
-              </p:nvPr>
-            </p:nvSpPr>
-            <p:spPr>
-              <a:blipFill>
-                <a:blip r:embed="rId3"/>
-                <a:stretch>
-                  <a:fillRect/>
-                </a:stretch>
-              </a:blipFill>
-            </p:spPr>
-            <p:txBody>
-              <a:bodyPr/>
-              <a:lstStyle/>
-              <a:p>
-                <a:r>
-                  <a:rPr lang="es-ES_tradnl">
-                    <a:noFill/>
-                  </a:rPr>
-                  <a:t> </a:t>
-                </a:r>
-              </a:p>
-            </p:txBody>
-          </p:sp>
-        </mc:Fallback>
-      </mc:AlternateContent>
-    </p:spTree>
-    <p:extLst>
-      <p:ext uri="{BB962C8B-B14F-4D97-AF65-F5344CB8AC3E}">
-        <p14:creationId xmlns:p14="http://schemas.microsoft.com/office/powerpoint/2010/main" val="1030507657"/>
+        <p14:creationId xmlns:p14="http://schemas.microsoft.com/office/powerpoint/2010/main" val="220094275"/>
       </p:ext>
     </p:extLst>
   </p:cSld>

--- a/powerpoint/tres-lemas.pptx
+++ b/powerpoint/tres-lemas.pptx
@@ -17503,8 +17503,8 @@
         </p:nvSpPr>
         <p:spPr>
           <a:xfrm>
-            <a:off x="6512917" y="5452208"/>
-            <a:ext cx="1356233" cy="369332"/>
+            <a:off x="5672139" y="5452208"/>
+            <a:ext cx="2197012" cy="369332"/>
           </a:xfrm>
           <a:prstGeom prst="rect">
             <a:avLst/>
@@ -17520,7 +17520,7 @@
             <a:pPr algn="r"/>
             <a:r>
               <a:rPr lang="es-ES_tradnl" sz="2400" b="1" dirty="0"/>
-              <a:t>escena</a:t>
+              <a:t>espacio teatral</a:t>
             </a:r>
           </a:p>
         </p:txBody>
